--- a/Report/보고서에 첨부된 그림 및 자료/영상처리 흐름도.pptx
+++ b/Report/보고서에 첨부된 그림 및 자료/영상처리 흐름도.pptx
@@ -5724,1774 +5724,1795 @@
           <a:chExt cx="0" cy="0"/>
         </a:xfrm>
       </p:grpSpPr>
-      <p:sp>
-        <p:nvSpPr>
-          <p:cNvPr id="42" name="직사각형 41">
+      <p:grpSp>
+        <p:nvGrpSpPr>
+          <p:cNvPr id="2" name="그룹 1">
             <a:extLst>
               <a:ext uri="{FF2B5EF4-FFF2-40B4-BE49-F238E27FC236}">
-                <a16:creationId xmlns:a16="http://schemas.microsoft.com/office/drawing/2014/main" id="{C0109EC2-ABA3-4B08-9B24-A8EDFD8095CA}"/>
+                <a16:creationId xmlns:a16="http://schemas.microsoft.com/office/drawing/2014/main" id="{438913CB-2376-4BCD-A839-4F424A8E3295}"/>
               </a:ext>
             </a:extLst>
           </p:cNvPr>
-          <p:cNvSpPr/>
+          <p:cNvGrpSpPr/>
           <p:nvPr/>
-        </p:nvSpPr>
-        <p:spPr>
+        </p:nvGrpSpPr>
+        <p:grpSpPr>
           <a:xfrm>
             <a:off x="32357" y="799564"/>
             <a:ext cx="12127286" cy="5071149"/>
+            <a:chOff x="32357" y="799564"/>
+            <a:chExt cx="12127286" cy="5071149"/>
           </a:xfrm>
-          <a:prstGeom prst="rect">
-            <a:avLst/>
-          </a:prstGeom>
-        </p:spPr>
-        <p:style>
-          <a:lnRef idx="2">
-            <a:schemeClr val="accent3"/>
-          </a:lnRef>
-          <a:fillRef idx="1">
-            <a:schemeClr val="lt1"/>
-          </a:fillRef>
-          <a:effectRef idx="0">
-            <a:schemeClr val="accent3"/>
-          </a:effectRef>
-          <a:fontRef idx="minor">
-            <a:schemeClr val="dk1"/>
-          </a:fontRef>
-        </p:style>
-        <p:txBody>
-          <a:bodyPr rtlCol="0" anchor="ctr"/>
-          <a:lstStyle/>
-          <a:p>
-            <a:pPr algn="ctr"/>
-            <a:endParaRPr lang="ko-KR" altLang="en-US"/>
-          </a:p>
-        </p:txBody>
-      </p:sp>
-      <p:sp>
-        <p:nvSpPr>
-          <p:cNvPr id="56" name="직사각형 55">
+        </p:grpSpPr>
+        <p:sp>
+          <p:nvSpPr>
+            <p:cNvPr id="42" name="직사각형 41">
+              <a:extLst>
+                <a:ext uri="{FF2B5EF4-FFF2-40B4-BE49-F238E27FC236}">
+                  <a16:creationId xmlns:a16="http://schemas.microsoft.com/office/drawing/2014/main" id="{C0109EC2-ABA3-4B08-9B24-A8EDFD8095CA}"/>
+                </a:ext>
+              </a:extLst>
+            </p:cNvPr>
+            <p:cNvSpPr/>
+            <p:nvPr/>
+          </p:nvSpPr>
+          <p:spPr>
+            <a:xfrm>
+              <a:off x="32357" y="799564"/>
+              <a:ext cx="12127286" cy="5071149"/>
+            </a:xfrm>
+            <a:prstGeom prst="rect">
+              <a:avLst/>
+            </a:prstGeom>
+          </p:spPr>
+          <p:style>
+            <a:lnRef idx="2">
+              <a:schemeClr val="accent3"/>
+            </a:lnRef>
+            <a:fillRef idx="1">
+              <a:schemeClr val="lt1"/>
+            </a:fillRef>
+            <a:effectRef idx="0">
+              <a:schemeClr val="accent3"/>
+            </a:effectRef>
+            <a:fontRef idx="minor">
+              <a:schemeClr val="dk1"/>
+            </a:fontRef>
+          </p:style>
+          <p:txBody>
+            <a:bodyPr rtlCol="0" anchor="ctr"/>
+            <a:lstStyle/>
+            <a:p>
+              <a:pPr algn="ctr"/>
+              <a:endParaRPr lang="ko-KR" altLang="en-US"/>
+            </a:p>
+          </p:txBody>
+        </p:sp>
+        <p:sp>
+          <p:nvSpPr>
+            <p:cNvPr id="56" name="직사각형 55">
+              <a:extLst>
+                <a:ext uri="{FF2B5EF4-FFF2-40B4-BE49-F238E27FC236}">
+                  <a16:creationId xmlns:a16="http://schemas.microsoft.com/office/drawing/2014/main" id="{1EC028D1-284E-45C7-8427-12088F95462B}"/>
+                </a:ext>
+              </a:extLst>
+            </p:cNvPr>
+            <p:cNvSpPr/>
+            <p:nvPr/>
+          </p:nvSpPr>
+          <p:spPr>
+            <a:xfrm>
+              <a:off x="11551009" y="852572"/>
+              <a:ext cx="564807" cy="4951878"/>
+            </a:xfrm>
+            <a:prstGeom prst="rect">
+              <a:avLst/>
+            </a:prstGeom>
+          </p:spPr>
+          <p:style>
+            <a:lnRef idx="2">
+              <a:schemeClr val="accent3"/>
+            </a:lnRef>
+            <a:fillRef idx="1">
+              <a:schemeClr val="lt1"/>
+            </a:fillRef>
+            <a:effectRef idx="0">
+              <a:schemeClr val="accent3"/>
+            </a:effectRef>
+            <a:fontRef idx="minor">
+              <a:schemeClr val="dk1"/>
+            </a:fontRef>
+          </p:style>
+          <p:txBody>
+            <a:bodyPr rtlCol="0" anchor="ctr"/>
+            <a:lstStyle/>
+            <a:p>
+              <a:pPr algn="ctr"/>
+              <a:r>
+                <a:rPr lang="en-US" altLang="ko-KR" dirty="0"/>
+                <a:t>S</a:t>
+              </a:r>
+            </a:p>
+            <a:p>
+              <a:pPr algn="ctr"/>
+              <a:r>
+                <a:rPr lang="en-US" altLang="ko-KR" dirty="0"/>
+                <a:t>U</a:t>
+              </a:r>
+            </a:p>
+            <a:p>
+              <a:pPr algn="ctr"/>
+              <a:r>
+                <a:rPr lang="en-US" altLang="ko-KR" dirty="0"/>
+                <a:t>B</a:t>
+              </a:r>
+            </a:p>
+            <a:p>
+              <a:pPr algn="ctr"/>
+              <a:endParaRPr lang="en-US" altLang="ko-KR" dirty="0"/>
+            </a:p>
+            <a:p>
+              <a:pPr algn="ctr"/>
+              <a:r>
+                <a:rPr lang="en-US" altLang="ko-KR" dirty="0"/>
+                <a:t>D</a:t>
+              </a:r>
+            </a:p>
+            <a:p>
+              <a:pPr algn="ctr"/>
+              <a:r>
+                <a:rPr lang="en-US" altLang="ko-KR" dirty="0"/>
+                <a:t>E</a:t>
+              </a:r>
+            </a:p>
+            <a:p>
+              <a:pPr algn="ctr"/>
+              <a:r>
+                <a:rPr lang="en-US" altLang="ko-KR" dirty="0"/>
+                <a:t>V</a:t>
+              </a:r>
+            </a:p>
+            <a:p>
+              <a:pPr algn="ctr"/>
+              <a:r>
+                <a:rPr lang="en-US" altLang="ko-KR" dirty="0"/>
+                <a:t>I</a:t>
+              </a:r>
+            </a:p>
+            <a:p>
+              <a:pPr algn="ctr"/>
+              <a:r>
+                <a:rPr lang="en-US" altLang="ko-KR" dirty="0"/>
+                <a:t>C</a:t>
+              </a:r>
+            </a:p>
+            <a:p>
+              <a:pPr algn="ctr"/>
+              <a:r>
+                <a:rPr lang="en-US" altLang="ko-KR" dirty="0"/>
+                <a:t>E</a:t>
+              </a:r>
+              <a:endParaRPr lang="ko-KR" altLang="en-US" dirty="0"/>
+            </a:p>
+          </p:txBody>
+        </p:sp>
+        <p:cxnSp>
+          <p:nvCxnSpPr>
+            <p:cNvPr id="3" name="직선 화살표 연결선 2">
+              <a:extLst>
+                <a:ext uri="{FF2B5EF4-FFF2-40B4-BE49-F238E27FC236}">
+                  <a16:creationId xmlns:a16="http://schemas.microsoft.com/office/drawing/2014/main" id="{1138AAA8-8FF5-4B3A-B160-6EF520739D42}"/>
+                </a:ext>
+              </a:extLst>
+            </p:cNvPr>
+            <p:cNvCxnSpPr>
+              <a:cxnSpLocks/>
+            </p:cNvCxnSpPr>
+            <p:nvPr/>
+          </p:nvCxnSpPr>
+          <p:spPr>
+            <a:xfrm flipV="1">
+              <a:off x="4296309" y="3263032"/>
+              <a:ext cx="446165" cy="1"/>
+            </a:xfrm>
+            <a:prstGeom prst="straightConnector1">
+              <a:avLst/>
+            </a:prstGeom>
+            <a:ln>
+              <a:tailEnd type="triangle"/>
+            </a:ln>
+          </p:spPr>
+          <p:style>
+            <a:lnRef idx="1">
+              <a:schemeClr val="dk1"/>
+            </a:lnRef>
+            <a:fillRef idx="0">
+              <a:schemeClr val="dk1"/>
+            </a:fillRef>
+            <a:effectRef idx="0">
+              <a:schemeClr val="dk1"/>
+            </a:effectRef>
+            <a:fontRef idx="minor">
+              <a:schemeClr val="tx1"/>
+            </a:fontRef>
+          </p:style>
+        </p:cxnSp>
+        <p:sp>
+          <p:nvSpPr>
+            <p:cNvPr id="107" name="사각형: 둥근 모서리 106">
+              <a:extLst>
+                <a:ext uri="{FF2B5EF4-FFF2-40B4-BE49-F238E27FC236}">
+                  <a16:creationId xmlns:a16="http://schemas.microsoft.com/office/drawing/2014/main" id="{A914701E-FEB6-470B-B46C-F5F755BA1A96}"/>
+                </a:ext>
+              </a:extLst>
+            </p:cNvPr>
+            <p:cNvSpPr/>
+            <p:nvPr/>
+          </p:nvSpPr>
+          <p:spPr>
+            <a:xfrm>
+              <a:off x="7757290" y="4402029"/>
+              <a:ext cx="1031567" cy="962977"/>
+            </a:xfrm>
+            <a:prstGeom prst="roundRect">
+              <a:avLst/>
+            </a:prstGeom>
+          </p:spPr>
+          <p:style>
+            <a:lnRef idx="2">
+              <a:schemeClr val="accent3"/>
+            </a:lnRef>
+            <a:fillRef idx="1">
+              <a:schemeClr val="lt1"/>
+            </a:fillRef>
+            <a:effectRef idx="0">
+              <a:schemeClr val="accent3"/>
+            </a:effectRef>
+            <a:fontRef idx="minor">
+              <a:schemeClr val="dk1"/>
+            </a:fontRef>
+          </p:style>
+          <p:txBody>
+            <a:bodyPr rtlCol="0" anchor="ctr"/>
+            <a:lstStyle/>
+            <a:p>
+              <a:pPr algn="ctr"/>
+              <a:endParaRPr lang="en-US" altLang="ko-KR" sz="1050" dirty="0"/>
+            </a:p>
+            <a:p>
+              <a:pPr algn="ctr"/>
+              <a:endParaRPr lang="en-US" altLang="ko-KR" sz="1050" dirty="0"/>
+            </a:p>
+            <a:p>
+              <a:pPr algn="ctr"/>
+              <a:endParaRPr lang="en-US" altLang="ko-KR" sz="1050" dirty="0"/>
+            </a:p>
+            <a:p>
+              <a:pPr algn="ctr"/>
+              <a:r>
+                <a:rPr lang="en-US" altLang="ko-KR" sz="1050" dirty="0"/>
+                <a:t>Learning Data</a:t>
+              </a:r>
+            </a:p>
+            <a:p>
+              <a:pPr algn="ctr"/>
+              <a:r>
+                <a:rPr lang="en-US" altLang="ko-KR" sz="1050" dirty="0"/>
+                <a:t>Comparison</a:t>
+              </a:r>
+              <a:endParaRPr lang="ko-KR" altLang="en-US" sz="1050" dirty="0"/>
+            </a:p>
+          </p:txBody>
+        </p:sp>
+        <p:sp>
+          <p:nvSpPr>
+            <p:cNvPr id="106" name="사각형: 둥근 모서리 105">
+              <a:extLst>
+                <a:ext uri="{FF2B5EF4-FFF2-40B4-BE49-F238E27FC236}">
+                  <a16:creationId xmlns:a16="http://schemas.microsoft.com/office/drawing/2014/main" id="{F96187E9-FA07-4AB9-9344-7EFFEFA70C64}"/>
+                </a:ext>
+              </a:extLst>
+            </p:cNvPr>
+            <p:cNvSpPr/>
+            <p:nvPr/>
+          </p:nvSpPr>
+          <p:spPr>
+            <a:xfrm>
+              <a:off x="7757290" y="3155601"/>
+              <a:ext cx="1031567" cy="962977"/>
+            </a:xfrm>
+            <a:prstGeom prst="roundRect">
+              <a:avLst/>
+            </a:prstGeom>
+          </p:spPr>
+          <p:style>
+            <a:lnRef idx="2">
+              <a:schemeClr val="accent3"/>
+            </a:lnRef>
+            <a:fillRef idx="1">
+              <a:schemeClr val="lt1"/>
+            </a:fillRef>
+            <a:effectRef idx="0">
+              <a:schemeClr val="accent3"/>
+            </a:effectRef>
+            <a:fontRef idx="minor">
+              <a:schemeClr val="dk1"/>
+            </a:fontRef>
+          </p:style>
+          <p:txBody>
+            <a:bodyPr rtlCol="0" anchor="ctr"/>
+            <a:lstStyle/>
+            <a:p>
+              <a:pPr algn="ctr"/>
+              <a:endParaRPr lang="en-US" altLang="ko-KR" sz="1100" dirty="0"/>
+            </a:p>
+            <a:p>
+              <a:pPr algn="ctr"/>
+              <a:endParaRPr lang="en-US" altLang="ko-KR" sz="1100" dirty="0"/>
+            </a:p>
+            <a:p>
+              <a:pPr algn="ctr"/>
+              <a:endParaRPr lang="en-US" altLang="ko-KR" sz="1100" dirty="0"/>
+            </a:p>
+            <a:p>
+              <a:pPr algn="ctr"/>
+              <a:r>
+                <a:rPr lang="en-US" altLang="ko-KR" sz="1100" dirty="0"/>
+                <a:t>Color comparison matching</a:t>
+              </a:r>
+              <a:endParaRPr lang="ko-KR" altLang="en-US" sz="1100" dirty="0"/>
+            </a:p>
+          </p:txBody>
+        </p:sp>
+        <p:sp>
+          <p:nvSpPr>
+            <p:cNvPr id="103" name="사각형: 둥근 모서리 102">
+              <a:extLst>
+                <a:ext uri="{FF2B5EF4-FFF2-40B4-BE49-F238E27FC236}">
+                  <a16:creationId xmlns:a16="http://schemas.microsoft.com/office/drawing/2014/main" id="{7B219880-B76A-4F20-A059-47B5E50A3230}"/>
+                </a:ext>
+              </a:extLst>
+            </p:cNvPr>
+            <p:cNvSpPr/>
+            <p:nvPr/>
+          </p:nvSpPr>
+          <p:spPr>
+            <a:xfrm>
+              <a:off x="6427755" y="2987826"/>
+              <a:ext cx="1031567" cy="636105"/>
+            </a:xfrm>
+            <a:prstGeom prst="roundRect">
+              <a:avLst/>
+            </a:prstGeom>
+          </p:spPr>
+          <p:style>
+            <a:lnRef idx="2">
+              <a:schemeClr val="accent3"/>
+            </a:lnRef>
+            <a:fillRef idx="1">
+              <a:schemeClr val="lt1"/>
+            </a:fillRef>
+            <a:effectRef idx="0">
+              <a:schemeClr val="accent3"/>
+            </a:effectRef>
+            <a:fontRef idx="minor">
+              <a:schemeClr val="dk1"/>
+            </a:fontRef>
+          </p:style>
+          <p:txBody>
+            <a:bodyPr rtlCol="0" anchor="ctr"/>
+            <a:lstStyle/>
+            <a:p>
+              <a:pPr algn="ctr"/>
+              <a:endParaRPr lang="en-US" altLang="ko-KR" sz="1100" dirty="0"/>
+            </a:p>
+            <a:p>
+              <a:pPr algn="ctr"/>
+              <a:endParaRPr lang="en-US" altLang="ko-KR" sz="1100" dirty="0"/>
+            </a:p>
+            <a:p>
+              <a:pPr algn="ctr"/>
+              <a:r>
+                <a:rPr lang="en-US" altLang="ko-KR" sz="1100" dirty="0"/>
+                <a:t>Set Range Image</a:t>
+              </a:r>
+              <a:endParaRPr lang="ko-KR" altLang="en-US" sz="1100" dirty="0"/>
+            </a:p>
+          </p:txBody>
+        </p:sp>
+        <p:sp>
+          <p:nvSpPr>
+            <p:cNvPr id="104" name="사각형: 둥근 모서리 103">
+              <a:extLst>
+                <a:ext uri="{FF2B5EF4-FFF2-40B4-BE49-F238E27FC236}">
+                  <a16:creationId xmlns:a16="http://schemas.microsoft.com/office/drawing/2014/main" id="{1E5B564D-C648-4C4D-B158-E8AB795BF156}"/>
+                </a:ext>
+              </a:extLst>
+            </p:cNvPr>
+            <p:cNvSpPr/>
+            <p:nvPr/>
+          </p:nvSpPr>
+          <p:spPr>
+            <a:xfrm>
+              <a:off x="4795546" y="2997840"/>
+              <a:ext cx="1031567" cy="636105"/>
+            </a:xfrm>
+            <a:prstGeom prst="roundRect">
+              <a:avLst/>
+            </a:prstGeom>
+          </p:spPr>
+          <p:style>
+            <a:lnRef idx="2">
+              <a:schemeClr val="accent3"/>
+            </a:lnRef>
+            <a:fillRef idx="1">
+              <a:schemeClr val="lt1"/>
+            </a:fillRef>
+            <a:effectRef idx="0">
+              <a:schemeClr val="accent3"/>
+            </a:effectRef>
+            <a:fontRef idx="minor">
+              <a:schemeClr val="dk1"/>
+            </a:fontRef>
+          </p:style>
+          <p:txBody>
+            <a:bodyPr rtlCol="0" anchor="ctr"/>
+            <a:lstStyle/>
+            <a:p>
+              <a:pPr algn="ctr"/>
+              <a:endParaRPr lang="en-US" altLang="ko-KR" sz="1100" dirty="0"/>
+            </a:p>
+            <a:p>
+              <a:pPr algn="ctr"/>
+              <a:endParaRPr lang="en-US" altLang="ko-KR" sz="1100" dirty="0"/>
+            </a:p>
+            <a:p>
+              <a:pPr algn="ctr"/>
+              <a:r>
+                <a:rPr lang="en-US" altLang="ko-KR" sz="1100" dirty="0"/>
+                <a:t>conversion Image</a:t>
+              </a:r>
+              <a:endParaRPr lang="ko-KR" altLang="en-US" sz="1100" dirty="0"/>
+            </a:p>
+          </p:txBody>
+        </p:sp>
+        <p:pic>
+          <p:nvPicPr>
+            <p:cNvPr id="105" name="그림 104">
+              <a:extLst>
+                <a:ext uri="{FF2B5EF4-FFF2-40B4-BE49-F238E27FC236}">
+                  <a16:creationId xmlns:a16="http://schemas.microsoft.com/office/drawing/2014/main" id="{8190A2F2-6743-4C13-97DE-C6C161016AA5}"/>
+                </a:ext>
+              </a:extLst>
+            </p:cNvPr>
+            <p:cNvPicPr>
+              <a:picLocks noChangeAspect="1"/>
+            </p:cNvPicPr>
+            <p:nvPr/>
+          </p:nvPicPr>
+          <p:blipFill>
+            <a:blip r:embed="rId2"/>
+            <a:stretch>
+              <a:fillRect/>
+            </a:stretch>
+          </p:blipFill>
+          <p:spPr>
+            <a:xfrm>
+              <a:off x="5082129" y="3036362"/>
+              <a:ext cx="458402" cy="307516"/>
+            </a:xfrm>
+            <a:prstGeom prst="rect">
+              <a:avLst/>
+            </a:prstGeom>
+          </p:spPr>
+        </p:pic>
+        <p:pic>
+          <p:nvPicPr>
+            <p:cNvPr id="2050" name="Picture 2" descr="range iconì ëí ì´ë¯¸ì§ ê²ìê²°ê³¼">
+              <a:extLst>
+                <a:ext uri="{FF2B5EF4-FFF2-40B4-BE49-F238E27FC236}">
+                  <a16:creationId xmlns:a16="http://schemas.microsoft.com/office/drawing/2014/main" id="{1049C124-2672-41BE-8187-D1B45575B0BB}"/>
+                </a:ext>
+              </a:extLst>
+            </p:cNvPr>
+            <p:cNvPicPr>
+              <a:picLocks noChangeAspect="1" noChangeArrowheads="1"/>
+            </p:cNvPicPr>
+            <p:nvPr/>
+          </p:nvPicPr>
+          <p:blipFill>
+            <a:blip r:embed="rId3">
+              <a:extLst>
+                <a:ext uri="{28A0092B-C50C-407E-A947-70E740481C1C}">
+                  <a14:useLocalDpi xmlns:a14="http://schemas.microsoft.com/office/drawing/2010/main" val="0"/>
+                </a:ext>
+              </a:extLst>
+            </a:blip>
+            <a:srcRect/>
+            <a:stretch>
+              <a:fillRect/>
+            </a:stretch>
+          </p:blipFill>
+          <p:spPr bwMode="auto">
+            <a:xfrm>
+              <a:off x="6799958" y="3023210"/>
+              <a:ext cx="302642" cy="282668"/>
+            </a:xfrm>
+            <a:prstGeom prst="rect">
+              <a:avLst/>
+            </a:prstGeom>
+            <a:noFill/>
             <a:extLst>
-              <a:ext uri="{FF2B5EF4-FFF2-40B4-BE49-F238E27FC236}">
-                <a16:creationId xmlns:a16="http://schemas.microsoft.com/office/drawing/2014/main" id="{1EC028D1-284E-45C7-8427-12088F95462B}"/>
+              <a:ext uri="{909E8E84-426E-40DD-AFC4-6F175D3DCCD1}">
+                <a14:hiddenFill xmlns:a14="http://schemas.microsoft.com/office/drawing/2010/main">
+                  <a:solidFill>
+                    <a:srgbClr val="FFFFFF"/>
+                  </a:solidFill>
+                </a14:hiddenFill>
               </a:ext>
             </a:extLst>
-          </p:cNvPr>
-          <p:cNvSpPr/>
-          <p:nvPr/>
-        </p:nvSpPr>
-        <p:spPr>
-          <a:xfrm>
-            <a:off x="11551009" y="852572"/>
-            <a:ext cx="564807" cy="4951878"/>
-          </a:xfrm>
-          <a:prstGeom prst="rect">
-            <a:avLst/>
-          </a:prstGeom>
-        </p:spPr>
-        <p:style>
-          <a:lnRef idx="2">
-            <a:schemeClr val="accent3"/>
-          </a:lnRef>
-          <a:fillRef idx="1">
-            <a:schemeClr val="lt1"/>
-          </a:fillRef>
-          <a:effectRef idx="0">
-            <a:schemeClr val="accent3"/>
-          </a:effectRef>
-          <a:fontRef idx="minor">
-            <a:schemeClr val="dk1"/>
-          </a:fontRef>
-        </p:style>
-        <p:txBody>
-          <a:bodyPr rtlCol="0" anchor="ctr"/>
-          <a:lstStyle/>
-          <a:p>
-            <a:pPr algn="ctr"/>
-            <a:r>
-              <a:rPr lang="en-US" altLang="ko-KR" dirty="0"/>
-              <a:t>S</a:t>
-            </a:r>
-          </a:p>
-          <a:p>
-            <a:pPr algn="ctr"/>
-            <a:r>
-              <a:rPr lang="en-US" altLang="ko-KR" dirty="0"/>
-              <a:t>U</a:t>
-            </a:r>
-          </a:p>
-          <a:p>
-            <a:pPr algn="ctr"/>
-            <a:r>
-              <a:rPr lang="en-US" altLang="ko-KR" dirty="0"/>
-              <a:t>B</a:t>
-            </a:r>
-          </a:p>
-          <a:p>
-            <a:pPr algn="ctr"/>
-            <a:endParaRPr lang="en-US" altLang="ko-KR" dirty="0"/>
-          </a:p>
-          <a:p>
-            <a:pPr algn="ctr"/>
-            <a:r>
-              <a:rPr lang="en-US" altLang="ko-KR" dirty="0"/>
-              <a:t>D</a:t>
-            </a:r>
-          </a:p>
-          <a:p>
-            <a:pPr algn="ctr"/>
-            <a:r>
-              <a:rPr lang="en-US" altLang="ko-KR" dirty="0"/>
-              <a:t>E</a:t>
-            </a:r>
-          </a:p>
-          <a:p>
-            <a:pPr algn="ctr"/>
-            <a:r>
-              <a:rPr lang="en-US" altLang="ko-KR" dirty="0"/>
-              <a:t>V</a:t>
-            </a:r>
-          </a:p>
-          <a:p>
-            <a:pPr algn="ctr"/>
-            <a:r>
-              <a:rPr lang="en-US" altLang="ko-KR" dirty="0"/>
-              <a:t>I</a:t>
-            </a:r>
-          </a:p>
-          <a:p>
-            <a:pPr algn="ctr"/>
-            <a:r>
-              <a:rPr lang="en-US" altLang="ko-KR" dirty="0"/>
-              <a:t>C</a:t>
-            </a:r>
-          </a:p>
-          <a:p>
-            <a:pPr algn="ctr"/>
-            <a:r>
-              <a:rPr lang="en-US" altLang="ko-KR" dirty="0"/>
-              <a:t>E</a:t>
-            </a:r>
-            <a:endParaRPr lang="ko-KR" altLang="en-US" dirty="0"/>
-          </a:p>
-        </p:txBody>
-      </p:sp>
-      <p:cxnSp>
-        <p:nvCxnSpPr>
-          <p:cNvPr id="3" name="직선 화살표 연결선 2">
+          </p:spPr>
+        </p:pic>
+        <p:pic>
+          <p:nvPicPr>
+            <p:cNvPr id="2052" name="Picture 4" descr="color iconì ëí ì´ë¯¸ì§ ê²ìê²°ê³¼">
+              <a:extLst>
+                <a:ext uri="{FF2B5EF4-FFF2-40B4-BE49-F238E27FC236}">
+                  <a16:creationId xmlns:a16="http://schemas.microsoft.com/office/drawing/2014/main" id="{C20287BE-91EE-40DA-B10B-5F5A5D0630EC}"/>
+                </a:ext>
+              </a:extLst>
+            </p:cNvPr>
+            <p:cNvPicPr>
+              <a:picLocks noChangeAspect="1" noChangeArrowheads="1"/>
+            </p:cNvPicPr>
+            <p:nvPr/>
+          </p:nvPicPr>
+          <p:blipFill>
+            <a:blip r:embed="rId4">
+              <a:extLst>
+                <a:ext uri="{28A0092B-C50C-407E-A947-70E740481C1C}">
+                  <a14:useLocalDpi xmlns:a14="http://schemas.microsoft.com/office/drawing/2010/main" val="0"/>
+                </a:ext>
+              </a:extLst>
+            </a:blip>
+            <a:srcRect/>
+            <a:stretch>
+              <a:fillRect/>
+            </a:stretch>
+          </p:blipFill>
+          <p:spPr bwMode="auto">
+            <a:xfrm>
+              <a:off x="8001814" y="3173482"/>
+              <a:ext cx="559883" cy="453498"/>
+            </a:xfrm>
+            <a:prstGeom prst="rect">
+              <a:avLst/>
+            </a:prstGeom>
+            <a:noFill/>
             <a:extLst>
-              <a:ext uri="{FF2B5EF4-FFF2-40B4-BE49-F238E27FC236}">
-                <a16:creationId xmlns:a16="http://schemas.microsoft.com/office/drawing/2014/main" id="{1138AAA8-8FF5-4B3A-B160-6EF520739D42}"/>
+              <a:ext uri="{909E8E84-426E-40DD-AFC4-6F175D3DCCD1}">
+                <a14:hiddenFill xmlns:a14="http://schemas.microsoft.com/office/drawing/2010/main">
+                  <a:solidFill>
+                    <a:srgbClr val="FFFFFF"/>
+                  </a:solidFill>
+                </a14:hiddenFill>
               </a:ext>
             </a:extLst>
-          </p:cNvPr>
-          <p:cNvCxnSpPr>
-            <a:cxnSpLocks/>
-          </p:cNvCxnSpPr>
-          <p:nvPr/>
-        </p:nvCxnSpPr>
-        <p:spPr>
-          <a:xfrm flipV="1">
-            <a:off x="4296309" y="3263032"/>
-            <a:ext cx="446165" cy="1"/>
-          </a:xfrm>
-          <a:prstGeom prst="straightConnector1">
-            <a:avLst/>
-          </a:prstGeom>
-          <a:ln>
-            <a:tailEnd type="triangle"/>
-          </a:ln>
-        </p:spPr>
-        <p:style>
-          <a:lnRef idx="1">
-            <a:schemeClr val="dk1"/>
-          </a:lnRef>
-          <a:fillRef idx="0">
-            <a:schemeClr val="dk1"/>
-          </a:fillRef>
-          <a:effectRef idx="0">
-            <a:schemeClr val="dk1"/>
-          </a:effectRef>
-          <a:fontRef idx="minor">
-            <a:schemeClr val="tx1"/>
-          </a:fontRef>
-        </p:style>
-      </p:cxnSp>
-      <p:sp>
-        <p:nvSpPr>
-          <p:cNvPr id="107" name="사각형: 둥근 모서리 106">
+          </p:spPr>
+        </p:pic>
+        <p:pic>
+          <p:nvPicPr>
+            <p:cNvPr id="2054" name="Picture 6" descr="deep learning iconì ëí ì´ë¯¸ì§ ê²ìê²°ê³¼">
+              <a:extLst>
+                <a:ext uri="{FF2B5EF4-FFF2-40B4-BE49-F238E27FC236}">
+                  <a16:creationId xmlns:a16="http://schemas.microsoft.com/office/drawing/2014/main" id="{D11F21D9-779A-4933-91FC-EE926C66CB93}"/>
+                </a:ext>
+              </a:extLst>
+            </p:cNvPr>
+            <p:cNvPicPr>
+              <a:picLocks noChangeAspect="1" noChangeArrowheads="1"/>
+            </p:cNvPicPr>
+            <p:nvPr/>
+          </p:nvPicPr>
+          <p:blipFill>
+            <a:blip r:embed="rId5">
+              <a:extLst>
+                <a:ext uri="{28A0092B-C50C-407E-A947-70E740481C1C}">
+                  <a14:useLocalDpi xmlns:a14="http://schemas.microsoft.com/office/drawing/2010/main" val="0"/>
+                </a:ext>
+              </a:extLst>
+            </a:blip>
+            <a:srcRect/>
+            <a:stretch>
+              <a:fillRect/>
+            </a:stretch>
+          </p:blipFill>
+          <p:spPr bwMode="auto">
+            <a:xfrm>
+              <a:off x="8098318" y="4466267"/>
+              <a:ext cx="422401" cy="394524"/>
+            </a:xfrm>
+            <a:prstGeom prst="rect">
+              <a:avLst/>
+            </a:prstGeom>
+            <a:noFill/>
             <a:extLst>
-              <a:ext uri="{FF2B5EF4-FFF2-40B4-BE49-F238E27FC236}">
-                <a16:creationId xmlns:a16="http://schemas.microsoft.com/office/drawing/2014/main" id="{A914701E-FEB6-470B-B46C-F5F755BA1A96}"/>
+              <a:ext uri="{909E8E84-426E-40DD-AFC4-6F175D3DCCD1}">
+                <a14:hiddenFill xmlns:a14="http://schemas.microsoft.com/office/drawing/2010/main">
+                  <a:solidFill>
+                    <a:srgbClr val="FFFFFF"/>
+                  </a:solidFill>
+                </a14:hiddenFill>
               </a:ext>
             </a:extLst>
-          </p:cNvPr>
-          <p:cNvSpPr/>
-          <p:nvPr/>
-        </p:nvSpPr>
-        <p:spPr>
-          <a:xfrm>
-            <a:off x="7757290" y="4402029"/>
-            <a:ext cx="1031567" cy="962977"/>
-          </a:xfrm>
-          <a:prstGeom prst="roundRect">
-            <a:avLst/>
-          </a:prstGeom>
-        </p:spPr>
-        <p:style>
-          <a:lnRef idx="2">
-            <a:schemeClr val="accent3"/>
-          </a:lnRef>
-          <a:fillRef idx="1">
-            <a:schemeClr val="lt1"/>
-          </a:fillRef>
-          <a:effectRef idx="0">
-            <a:schemeClr val="accent3"/>
-          </a:effectRef>
-          <a:fontRef idx="minor">
-            <a:schemeClr val="dk1"/>
-          </a:fontRef>
-        </p:style>
-        <p:txBody>
-          <a:bodyPr rtlCol="0" anchor="ctr"/>
-          <a:lstStyle/>
-          <a:p>
-            <a:pPr algn="ctr"/>
-            <a:endParaRPr lang="en-US" altLang="ko-KR" sz="1050" dirty="0"/>
-          </a:p>
-          <a:p>
-            <a:pPr algn="ctr"/>
-            <a:endParaRPr lang="en-US" altLang="ko-KR" sz="1050" dirty="0"/>
-          </a:p>
-          <a:p>
-            <a:pPr algn="ctr"/>
-            <a:endParaRPr lang="en-US" altLang="ko-KR" sz="1050" dirty="0"/>
-          </a:p>
-          <a:p>
-            <a:pPr algn="ctr"/>
-            <a:r>
-              <a:rPr lang="en-US" altLang="ko-KR" sz="1050" dirty="0"/>
-              <a:t>Learning Data</a:t>
-            </a:r>
-          </a:p>
-          <a:p>
-            <a:pPr algn="ctr"/>
-            <a:r>
-              <a:rPr lang="en-US" altLang="ko-KR" sz="1050" dirty="0"/>
-              <a:t>Comparison</a:t>
-            </a:r>
-            <a:endParaRPr lang="ko-KR" altLang="en-US" sz="1050" dirty="0"/>
-          </a:p>
-        </p:txBody>
-      </p:sp>
-      <p:sp>
-        <p:nvSpPr>
-          <p:cNvPr id="106" name="사각형: 둥근 모서리 105">
+          </p:spPr>
+        </p:pic>
+        <p:sp>
+          <p:nvSpPr>
+            <p:cNvPr id="108" name="사각형: 둥근 모서리 107">
+              <a:extLst>
+                <a:ext uri="{FF2B5EF4-FFF2-40B4-BE49-F238E27FC236}">
+                  <a16:creationId xmlns:a16="http://schemas.microsoft.com/office/drawing/2014/main" id="{1A87CCAC-2326-4C2A-B5AE-B16437F2F7C5}"/>
+                </a:ext>
+              </a:extLst>
+            </p:cNvPr>
+            <p:cNvSpPr/>
+            <p:nvPr/>
+          </p:nvSpPr>
+          <p:spPr>
+            <a:xfrm>
+              <a:off x="9393420" y="3130513"/>
+              <a:ext cx="1616313" cy="991834"/>
+            </a:xfrm>
+            <a:prstGeom prst="roundRect">
+              <a:avLst/>
+            </a:prstGeom>
+          </p:spPr>
+          <p:style>
+            <a:lnRef idx="2">
+              <a:schemeClr val="accent3"/>
+            </a:lnRef>
+            <a:fillRef idx="1">
+              <a:schemeClr val="lt1"/>
+            </a:fillRef>
+            <a:effectRef idx="0">
+              <a:schemeClr val="accent3"/>
+            </a:effectRef>
+            <a:fontRef idx="minor">
+              <a:schemeClr val="dk1"/>
+            </a:fontRef>
+          </p:style>
+          <p:txBody>
+            <a:bodyPr rtlCol="0" anchor="ctr"/>
+            <a:lstStyle/>
+            <a:p>
+              <a:pPr algn="ctr"/>
+              <a:endParaRPr lang="en-US" altLang="ko-KR" sz="1050" dirty="0"/>
+            </a:p>
+            <a:p>
+              <a:pPr algn="ctr"/>
+              <a:endParaRPr lang="en-US" altLang="ko-KR" sz="1050" dirty="0"/>
+            </a:p>
+            <a:p>
+              <a:pPr algn="ctr"/>
+              <a:endParaRPr lang="en-US" altLang="ko-KR" sz="1050" dirty="0"/>
+            </a:p>
+            <a:p>
+              <a:pPr algn="ctr"/>
+              <a:endParaRPr lang="en-US" altLang="ko-KR" sz="1050" dirty="0"/>
+            </a:p>
+            <a:p>
+              <a:pPr algn="ctr"/>
+              <a:r>
+                <a:rPr lang="en-US" altLang="ko-KR" sz="1050" dirty="0"/>
+                <a:t>Decision Dog </a:t>
+              </a:r>
+            </a:p>
+            <a:p>
+              <a:pPr algn="ctr"/>
+              <a:r>
+                <a:rPr lang="en-US" altLang="ko-KR" sz="1050" dirty="0"/>
+                <a:t>Bowel Movement</a:t>
+              </a:r>
+              <a:endParaRPr lang="ko-KR" altLang="en-US" sz="1050" dirty="0"/>
+            </a:p>
+          </p:txBody>
+        </p:sp>
+        <p:pic>
+          <p:nvPicPr>
+            <p:cNvPr id="2058" name="Picture 10" descr="dog iconì ëí ì´ë¯¸ì§ ê²ìê²°ê³¼">
+              <a:extLst>
+                <a:ext uri="{FF2B5EF4-FFF2-40B4-BE49-F238E27FC236}">
+                  <a16:creationId xmlns:a16="http://schemas.microsoft.com/office/drawing/2014/main" id="{B48F2116-4811-46DA-99FC-314E3DF922ED}"/>
+                </a:ext>
+              </a:extLst>
+            </p:cNvPr>
+            <p:cNvPicPr>
+              <a:picLocks noChangeAspect="1" noChangeArrowheads="1"/>
+            </p:cNvPicPr>
+            <p:nvPr/>
+          </p:nvPicPr>
+          <p:blipFill>
+            <a:blip r:embed="rId6">
+              <a:extLst>
+                <a:ext uri="{28A0092B-C50C-407E-A947-70E740481C1C}">
+                  <a14:useLocalDpi xmlns:a14="http://schemas.microsoft.com/office/drawing/2010/main" val="0"/>
+                </a:ext>
+              </a:extLst>
+            </a:blip>
+            <a:srcRect/>
+            <a:stretch>
+              <a:fillRect/>
+            </a:stretch>
+          </p:blipFill>
+          <p:spPr bwMode="auto">
+            <a:xfrm>
+              <a:off x="9686921" y="3153561"/>
+              <a:ext cx="914566" cy="661951"/>
+            </a:xfrm>
+            <a:prstGeom prst="rect">
+              <a:avLst/>
+            </a:prstGeom>
+            <a:noFill/>
             <a:extLst>
-              <a:ext uri="{FF2B5EF4-FFF2-40B4-BE49-F238E27FC236}">
-                <a16:creationId xmlns:a16="http://schemas.microsoft.com/office/drawing/2014/main" id="{F96187E9-FA07-4AB9-9344-7EFFEFA70C64}"/>
+              <a:ext uri="{909E8E84-426E-40DD-AFC4-6F175D3DCCD1}">
+                <a14:hiddenFill xmlns:a14="http://schemas.microsoft.com/office/drawing/2010/main">
+                  <a:solidFill>
+                    <a:srgbClr val="FFFFFF"/>
+                  </a:solidFill>
+                </a14:hiddenFill>
               </a:ext>
             </a:extLst>
-          </p:cNvPr>
-          <p:cNvSpPr/>
-          <p:nvPr/>
-        </p:nvSpPr>
-        <p:spPr>
-          <a:xfrm>
-            <a:off x="7757290" y="3155601"/>
-            <a:ext cx="1031567" cy="962977"/>
-          </a:xfrm>
-          <a:prstGeom prst="roundRect">
-            <a:avLst/>
-          </a:prstGeom>
-        </p:spPr>
-        <p:style>
-          <a:lnRef idx="2">
-            <a:schemeClr val="accent3"/>
-          </a:lnRef>
-          <a:fillRef idx="1">
-            <a:schemeClr val="lt1"/>
-          </a:fillRef>
-          <a:effectRef idx="0">
-            <a:schemeClr val="accent3"/>
-          </a:effectRef>
-          <a:fontRef idx="minor">
-            <a:schemeClr val="dk1"/>
-          </a:fontRef>
-        </p:style>
-        <p:txBody>
-          <a:bodyPr rtlCol="0" anchor="ctr"/>
-          <a:lstStyle/>
-          <a:p>
-            <a:pPr algn="ctr"/>
-            <a:endParaRPr lang="en-US" altLang="ko-KR" sz="1100" dirty="0"/>
-          </a:p>
-          <a:p>
-            <a:pPr algn="ctr"/>
-            <a:endParaRPr lang="en-US" altLang="ko-KR" sz="1100" dirty="0"/>
-          </a:p>
-          <a:p>
-            <a:pPr algn="ctr"/>
-            <a:endParaRPr lang="en-US" altLang="ko-KR" sz="1100" dirty="0"/>
-          </a:p>
-          <a:p>
-            <a:pPr algn="ctr"/>
-            <a:r>
-              <a:rPr lang="en-US" altLang="ko-KR" sz="1100" dirty="0"/>
-              <a:t>Color comparison matching</a:t>
-            </a:r>
-            <a:endParaRPr lang="ko-KR" altLang="en-US" sz="1100" dirty="0"/>
-          </a:p>
-        </p:txBody>
-      </p:sp>
-      <p:sp>
-        <p:nvSpPr>
-          <p:cNvPr id="103" name="사각형: 둥근 모서리 102">
+          </p:spPr>
+        </p:pic>
+        <p:cxnSp>
+          <p:nvCxnSpPr>
+            <p:cNvPr id="110" name="직선 화살표 연결선 109">
+              <a:extLst>
+                <a:ext uri="{FF2B5EF4-FFF2-40B4-BE49-F238E27FC236}">
+                  <a16:creationId xmlns:a16="http://schemas.microsoft.com/office/drawing/2014/main" id="{036D3C4E-8F8B-4684-A7DD-D6EF9DF0ADEF}"/>
+                </a:ext>
+              </a:extLst>
+            </p:cNvPr>
+            <p:cNvCxnSpPr>
+              <a:cxnSpLocks/>
+            </p:cNvCxnSpPr>
+            <p:nvPr/>
+          </p:nvCxnSpPr>
+          <p:spPr>
+            <a:xfrm>
+              <a:off x="8266912" y="4118578"/>
+              <a:ext cx="0" cy="305386"/>
+            </a:xfrm>
+            <a:prstGeom prst="straightConnector1">
+              <a:avLst/>
+            </a:prstGeom>
+            <a:ln>
+              <a:tailEnd type="triangle"/>
+            </a:ln>
+          </p:spPr>
+          <p:style>
+            <a:lnRef idx="1">
+              <a:schemeClr val="dk1"/>
+            </a:lnRef>
+            <a:fillRef idx="0">
+              <a:schemeClr val="dk1"/>
+            </a:fillRef>
+            <a:effectRef idx="0">
+              <a:schemeClr val="dk1"/>
+            </a:effectRef>
+            <a:fontRef idx="minor">
+              <a:schemeClr val="tx1"/>
+            </a:fontRef>
+          </p:style>
+        </p:cxnSp>
+        <p:cxnSp>
+          <p:nvCxnSpPr>
+            <p:cNvPr id="111" name="연결선: 꺾임 110">
+              <a:extLst>
+                <a:ext uri="{FF2B5EF4-FFF2-40B4-BE49-F238E27FC236}">
+                  <a16:creationId xmlns:a16="http://schemas.microsoft.com/office/drawing/2014/main" id="{C2F747F4-E0A9-4512-98CF-6EA0EC10CC28}"/>
+                </a:ext>
+              </a:extLst>
+            </p:cNvPr>
+            <p:cNvCxnSpPr>
+              <a:cxnSpLocks/>
+              <a:stCxn id="107" idx="3"/>
+            </p:cNvCxnSpPr>
+            <p:nvPr/>
+          </p:nvCxnSpPr>
+          <p:spPr>
+            <a:xfrm flipV="1">
+              <a:off x="8788857" y="3613179"/>
+              <a:ext cx="564807" cy="1270339"/>
+            </a:xfrm>
+            <a:prstGeom prst="bentConnector3">
+              <a:avLst>
+                <a:gd name="adj1" fmla="val 50000"/>
+              </a:avLst>
+            </a:prstGeom>
+            <a:ln>
+              <a:tailEnd type="triangle"/>
+            </a:ln>
+          </p:spPr>
+          <p:style>
+            <a:lnRef idx="1">
+              <a:schemeClr val="dk1"/>
+            </a:lnRef>
+            <a:fillRef idx="0">
+              <a:schemeClr val="dk1"/>
+            </a:fillRef>
+            <a:effectRef idx="0">
+              <a:schemeClr val="dk1"/>
+            </a:effectRef>
+            <a:fontRef idx="minor">
+              <a:schemeClr val="tx1"/>
+            </a:fontRef>
+          </p:style>
+        </p:cxnSp>
+        <p:cxnSp>
+          <p:nvCxnSpPr>
+            <p:cNvPr id="112" name="직선 화살표 연결선 111">
+              <a:extLst>
+                <a:ext uri="{FF2B5EF4-FFF2-40B4-BE49-F238E27FC236}">
+                  <a16:creationId xmlns:a16="http://schemas.microsoft.com/office/drawing/2014/main" id="{14C9DEE5-8A26-4D72-9558-BFA5D6A97A97}"/>
+                </a:ext>
+              </a:extLst>
+            </p:cNvPr>
+            <p:cNvCxnSpPr>
+              <a:cxnSpLocks/>
+            </p:cNvCxnSpPr>
+            <p:nvPr/>
+          </p:nvCxnSpPr>
+          <p:spPr>
+            <a:xfrm>
+              <a:off x="11028012" y="3626431"/>
+              <a:ext cx="404497" cy="0"/>
+            </a:xfrm>
+            <a:prstGeom prst="straightConnector1">
+              <a:avLst/>
+            </a:prstGeom>
+            <a:ln>
+              <a:tailEnd type="triangle"/>
+            </a:ln>
+          </p:spPr>
+          <p:style>
+            <a:lnRef idx="1">
+              <a:schemeClr val="dk1"/>
+            </a:lnRef>
+            <a:fillRef idx="0">
+              <a:schemeClr val="dk1"/>
+            </a:fillRef>
+            <a:effectRef idx="0">
+              <a:schemeClr val="dk1"/>
+            </a:effectRef>
+            <a:fontRef idx="minor">
+              <a:schemeClr val="tx1"/>
+            </a:fontRef>
+          </p:style>
+        </p:cxnSp>
+        <p:sp>
+          <p:nvSpPr>
+            <p:cNvPr id="99" name="사각형: 둥근 모서리 98">
+              <a:extLst>
+                <a:ext uri="{FF2B5EF4-FFF2-40B4-BE49-F238E27FC236}">
+                  <a16:creationId xmlns:a16="http://schemas.microsoft.com/office/drawing/2014/main" id="{270CE23A-1A07-4654-AF37-FFBCCEF04C1E}"/>
+                </a:ext>
+              </a:extLst>
+            </p:cNvPr>
+            <p:cNvSpPr/>
+            <p:nvPr/>
+          </p:nvSpPr>
+          <p:spPr>
+            <a:xfrm>
+              <a:off x="3279715" y="2915077"/>
+              <a:ext cx="964212" cy="808108"/>
+            </a:xfrm>
+            <a:prstGeom prst="roundRect">
+              <a:avLst/>
+            </a:prstGeom>
+          </p:spPr>
+          <p:style>
+            <a:lnRef idx="2">
+              <a:schemeClr val="accent3"/>
+            </a:lnRef>
+            <a:fillRef idx="1">
+              <a:schemeClr val="lt1"/>
+            </a:fillRef>
+            <a:effectRef idx="0">
+              <a:schemeClr val="accent3"/>
+            </a:effectRef>
+            <a:fontRef idx="minor">
+              <a:schemeClr val="dk1"/>
+            </a:fontRef>
+          </p:style>
+          <p:txBody>
+            <a:bodyPr rtlCol="0" anchor="ctr"/>
+            <a:lstStyle/>
+            <a:p>
+              <a:pPr algn="ctr"/>
+              <a:endParaRPr lang="en-US" altLang="ko-KR" sz="1000" dirty="0"/>
+            </a:p>
+            <a:p>
+              <a:pPr algn="ctr"/>
+              <a:endParaRPr lang="en-US" altLang="ko-KR" sz="1000" dirty="0"/>
+            </a:p>
+            <a:p>
+              <a:pPr algn="ctr"/>
+              <a:endParaRPr lang="en-US" altLang="ko-KR" sz="1000" dirty="0"/>
+            </a:p>
+            <a:p>
+              <a:pPr algn="ctr"/>
+              <a:r>
+                <a:rPr lang="en-US" altLang="ko-KR" sz="1000" dirty="0"/>
+                <a:t>Removal</a:t>
+              </a:r>
+            </a:p>
+            <a:p>
+              <a:pPr algn="ctr"/>
+              <a:r>
+                <a:rPr lang="en-US" altLang="ko-KR" sz="1000" dirty="0"/>
+                <a:t>Background</a:t>
+              </a:r>
+            </a:p>
+          </p:txBody>
+        </p:sp>
+        <p:sp>
+          <p:nvSpPr>
+            <p:cNvPr id="86" name="사각형: 둥근 모서리 85">
+              <a:extLst>
+                <a:ext uri="{FF2B5EF4-FFF2-40B4-BE49-F238E27FC236}">
+                  <a16:creationId xmlns:a16="http://schemas.microsoft.com/office/drawing/2014/main" id="{FCA9F5F1-98A5-4A58-9A7E-D31E771C01E4}"/>
+                </a:ext>
+              </a:extLst>
+            </p:cNvPr>
+            <p:cNvSpPr/>
+            <p:nvPr/>
+          </p:nvSpPr>
+          <p:spPr>
+            <a:xfrm>
+              <a:off x="1386862" y="3349186"/>
+              <a:ext cx="1376812" cy="956649"/>
+            </a:xfrm>
+            <a:prstGeom prst="roundRect">
+              <a:avLst/>
+            </a:prstGeom>
+          </p:spPr>
+          <p:style>
+            <a:lnRef idx="2">
+              <a:schemeClr val="accent3"/>
+            </a:lnRef>
+            <a:fillRef idx="1">
+              <a:schemeClr val="lt1"/>
+            </a:fillRef>
+            <a:effectRef idx="0">
+              <a:schemeClr val="accent3"/>
+            </a:effectRef>
+            <a:fontRef idx="minor">
+              <a:schemeClr val="dk1"/>
+            </a:fontRef>
+          </p:style>
+          <p:txBody>
+            <a:bodyPr rtlCol="0" anchor="ctr"/>
+            <a:lstStyle/>
+            <a:p>
+              <a:pPr algn="ctr"/>
+              <a:endParaRPr lang="en-US" altLang="ko-KR" sz="1050" dirty="0"/>
+            </a:p>
+            <a:p>
+              <a:pPr algn="ctr"/>
+              <a:endParaRPr lang="en-US" altLang="ko-KR" sz="1050" dirty="0"/>
+            </a:p>
+            <a:p>
+              <a:pPr algn="ctr"/>
+              <a:br>
+                <a:rPr lang="en-US" altLang="ko-KR" sz="1050" dirty="0"/>
+              </a:br>
+              <a:endParaRPr lang="en-US" altLang="ko-KR" sz="1050" dirty="0"/>
+            </a:p>
+            <a:p>
+              <a:pPr algn="ctr"/>
+              <a:r>
+                <a:rPr lang="en-US" altLang="ko-KR" sz="1050" dirty="0"/>
+                <a:t>Image</a:t>
+              </a:r>
+              <a:r>
+                <a:rPr lang="ko-KR" altLang="en-US" sz="1050" dirty="0"/>
+                <a:t> </a:t>
+              </a:r>
+              <a:r>
+                <a:rPr lang="en-US" altLang="ko-KR" sz="1050" dirty="0"/>
+                <a:t>Blurring</a:t>
+              </a:r>
+              <a:endParaRPr lang="en-US" altLang="ko-KR" sz="1000" dirty="0"/>
+            </a:p>
+            <a:p>
+              <a:pPr algn="ctr"/>
+              <a:r>
+                <a:rPr lang="en-US" altLang="ko-KR" sz="800" dirty="0"/>
+                <a:t>[</a:t>
+              </a:r>
+              <a:r>
+                <a:rPr lang="ko-KR" altLang="en-US" sz="800" dirty="0"/>
+                <a:t>영상처리 라이브러리</a:t>
+              </a:r>
+              <a:r>
+                <a:rPr lang="en-US" altLang="ko-KR" sz="800" dirty="0"/>
+                <a:t>]</a:t>
+              </a:r>
+            </a:p>
+          </p:txBody>
+        </p:sp>
+        <p:sp>
+          <p:nvSpPr>
+            <p:cNvPr id="87" name="사각형: 둥근 모서리 86">
+              <a:extLst>
+                <a:ext uri="{FF2B5EF4-FFF2-40B4-BE49-F238E27FC236}">
+                  <a16:creationId xmlns:a16="http://schemas.microsoft.com/office/drawing/2014/main" id="{0D81AF66-B629-4A02-90E2-529A7724D8B7}"/>
+                </a:ext>
+              </a:extLst>
+            </p:cNvPr>
+            <p:cNvSpPr/>
+            <p:nvPr/>
+          </p:nvSpPr>
+          <p:spPr>
+            <a:xfrm>
+              <a:off x="1386862" y="2360139"/>
+              <a:ext cx="1384687" cy="790546"/>
+            </a:xfrm>
+            <a:prstGeom prst="roundRect">
+              <a:avLst/>
+            </a:prstGeom>
+          </p:spPr>
+          <p:style>
+            <a:lnRef idx="2">
+              <a:schemeClr val="accent3"/>
+            </a:lnRef>
+            <a:fillRef idx="1">
+              <a:schemeClr val="lt1"/>
+            </a:fillRef>
+            <a:effectRef idx="0">
+              <a:schemeClr val="accent3"/>
+            </a:effectRef>
+            <a:fontRef idx="minor">
+              <a:schemeClr val="dk1"/>
+            </a:fontRef>
+          </p:style>
+          <p:txBody>
+            <a:bodyPr rtlCol="0" anchor="ctr"/>
+            <a:lstStyle/>
+            <a:p>
+              <a:pPr algn="ctr"/>
+              <a:endParaRPr lang="en-US" altLang="ko-KR" sz="1000" dirty="0"/>
+            </a:p>
+            <a:p>
+              <a:pPr algn="ctr"/>
+              <a:endParaRPr lang="en-US" altLang="ko-KR" sz="1000" dirty="0"/>
+            </a:p>
+            <a:p>
+              <a:pPr algn="ctr"/>
+              <a:endParaRPr lang="en-US" altLang="ko-KR" sz="1000" dirty="0"/>
+            </a:p>
+            <a:p>
+              <a:pPr algn="ctr"/>
+              <a:r>
+                <a:rPr lang="en-US" altLang="ko-KR" sz="1000" dirty="0"/>
+                <a:t>Color conversion</a:t>
+              </a:r>
+            </a:p>
+            <a:p>
+              <a:pPr algn="ctr"/>
+              <a:r>
+                <a:rPr lang="en-US" altLang="ko-KR" sz="900" dirty="0"/>
+                <a:t>[</a:t>
+              </a:r>
+              <a:r>
+                <a:rPr lang="ko-KR" altLang="en-US" sz="900" dirty="0"/>
+                <a:t>영상처리 라이브러리</a:t>
+              </a:r>
+              <a:r>
+                <a:rPr lang="en-US" altLang="ko-KR" sz="900" dirty="0"/>
+                <a:t>]</a:t>
+              </a:r>
+            </a:p>
+          </p:txBody>
+        </p:sp>
+        <p:sp>
+          <p:nvSpPr>
+            <p:cNvPr id="88" name="사각형: 둥근 모서리 87">
+              <a:extLst>
+                <a:ext uri="{FF2B5EF4-FFF2-40B4-BE49-F238E27FC236}">
+                  <a16:creationId xmlns:a16="http://schemas.microsoft.com/office/drawing/2014/main" id="{68F5E23D-21AF-4383-AA29-0C481F284A44}"/>
+                </a:ext>
+              </a:extLst>
+            </p:cNvPr>
+            <p:cNvSpPr/>
+            <p:nvPr/>
+          </p:nvSpPr>
+          <p:spPr>
+            <a:xfrm>
+              <a:off x="32357" y="2968157"/>
+              <a:ext cx="964212" cy="691617"/>
+            </a:xfrm>
+            <a:prstGeom prst="roundRect">
+              <a:avLst/>
+            </a:prstGeom>
+          </p:spPr>
+          <p:style>
+            <a:lnRef idx="2">
+              <a:schemeClr val="accent3"/>
+            </a:lnRef>
+            <a:fillRef idx="1">
+              <a:schemeClr val="lt1"/>
+            </a:fillRef>
+            <a:effectRef idx="0">
+              <a:schemeClr val="accent3"/>
+            </a:effectRef>
+            <a:fontRef idx="minor">
+              <a:schemeClr val="dk1"/>
+            </a:fontRef>
+          </p:style>
+          <p:txBody>
+            <a:bodyPr rtlCol="0" anchor="ctr"/>
+            <a:lstStyle/>
+            <a:p>
+              <a:pPr algn="ctr"/>
+              <a:endParaRPr lang="en-US" altLang="ko-KR" sz="1100" dirty="0"/>
+            </a:p>
+            <a:p>
+              <a:pPr algn="ctr"/>
+              <a:endParaRPr lang="en-US" altLang="ko-KR" sz="1100" dirty="0"/>
+            </a:p>
+            <a:p>
+              <a:pPr algn="ctr"/>
+              <a:r>
+                <a:rPr lang="en-US" altLang="ko-KR" sz="1100" dirty="0"/>
+                <a:t>Get Image</a:t>
+              </a:r>
+              <a:endParaRPr lang="ko-KR" altLang="en-US" sz="1100" dirty="0"/>
+            </a:p>
+          </p:txBody>
+        </p:sp>
+        <p:pic>
+          <p:nvPicPr>
+            <p:cNvPr id="89" name="그림 88">
+              <a:extLst>
+                <a:ext uri="{FF2B5EF4-FFF2-40B4-BE49-F238E27FC236}">
+                  <a16:creationId xmlns:a16="http://schemas.microsoft.com/office/drawing/2014/main" id="{E167EF53-7D7B-4987-974F-8DF017179571}"/>
+                </a:ext>
+              </a:extLst>
+            </p:cNvPr>
+            <p:cNvPicPr>
+              <a:picLocks noChangeAspect="1"/>
+            </p:cNvPicPr>
+            <p:nvPr/>
+          </p:nvPicPr>
+          <p:blipFill>
+            <a:blip r:embed="rId7"/>
+            <a:stretch>
+              <a:fillRect/>
+            </a:stretch>
+          </p:blipFill>
+          <p:spPr>
+            <a:xfrm>
+              <a:off x="1733752" y="3392633"/>
+              <a:ext cx="648781" cy="644785"/>
+            </a:xfrm>
+            <a:prstGeom prst="rect">
+              <a:avLst/>
+            </a:prstGeom>
+          </p:spPr>
+        </p:pic>
+        <p:pic>
+          <p:nvPicPr>
+            <p:cNvPr id="90" name="그림 89">
+              <a:extLst>
+                <a:ext uri="{FF2B5EF4-FFF2-40B4-BE49-F238E27FC236}">
+                  <a16:creationId xmlns:a16="http://schemas.microsoft.com/office/drawing/2014/main" id="{15AA3720-DAF2-4A65-98DC-4ACF51F6DCBF}"/>
+                </a:ext>
+              </a:extLst>
+            </p:cNvPr>
+            <p:cNvPicPr>
+              <a:picLocks noChangeAspect="1"/>
+            </p:cNvPicPr>
+            <p:nvPr/>
+          </p:nvPicPr>
+          <p:blipFill>
+            <a:blip r:embed="rId8"/>
+            <a:stretch>
+              <a:fillRect/>
+            </a:stretch>
+          </p:blipFill>
+          <p:spPr>
+            <a:xfrm>
+              <a:off x="1642188" y="2405097"/>
+              <a:ext cx="800155" cy="407301"/>
+            </a:xfrm>
+            <a:prstGeom prst="rect">
+              <a:avLst/>
+            </a:prstGeom>
+          </p:spPr>
+        </p:pic>
+        <p:pic>
+          <p:nvPicPr>
+            <p:cNvPr id="91" name="그림 90">
+              <a:extLst>
+                <a:ext uri="{FF2B5EF4-FFF2-40B4-BE49-F238E27FC236}">
+                  <a16:creationId xmlns:a16="http://schemas.microsoft.com/office/drawing/2014/main" id="{5D94E79D-F291-4A5F-A524-ECB57B590DA5}"/>
+                </a:ext>
+              </a:extLst>
+            </p:cNvPr>
+            <p:cNvPicPr>
+              <a:picLocks noChangeAspect="1"/>
+            </p:cNvPicPr>
+            <p:nvPr/>
+          </p:nvPicPr>
+          <p:blipFill>
+            <a:blip r:embed="rId2"/>
+            <a:stretch>
+              <a:fillRect/>
+            </a:stretch>
+          </p:blipFill>
+          <p:spPr>
+            <a:xfrm>
+              <a:off x="300227" y="2991070"/>
+              <a:ext cx="428471" cy="334352"/>
+            </a:xfrm>
+            <a:prstGeom prst="rect">
+              <a:avLst/>
+            </a:prstGeom>
+          </p:spPr>
+        </p:pic>
+        <p:pic>
+          <p:nvPicPr>
+            <p:cNvPr id="92" name="그림 91">
+              <a:extLst>
+                <a:ext uri="{FF2B5EF4-FFF2-40B4-BE49-F238E27FC236}">
+                  <a16:creationId xmlns:a16="http://schemas.microsoft.com/office/drawing/2014/main" id="{EB085731-6F1C-4665-B8DA-36C259423E37}"/>
+                </a:ext>
+              </a:extLst>
+            </p:cNvPr>
+            <p:cNvPicPr>
+              <a:picLocks noChangeAspect="1"/>
+            </p:cNvPicPr>
+            <p:nvPr/>
+          </p:nvPicPr>
+          <p:blipFill>
+            <a:blip r:embed="rId9"/>
+            <a:stretch>
+              <a:fillRect/>
+            </a:stretch>
+          </p:blipFill>
+          <p:spPr>
+            <a:xfrm>
+              <a:off x="3381727" y="2959374"/>
+              <a:ext cx="760187" cy="403540"/>
+            </a:xfrm>
+            <a:prstGeom prst="rect">
+              <a:avLst/>
+            </a:prstGeom>
+          </p:spPr>
+        </p:pic>
+        <p:cxnSp>
+          <p:nvCxnSpPr>
+            <p:cNvPr id="95" name="연결선: 꺾임 94">
+              <a:extLst>
+                <a:ext uri="{FF2B5EF4-FFF2-40B4-BE49-F238E27FC236}">
+                  <a16:creationId xmlns:a16="http://schemas.microsoft.com/office/drawing/2014/main" id="{67A9A09F-6DA7-43E5-A4AE-E1D2F03727DE}"/>
+                </a:ext>
+              </a:extLst>
+            </p:cNvPr>
+            <p:cNvCxnSpPr>
+              <a:cxnSpLocks/>
+              <a:endCxn id="86" idx="1"/>
+            </p:cNvCxnSpPr>
+            <p:nvPr/>
+          </p:nvCxnSpPr>
+          <p:spPr>
+            <a:xfrm>
+              <a:off x="968357" y="3380660"/>
+              <a:ext cx="418505" cy="446851"/>
+            </a:xfrm>
+            <a:prstGeom prst="bentConnector3">
+              <a:avLst/>
+            </a:prstGeom>
+            <a:ln>
+              <a:tailEnd type="triangle"/>
+            </a:ln>
+          </p:spPr>
+          <p:style>
+            <a:lnRef idx="1">
+              <a:schemeClr val="dk1"/>
+            </a:lnRef>
+            <a:fillRef idx="0">
+              <a:schemeClr val="dk1"/>
+            </a:fillRef>
+            <a:effectRef idx="0">
+              <a:schemeClr val="dk1"/>
+            </a:effectRef>
+            <a:fontRef idx="minor">
+              <a:schemeClr val="tx1"/>
+            </a:fontRef>
+          </p:style>
+        </p:cxnSp>
+        <p:cxnSp>
+          <p:nvCxnSpPr>
+            <p:cNvPr id="96" name="연결선: 꺾임 95">
+              <a:extLst>
+                <a:ext uri="{FF2B5EF4-FFF2-40B4-BE49-F238E27FC236}">
+                  <a16:creationId xmlns:a16="http://schemas.microsoft.com/office/drawing/2014/main" id="{A53E4462-AD21-4D4F-9652-8742C19CCF51}"/>
+                </a:ext>
+              </a:extLst>
+            </p:cNvPr>
+            <p:cNvCxnSpPr>
+              <a:cxnSpLocks/>
+            </p:cNvCxnSpPr>
+            <p:nvPr/>
+          </p:nvCxnSpPr>
+          <p:spPr>
+            <a:xfrm>
+              <a:off x="2782921" y="2755413"/>
+              <a:ext cx="489769" cy="347572"/>
+            </a:xfrm>
+            <a:prstGeom prst="bentConnector3">
+              <a:avLst>
+                <a:gd name="adj1" fmla="val 50000"/>
+              </a:avLst>
+            </a:prstGeom>
+            <a:ln>
+              <a:tailEnd type="triangle"/>
+            </a:ln>
+          </p:spPr>
+          <p:style>
+            <a:lnRef idx="1">
+              <a:schemeClr val="dk1"/>
+            </a:lnRef>
+            <a:fillRef idx="0">
+              <a:schemeClr val="dk1"/>
+            </a:fillRef>
+            <a:effectRef idx="0">
+              <a:schemeClr val="dk1"/>
+            </a:effectRef>
+            <a:fontRef idx="minor">
+              <a:schemeClr val="tx1"/>
+            </a:fontRef>
+          </p:style>
+        </p:cxnSp>
+        <p:cxnSp>
+          <p:nvCxnSpPr>
+            <p:cNvPr id="97" name="연결선: 꺾임 96">
+              <a:extLst>
+                <a:ext uri="{FF2B5EF4-FFF2-40B4-BE49-F238E27FC236}">
+                  <a16:creationId xmlns:a16="http://schemas.microsoft.com/office/drawing/2014/main" id="{DC8EF2A3-2659-4B5E-9709-304F2F94650D}"/>
+                </a:ext>
+              </a:extLst>
+            </p:cNvPr>
+            <p:cNvCxnSpPr>
+              <a:cxnSpLocks/>
+              <a:stCxn id="86" idx="3"/>
+            </p:cNvCxnSpPr>
+            <p:nvPr/>
+          </p:nvCxnSpPr>
+          <p:spPr>
+            <a:xfrm flipV="1">
+              <a:off x="2763674" y="3305879"/>
+              <a:ext cx="516042" cy="521631"/>
+            </a:xfrm>
+            <a:prstGeom prst="bentConnector3">
+              <a:avLst>
+                <a:gd name="adj1" fmla="val 50000"/>
+              </a:avLst>
+            </a:prstGeom>
+            <a:ln>
+              <a:tailEnd type="triangle"/>
+            </a:ln>
+          </p:spPr>
+          <p:style>
+            <a:lnRef idx="1">
+              <a:schemeClr val="dk1"/>
+            </a:lnRef>
+            <a:fillRef idx="0">
+              <a:schemeClr val="dk1"/>
+            </a:fillRef>
+            <a:effectRef idx="0">
+              <a:schemeClr val="dk1"/>
+            </a:effectRef>
+            <a:fontRef idx="minor">
+              <a:schemeClr val="tx1"/>
+            </a:fontRef>
+          </p:style>
+        </p:cxnSp>
+        <p:cxnSp>
+          <p:nvCxnSpPr>
+            <p:cNvPr id="113" name="연결선: 꺾임 112">
+              <a:extLst>
+                <a:ext uri="{FF2B5EF4-FFF2-40B4-BE49-F238E27FC236}">
+                  <a16:creationId xmlns:a16="http://schemas.microsoft.com/office/drawing/2014/main" id="{03584795-0C21-4B76-BDD2-76E9B94449EA}"/>
+                </a:ext>
+              </a:extLst>
+            </p:cNvPr>
+            <p:cNvCxnSpPr>
+              <a:cxnSpLocks/>
+            </p:cNvCxnSpPr>
+            <p:nvPr/>
+          </p:nvCxnSpPr>
+          <p:spPr>
+            <a:xfrm flipV="1">
+              <a:off x="985965" y="2685242"/>
+              <a:ext cx="413037" cy="518796"/>
+            </a:xfrm>
+            <a:prstGeom prst="bentConnector3">
+              <a:avLst/>
+            </a:prstGeom>
+            <a:ln>
+              <a:tailEnd type="triangle"/>
+            </a:ln>
+          </p:spPr>
+          <p:style>
+            <a:lnRef idx="1">
+              <a:schemeClr val="dk1"/>
+            </a:lnRef>
+            <a:fillRef idx="0">
+              <a:schemeClr val="dk1"/>
+            </a:fillRef>
+            <a:effectRef idx="0">
+              <a:schemeClr val="dk1"/>
+            </a:effectRef>
+            <a:fontRef idx="minor">
+              <a:schemeClr val="tx1"/>
+            </a:fontRef>
+          </p:style>
+        </p:cxnSp>
+        <p:sp>
+          <p:nvSpPr>
+            <p:cNvPr id="37" name="사각형: 둥근 모서리 36">
+              <a:extLst>
+                <a:ext uri="{FF2B5EF4-FFF2-40B4-BE49-F238E27FC236}">
+                  <a16:creationId xmlns:a16="http://schemas.microsoft.com/office/drawing/2014/main" id="{93D6B158-9C13-4F19-8D97-2CB5259A29D5}"/>
+                </a:ext>
+              </a:extLst>
+            </p:cNvPr>
+            <p:cNvSpPr/>
+            <p:nvPr/>
+          </p:nvSpPr>
+          <p:spPr>
+            <a:xfrm>
+              <a:off x="7814718" y="1911938"/>
+              <a:ext cx="964212" cy="691617"/>
+            </a:xfrm>
+            <a:prstGeom prst="roundRect">
+              <a:avLst/>
+            </a:prstGeom>
+          </p:spPr>
+          <p:style>
+            <a:lnRef idx="2">
+              <a:schemeClr val="accent3"/>
+            </a:lnRef>
+            <a:fillRef idx="1">
+              <a:schemeClr val="lt1"/>
+            </a:fillRef>
+            <a:effectRef idx="0">
+              <a:schemeClr val="accent3"/>
+            </a:effectRef>
+            <a:fontRef idx="minor">
+              <a:schemeClr val="dk1"/>
+            </a:fontRef>
+          </p:style>
+          <p:txBody>
+            <a:bodyPr rtlCol="0" anchor="ctr"/>
+            <a:lstStyle/>
+            <a:p>
+              <a:pPr algn="ctr"/>
+              <a:endParaRPr lang="en-US" altLang="ko-KR" sz="1100" dirty="0"/>
+            </a:p>
+            <a:p>
+              <a:pPr algn="ctr"/>
+              <a:endParaRPr lang="en-US" altLang="ko-KR" sz="1100" dirty="0"/>
+            </a:p>
+            <a:p>
+              <a:pPr algn="ctr"/>
+              <a:r>
+                <a:rPr lang="en-US" altLang="ko-KR" sz="1100" dirty="0"/>
+                <a:t>Color</a:t>
+              </a:r>
+              <a:r>
+                <a:rPr lang="ko-KR" altLang="en-US" sz="1100" dirty="0"/>
+                <a:t> </a:t>
+              </a:r>
+              <a:r>
+                <a:rPr lang="en-US" altLang="ko-KR" sz="1100" dirty="0"/>
+                <a:t>Average</a:t>
+              </a:r>
+              <a:r>
+                <a:rPr lang="ko-KR" altLang="en-US" sz="1100" dirty="0"/>
+                <a:t> </a:t>
+              </a:r>
+            </a:p>
+          </p:txBody>
+        </p:sp>
+        <p:pic>
+          <p:nvPicPr>
+            <p:cNvPr id="1026" name="Picture 2" descr="average iconì ëí ì´ë¯¸ì§ ê²ìê²°ê³¼">
+              <a:extLst>
+                <a:ext uri="{FF2B5EF4-FFF2-40B4-BE49-F238E27FC236}">
+                  <a16:creationId xmlns:a16="http://schemas.microsoft.com/office/drawing/2014/main" id="{A4C438F0-8871-4D5B-8394-C3BF03835955}"/>
+                </a:ext>
+              </a:extLst>
+            </p:cNvPr>
+            <p:cNvPicPr>
+              <a:picLocks noChangeAspect="1" noChangeArrowheads="1"/>
+            </p:cNvPicPr>
+            <p:nvPr/>
+          </p:nvPicPr>
+          <p:blipFill>
+            <a:blip r:embed="rId10">
+              <a:extLst>
+                <a:ext uri="{28A0092B-C50C-407E-A947-70E740481C1C}">
+                  <a14:useLocalDpi xmlns:a14="http://schemas.microsoft.com/office/drawing/2010/main" val="0"/>
+                </a:ext>
+              </a:extLst>
+            </a:blip>
+            <a:srcRect/>
+            <a:stretch>
+              <a:fillRect/>
+            </a:stretch>
+          </p:blipFill>
+          <p:spPr bwMode="auto">
+            <a:xfrm>
+              <a:off x="8037843" y="1871938"/>
+              <a:ext cx="508167" cy="508167"/>
+            </a:xfrm>
+            <a:prstGeom prst="rect">
+              <a:avLst/>
+            </a:prstGeom>
+            <a:noFill/>
             <a:extLst>
-              <a:ext uri="{FF2B5EF4-FFF2-40B4-BE49-F238E27FC236}">
-                <a16:creationId xmlns:a16="http://schemas.microsoft.com/office/drawing/2014/main" id="{7B219880-B76A-4F20-A059-47B5E50A3230}"/>
+              <a:ext uri="{909E8E84-426E-40DD-AFC4-6F175D3DCCD1}">
+                <a14:hiddenFill xmlns:a14="http://schemas.microsoft.com/office/drawing/2010/main">
+                  <a:solidFill>
+                    <a:srgbClr val="FFFFFF"/>
+                  </a:solidFill>
+                </a14:hiddenFill>
               </a:ext>
             </a:extLst>
-          </p:cNvPr>
-          <p:cNvSpPr/>
-          <p:nvPr/>
-        </p:nvSpPr>
-        <p:spPr>
-          <a:xfrm>
-            <a:off x="6427755" y="2987826"/>
-            <a:ext cx="1031567" cy="636105"/>
-          </a:xfrm>
-          <a:prstGeom prst="roundRect">
-            <a:avLst/>
-          </a:prstGeom>
-        </p:spPr>
-        <p:style>
-          <a:lnRef idx="2">
-            <a:schemeClr val="accent3"/>
-          </a:lnRef>
-          <a:fillRef idx="1">
-            <a:schemeClr val="lt1"/>
-          </a:fillRef>
-          <a:effectRef idx="0">
-            <a:schemeClr val="accent3"/>
-          </a:effectRef>
-          <a:fontRef idx="minor">
-            <a:schemeClr val="dk1"/>
-          </a:fontRef>
-        </p:style>
-        <p:txBody>
-          <a:bodyPr rtlCol="0" anchor="ctr"/>
-          <a:lstStyle/>
-          <a:p>
-            <a:pPr algn="ctr"/>
-            <a:endParaRPr lang="en-US" altLang="ko-KR" sz="1100" dirty="0"/>
-          </a:p>
-          <a:p>
-            <a:pPr algn="ctr"/>
-            <a:endParaRPr lang="en-US" altLang="ko-KR" sz="1100" dirty="0"/>
-          </a:p>
-          <a:p>
-            <a:pPr algn="ctr"/>
-            <a:r>
-              <a:rPr lang="en-US" altLang="ko-KR" sz="1100" dirty="0"/>
-              <a:t>Set Range Image</a:t>
-            </a:r>
-            <a:endParaRPr lang="ko-KR" altLang="en-US" sz="1100" dirty="0"/>
-          </a:p>
-        </p:txBody>
-      </p:sp>
-      <p:sp>
-        <p:nvSpPr>
-          <p:cNvPr id="104" name="사각형: 둥근 모서리 103">
-            <a:extLst>
-              <a:ext uri="{FF2B5EF4-FFF2-40B4-BE49-F238E27FC236}">
-                <a16:creationId xmlns:a16="http://schemas.microsoft.com/office/drawing/2014/main" id="{1E5B564D-C648-4C4D-B158-E8AB795BF156}"/>
-              </a:ext>
-            </a:extLst>
-          </p:cNvPr>
-          <p:cNvSpPr/>
-          <p:nvPr/>
-        </p:nvSpPr>
-        <p:spPr>
-          <a:xfrm>
-            <a:off x="4795546" y="2997840"/>
-            <a:ext cx="1031567" cy="636105"/>
-          </a:xfrm>
-          <a:prstGeom prst="roundRect">
-            <a:avLst/>
-          </a:prstGeom>
-        </p:spPr>
-        <p:style>
-          <a:lnRef idx="2">
-            <a:schemeClr val="accent3"/>
-          </a:lnRef>
-          <a:fillRef idx="1">
-            <a:schemeClr val="lt1"/>
-          </a:fillRef>
-          <a:effectRef idx="0">
-            <a:schemeClr val="accent3"/>
-          </a:effectRef>
-          <a:fontRef idx="minor">
-            <a:schemeClr val="dk1"/>
-          </a:fontRef>
-        </p:style>
-        <p:txBody>
-          <a:bodyPr rtlCol="0" anchor="ctr"/>
-          <a:lstStyle/>
-          <a:p>
-            <a:pPr algn="ctr"/>
-            <a:endParaRPr lang="en-US" altLang="ko-KR" sz="1100" dirty="0"/>
-          </a:p>
-          <a:p>
-            <a:pPr algn="ctr"/>
-            <a:endParaRPr lang="en-US" altLang="ko-KR" sz="1100" dirty="0"/>
-          </a:p>
-          <a:p>
-            <a:pPr algn="ctr"/>
-            <a:r>
-              <a:rPr lang="en-US" altLang="ko-KR" sz="1100" dirty="0"/>
-              <a:t>conversion Image</a:t>
-            </a:r>
-            <a:endParaRPr lang="ko-KR" altLang="en-US" sz="1100" dirty="0"/>
-          </a:p>
-        </p:txBody>
-      </p:sp>
-      <p:pic>
-        <p:nvPicPr>
-          <p:cNvPr id="105" name="그림 104">
-            <a:extLst>
-              <a:ext uri="{FF2B5EF4-FFF2-40B4-BE49-F238E27FC236}">
-                <a16:creationId xmlns:a16="http://schemas.microsoft.com/office/drawing/2014/main" id="{8190A2F2-6743-4C13-97DE-C6C161016AA5}"/>
-              </a:ext>
-            </a:extLst>
-          </p:cNvPr>
-          <p:cNvPicPr>
-            <a:picLocks noChangeAspect="1"/>
-          </p:cNvPicPr>
-          <p:nvPr/>
-        </p:nvPicPr>
-        <p:blipFill>
-          <a:blip r:embed="rId2"/>
-          <a:stretch>
-            <a:fillRect/>
-          </a:stretch>
-        </p:blipFill>
-        <p:spPr>
-          <a:xfrm>
-            <a:off x="5082129" y="3036362"/>
-            <a:ext cx="458402" cy="307516"/>
-          </a:xfrm>
-          <a:prstGeom prst="rect">
-            <a:avLst/>
-          </a:prstGeom>
-        </p:spPr>
-      </p:pic>
-      <p:pic>
-        <p:nvPicPr>
-          <p:cNvPr id="2050" name="Picture 2" descr="range iconì ëí ì´ë¯¸ì§ ê²ìê²°ê³¼">
-            <a:extLst>
-              <a:ext uri="{FF2B5EF4-FFF2-40B4-BE49-F238E27FC236}">
-                <a16:creationId xmlns:a16="http://schemas.microsoft.com/office/drawing/2014/main" id="{1049C124-2672-41BE-8187-D1B45575B0BB}"/>
-              </a:ext>
-            </a:extLst>
-          </p:cNvPr>
-          <p:cNvPicPr>
-            <a:picLocks noChangeAspect="1" noChangeArrowheads="1"/>
-          </p:cNvPicPr>
-          <p:nvPr/>
-        </p:nvPicPr>
-        <p:blipFill>
-          <a:blip r:embed="rId3">
-            <a:extLst>
-              <a:ext uri="{28A0092B-C50C-407E-A947-70E740481C1C}">
-                <a14:useLocalDpi xmlns:a14="http://schemas.microsoft.com/office/drawing/2010/main" val="0"/>
-              </a:ext>
-            </a:extLst>
-          </a:blip>
-          <a:srcRect/>
-          <a:stretch>
-            <a:fillRect/>
-          </a:stretch>
-        </p:blipFill>
-        <p:spPr bwMode="auto">
-          <a:xfrm>
-            <a:off x="6799958" y="3023210"/>
-            <a:ext cx="302642" cy="282668"/>
-          </a:xfrm>
-          <a:prstGeom prst="rect">
-            <a:avLst/>
-          </a:prstGeom>
-          <a:noFill/>
-          <a:extLst>
-            <a:ext uri="{909E8E84-426E-40DD-AFC4-6F175D3DCCD1}">
-              <a14:hiddenFill xmlns:a14="http://schemas.microsoft.com/office/drawing/2010/main">
-                <a:solidFill>
-                  <a:srgbClr val="FFFFFF"/>
-                </a:solidFill>
-              </a14:hiddenFill>
-            </a:ext>
-          </a:extLst>
-        </p:spPr>
-      </p:pic>
-      <p:pic>
-        <p:nvPicPr>
-          <p:cNvPr id="2052" name="Picture 4" descr="color iconì ëí ì´ë¯¸ì§ ê²ìê²°ê³¼">
-            <a:extLst>
-              <a:ext uri="{FF2B5EF4-FFF2-40B4-BE49-F238E27FC236}">
-                <a16:creationId xmlns:a16="http://schemas.microsoft.com/office/drawing/2014/main" id="{C20287BE-91EE-40DA-B10B-5F5A5D0630EC}"/>
-              </a:ext>
-            </a:extLst>
-          </p:cNvPr>
-          <p:cNvPicPr>
-            <a:picLocks noChangeAspect="1" noChangeArrowheads="1"/>
-          </p:cNvPicPr>
-          <p:nvPr/>
-        </p:nvPicPr>
-        <p:blipFill>
-          <a:blip r:embed="rId4">
-            <a:extLst>
-              <a:ext uri="{28A0092B-C50C-407E-A947-70E740481C1C}">
-                <a14:useLocalDpi xmlns:a14="http://schemas.microsoft.com/office/drawing/2010/main" val="0"/>
-              </a:ext>
-            </a:extLst>
-          </a:blip>
-          <a:srcRect/>
-          <a:stretch>
-            <a:fillRect/>
-          </a:stretch>
-        </p:blipFill>
-        <p:spPr bwMode="auto">
-          <a:xfrm>
-            <a:off x="8001814" y="3173482"/>
-            <a:ext cx="559883" cy="453498"/>
-          </a:xfrm>
-          <a:prstGeom prst="rect">
-            <a:avLst/>
-          </a:prstGeom>
-          <a:noFill/>
-          <a:extLst>
-            <a:ext uri="{909E8E84-426E-40DD-AFC4-6F175D3DCCD1}">
-              <a14:hiddenFill xmlns:a14="http://schemas.microsoft.com/office/drawing/2010/main">
-                <a:solidFill>
-                  <a:srgbClr val="FFFFFF"/>
-                </a:solidFill>
-              </a14:hiddenFill>
-            </a:ext>
-          </a:extLst>
-        </p:spPr>
-      </p:pic>
-      <p:pic>
-        <p:nvPicPr>
-          <p:cNvPr id="2054" name="Picture 6" descr="deep learning iconì ëí ì´ë¯¸ì§ ê²ìê²°ê³¼">
-            <a:extLst>
-              <a:ext uri="{FF2B5EF4-FFF2-40B4-BE49-F238E27FC236}">
-                <a16:creationId xmlns:a16="http://schemas.microsoft.com/office/drawing/2014/main" id="{D11F21D9-779A-4933-91FC-EE926C66CB93}"/>
-              </a:ext>
-            </a:extLst>
-          </p:cNvPr>
-          <p:cNvPicPr>
-            <a:picLocks noChangeAspect="1" noChangeArrowheads="1"/>
-          </p:cNvPicPr>
-          <p:nvPr/>
-        </p:nvPicPr>
-        <p:blipFill>
-          <a:blip r:embed="rId5">
-            <a:extLst>
-              <a:ext uri="{28A0092B-C50C-407E-A947-70E740481C1C}">
-                <a14:useLocalDpi xmlns:a14="http://schemas.microsoft.com/office/drawing/2010/main" val="0"/>
-              </a:ext>
-            </a:extLst>
-          </a:blip>
-          <a:srcRect/>
-          <a:stretch>
-            <a:fillRect/>
-          </a:stretch>
-        </p:blipFill>
-        <p:spPr bwMode="auto">
-          <a:xfrm>
-            <a:off x="8098318" y="4466267"/>
-            <a:ext cx="422401" cy="394524"/>
-          </a:xfrm>
-          <a:prstGeom prst="rect">
-            <a:avLst/>
-          </a:prstGeom>
-          <a:noFill/>
-          <a:extLst>
-            <a:ext uri="{909E8E84-426E-40DD-AFC4-6F175D3DCCD1}">
-              <a14:hiddenFill xmlns:a14="http://schemas.microsoft.com/office/drawing/2010/main">
-                <a:solidFill>
-                  <a:srgbClr val="FFFFFF"/>
-                </a:solidFill>
-              </a14:hiddenFill>
-            </a:ext>
-          </a:extLst>
-        </p:spPr>
-      </p:pic>
-      <p:sp>
-        <p:nvSpPr>
-          <p:cNvPr id="108" name="사각형: 둥근 모서리 107">
-            <a:extLst>
-              <a:ext uri="{FF2B5EF4-FFF2-40B4-BE49-F238E27FC236}">
-                <a16:creationId xmlns:a16="http://schemas.microsoft.com/office/drawing/2014/main" id="{1A87CCAC-2326-4C2A-B5AE-B16437F2F7C5}"/>
-              </a:ext>
-            </a:extLst>
-          </p:cNvPr>
-          <p:cNvSpPr/>
-          <p:nvPr/>
-        </p:nvSpPr>
-        <p:spPr>
-          <a:xfrm>
-            <a:off x="9393420" y="3130513"/>
-            <a:ext cx="1616313" cy="991834"/>
-          </a:xfrm>
-          <a:prstGeom prst="roundRect">
-            <a:avLst/>
-          </a:prstGeom>
-        </p:spPr>
-        <p:style>
-          <a:lnRef idx="2">
-            <a:schemeClr val="accent3"/>
-          </a:lnRef>
-          <a:fillRef idx="1">
-            <a:schemeClr val="lt1"/>
-          </a:fillRef>
-          <a:effectRef idx="0">
-            <a:schemeClr val="accent3"/>
-          </a:effectRef>
-          <a:fontRef idx="minor">
-            <a:schemeClr val="dk1"/>
-          </a:fontRef>
-        </p:style>
-        <p:txBody>
-          <a:bodyPr rtlCol="0" anchor="ctr"/>
-          <a:lstStyle/>
-          <a:p>
-            <a:pPr algn="ctr"/>
-            <a:endParaRPr lang="en-US" altLang="ko-KR" sz="1050" dirty="0"/>
-          </a:p>
-          <a:p>
-            <a:pPr algn="ctr"/>
-            <a:endParaRPr lang="en-US" altLang="ko-KR" sz="1050" dirty="0"/>
-          </a:p>
-          <a:p>
-            <a:pPr algn="ctr"/>
-            <a:endParaRPr lang="en-US" altLang="ko-KR" sz="1050" dirty="0"/>
-          </a:p>
-          <a:p>
-            <a:pPr algn="ctr"/>
-            <a:endParaRPr lang="en-US" altLang="ko-KR" sz="1050" dirty="0"/>
-          </a:p>
-          <a:p>
-            <a:pPr algn="ctr"/>
-            <a:r>
-              <a:rPr lang="en-US" altLang="ko-KR" sz="1050" dirty="0"/>
-              <a:t>Decision Dog </a:t>
-            </a:r>
-          </a:p>
-          <a:p>
-            <a:pPr algn="ctr"/>
-            <a:r>
-              <a:rPr lang="en-US" altLang="ko-KR" sz="1050" dirty="0"/>
-              <a:t>Bowel Movement</a:t>
-            </a:r>
-            <a:endParaRPr lang="ko-KR" altLang="en-US" sz="1050" dirty="0"/>
-          </a:p>
-        </p:txBody>
-      </p:sp>
-      <p:pic>
-        <p:nvPicPr>
-          <p:cNvPr id="2058" name="Picture 10" descr="dog iconì ëí ì´ë¯¸ì§ ê²ìê²°ê³¼">
-            <a:extLst>
-              <a:ext uri="{FF2B5EF4-FFF2-40B4-BE49-F238E27FC236}">
-                <a16:creationId xmlns:a16="http://schemas.microsoft.com/office/drawing/2014/main" id="{B48F2116-4811-46DA-99FC-314E3DF922ED}"/>
-              </a:ext>
-            </a:extLst>
-          </p:cNvPr>
-          <p:cNvPicPr>
-            <a:picLocks noChangeAspect="1" noChangeArrowheads="1"/>
-          </p:cNvPicPr>
-          <p:nvPr/>
-        </p:nvPicPr>
-        <p:blipFill>
-          <a:blip r:embed="rId6">
-            <a:extLst>
-              <a:ext uri="{28A0092B-C50C-407E-A947-70E740481C1C}">
-                <a14:useLocalDpi xmlns:a14="http://schemas.microsoft.com/office/drawing/2010/main" val="0"/>
-              </a:ext>
-            </a:extLst>
-          </a:blip>
-          <a:srcRect/>
-          <a:stretch>
-            <a:fillRect/>
-          </a:stretch>
-        </p:blipFill>
-        <p:spPr bwMode="auto">
-          <a:xfrm>
-            <a:off x="9686921" y="3153561"/>
-            <a:ext cx="914566" cy="661951"/>
-          </a:xfrm>
-          <a:prstGeom prst="rect">
-            <a:avLst/>
-          </a:prstGeom>
-          <a:noFill/>
-          <a:extLst>
-            <a:ext uri="{909E8E84-426E-40DD-AFC4-6F175D3DCCD1}">
-              <a14:hiddenFill xmlns:a14="http://schemas.microsoft.com/office/drawing/2010/main">
-                <a:solidFill>
-                  <a:srgbClr val="FFFFFF"/>
-                </a:solidFill>
-              </a14:hiddenFill>
-            </a:ext>
-          </a:extLst>
-        </p:spPr>
-      </p:pic>
-      <p:cxnSp>
-        <p:nvCxnSpPr>
-          <p:cNvPr id="110" name="직선 화살표 연결선 109">
-            <a:extLst>
-              <a:ext uri="{FF2B5EF4-FFF2-40B4-BE49-F238E27FC236}">
-                <a16:creationId xmlns:a16="http://schemas.microsoft.com/office/drawing/2014/main" id="{036D3C4E-8F8B-4684-A7DD-D6EF9DF0ADEF}"/>
-              </a:ext>
-            </a:extLst>
-          </p:cNvPr>
-          <p:cNvCxnSpPr>
-            <a:cxnSpLocks/>
-          </p:cNvCxnSpPr>
-          <p:nvPr/>
-        </p:nvCxnSpPr>
-        <p:spPr>
-          <a:xfrm>
-            <a:off x="8266912" y="4118578"/>
-            <a:ext cx="0" cy="305386"/>
-          </a:xfrm>
-          <a:prstGeom prst="straightConnector1">
-            <a:avLst/>
-          </a:prstGeom>
-          <a:ln>
-            <a:tailEnd type="triangle"/>
-          </a:ln>
-        </p:spPr>
-        <p:style>
-          <a:lnRef idx="1">
-            <a:schemeClr val="dk1"/>
-          </a:lnRef>
-          <a:fillRef idx="0">
-            <a:schemeClr val="dk1"/>
-          </a:fillRef>
-          <a:effectRef idx="0">
-            <a:schemeClr val="dk1"/>
-          </a:effectRef>
-          <a:fontRef idx="minor">
-            <a:schemeClr val="tx1"/>
-          </a:fontRef>
-        </p:style>
-      </p:cxnSp>
-      <p:cxnSp>
-        <p:nvCxnSpPr>
-          <p:cNvPr id="111" name="연결선: 꺾임 110">
-            <a:extLst>
-              <a:ext uri="{FF2B5EF4-FFF2-40B4-BE49-F238E27FC236}">
-                <a16:creationId xmlns:a16="http://schemas.microsoft.com/office/drawing/2014/main" id="{C2F747F4-E0A9-4512-98CF-6EA0EC10CC28}"/>
-              </a:ext>
-            </a:extLst>
-          </p:cNvPr>
-          <p:cNvCxnSpPr>
-            <a:cxnSpLocks/>
-            <a:stCxn id="107" idx="3"/>
-          </p:cNvCxnSpPr>
-          <p:nvPr/>
-        </p:nvCxnSpPr>
-        <p:spPr>
-          <a:xfrm flipV="1">
-            <a:off x="8788857" y="3613179"/>
-            <a:ext cx="564807" cy="1270339"/>
-          </a:xfrm>
-          <a:prstGeom prst="bentConnector3">
-            <a:avLst>
-              <a:gd name="adj1" fmla="val 50000"/>
-            </a:avLst>
-          </a:prstGeom>
-          <a:ln>
-            <a:tailEnd type="triangle"/>
-          </a:ln>
-        </p:spPr>
-        <p:style>
-          <a:lnRef idx="1">
-            <a:schemeClr val="dk1"/>
-          </a:lnRef>
-          <a:fillRef idx="0">
-            <a:schemeClr val="dk1"/>
-          </a:fillRef>
-          <a:effectRef idx="0">
-            <a:schemeClr val="dk1"/>
-          </a:effectRef>
-          <a:fontRef idx="minor">
-            <a:schemeClr val="tx1"/>
-          </a:fontRef>
-        </p:style>
-      </p:cxnSp>
-      <p:cxnSp>
-        <p:nvCxnSpPr>
-          <p:cNvPr id="112" name="직선 화살표 연결선 111">
-            <a:extLst>
-              <a:ext uri="{FF2B5EF4-FFF2-40B4-BE49-F238E27FC236}">
-                <a16:creationId xmlns:a16="http://schemas.microsoft.com/office/drawing/2014/main" id="{14C9DEE5-8A26-4D72-9558-BFA5D6A97A97}"/>
-              </a:ext>
-            </a:extLst>
-          </p:cNvPr>
-          <p:cNvCxnSpPr>
-            <a:cxnSpLocks/>
-          </p:cNvCxnSpPr>
-          <p:nvPr/>
-        </p:nvCxnSpPr>
-        <p:spPr>
-          <a:xfrm>
-            <a:off x="11028012" y="3626431"/>
-            <a:ext cx="404497" cy="0"/>
-          </a:xfrm>
-          <a:prstGeom prst="straightConnector1">
-            <a:avLst/>
-          </a:prstGeom>
-          <a:ln>
-            <a:tailEnd type="triangle"/>
-          </a:ln>
-        </p:spPr>
-        <p:style>
-          <a:lnRef idx="1">
-            <a:schemeClr val="dk1"/>
-          </a:lnRef>
-          <a:fillRef idx="0">
-            <a:schemeClr val="dk1"/>
-          </a:fillRef>
-          <a:effectRef idx="0">
-            <a:schemeClr val="dk1"/>
-          </a:effectRef>
-          <a:fontRef idx="minor">
-            <a:schemeClr val="tx1"/>
-          </a:fontRef>
-        </p:style>
-      </p:cxnSp>
-      <p:sp>
-        <p:nvSpPr>
-          <p:cNvPr id="99" name="사각형: 둥근 모서리 98">
-            <a:extLst>
-              <a:ext uri="{FF2B5EF4-FFF2-40B4-BE49-F238E27FC236}">
-                <a16:creationId xmlns:a16="http://schemas.microsoft.com/office/drawing/2014/main" id="{270CE23A-1A07-4654-AF37-FFBCCEF04C1E}"/>
-              </a:ext>
-            </a:extLst>
-          </p:cNvPr>
-          <p:cNvSpPr/>
-          <p:nvPr/>
-        </p:nvSpPr>
-        <p:spPr>
-          <a:xfrm>
-            <a:off x="3279715" y="2915077"/>
-            <a:ext cx="964212" cy="808108"/>
-          </a:xfrm>
-          <a:prstGeom prst="roundRect">
-            <a:avLst/>
-          </a:prstGeom>
-        </p:spPr>
-        <p:style>
-          <a:lnRef idx="2">
-            <a:schemeClr val="accent3"/>
-          </a:lnRef>
-          <a:fillRef idx="1">
-            <a:schemeClr val="lt1"/>
-          </a:fillRef>
-          <a:effectRef idx="0">
-            <a:schemeClr val="accent3"/>
-          </a:effectRef>
-          <a:fontRef idx="minor">
-            <a:schemeClr val="dk1"/>
-          </a:fontRef>
-        </p:style>
-        <p:txBody>
-          <a:bodyPr rtlCol="0" anchor="ctr"/>
-          <a:lstStyle/>
-          <a:p>
-            <a:pPr algn="ctr"/>
-            <a:endParaRPr lang="en-US" altLang="ko-KR" sz="1000" dirty="0"/>
-          </a:p>
-          <a:p>
-            <a:pPr algn="ctr"/>
-            <a:endParaRPr lang="en-US" altLang="ko-KR" sz="1000" dirty="0"/>
-          </a:p>
-          <a:p>
-            <a:pPr algn="ctr"/>
-            <a:endParaRPr lang="en-US" altLang="ko-KR" sz="1000" dirty="0"/>
-          </a:p>
-          <a:p>
-            <a:pPr algn="ctr"/>
-            <a:r>
-              <a:rPr lang="en-US" altLang="ko-KR" sz="1000" dirty="0"/>
-              <a:t>Removal</a:t>
-            </a:r>
-          </a:p>
-          <a:p>
-            <a:pPr algn="ctr"/>
-            <a:r>
-              <a:rPr lang="en-US" altLang="ko-KR" sz="1000" dirty="0"/>
-              <a:t>Background</a:t>
-            </a:r>
-          </a:p>
-        </p:txBody>
-      </p:sp>
-      <p:sp>
-        <p:nvSpPr>
-          <p:cNvPr id="86" name="사각형: 둥근 모서리 85">
-            <a:extLst>
-              <a:ext uri="{FF2B5EF4-FFF2-40B4-BE49-F238E27FC236}">
-                <a16:creationId xmlns:a16="http://schemas.microsoft.com/office/drawing/2014/main" id="{FCA9F5F1-98A5-4A58-9A7E-D31E771C01E4}"/>
-              </a:ext>
-            </a:extLst>
-          </p:cNvPr>
-          <p:cNvSpPr/>
-          <p:nvPr/>
-        </p:nvSpPr>
-        <p:spPr>
-          <a:xfrm>
-            <a:off x="1386862" y="3349186"/>
-            <a:ext cx="1376812" cy="956649"/>
-          </a:xfrm>
-          <a:prstGeom prst="roundRect">
-            <a:avLst/>
-          </a:prstGeom>
-        </p:spPr>
-        <p:style>
-          <a:lnRef idx="2">
-            <a:schemeClr val="accent3"/>
-          </a:lnRef>
-          <a:fillRef idx="1">
-            <a:schemeClr val="lt1"/>
-          </a:fillRef>
-          <a:effectRef idx="0">
-            <a:schemeClr val="accent3"/>
-          </a:effectRef>
-          <a:fontRef idx="minor">
-            <a:schemeClr val="dk1"/>
-          </a:fontRef>
-        </p:style>
-        <p:txBody>
-          <a:bodyPr rtlCol="0" anchor="ctr"/>
-          <a:lstStyle/>
-          <a:p>
-            <a:pPr algn="ctr"/>
-            <a:endParaRPr lang="en-US" altLang="ko-KR" sz="1050" dirty="0"/>
-          </a:p>
-          <a:p>
-            <a:pPr algn="ctr"/>
-            <a:endParaRPr lang="en-US" altLang="ko-KR" sz="1050" dirty="0"/>
-          </a:p>
-          <a:p>
-            <a:pPr algn="ctr"/>
-            <a:br>
-              <a:rPr lang="en-US" altLang="ko-KR" sz="1050" dirty="0"/>
-            </a:br>
-            <a:endParaRPr lang="en-US" altLang="ko-KR" sz="1050" dirty="0"/>
-          </a:p>
-          <a:p>
-            <a:pPr algn="ctr"/>
-            <a:r>
-              <a:rPr lang="en-US" altLang="ko-KR" sz="1050" dirty="0"/>
-              <a:t>Image</a:t>
-            </a:r>
-            <a:r>
-              <a:rPr lang="ko-KR" altLang="en-US" sz="1050" dirty="0"/>
-              <a:t> </a:t>
-            </a:r>
-            <a:r>
-              <a:rPr lang="en-US" altLang="ko-KR" sz="1050" dirty="0"/>
-              <a:t>Blurring</a:t>
-            </a:r>
-            <a:endParaRPr lang="en-US" altLang="ko-KR" sz="1000" dirty="0"/>
-          </a:p>
-          <a:p>
-            <a:pPr algn="ctr"/>
-            <a:r>
-              <a:rPr lang="en-US" altLang="ko-KR" sz="800" dirty="0"/>
-              <a:t>[</a:t>
-            </a:r>
-            <a:r>
-              <a:rPr lang="ko-KR" altLang="en-US" sz="800" dirty="0"/>
-              <a:t>영상처리 라이브러리</a:t>
-            </a:r>
-            <a:r>
-              <a:rPr lang="en-US" altLang="ko-KR" sz="800" dirty="0"/>
-              <a:t>]</a:t>
-            </a:r>
-          </a:p>
-        </p:txBody>
-      </p:sp>
-      <p:sp>
-        <p:nvSpPr>
-          <p:cNvPr id="87" name="사각형: 둥근 모서리 86">
-            <a:extLst>
-              <a:ext uri="{FF2B5EF4-FFF2-40B4-BE49-F238E27FC236}">
-                <a16:creationId xmlns:a16="http://schemas.microsoft.com/office/drawing/2014/main" id="{0D81AF66-B629-4A02-90E2-529A7724D8B7}"/>
-              </a:ext>
-            </a:extLst>
-          </p:cNvPr>
-          <p:cNvSpPr/>
-          <p:nvPr/>
-        </p:nvSpPr>
-        <p:spPr>
-          <a:xfrm>
-            <a:off x="1386862" y="2360139"/>
-            <a:ext cx="1384687" cy="790546"/>
-          </a:xfrm>
-          <a:prstGeom prst="roundRect">
-            <a:avLst/>
-          </a:prstGeom>
-        </p:spPr>
-        <p:style>
-          <a:lnRef idx="2">
-            <a:schemeClr val="accent3"/>
-          </a:lnRef>
-          <a:fillRef idx="1">
-            <a:schemeClr val="lt1"/>
-          </a:fillRef>
-          <a:effectRef idx="0">
-            <a:schemeClr val="accent3"/>
-          </a:effectRef>
-          <a:fontRef idx="minor">
-            <a:schemeClr val="dk1"/>
-          </a:fontRef>
-        </p:style>
-        <p:txBody>
-          <a:bodyPr rtlCol="0" anchor="ctr"/>
-          <a:lstStyle/>
-          <a:p>
-            <a:pPr algn="ctr"/>
-            <a:endParaRPr lang="en-US" altLang="ko-KR" sz="1000" dirty="0"/>
-          </a:p>
-          <a:p>
-            <a:pPr algn="ctr"/>
-            <a:endParaRPr lang="en-US" altLang="ko-KR" sz="1000" dirty="0"/>
-          </a:p>
-          <a:p>
-            <a:pPr algn="ctr"/>
-            <a:endParaRPr lang="en-US" altLang="ko-KR" sz="1000" dirty="0"/>
-          </a:p>
-          <a:p>
-            <a:pPr algn="ctr"/>
-            <a:r>
-              <a:rPr lang="en-US" altLang="ko-KR" sz="1000" dirty="0"/>
-              <a:t>Color conversion</a:t>
-            </a:r>
-          </a:p>
-          <a:p>
-            <a:pPr algn="ctr"/>
-            <a:r>
-              <a:rPr lang="en-US" altLang="ko-KR" sz="900" dirty="0"/>
-              <a:t>[</a:t>
-            </a:r>
-            <a:r>
-              <a:rPr lang="ko-KR" altLang="en-US" sz="900" dirty="0"/>
-              <a:t>영상처리 라이브러리</a:t>
-            </a:r>
-            <a:r>
-              <a:rPr lang="en-US" altLang="ko-KR" sz="900" dirty="0"/>
-              <a:t>]</a:t>
-            </a:r>
-          </a:p>
-        </p:txBody>
-      </p:sp>
-      <p:sp>
-        <p:nvSpPr>
-          <p:cNvPr id="88" name="사각형: 둥근 모서리 87">
-            <a:extLst>
-              <a:ext uri="{FF2B5EF4-FFF2-40B4-BE49-F238E27FC236}">
-                <a16:creationId xmlns:a16="http://schemas.microsoft.com/office/drawing/2014/main" id="{68F5E23D-21AF-4383-AA29-0C481F284A44}"/>
-              </a:ext>
-            </a:extLst>
-          </p:cNvPr>
-          <p:cNvSpPr/>
-          <p:nvPr/>
-        </p:nvSpPr>
-        <p:spPr>
-          <a:xfrm>
-            <a:off x="32357" y="2968157"/>
-            <a:ext cx="964212" cy="691617"/>
-          </a:xfrm>
-          <a:prstGeom prst="roundRect">
-            <a:avLst/>
-          </a:prstGeom>
-        </p:spPr>
-        <p:style>
-          <a:lnRef idx="2">
-            <a:schemeClr val="accent3"/>
-          </a:lnRef>
-          <a:fillRef idx="1">
-            <a:schemeClr val="lt1"/>
-          </a:fillRef>
-          <a:effectRef idx="0">
-            <a:schemeClr val="accent3"/>
-          </a:effectRef>
-          <a:fontRef idx="minor">
-            <a:schemeClr val="dk1"/>
-          </a:fontRef>
-        </p:style>
-        <p:txBody>
-          <a:bodyPr rtlCol="0" anchor="ctr"/>
-          <a:lstStyle/>
-          <a:p>
-            <a:pPr algn="ctr"/>
-            <a:endParaRPr lang="en-US" altLang="ko-KR" sz="1100" dirty="0"/>
-          </a:p>
-          <a:p>
-            <a:pPr algn="ctr"/>
-            <a:endParaRPr lang="en-US" altLang="ko-KR" sz="1100" dirty="0"/>
-          </a:p>
-          <a:p>
-            <a:pPr algn="ctr"/>
-            <a:r>
-              <a:rPr lang="en-US" altLang="ko-KR" sz="1100" dirty="0"/>
-              <a:t>Get Image</a:t>
-            </a:r>
-            <a:endParaRPr lang="ko-KR" altLang="en-US" sz="1100" dirty="0"/>
-          </a:p>
-        </p:txBody>
-      </p:sp>
-      <p:pic>
-        <p:nvPicPr>
-          <p:cNvPr id="89" name="그림 88">
-            <a:extLst>
-              <a:ext uri="{FF2B5EF4-FFF2-40B4-BE49-F238E27FC236}">
-                <a16:creationId xmlns:a16="http://schemas.microsoft.com/office/drawing/2014/main" id="{E167EF53-7D7B-4987-974F-8DF017179571}"/>
-              </a:ext>
-            </a:extLst>
-          </p:cNvPr>
-          <p:cNvPicPr>
-            <a:picLocks noChangeAspect="1"/>
-          </p:cNvPicPr>
-          <p:nvPr/>
-        </p:nvPicPr>
-        <p:blipFill>
-          <a:blip r:embed="rId7"/>
-          <a:stretch>
-            <a:fillRect/>
-          </a:stretch>
-        </p:blipFill>
-        <p:spPr>
-          <a:xfrm>
-            <a:off x="1733752" y="3392633"/>
-            <a:ext cx="648781" cy="644785"/>
-          </a:xfrm>
-          <a:prstGeom prst="rect">
-            <a:avLst/>
-          </a:prstGeom>
-        </p:spPr>
-      </p:pic>
-      <p:pic>
-        <p:nvPicPr>
-          <p:cNvPr id="90" name="그림 89">
-            <a:extLst>
-              <a:ext uri="{FF2B5EF4-FFF2-40B4-BE49-F238E27FC236}">
-                <a16:creationId xmlns:a16="http://schemas.microsoft.com/office/drawing/2014/main" id="{15AA3720-DAF2-4A65-98DC-4ACF51F6DCBF}"/>
-              </a:ext>
-            </a:extLst>
-          </p:cNvPr>
-          <p:cNvPicPr>
-            <a:picLocks noChangeAspect="1"/>
-          </p:cNvPicPr>
-          <p:nvPr/>
-        </p:nvPicPr>
-        <p:blipFill>
-          <a:blip r:embed="rId8"/>
-          <a:stretch>
-            <a:fillRect/>
-          </a:stretch>
-        </p:blipFill>
-        <p:spPr>
-          <a:xfrm>
-            <a:off x="1642188" y="2405097"/>
-            <a:ext cx="800155" cy="407301"/>
-          </a:xfrm>
-          <a:prstGeom prst="rect">
-            <a:avLst/>
-          </a:prstGeom>
-        </p:spPr>
-      </p:pic>
-      <p:pic>
-        <p:nvPicPr>
-          <p:cNvPr id="91" name="그림 90">
-            <a:extLst>
-              <a:ext uri="{FF2B5EF4-FFF2-40B4-BE49-F238E27FC236}">
-                <a16:creationId xmlns:a16="http://schemas.microsoft.com/office/drawing/2014/main" id="{5D94E79D-F291-4A5F-A524-ECB57B590DA5}"/>
-              </a:ext>
-            </a:extLst>
-          </p:cNvPr>
-          <p:cNvPicPr>
-            <a:picLocks noChangeAspect="1"/>
-          </p:cNvPicPr>
-          <p:nvPr/>
-        </p:nvPicPr>
-        <p:blipFill>
-          <a:blip r:embed="rId2"/>
-          <a:stretch>
-            <a:fillRect/>
-          </a:stretch>
-        </p:blipFill>
-        <p:spPr>
-          <a:xfrm>
-            <a:off x="300227" y="2991070"/>
-            <a:ext cx="428471" cy="334352"/>
-          </a:xfrm>
-          <a:prstGeom prst="rect">
-            <a:avLst/>
-          </a:prstGeom>
-        </p:spPr>
-      </p:pic>
-      <p:pic>
-        <p:nvPicPr>
-          <p:cNvPr id="92" name="그림 91">
-            <a:extLst>
-              <a:ext uri="{FF2B5EF4-FFF2-40B4-BE49-F238E27FC236}">
-                <a16:creationId xmlns:a16="http://schemas.microsoft.com/office/drawing/2014/main" id="{EB085731-6F1C-4665-B8DA-36C259423E37}"/>
-              </a:ext>
-            </a:extLst>
-          </p:cNvPr>
-          <p:cNvPicPr>
-            <a:picLocks noChangeAspect="1"/>
-          </p:cNvPicPr>
-          <p:nvPr/>
-        </p:nvPicPr>
-        <p:blipFill>
-          <a:blip r:embed="rId9"/>
-          <a:stretch>
-            <a:fillRect/>
-          </a:stretch>
-        </p:blipFill>
-        <p:spPr>
-          <a:xfrm>
-            <a:off x="3381727" y="2959374"/>
-            <a:ext cx="760187" cy="403540"/>
-          </a:xfrm>
-          <a:prstGeom prst="rect">
-            <a:avLst/>
-          </a:prstGeom>
-        </p:spPr>
-      </p:pic>
-      <p:cxnSp>
-        <p:nvCxnSpPr>
-          <p:cNvPr id="95" name="연결선: 꺾임 94">
-            <a:extLst>
-              <a:ext uri="{FF2B5EF4-FFF2-40B4-BE49-F238E27FC236}">
-                <a16:creationId xmlns:a16="http://schemas.microsoft.com/office/drawing/2014/main" id="{67A9A09F-6DA7-43E5-A4AE-E1D2F03727DE}"/>
-              </a:ext>
-            </a:extLst>
-          </p:cNvPr>
-          <p:cNvCxnSpPr>
-            <a:cxnSpLocks/>
-            <a:endCxn id="86" idx="1"/>
-          </p:cNvCxnSpPr>
-          <p:nvPr/>
-        </p:nvCxnSpPr>
-        <p:spPr>
-          <a:xfrm>
-            <a:off x="968357" y="3380660"/>
-            <a:ext cx="418505" cy="446851"/>
-          </a:xfrm>
-          <a:prstGeom prst="bentConnector3">
-            <a:avLst/>
-          </a:prstGeom>
-          <a:ln>
-            <a:tailEnd type="triangle"/>
-          </a:ln>
-        </p:spPr>
-        <p:style>
-          <a:lnRef idx="1">
-            <a:schemeClr val="dk1"/>
-          </a:lnRef>
-          <a:fillRef idx="0">
-            <a:schemeClr val="dk1"/>
-          </a:fillRef>
-          <a:effectRef idx="0">
-            <a:schemeClr val="dk1"/>
-          </a:effectRef>
-          <a:fontRef idx="minor">
-            <a:schemeClr val="tx1"/>
-          </a:fontRef>
-        </p:style>
-      </p:cxnSp>
-      <p:cxnSp>
-        <p:nvCxnSpPr>
-          <p:cNvPr id="96" name="연결선: 꺾임 95">
-            <a:extLst>
-              <a:ext uri="{FF2B5EF4-FFF2-40B4-BE49-F238E27FC236}">
-                <a16:creationId xmlns:a16="http://schemas.microsoft.com/office/drawing/2014/main" id="{A53E4462-AD21-4D4F-9652-8742C19CCF51}"/>
-              </a:ext>
-            </a:extLst>
-          </p:cNvPr>
-          <p:cNvCxnSpPr>
-            <a:cxnSpLocks/>
-          </p:cNvCxnSpPr>
-          <p:nvPr/>
-        </p:nvCxnSpPr>
-        <p:spPr>
-          <a:xfrm>
-            <a:off x="2782921" y="2755413"/>
-            <a:ext cx="489769" cy="347572"/>
-          </a:xfrm>
-          <a:prstGeom prst="bentConnector3">
-            <a:avLst>
-              <a:gd name="adj1" fmla="val 50000"/>
-            </a:avLst>
-          </a:prstGeom>
-          <a:ln>
-            <a:tailEnd type="triangle"/>
-          </a:ln>
-        </p:spPr>
-        <p:style>
-          <a:lnRef idx="1">
-            <a:schemeClr val="dk1"/>
-          </a:lnRef>
-          <a:fillRef idx="0">
-            <a:schemeClr val="dk1"/>
-          </a:fillRef>
-          <a:effectRef idx="0">
-            <a:schemeClr val="dk1"/>
-          </a:effectRef>
-          <a:fontRef idx="minor">
-            <a:schemeClr val="tx1"/>
-          </a:fontRef>
-        </p:style>
-      </p:cxnSp>
-      <p:cxnSp>
-        <p:nvCxnSpPr>
-          <p:cNvPr id="97" name="연결선: 꺾임 96">
-            <a:extLst>
-              <a:ext uri="{FF2B5EF4-FFF2-40B4-BE49-F238E27FC236}">
-                <a16:creationId xmlns:a16="http://schemas.microsoft.com/office/drawing/2014/main" id="{DC8EF2A3-2659-4B5E-9709-304F2F94650D}"/>
-              </a:ext>
-            </a:extLst>
-          </p:cNvPr>
-          <p:cNvCxnSpPr>
-            <a:cxnSpLocks/>
-            <a:stCxn id="86" idx="3"/>
-          </p:cNvCxnSpPr>
-          <p:nvPr/>
-        </p:nvCxnSpPr>
-        <p:spPr>
-          <a:xfrm flipV="1">
-            <a:off x="2763674" y="3305879"/>
-            <a:ext cx="516042" cy="521631"/>
-          </a:xfrm>
-          <a:prstGeom prst="bentConnector3">
-            <a:avLst>
-              <a:gd name="adj1" fmla="val 50000"/>
-            </a:avLst>
-          </a:prstGeom>
-          <a:ln>
-            <a:tailEnd type="triangle"/>
-          </a:ln>
-        </p:spPr>
-        <p:style>
-          <a:lnRef idx="1">
-            <a:schemeClr val="dk1"/>
-          </a:lnRef>
-          <a:fillRef idx="0">
-            <a:schemeClr val="dk1"/>
-          </a:fillRef>
-          <a:effectRef idx="0">
-            <a:schemeClr val="dk1"/>
-          </a:effectRef>
-          <a:fontRef idx="minor">
-            <a:schemeClr val="tx1"/>
-          </a:fontRef>
-        </p:style>
-      </p:cxnSp>
-      <p:cxnSp>
-        <p:nvCxnSpPr>
-          <p:cNvPr id="113" name="연결선: 꺾임 112">
-            <a:extLst>
-              <a:ext uri="{FF2B5EF4-FFF2-40B4-BE49-F238E27FC236}">
-                <a16:creationId xmlns:a16="http://schemas.microsoft.com/office/drawing/2014/main" id="{03584795-0C21-4B76-BDD2-76E9B94449EA}"/>
-              </a:ext>
-            </a:extLst>
-          </p:cNvPr>
-          <p:cNvCxnSpPr>
-            <a:cxnSpLocks/>
-          </p:cNvCxnSpPr>
-          <p:nvPr/>
-        </p:nvCxnSpPr>
-        <p:spPr>
-          <a:xfrm flipV="1">
-            <a:off x="985965" y="2685242"/>
-            <a:ext cx="413037" cy="518796"/>
-          </a:xfrm>
-          <a:prstGeom prst="bentConnector3">
-            <a:avLst/>
-          </a:prstGeom>
-          <a:ln>
-            <a:tailEnd type="triangle"/>
-          </a:ln>
-        </p:spPr>
-        <p:style>
-          <a:lnRef idx="1">
-            <a:schemeClr val="dk1"/>
-          </a:lnRef>
-          <a:fillRef idx="0">
-            <a:schemeClr val="dk1"/>
-          </a:fillRef>
-          <a:effectRef idx="0">
-            <a:schemeClr val="dk1"/>
-          </a:effectRef>
-          <a:fontRef idx="minor">
-            <a:schemeClr val="tx1"/>
-          </a:fontRef>
-        </p:style>
-      </p:cxnSp>
-      <p:sp>
-        <p:nvSpPr>
-          <p:cNvPr id="37" name="사각형: 둥근 모서리 36">
-            <a:extLst>
-              <a:ext uri="{FF2B5EF4-FFF2-40B4-BE49-F238E27FC236}">
-                <a16:creationId xmlns:a16="http://schemas.microsoft.com/office/drawing/2014/main" id="{93D6B158-9C13-4F19-8D97-2CB5259A29D5}"/>
-              </a:ext>
-            </a:extLst>
-          </p:cNvPr>
-          <p:cNvSpPr/>
-          <p:nvPr/>
-        </p:nvSpPr>
-        <p:spPr>
-          <a:xfrm>
-            <a:off x="7814718" y="1911938"/>
-            <a:ext cx="964212" cy="691617"/>
-          </a:xfrm>
-          <a:prstGeom prst="roundRect">
-            <a:avLst/>
-          </a:prstGeom>
-        </p:spPr>
-        <p:style>
-          <a:lnRef idx="2">
-            <a:schemeClr val="accent3"/>
-          </a:lnRef>
-          <a:fillRef idx="1">
-            <a:schemeClr val="lt1"/>
-          </a:fillRef>
-          <a:effectRef idx="0">
-            <a:schemeClr val="accent3"/>
-          </a:effectRef>
-          <a:fontRef idx="minor">
-            <a:schemeClr val="dk1"/>
-          </a:fontRef>
-        </p:style>
-        <p:txBody>
-          <a:bodyPr rtlCol="0" anchor="ctr"/>
-          <a:lstStyle/>
-          <a:p>
-            <a:pPr algn="ctr"/>
-            <a:endParaRPr lang="en-US" altLang="ko-KR" sz="1100" dirty="0"/>
-          </a:p>
-          <a:p>
-            <a:pPr algn="ctr"/>
-            <a:endParaRPr lang="en-US" altLang="ko-KR" sz="1100" dirty="0"/>
-          </a:p>
-          <a:p>
-            <a:pPr algn="ctr"/>
-            <a:r>
-              <a:rPr lang="en-US" altLang="ko-KR" sz="1100" dirty="0"/>
-              <a:t>Color</a:t>
-            </a:r>
-            <a:r>
-              <a:rPr lang="ko-KR" altLang="en-US" sz="1100" dirty="0"/>
-              <a:t> </a:t>
-            </a:r>
-            <a:r>
-              <a:rPr lang="en-US" altLang="ko-KR" sz="1100" dirty="0"/>
-              <a:t>Average</a:t>
-            </a:r>
-            <a:r>
-              <a:rPr lang="ko-KR" altLang="en-US" sz="1100" dirty="0"/>
-              <a:t> </a:t>
-            </a:r>
-          </a:p>
-        </p:txBody>
-      </p:sp>
-      <p:pic>
-        <p:nvPicPr>
-          <p:cNvPr id="1026" name="Picture 2" descr="average iconì ëí ì´ë¯¸ì§ ê²ìê²°ê³¼">
-            <a:extLst>
-              <a:ext uri="{FF2B5EF4-FFF2-40B4-BE49-F238E27FC236}">
-                <a16:creationId xmlns:a16="http://schemas.microsoft.com/office/drawing/2014/main" id="{A4C438F0-8871-4D5B-8394-C3BF03835955}"/>
-              </a:ext>
-            </a:extLst>
-          </p:cNvPr>
-          <p:cNvPicPr>
-            <a:picLocks noChangeAspect="1" noChangeArrowheads="1"/>
-          </p:cNvPicPr>
-          <p:nvPr/>
-        </p:nvPicPr>
-        <p:blipFill>
-          <a:blip r:embed="rId10">
-            <a:extLst>
-              <a:ext uri="{28A0092B-C50C-407E-A947-70E740481C1C}">
-                <a14:useLocalDpi xmlns:a14="http://schemas.microsoft.com/office/drawing/2010/main" val="0"/>
-              </a:ext>
-            </a:extLst>
-          </a:blip>
-          <a:srcRect/>
-          <a:stretch>
-            <a:fillRect/>
-          </a:stretch>
-        </p:blipFill>
-        <p:spPr bwMode="auto">
-          <a:xfrm>
-            <a:off x="8037843" y="1871938"/>
-            <a:ext cx="508167" cy="508167"/>
-          </a:xfrm>
-          <a:prstGeom prst="rect">
-            <a:avLst/>
-          </a:prstGeom>
-          <a:noFill/>
-          <a:extLst>
-            <a:ext uri="{909E8E84-426E-40DD-AFC4-6F175D3DCCD1}">
-              <a14:hiddenFill xmlns:a14="http://schemas.microsoft.com/office/drawing/2010/main">
-                <a:solidFill>
-                  <a:srgbClr val="FFFFFF"/>
-                </a:solidFill>
-              </a14:hiddenFill>
-            </a:ext>
-          </a:extLst>
-        </p:spPr>
-      </p:pic>
-      <p:sp>
-        <p:nvSpPr>
-          <p:cNvPr id="23" name="TextBox 22">
-            <a:extLst>
-              <a:ext uri="{FF2B5EF4-FFF2-40B4-BE49-F238E27FC236}">
-                <a16:creationId xmlns:a16="http://schemas.microsoft.com/office/drawing/2014/main" id="{35D1C9D9-763F-4ED3-A016-573BE1EEDF18}"/>
-              </a:ext>
-            </a:extLst>
-          </p:cNvPr>
-          <p:cNvSpPr txBox="1"/>
-          <p:nvPr/>
-        </p:nvSpPr>
-        <p:spPr>
-          <a:xfrm>
-            <a:off x="3981624" y="1714169"/>
-            <a:ext cx="1521699" cy="307777"/>
-          </a:xfrm>
-          <a:prstGeom prst="rect">
-            <a:avLst/>
-          </a:prstGeom>
-          <a:noFill/>
-        </p:spPr>
-        <p:txBody>
-          <a:bodyPr wrap="none" rtlCol="0">
-            <a:spAutoFit/>
-          </a:bodyPr>
-          <a:lstStyle/>
-          <a:p>
-            <a:r>
-              <a:rPr lang="en-US" altLang="ko-KR" sz="1400" dirty="0"/>
-              <a:t>If it is not White</a:t>
-            </a:r>
-            <a:endParaRPr lang="ko-KR" altLang="en-US" sz="1400" dirty="0"/>
-          </a:p>
-        </p:txBody>
-      </p:sp>
-      <p:sp>
-        <p:nvSpPr>
-          <p:cNvPr id="60" name="TextBox 59">
-            <a:extLst>
-              <a:ext uri="{FF2B5EF4-FFF2-40B4-BE49-F238E27FC236}">
-                <a16:creationId xmlns:a16="http://schemas.microsoft.com/office/drawing/2014/main" id="{B3CBDEC2-0034-4AC6-9D8A-F60C4C13560F}"/>
-              </a:ext>
-            </a:extLst>
-          </p:cNvPr>
-          <p:cNvSpPr txBox="1"/>
-          <p:nvPr/>
-        </p:nvSpPr>
-        <p:spPr>
-          <a:xfrm>
-            <a:off x="7700442" y="2690410"/>
-            <a:ext cx="1162626" cy="307777"/>
-          </a:xfrm>
-          <a:prstGeom prst="rect">
-            <a:avLst/>
-          </a:prstGeom>
-          <a:noFill/>
-        </p:spPr>
-        <p:txBody>
-          <a:bodyPr wrap="none" rtlCol="0">
-            <a:spAutoFit/>
-          </a:bodyPr>
-          <a:lstStyle/>
-          <a:p>
-            <a:r>
-              <a:rPr lang="en-US" altLang="ko-KR" sz="1400" dirty="0"/>
-              <a:t>White Color</a:t>
-            </a:r>
-            <a:endParaRPr lang="ko-KR" altLang="en-US" sz="1400" dirty="0"/>
-          </a:p>
-        </p:txBody>
-      </p:sp>
-      <p:cxnSp>
-        <p:nvCxnSpPr>
-          <p:cNvPr id="66" name="직선 화살표 연결선 65">
-            <a:extLst>
-              <a:ext uri="{FF2B5EF4-FFF2-40B4-BE49-F238E27FC236}">
-                <a16:creationId xmlns:a16="http://schemas.microsoft.com/office/drawing/2014/main" id="{F93A3886-F9D9-492E-89CF-872AC0FA20C6}"/>
-              </a:ext>
-            </a:extLst>
-          </p:cNvPr>
-          <p:cNvCxnSpPr>
-            <a:cxnSpLocks/>
-          </p:cNvCxnSpPr>
-          <p:nvPr/>
-        </p:nvCxnSpPr>
-        <p:spPr>
-          <a:xfrm flipV="1">
-            <a:off x="5932567" y="3236528"/>
-            <a:ext cx="446165" cy="1"/>
-          </a:xfrm>
-          <a:prstGeom prst="straightConnector1">
-            <a:avLst/>
-          </a:prstGeom>
-          <a:ln>
-            <a:tailEnd type="triangle"/>
-          </a:ln>
-        </p:spPr>
-        <p:style>
-          <a:lnRef idx="1">
-            <a:schemeClr val="dk1"/>
-          </a:lnRef>
-          <a:fillRef idx="0">
-            <a:schemeClr val="dk1"/>
-          </a:fillRef>
-          <a:effectRef idx="0">
-            <a:schemeClr val="dk1"/>
-          </a:effectRef>
-          <a:fontRef idx="minor">
-            <a:schemeClr val="tx1"/>
-          </a:fontRef>
-        </p:style>
-      </p:cxnSp>
-      <p:cxnSp>
-        <p:nvCxnSpPr>
-          <p:cNvPr id="33" name="연결선: 꺾임 32">
-            <a:extLst>
-              <a:ext uri="{FF2B5EF4-FFF2-40B4-BE49-F238E27FC236}">
-                <a16:creationId xmlns:a16="http://schemas.microsoft.com/office/drawing/2014/main" id="{4436A066-3F97-4DA8-B5CC-0EA668B8971D}"/>
-              </a:ext>
-            </a:extLst>
-          </p:cNvPr>
-          <p:cNvCxnSpPr>
-            <a:stCxn id="103" idx="3"/>
-            <a:endCxn id="37" idx="1"/>
-          </p:cNvCxnSpPr>
-          <p:nvPr/>
-        </p:nvCxnSpPr>
-        <p:spPr>
-          <a:xfrm flipV="1">
-            <a:off x="7459322" y="2257747"/>
-            <a:ext cx="355396" cy="1048132"/>
-          </a:xfrm>
-          <a:prstGeom prst="bentConnector3">
-            <a:avLst/>
-          </a:prstGeom>
-          <a:ln>
-            <a:tailEnd type="triangle"/>
-          </a:ln>
-        </p:spPr>
-        <p:style>
-          <a:lnRef idx="1">
-            <a:schemeClr val="dk1"/>
-          </a:lnRef>
-          <a:fillRef idx="0">
-            <a:schemeClr val="dk1"/>
-          </a:fillRef>
-          <a:effectRef idx="0">
-            <a:schemeClr val="dk1"/>
-          </a:effectRef>
-          <a:fontRef idx="minor">
-            <a:schemeClr val="tx1"/>
-          </a:fontRef>
-        </p:style>
-      </p:cxnSp>
-      <p:cxnSp>
-        <p:nvCxnSpPr>
-          <p:cNvPr id="35" name="연결선: 꺾임 34">
-            <a:extLst>
-              <a:ext uri="{FF2B5EF4-FFF2-40B4-BE49-F238E27FC236}">
-                <a16:creationId xmlns:a16="http://schemas.microsoft.com/office/drawing/2014/main" id="{F2C8FC81-D7BE-47E4-9B0A-58F5DBD89452}"/>
-              </a:ext>
-            </a:extLst>
-          </p:cNvPr>
-          <p:cNvCxnSpPr>
-            <a:endCxn id="91" idx="0"/>
-          </p:cNvCxnSpPr>
-          <p:nvPr/>
-        </p:nvCxnSpPr>
-        <p:spPr>
-          <a:xfrm rot="10800000" flipV="1">
-            <a:off x="514464" y="2054086"/>
-            <a:ext cx="7300255" cy="936983"/>
-          </a:xfrm>
-          <a:prstGeom prst="bentConnector2">
-            <a:avLst/>
-          </a:prstGeom>
-          <a:ln>
-            <a:tailEnd type="triangle"/>
-          </a:ln>
-        </p:spPr>
-        <p:style>
-          <a:lnRef idx="1">
-            <a:schemeClr val="dk1"/>
-          </a:lnRef>
-          <a:fillRef idx="0">
-            <a:schemeClr val="dk1"/>
-          </a:fillRef>
-          <a:effectRef idx="0">
-            <a:schemeClr val="dk1"/>
-          </a:effectRef>
-          <a:fontRef idx="minor">
-            <a:schemeClr val="tx1"/>
-          </a:fontRef>
-        </p:style>
-      </p:cxnSp>
-      <p:cxnSp>
-        <p:nvCxnSpPr>
-          <p:cNvPr id="41" name="직선 화살표 연결선 40">
-            <a:extLst>
-              <a:ext uri="{FF2B5EF4-FFF2-40B4-BE49-F238E27FC236}">
-                <a16:creationId xmlns:a16="http://schemas.microsoft.com/office/drawing/2014/main" id="{9527A363-BFA8-40FE-80D6-1F2782C04290}"/>
-              </a:ext>
-            </a:extLst>
-          </p:cNvPr>
-          <p:cNvCxnSpPr/>
-          <p:nvPr/>
-        </p:nvCxnSpPr>
-        <p:spPr>
-          <a:xfrm>
-            <a:off x="8281755" y="2618982"/>
-            <a:ext cx="0" cy="473004"/>
-          </a:xfrm>
-          <a:prstGeom prst="straightConnector1">
-            <a:avLst/>
-          </a:prstGeom>
-          <a:ln>
-            <a:tailEnd type="triangle"/>
-          </a:ln>
-        </p:spPr>
-        <p:style>
-          <a:lnRef idx="1">
-            <a:schemeClr val="dk1"/>
-          </a:lnRef>
-          <a:fillRef idx="0">
-            <a:schemeClr val="dk1"/>
-          </a:fillRef>
-          <a:effectRef idx="0">
-            <a:schemeClr val="dk1"/>
-          </a:effectRef>
-          <a:fontRef idx="minor">
-            <a:schemeClr val="tx1"/>
-          </a:fontRef>
-        </p:style>
-      </p:cxnSp>
+          </p:spPr>
+        </p:pic>
+        <p:sp>
+          <p:nvSpPr>
+            <p:cNvPr id="23" name="TextBox 22">
+              <a:extLst>
+                <a:ext uri="{FF2B5EF4-FFF2-40B4-BE49-F238E27FC236}">
+                  <a16:creationId xmlns:a16="http://schemas.microsoft.com/office/drawing/2014/main" id="{35D1C9D9-763F-4ED3-A016-573BE1EEDF18}"/>
+                </a:ext>
+              </a:extLst>
+            </p:cNvPr>
+            <p:cNvSpPr txBox="1"/>
+            <p:nvPr/>
+          </p:nvSpPr>
+          <p:spPr>
+            <a:xfrm>
+              <a:off x="3981624" y="1714169"/>
+              <a:ext cx="1521699" cy="307777"/>
+            </a:xfrm>
+            <a:prstGeom prst="rect">
+              <a:avLst/>
+            </a:prstGeom>
+            <a:noFill/>
+          </p:spPr>
+          <p:txBody>
+            <a:bodyPr wrap="none" rtlCol="0">
+              <a:spAutoFit/>
+            </a:bodyPr>
+            <a:lstStyle/>
+            <a:p>
+              <a:r>
+                <a:rPr lang="en-US" altLang="ko-KR" sz="1400" dirty="0"/>
+                <a:t>If it is not White</a:t>
+              </a:r>
+              <a:endParaRPr lang="ko-KR" altLang="en-US" sz="1400" dirty="0"/>
+            </a:p>
+          </p:txBody>
+        </p:sp>
+        <p:sp>
+          <p:nvSpPr>
+            <p:cNvPr id="60" name="TextBox 59">
+              <a:extLst>
+                <a:ext uri="{FF2B5EF4-FFF2-40B4-BE49-F238E27FC236}">
+                  <a16:creationId xmlns:a16="http://schemas.microsoft.com/office/drawing/2014/main" id="{B3CBDEC2-0034-4AC6-9D8A-F60C4C13560F}"/>
+                </a:ext>
+              </a:extLst>
+            </p:cNvPr>
+            <p:cNvSpPr txBox="1"/>
+            <p:nvPr/>
+          </p:nvSpPr>
+          <p:spPr>
+            <a:xfrm>
+              <a:off x="7700442" y="2690410"/>
+              <a:ext cx="1162626" cy="307777"/>
+            </a:xfrm>
+            <a:prstGeom prst="rect">
+              <a:avLst/>
+            </a:prstGeom>
+            <a:noFill/>
+          </p:spPr>
+          <p:txBody>
+            <a:bodyPr wrap="none" rtlCol="0">
+              <a:spAutoFit/>
+            </a:bodyPr>
+            <a:lstStyle/>
+            <a:p>
+              <a:r>
+                <a:rPr lang="en-US" altLang="ko-KR" sz="1400" dirty="0"/>
+                <a:t>White Color</a:t>
+              </a:r>
+              <a:endParaRPr lang="ko-KR" altLang="en-US" sz="1400" dirty="0"/>
+            </a:p>
+          </p:txBody>
+        </p:sp>
+        <p:cxnSp>
+          <p:nvCxnSpPr>
+            <p:cNvPr id="66" name="직선 화살표 연결선 65">
+              <a:extLst>
+                <a:ext uri="{FF2B5EF4-FFF2-40B4-BE49-F238E27FC236}">
+                  <a16:creationId xmlns:a16="http://schemas.microsoft.com/office/drawing/2014/main" id="{F93A3886-F9D9-492E-89CF-872AC0FA20C6}"/>
+                </a:ext>
+              </a:extLst>
+            </p:cNvPr>
+            <p:cNvCxnSpPr>
+              <a:cxnSpLocks/>
+            </p:cNvCxnSpPr>
+            <p:nvPr/>
+          </p:nvCxnSpPr>
+          <p:spPr>
+            <a:xfrm flipV="1">
+              <a:off x="5932567" y="3236528"/>
+              <a:ext cx="446165" cy="1"/>
+            </a:xfrm>
+            <a:prstGeom prst="straightConnector1">
+              <a:avLst/>
+            </a:prstGeom>
+            <a:ln>
+              <a:tailEnd type="triangle"/>
+            </a:ln>
+          </p:spPr>
+          <p:style>
+            <a:lnRef idx="1">
+              <a:schemeClr val="dk1"/>
+            </a:lnRef>
+            <a:fillRef idx="0">
+              <a:schemeClr val="dk1"/>
+            </a:fillRef>
+            <a:effectRef idx="0">
+              <a:schemeClr val="dk1"/>
+            </a:effectRef>
+            <a:fontRef idx="minor">
+              <a:schemeClr val="tx1"/>
+            </a:fontRef>
+          </p:style>
+        </p:cxnSp>
+        <p:cxnSp>
+          <p:nvCxnSpPr>
+            <p:cNvPr id="33" name="연결선: 꺾임 32">
+              <a:extLst>
+                <a:ext uri="{FF2B5EF4-FFF2-40B4-BE49-F238E27FC236}">
+                  <a16:creationId xmlns:a16="http://schemas.microsoft.com/office/drawing/2014/main" id="{4436A066-3F97-4DA8-B5CC-0EA668B8971D}"/>
+                </a:ext>
+              </a:extLst>
+            </p:cNvPr>
+            <p:cNvCxnSpPr>
+              <a:stCxn id="103" idx="3"/>
+              <a:endCxn id="37" idx="1"/>
+            </p:cNvCxnSpPr>
+            <p:nvPr/>
+          </p:nvCxnSpPr>
+          <p:spPr>
+            <a:xfrm flipV="1">
+              <a:off x="7459322" y="2257747"/>
+              <a:ext cx="355396" cy="1048132"/>
+            </a:xfrm>
+            <a:prstGeom prst="bentConnector3">
+              <a:avLst/>
+            </a:prstGeom>
+            <a:ln>
+              <a:tailEnd type="triangle"/>
+            </a:ln>
+          </p:spPr>
+          <p:style>
+            <a:lnRef idx="1">
+              <a:schemeClr val="dk1"/>
+            </a:lnRef>
+            <a:fillRef idx="0">
+              <a:schemeClr val="dk1"/>
+            </a:fillRef>
+            <a:effectRef idx="0">
+              <a:schemeClr val="dk1"/>
+            </a:effectRef>
+            <a:fontRef idx="minor">
+              <a:schemeClr val="tx1"/>
+            </a:fontRef>
+          </p:style>
+        </p:cxnSp>
+        <p:cxnSp>
+          <p:nvCxnSpPr>
+            <p:cNvPr id="35" name="연결선: 꺾임 34">
+              <a:extLst>
+                <a:ext uri="{FF2B5EF4-FFF2-40B4-BE49-F238E27FC236}">
+                  <a16:creationId xmlns:a16="http://schemas.microsoft.com/office/drawing/2014/main" id="{F2C8FC81-D7BE-47E4-9B0A-58F5DBD89452}"/>
+                </a:ext>
+              </a:extLst>
+            </p:cNvPr>
+            <p:cNvCxnSpPr>
+              <a:endCxn id="91" idx="0"/>
+            </p:cNvCxnSpPr>
+            <p:nvPr/>
+          </p:nvCxnSpPr>
+          <p:spPr>
+            <a:xfrm rot="10800000" flipV="1">
+              <a:off x="514464" y="2054086"/>
+              <a:ext cx="7300255" cy="936983"/>
+            </a:xfrm>
+            <a:prstGeom prst="bentConnector2">
+              <a:avLst/>
+            </a:prstGeom>
+            <a:ln>
+              <a:tailEnd type="triangle"/>
+            </a:ln>
+          </p:spPr>
+          <p:style>
+            <a:lnRef idx="1">
+              <a:schemeClr val="dk1"/>
+            </a:lnRef>
+            <a:fillRef idx="0">
+              <a:schemeClr val="dk1"/>
+            </a:fillRef>
+            <a:effectRef idx="0">
+              <a:schemeClr val="dk1"/>
+            </a:effectRef>
+            <a:fontRef idx="minor">
+              <a:schemeClr val="tx1"/>
+            </a:fontRef>
+          </p:style>
+        </p:cxnSp>
+        <p:cxnSp>
+          <p:nvCxnSpPr>
+            <p:cNvPr id="41" name="직선 화살표 연결선 40">
+              <a:extLst>
+                <a:ext uri="{FF2B5EF4-FFF2-40B4-BE49-F238E27FC236}">
+                  <a16:creationId xmlns:a16="http://schemas.microsoft.com/office/drawing/2014/main" id="{9527A363-BFA8-40FE-80D6-1F2782C04290}"/>
+                </a:ext>
+              </a:extLst>
+            </p:cNvPr>
+            <p:cNvCxnSpPr/>
+            <p:nvPr/>
+          </p:nvCxnSpPr>
+          <p:spPr>
+            <a:xfrm>
+              <a:off x="8281755" y="2618982"/>
+              <a:ext cx="0" cy="473004"/>
+            </a:xfrm>
+            <a:prstGeom prst="straightConnector1">
+              <a:avLst/>
+            </a:prstGeom>
+            <a:ln>
+              <a:tailEnd type="triangle"/>
+            </a:ln>
+          </p:spPr>
+          <p:style>
+            <a:lnRef idx="1">
+              <a:schemeClr val="dk1"/>
+            </a:lnRef>
+            <a:fillRef idx="0">
+              <a:schemeClr val="dk1"/>
+            </a:fillRef>
+            <a:effectRef idx="0">
+              <a:schemeClr val="dk1"/>
+            </a:effectRef>
+            <a:fontRef idx="minor">
+              <a:schemeClr val="tx1"/>
+            </a:fontRef>
+          </p:style>
+        </p:cxnSp>
+      </p:grpSp>
     </p:spTree>
     <p:extLst>
       <p:ext uri="{BB962C8B-B14F-4D97-AF65-F5344CB8AC3E}">

--- a/Report/보고서에 첨부된 그림 및 자료/영상처리 흐름도.pptx
+++ b/Report/보고서에 첨부된 그림 및 자료/영상처리 흐름도.pptx
@@ -5738,8 +5738,8 @@
         </p:nvGrpSpPr>
         <p:grpSpPr>
           <a:xfrm>
-            <a:off x="32357" y="799564"/>
-            <a:ext cx="12127286" cy="5071149"/>
+            <a:off x="173061" y="955326"/>
+            <a:ext cx="11845878" cy="4947348"/>
             <a:chOff x="32357" y="799564"/>
             <a:chExt cx="12127286" cy="5071149"/>
           </a:xfrm>
@@ -6831,7 +6831,7 @@
           </p:nvSpPr>
           <p:spPr>
             <a:xfrm>
-              <a:off x="32357" y="2968157"/>
+              <a:off x="114959" y="2968157"/>
               <a:ext cx="964212" cy="691617"/>
             </a:xfrm>
             <a:prstGeom prst="roundRect">
@@ -7004,14 +7004,15 @@
             </p:cNvPr>
             <p:cNvCxnSpPr>
               <a:cxnSpLocks/>
+              <a:stCxn id="88" idx="3"/>
               <a:endCxn id="86" idx="1"/>
             </p:cNvCxnSpPr>
             <p:nvPr/>
           </p:nvCxnSpPr>
           <p:spPr>
             <a:xfrm>
-              <a:off x="968357" y="3380660"/>
-              <a:ext cx="418505" cy="446851"/>
+              <a:off x="1079171" y="3313967"/>
+              <a:ext cx="307691" cy="513545"/>
             </a:xfrm>
             <a:prstGeom prst="bentConnector3">
               <a:avLst/>
@@ -7133,16 +7134,20 @@
             </p:cNvPr>
             <p:cNvCxnSpPr>
               <a:cxnSpLocks/>
+              <a:stCxn id="88" idx="3"/>
+              <a:endCxn id="87" idx="1"/>
             </p:cNvCxnSpPr>
             <p:nvPr/>
           </p:nvCxnSpPr>
           <p:spPr>
             <a:xfrm flipV="1">
-              <a:off x="985965" y="2685242"/>
-              <a:ext cx="413037" cy="518796"/>
+              <a:off x="1079171" y="2755413"/>
+              <a:ext cx="307691" cy="558554"/>
             </a:xfrm>
             <a:prstGeom prst="bentConnector3">
-              <a:avLst/>
+              <a:avLst>
+                <a:gd name="adj1" fmla="val 35087"/>
+              </a:avLst>
             </a:prstGeom>
             <a:ln>
               <a:tailEnd type="triangle"/>
@@ -7442,14 +7447,15 @@
               </a:extLst>
             </p:cNvPr>
             <p:cNvCxnSpPr>
-              <a:endCxn id="91" idx="0"/>
+              <a:cxnSpLocks/>
+              <a:endCxn id="88" idx="0"/>
             </p:cNvCxnSpPr>
             <p:nvPr/>
           </p:nvCxnSpPr>
           <p:spPr>
             <a:xfrm rot="10800000" flipV="1">
-              <a:off x="514464" y="2054086"/>
-              <a:ext cx="7300255" cy="936983"/>
+              <a:off x="597065" y="2054086"/>
+              <a:ext cx="7217654" cy="914071"/>
             </a:xfrm>
             <a:prstGeom prst="bentConnector2">
               <a:avLst/>

--- a/Report/보고서에 첨부된 그림 및 자료/영상처리 흐름도.pptx
+++ b/Report/보고서에 첨부된 그림 및 자료/영상처리 흐름도.pptx
@@ -6,7 +6,8 @@
   </p:sldMasterIdLst>
   <p:sldIdLst>
     <p:sldId id="256" r:id="rId2"/>
-    <p:sldId id="257" r:id="rId3"/>
+    <p:sldId id="258" r:id="rId3"/>
+    <p:sldId id="257" r:id="rId4"/>
   </p:sldIdLst>
   <p:sldSz cx="12192000" cy="6858000"/>
   <p:notesSz cx="6858000" cy="9144000"/>
@@ -260,7 +261,7 @@
           <a:p>
             <a:fld id="{F5B135A1-2870-484B-9D96-45273F064FCD}" type="datetimeFigureOut">
               <a:rPr lang="ko-KR" altLang="en-US" smtClean="0"/>
-              <a:t>2019-05-27</a:t>
+              <a:t>2019-06-10</a:t>
             </a:fld>
             <a:endParaRPr lang="ko-KR" altLang="en-US"/>
           </a:p>
@@ -458,7 +459,7 @@
           <a:p>
             <a:fld id="{F5B135A1-2870-484B-9D96-45273F064FCD}" type="datetimeFigureOut">
               <a:rPr lang="ko-KR" altLang="en-US" smtClean="0"/>
-              <a:t>2019-05-27</a:t>
+              <a:t>2019-06-10</a:t>
             </a:fld>
             <a:endParaRPr lang="ko-KR" altLang="en-US"/>
           </a:p>
@@ -666,7 +667,7 @@
           <a:p>
             <a:fld id="{F5B135A1-2870-484B-9D96-45273F064FCD}" type="datetimeFigureOut">
               <a:rPr lang="ko-KR" altLang="en-US" smtClean="0"/>
-              <a:t>2019-05-27</a:t>
+              <a:t>2019-06-10</a:t>
             </a:fld>
             <a:endParaRPr lang="ko-KR" altLang="en-US"/>
           </a:p>
@@ -864,7 +865,7 @@
           <a:p>
             <a:fld id="{F5B135A1-2870-484B-9D96-45273F064FCD}" type="datetimeFigureOut">
               <a:rPr lang="ko-KR" altLang="en-US" smtClean="0"/>
-              <a:t>2019-05-27</a:t>
+              <a:t>2019-06-10</a:t>
             </a:fld>
             <a:endParaRPr lang="ko-KR" altLang="en-US"/>
           </a:p>
@@ -1139,7 +1140,7 @@
           <a:p>
             <a:fld id="{F5B135A1-2870-484B-9D96-45273F064FCD}" type="datetimeFigureOut">
               <a:rPr lang="ko-KR" altLang="en-US" smtClean="0"/>
-              <a:t>2019-05-27</a:t>
+              <a:t>2019-06-10</a:t>
             </a:fld>
             <a:endParaRPr lang="ko-KR" altLang="en-US"/>
           </a:p>
@@ -1404,7 +1405,7 @@
           <a:p>
             <a:fld id="{F5B135A1-2870-484B-9D96-45273F064FCD}" type="datetimeFigureOut">
               <a:rPr lang="ko-KR" altLang="en-US" smtClean="0"/>
-              <a:t>2019-05-27</a:t>
+              <a:t>2019-06-10</a:t>
             </a:fld>
             <a:endParaRPr lang="ko-KR" altLang="en-US"/>
           </a:p>
@@ -1816,7 +1817,7 @@
           <a:p>
             <a:fld id="{F5B135A1-2870-484B-9D96-45273F064FCD}" type="datetimeFigureOut">
               <a:rPr lang="ko-KR" altLang="en-US" smtClean="0"/>
-              <a:t>2019-05-27</a:t>
+              <a:t>2019-06-10</a:t>
             </a:fld>
             <a:endParaRPr lang="ko-KR" altLang="en-US"/>
           </a:p>
@@ -1957,7 +1958,7 @@
           <a:p>
             <a:fld id="{F5B135A1-2870-484B-9D96-45273F064FCD}" type="datetimeFigureOut">
               <a:rPr lang="ko-KR" altLang="en-US" smtClean="0"/>
-              <a:t>2019-05-27</a:t>
+              <a:t>2019-06-10</a:t>
             </a:fld>
             <a:endParaRPr lang="ko-KR" altLang="en-US"/>
           </a:p>
@@ -2070,7 +2071,7 @@
           <a:p>
             <a:fld id="{F5B135A1-2870-484B-9D96-45273F064FCD}" type="datetimeFigureOut">
               <a:rPr lang="ko-KR" altLang="en-US" smtClean="0"/>
-              <a:t>2019-05-27</a:t>
+              <a:t>2019-06-10</a:t>
             </a:fld>
             <a:endParaRPr lang="ko-KR" altLang="en-US"/>
           </a:p>
@@ -2381,7 +2382,7 @@
           <a:p>
             <a:fld id="{F5B135A1-2870-484B-9D96-45273F064FCD}" type="datetimeFigureOut">
               <a:rPr lang="ko-KR" altLang="en-US" smtClean="0"/>
-              <a:t>2019-05-27</a:t>
+              <a:t>2019-06-10</a:t>
             </a:fld>
             <a:endParaRPr lang="ko-KR" altLang="en-US"/>
           </a:p>
@@ -2669,7 +2670,7 @@
           <a:p>
             <a:fld id="{F5B135A1-2870-484B-9D96-45273F064FCD}" type="datetimeFigureOut">
               <a:rPr lang="ko-KR" altLang="en-US" smtClean="0"/>
-              <a:t>2019-05-27</a:t>
+              <a:t>2019-06-10</a:t>
             </a:fld>
             <a:endParaRPr lang="ko-KR" altLang="en-US"/>
           </a:p>
@@ -2910,7 +2911,7 @@
           <a:p>
             <a:fld id="{F5B135A1-2870-484B-9D96-45273F064FCD}" type="datetimeFigureOut">
               <a:rPr lang="ko-KR" altLang="en-US" smtClean="0"/>
-              <a:t>2019-05-27</a:t>
+              <a:t>2019-06-10</a:t>
             </a:fld>
             <a:endParaRPr lang="ko-KR" altLang="en-US"/>
           </a:p>
@@ -5724,12 +5725,1128 @@
           <a:chExt cx="0" cy="0"/>
         </a:xfrm>
       </p:grpSpPr>
+      <p:sp>
+        <p:nvSpPr>
+          <p:cNvPr id="77" name="사각형: 둥근 모서리 76">
+            <a:extLst>
+              <a:ext uri="{FF2B5EF4-FFF2-40B4-BE49-F238E27FC236}">
+                <a16:creationId xmlns:a16="http://schemas.microsoft.com/office/drawing/2014/main" id="{71388B81-B482-49F4-B15E-C8CF744751C7}"/>
+              </a:ext>
+            </a:extLst>
+          </p:cNvPr>
+          <p:cNvSpPr/>
+          <p:nvPr/>
+        </p:nvSpPr>
+        <p:spPr>
+          <a:xfrm>
+            <a:off x="4457306" y="4274710"/>
+            <a:ext cx="1196683" cy="1288512"/>
+          </a:xfrm>
+          <a:prstGeom prst="roundRect">
+            <a:avLst/>
+          </a:prstGeom>
+        </p:spPr>
+        <p:style>
+          <a:lnRef idx="2">
+            <a:schemeClr val="accent3"/>
+          </a:lnRef>
+          <a:fillRef idx="1">
+            <a:schemeClr val="lt1"/>
+          </a:fillRef>
+          <a:effectRef idx="0">
+            <a:schemeClr val="accent3"/>
+          </a:effectRef>
+          <a:fontRef idx="minor">
+            <a:schemeClr val="dk1"/>
+          </a:fontRef>
+        </p:style>
+        <p:txBody>
+          <a:bodyPr rtlCol="0" anchor="ctr"/>
+          <a:lstStyle/>
+          <a:p>
+            <a:pPr algn="ctr"/>
+            <a:endParaRPr lang="en-US" altLang="ko-KR" sz="1100" dirty="0"/>
+          </a:p>
+          <a:p>
+            <a:pPr algn="ctr"/>
+            <a:endParaRPr lang="en-US" altLang="ko-KR" sz="1100" dirty="0"/>
+          </a:p>
+          <a:p>
+            <a:pPr algn="ctr"/>
+            <a:endParaRPr lang="en-US" altLang="ko-KR" sz="1100" dirty="0"/>
+          </a:p>
+          <a:p>
+            <a:pPr algn="ctr"/>
+            <a:endParaRPr lang="en-US" altLang="ko-KR" sz="1100" dirty="0"/>
+          </a:p>
+          <a:p>
+            <a:pPr algn="ctr"/>
+            <a:endParaRPr lang="en-US" altLang="ko-KR" sz="1100" dirty="0"/>
+          </a:p>
+          <a:p>
+            <a:pPr algn="ctr"/>
+            <a:r>
+              <a:rPr lang="en-US" altLang="ko-KR" sz="1100" dirty="0"/>
+              <a:t>Camera</a:t>
+            </a:r>
+            <a:r>
+              <a:rPr lang="ko-KR" altLang="en-US" sz="1100" dirty="0"/>
+              <a:t> </a:t>
+            </a:r>
+            <a:r>
+              <a:rPr lang="en-US" altLang="ko-KR" sz="1100" dirty="0"/>
+              <a:t>Tile</a:t>
+            </a:r>
+          </a:p>
+        </p:txBody>
+      </p:sp>
+      <p:pic>
+        <p:nvPicPr>
+          <p:cNvPr id="1026" name="Picture 2" descr="tilt iconì ëí ì´ë¯¸ì§ ê²ìê²°ê³¼">
+            <a:extLst>
+              <a:ext uri="{FF2B5EF4-FFF2-40B4-BE49-F238E27FC236}">
+                <a16:creationId xmlns:a16="http://schemas.microsoft.com/office/drawing/2014/main" id="{9E42BE40-BBDD-49CF-9121-918911E3DCB1}"/>
+              </a:ext>
+            </a:extLst>
+          </p:cNvPr>
+          <p:cNvPicPr>
+            <a:picLocks noChangeAspect="1" noChangeArrowheads="1"/>
+          </p:cNvPicPr>
+          <p:nvPr/>
+        </p:nvPicPr>
+        <p:blipFill>
+          <a:blip r:embed="rId2">
+            <a:extLst>
+              <a:ext uri="{28A0092B-C50C-407E-A947-70E740481C1C}">
+                <a14:useLocalDpi xmlns:a14="http://schemas.microsoft.com/office/drawing/2010/main" val="0"/>
+              </a:ext>
+            </a:extLst>
+          </a:blip>
+          <a:srcRect/>
+          <a:stretch>
+            <a:fillRect/>
+          </a:stretch>
+        </p:blipFill>
+        <p:spPr bwMode="auto">
+          <a:xfrm>
+            <a:off x="4625930" y="4339366"/>
+            <a:ext cx="864151" cy="864151"/>
+          </a:xfrm>
+          <a:prstGeom prst="rect">
+            <a:avLst/>
+          </a:prstGeom>
+          <a:noFill/>
+          <a:extLst>
+            <a:ext uri="{909E8E84-426E-40DD-AFC4-6F175D3DCCD1}">
+              <a14:hiddenFill xmlns:a14="http://schemas.microsoft.com/office/drawing/2010/main">
+                <a:solidFill>
+                  <a:srgbClr val="FFFFFF"/>
+                </a:solidFill>
+              </a14:hiddenFill>
+            </a:ext>
+          </a:extLst>
+        </p:spPr>
+      </p:pic>
+      <p:sp>
+        <p:nvSpPr>
+          <p:cNvPr id="125" name="사각형: 둥근 모서리 124">
+            <a:extLst>
+              <a:ext uri="{FF2B5EF4-FFF2-40B4-BE49-F238E27FC236}">
+                <a16:creationId xmlns:a16="http://schemas.microsoft.com/office/drawing/2014/main" id="{36224916-597A-4DDF-97FA-2A5395B1E2B5}"/>
+              </a:ext>
+            </a:extLst>
+          </p:cNvPr>
+          <p:cNvSpPr/>
+          <p:nvPr/>
+        </p:nvSpPr>
+        <p:spPr>
+          <a:xfrm>
+            <a:off x="2608402" y="5967036"/>
+            <a:ext cx="1123620" cy="1002856"/>
+          </a:xfrm>
+          <a:prstGeom prst="roundRect">
+            <a:avLst/>
+          </a:prstGeom>
+        </p:spPr>
+        <p:style>
+          <a:lnRef idx="2">
+            <a:schemeClr val="accent3"/>
+          </a:lnRef>
+          <a:fillRef idx="1">
+            <a:schemeClr val="lt1"/>
+          </a:fillRef>
+          <a:effectRef idx="0">
+            <a:schemeClr val="accent3"/>
+          </a:effectRef>
+          <a:fontRef idx="minor">
+            <a:schemeClr val="dk1"/>
+          </a:fontRef>
+        </p:style>
+        <p:txBody>
+          <a:bodyPr rtlCol="0" anchor="ctr"/>
+          <a:lstStyle/>
+          <a:p>
+            <a:pPr algn="ctr"/>
+            <a:endParaRPr lang="en-US" altLang="ko-KR" sz="1100" dirty="0"/>
+          </a:p>
+          <a:p>
+            <a:pPr algn="ctr"/>
+            <a:endParaRPr lang="en-US" altLang="ko-KR" sz="1100" dirty="0"/>
+          </a:p>
+          <a:p>
+            <a:pPr algn="ctr"/>
+            <a:endParaRPr lang="en-US" altLang="ko-KR" sz="1100" dirty="0"/>
+          </a:p>
+          <a:p>
+            <a:pPr algn="ctr"/>
+            <a:endParaRPr lang="en-US" altLang="ko-KR" sz="1100" dirty="0"/>
+          </a:p>
+          <a:p>
+            <a:pPr algn="ctr"/>
+            <a:r>
+              <a:rPr lang="en-US" altLang="ko-KR" sz="1100" dirty="0"/>
+              <a:t>Change The</a:t>
+            </a:r>
+          </a:p>
+          <a:p>
+            <a:pPr algn="ctr"/>
+            <a:r>
+              <a:rPr lang="en-US" altLang="ko-KR" sz="1100" dirty="0"/>
+              <a:t>Tile Machine</a:t>
+            </a:r>
+          </a:p>
+        </p:txBody>
+      </p:sp>
+      <p:sp>
+        <p:nvSpPr>
+          <p:cNvPr id="78" name="사각형: 둥근 모서리 77">
+            <a:extLst>
+              <a:ext uri="{FF2B5EF4-FFF2-40B4-BE49-F238E27FC236}">
+                <a16:creationId xmlns:a16="http://schemas.microsoft.com/office/drawing/2014/main" id="{242580F6-2BEB-4C71-BF3E-12EF900859A9}"/>
+              </a:ext>
+            </a:extLst>
+          </p:cNvPr>
+          <p:cNvSpPr/>
+          <p:nvPr/>
+        </p:nvSpPr>
+        <p:spPr>
+          <a:xfrm>
+            <a:off x="1079649" y="4129960"/>
+            <a:ext cx="1490331" cy="1002856"/>
+          </a:xfrm>
+          <a:prstGeom prst="roundRect">
+            <a:avLst/>
+          </a:prstGeom>
+        </p:spPr>
+        <p:style>
+          <a:lnRef idx="2">
+            <a:schemeClr val="accent3"/>
+          </a:lnRef>
+          <a:fillRef idx="1">
+            <a:schemeClr val="lt1"/>
+          </a:fillRef>
+          <a:effectRef idx="0">
+            <a:schemeClr val="accent3"/>
+          </a:effectRef>
+          <a:fontRef idx="minor">
+            <a:schemeClr val="dk1"/>
+          </a:fontRef>
+        </p:style>
+        <p:txBody>
+          <a:bodyPr rtlCol="0" anchor="ctr"/>
+          <a:lstStyle/>
+          <a:p>
+            <a:pPr algn="ctr"/>
+            <a:endParaRPr lang="en-US" altLang="ko-KR" sz="1200" dirty="0"/>
+          </a:p>
+          <a:p>
+            <a:pPr algn="ctr"/>
+            <a:endParaRPr lang="en-US" altLang="ko-KR" sz="1200" dirty="0"/>
+          </a:p>
+          <a:p>
+            <a:pPr algn="ctr"/>
+            <a:endParaRPr lang="en-US" altLang="ko-KR" sz="1200" dirty="0"/>
+          </a:p>
+          <a:p>
+            <a:pPr algn="ctr"/>
+            <a:r>
+              <a:rPr lang="en-US" altLang="ko-KR" sz="1200" dirty="0"/>
+              <a:t>Check Object Coordinate</a:t>
+            </a:r>
+          </a:p>
+        </p:txBody>
+      </p:sp>
+      <p:sp>
+        <p:nvSpPr>
+          <p:cNvPr id="39" name="사각형: 둥근 모서리 38">
+            <a:extLst>
+              <a:ext uri="{FF2B5EF4-FFF2-40B4-BE49-F238E27FC236}">
+                <a16:creationId xmlns:a16="http://schemas.microsoft.com/office/drawing/2014/main" id="{F170E171-851F-4961-957E-A36DA78FFCFC}"/>
+              </a:ext>
+            </a:extLst>
+          </p:cNvPr>
+          <p:cNvSpPr/>
+          <p:nvPr/>
+        </p:nvSpPr>
+        <p:spPr>
+          <a:xfrm>
+            <a:off x="5986425" y="761517"/>
+            <a:ext cx="1123620" cy="866776"/>
+          </a:xfrm>
+          <a:prstGeom prst="roundRect">
+            <a:avLst/>
+          </a:prstGeom>
+        </p:spPr>
+        <p:style>
+          <a:lnRef idx="2">
+            <a:schemeClr val="accent3"/>
+          </a:lnRef>
+          <a:fillRef idx="1">
+            <a:schemeClr val="lt1"/>
+          </a:fillRef>
+          <a:effectRef idx="0">
+            <a:schemeClr val="accent3"/>
+          </a:effectRef>
+          <a:fontRef idx="minor">
+            <a:schemeClr val="dk1"/>
+          </a:fontRef>
+        </p:style>
+        <p:txBody>
+          <a:bodyPr rtlCol="0" anchor="ctr"/>
+          <a:lstStyle/>
+          <a:p>
+            <a:pPr algn="ctr"/>
+            <a:endParaRPr lang="en-US" altLang="ko-KR" sz="1200" dirty="0"/>
+          </a:p>
+          <a:p>
+            <a:pPr algn="ctr"/>
+            <a:endParaRPr lang="en-US" altLang="ko-KR" sz="1200" dirty="0"/>
+          </a:p>
+          <a:p>
+            <a:pPr algn="ctr"/>
+            <a:endParaRPr lang="en-US" altLang="ko-KR" sz="1200" dirty="0"/>
+          </a:p>
+          <a:p>
+            <a:pPr algn="ctr"/>
+            <a:r>
+              <a:rPr lang="en-US" altLang="ko-KR" sz="1200" dirty="0"/>
+              <a:t>Don’t Find</a:t>
+            </a:r>
+          </a:p>
+          <a:p>
+            <a:pPr algn="ctr"/>
+            <a:r>
+              <a:rPr lang="en-US" altLang="ko-KR" sz="1200" dirty="0"/>
+              <a:t>Dog Object</a:t>
+            </a:r>
+          </a:p>
+        </p:txBody>
+      </p:sp>
+      <p:sp>
+        <p:nvSpPr>
+          <p:cNvPr id="21" name="사각형: 둥근 모서리 20">
+            <a:extLst>
+              <a:ext uri="{FF2B5EF4-FFF2-40B4-BE49-F238E27FC236}">
+                <a16:creationId xmlns:a16="http://schemas.microsoft.com/office/drawing/2014/main" id="{F8573E46-6C2D-40A4-BD47-CDC3C9E2BD0D}"/>
+              </a:ext>
+            </a:extLst>
+          </p:cNvPr>
+          <p:cNvSpPr/>
+          <p:nvPr/>
+        </p:nvSpPr>
+        <p:spPr>
+          <a:xfrm>
+            <a:off x="3840409" y="1580780"/>
+            <a:ext cx="1123620" cy="866776"/>
+          </a:xfrm>
+          <a:prstGeom prst="roundRect">
+            <a:avLst/>
+          </a:prstGeom>
+        </p:spPr>
+        <p:style>
+          <a:lnRef idx="2">
+            <a:schemeClr val="accent3"/>
+          </a:lnRef>
+          <a:fillRef idx="1">
+            <a:schemeClr val="lt1"/>
+          </a:fillRef>
+          <a:effectRef idx="0">
+            <a:schemeClr val="accent3"/>
+          </a:effectRef>
+          <a:fontRef idx="minor">
+            <a:schemeClr val="dk1"/>
+          </a:fontRef>
+        </p:style>
+        <p:txBody>
+          <a:bodyPr rtlCol="0" anchor="ctr"/>
+          <a:lstStyle/>
+          <a:p>
+            <a:pPr algn="ctr"/>
+            <a:endParaRPr lang="en-US" altLang="ko-KR" sz="1200" dirty="0"/>
+          </a:p>
+          <a:p>
+            <a:pPr algn="ctr"/>
+            <a:endParaRPr lang="en-US" altLang="ko-KR" sz="1200" dirty="0"/>
+          </a:p>
+          <a:p>
+            <a:pPr algn="ctr"/>
+            <a:endParaRPr lang="en-US" altLang="ko-KR" sz="1200" dirty="0"/>
+          </a:p>
+          <a:p>
+            <a:pPr algn="ctr"/>
+            <a:r>
+              <a:rPr lang="en-US" altLang="ko-KR" sz="1200" dirty="0"/>
+              <a:t>Removal</a:t>
+            </a:r>
+          </a:p>
+          <a:p>
+            <a:pPr algn="ctr"/>
+            <a:r>
+              <a:rPr lang="en-US" altLang="ko-KR" sz="1200" dirty="0"/>
+              <a:t>Background</a:t>
+            </a:r>
+          </a:p>
+        </p:txBody>
+      </p:sp>
+      <p:sp>
+        <p:nvSpPr>
+          <p:cNvPr id="19" name="사각형: 둥근 모서리 18">
+            <a:extLst>
+              <a:ext uri="{FF2B5EF4-FFF2-40B4-BE49-F238E27FC236}">
+                <a16:creationId xmlns:a16="http://schemas.microsoft.com/office/drawing/2014/main" id="{F06B6004-7356-44D2-A528-48E11078845B}"/>
+              </a:ext>
+            </a:extLst>
+          </p:cNvPr>
+          <p:cNvSpPr/>
+          <p:nvPr/>
+        </p:nvSpPr>
+        <p:spPr>
+          <a:xfrm>
+            <a:off x="6839161" y="3848915"/>
+            <a:ext cx="1123620" cy="866776"/>
+          </a:xfrm>
+          <a:prstGeom prst="roundRect">
+            <a:avLst/>
+          </a:prstGeom>
+        </p:spPr>
+        <p:style>
+          <a:lnRef idx="2">
+            <a:schemeClr val="accent3"/>
+          </a:lnRef>
+          <a:fillRef idx="1">
+            <a:schemeClr val="lt1"/>
+          </a:fillRef>
+          <a:effectRef idx="0">
+            <a:schemeClr val="accent3"/>
+          </a:effectRef>
+          <a:fontRef idx="minor">
+            <a:schemeClr val="dk1"/>
+          </a:fontRef>
+        </p:style>
+        <p:txBody>
+          <a:bodyPr rtlCol="0" anchor="ctr"/>
+          <a:lstStyle/>
+          <a:p>
+            <a:pPr algn="ctr"/>
+            <a:endParaRPr lang="en-US" altLang="ko-KR" sz="1200" dirty="0"/>
+          </a:p>
+          <a:p>
+            <a:pPr algn="ctr"/>
+            <a:endParaRPr lang="en-US" altLang="ko-KR" sz="1200" dirty="0"/>
+          </a:p>
+          <a:p>
+            <a:pPr algn="ctr"/>
+            <a:endParaRPr lang="en-US" altLang="ko-KR" sz="1200" dirty="0"/>
+          </a:p>
+          <a:p>
+            <a:pPr algn="ctr"/>
+            <a:r>
+              <a:rPr lang="en-US" altLang="ko-KR" sz="1200" dirty="0"/>
+              <a:t>Find Dog Object</a:t>
+            </a:r>
+            <a:endParaRPr lang="ko-KR" altLang="en-US" sz="1200" dirty="0"/>
+          </a:p>
+        </p:txBody>
+      </p:sp>
+      <p:sp>
+        <p:nvSpPr>
+          <p:cNvPr id="16" name="사각형: 둥근 모서리 15">
+            <a:extLst>
+              <a:ext uri="{FF2B5EF4-FFF2-40B4-BE49-F238E27FC236}">
+                <a16:creationId xmlns:a16="http://schemas.microsoft.com/office/drawing/2014/main" id="{C3090B14-D1CF-4238-B241-EAE3D45AF1AF}"/>
+              </a:ext>
+            </a:extLst>
+          </p:cNvPr>
+          <p:cNvSpPr/>
+          <p:nvPr/>
+        </p:nvSpPr>
+        <p:spPr>
+          <a:xfrm>
+            <a:off x="1581751" y="2544109"/>
+            <a:ext cx="1467669" cy="866776"/>
+          </a:xfrm>
+          <a:prstGeom prst="roundRect">
+            <a:avLst/>
+          </a:prstGeom>
+        </p:spPr>
+        <p:style>
+          <a:lnRef idx="2">
+            <a:schemeClr val="accent3"/>
+          </a:lnRef>
+          <a:fillRef idx="1">
+            <a:schemeClr val="lt1"/>
+          </a:fillRef>
+          <a:effectRef idx="0">
+            <a:schemeClr val="accent3"/>
+          </a:effectRef>
+          <a:fontRef idx="minor">
+            <a:schemeClr val="dk1"/>
+          </a:fontRef>
+        </p:style>
+        <p:txBody>
+          <a:bodyPr rtlCol="0" anchor="ctr"/>
+          <a:lstStyle/>
+          <a:p>
+            <a:pPr algn="ctr"/>
+            <a:endParaRPr lang="en-US" altLang="ko-KR" sz="1100" dirty="0"/>
+          </a:p>
+          <a:p>
+            <a:pPr algn="ctr"/>
+            <a:endParaRPr lang="en-US" altLang="ko-KR" sz="1100" dirty="0"/>
+          </a:p>
+          <a:p>
+            <a:pPr algn="ctr"/>
+            <a:endParaRPr lang="en-US" altLang="ko-KR" sz="1100" dirty="0"/>
+          </a:p>
+          <a:p>
+            <a:pPr algn="ctr"/>
+            <a:r>
+              <a:rPr lang="en-US" altLang="ko-KR" sz="1100" dirty="0"/>
+              <a:t>Image</a:t>
+            </a:r>
+            <a:r>
+              <a:rPr lang="ko-KR" altLang="en-US" sz="1100" dirty="0"/>
+              <a:t> </a:t>
+            </a:r>
+            <a:r>
+              <a:rPr lang="en-US" altLang="ko-KR" sz="1100" dirty="0"/>
+              <a:t>blocking</a:t>
+            </a:r>
+            <a:endParaRPr lang="en-US" altLang="ko-KR" sz="1050" dirty="0"/>
+          </a:p>
+          <a:p>
+            <a:pPr algn="ctr"/>
+            <a:r>
+              <a:rPr lang="en-US" altLang="ko-KR" sz="1050" dirty="0"/>
+              <a:t>[Pixy2</a:t>
+            </a:r>
+            <a:r>
+              <a:rPr lang="ko-KR" altLang="en-US" sz="1050" dirty="0"/>
+              <a:t> 라이브러리</a:t>
+            </a:r>
+            <a:r>
+              <a:rPr lang="en-US" altLang="ko-KR" sz="1050" dirty="0"/>
+              <a:t>]</a:t>
+            </a:r>
+          </a:p>
+        </p:txBody>
+      </p:sp>
+      <p:sp>
+        <p:nvSpPr>
+          <p:cNvPr id="15" name="사각형: 둥근 모서리 14">
+            <a:extLst>
+              <a:ext uri="{FF2B5EF4-FFF2-40B4-BE49-F238E27FC236}">
+                <a16:creationId xmlns:a16="http://schemas.microsoft.com/office/drawing/2014/main" id="{EE4DEBDD-B128-44C3-BE99-B5B7D5B792B5}"/>
+              </a:ext>
+            </a:extLst>
+          </p:cNvPr>
+          <p:cNvSpPr/>
+          <p:nvPr/>
+        </p:nvSpPr>
+        <p:spPr>
+          <a:xfrm>
+            <a:off x="3615172" y="3219752"/>
+            <a:ext cx="1613610" cy="847939"/>
+          </a:xfrm>
+          <a:prstGeom prst="roundRect">
+            <a:avLst/>
+          </a:prstGeom>
+        </p:spPr>
+        <p:style>
+          <a:lnRef idx="2">
+            <a:schemeClr val="accent3"/>
+          </a:lnRef>
+          <a:fillRef idx="1">
+            <a:schemeClr val="lt1"/>
+          </a:fillRef>
+          <a:effectRef idx="0">
+            <a:schemeClr val="accent3"/>
+          </a:effectRef>
+          <a:fontRef idx="minor">
+            <a:schemeClr val="dk1"/>
+          </a:fontRef>
+        </p:style>
+        <p:txBody>
+          <a:bodyPr rtlCol="0" anchor="ctr"/>
+          <a:lstStyle/>
+          <a:p>
+            <a:pPr algn="ctr"/>
+            <a:endParaRPr lang="en-US" altLang="ko-KR" sz="1100" dirty="0"/>
+          </a:p>
+          <a:p>
+            <a:pPr algn="ctr"/>
+            <a:endParaRPr lang="en-US" altLang="ko-KR" sz="1100" dirty="0"/>
+          </a:p>
+          <a:p>
+            <a:pPr algn="ctr"/>
+            <a:endParaRPr lang="en-US" altLang="ko-KR" sz="1100" dirty="0"/>
+          </a:p>
+          <a:p>
+            <a:pPr algn="ctr"/>
+            <a:r>
+              <a:rPr lang="en-US" altLang="ko-KR" sz="1100" dirty="0"/>
+              <a:t>Color conversion</a:t>
+            </a:r>
+          </a:p>
+          <a:p>
+            <a:pPr algn="ctr"/>
+            <a:r>
+              <a:rPr lang="en-US" altLang="ko-KR" sz="1050" dirty="0"/>
+              <a:t>[</a:t>
+            </a:r>
+            <a:r>
+              <a:rPr lang="ko-KR" altLang="en-US" sz="1050" dirty="0"/>
+              <a:t>영상처리 라이브러리</a:t>
+            </a:r>
+            <a:r>
+              <a:rPr lang="en-US" altLang="ko-KR" sz="1050" dirty="0"/>
+              <a:t>]</a:t>
+            </a:r>
+          </a:p>
+        </p:txBody>
+      </p:sp>
+      <p:sp>
+        <p:nvSpPr>
+          <p:cNvPr id="13" name="사각형: 둥근 모서리 12">
+            <a:extLst>
+              <a:ext uri="{FF2B5EF4-FFF2-40B4-BE49-F238E27FC236}">
+                <a16:creationId xmlns:a16="http://schemas.microsoft.com/office/drawing/2014/main" id="{194BABA9-CCC4-446B-8FB2-CA3E6FC17B94}"/>
+              </a:ext>
+            </a:extLst>
+          </p:cNvPr>
+          <p:cNvSpPr/>
+          <p:nvPr/>
+        </p:nvSpPr>
+        <p:spPr>
+          <a:xfrm>
+            <a:off x="145975" y="2600042"/>
+            <a:ext cx="1123620" cy="741827"/>
+          </a:xfrm>
+          <a:prstGeom prst="roundRect">
+            <a:avLst/>
+          </a:prstGeom>
+        </p:spPr>
+        <p:style>
+          <a:lnRef idx="2">
+            <a:schemeClr val="accent3"/>
+          </a:lnRef>
+          <a:fillRef idx="1">
+            <a:schemeClr val="lt1"/>
+          </a:fillRef>
+          <a:effectRef idx="0">
+            <a:schemeClr val="accent3"/>
+          </a:effectRef>
+          <a:fontRef idx="minor">
+            <a:schemeClr val="dk1"/>
+          </a:fontRef>
+        </p:style>
+        <p:txBody>
+          <a:bodyPr rtlCol="0" anchor="ctr"/>
+          <a:lstStyle/>
+          <a:p>
+            <a:pPr algn="ctr"/>
+            <a:endParaRPr lang="en-US" altLang="ko-KR" sz="1200" dirty="0"/>
+          </a:p>
+          <a:p>
+            <a:pPr algn="ctr"/>
+            <a:endParaRPr lang="en-US" altLang="ko-KR" sz="1200" dirty="0"/>
+          </a:p>
+          <a:p>
+            <a:pPr algn="ctr"/>
+            <a:r>
+              <a:rPr lang="en-US" altLang="ko-KR" sz="1200" dirty="0"/>
+              <a:t>Get Image</a:t>
+            </a:r>
+            <a:endParaRPr lang="ko-KR" altLang="en-US" sz="1200" dirty="0"/>
+          </a:p>
+        </p:txBody>
+      </p:sp>
+      <p:pic>
+        <p:nvPicPr>
+          <p:cNvPr id="9" name="그림 8">
+            <a:extLst>
+              <a:ext uri="{FF2B5EF4-FFF2-40B4-BE49-F238E27FC236}">
+                <a16:creationId xmlns:a16="http://schemas.microsoft.com/office/drawing/2014/main" id="{9731ACF8-B457-4BDE-AEA6-F53531F95DF2}"/>
+              </a:ext>
+            </a:extLst>
+          </p:cNvPr>
+          <p:cNvPicPr>
+            <a:picLocks noChangeAspect="1"/>
+          </p:cNvPicPr>
+          <p:nvPr/>
+        </p:nvPicPr>
+        <p:blipFill>
+          <a:blip r:embed="rId3"/>
+          <a:stretch>
+            <a:fillRect/>
+          </a:stretch>
+        </p:blipFill>
+        <p:spPr>
+          <a:xfrm>
+            <a:off x="6960420" y="3883555"/>
+            <a:ext cx="881101" cy="492809"/>
+          </a:xfrm>
+          <a:prstGeom prst="rect">
+            <a:avLst/>
+          </a:prstGeom>
+        </p:spPr>
+      </p:pic>
+      <p:pic>
+        <p:nvPicPr>
+          <p:cNvPr id="12" name="그림 11">
+            <a:extLst>
+              <a:ext uri="{FF2B5EF4-FFF2-40B4-BE49-F238E27FC236}">
+                <a16:creationId xmlns:a16="http://schemas.microsoft.com/office/drawing/2014/main" id="{F13C0630-1E87-4B02-9957-779DAF215281}"/>
+              </a:ext>
+            </a:extLst>
+          </p:cNvPr>
+          <p:cNvPicPr>
+            <a:picLocks noChangeAspect="1"/>
+          </p:cNvPicPr>
+          <p:nvPr/>
+        </p:nvPicPr>
+        <p:blipFill>
+          <a:blip r:embed="rId4"/>
+          <a:stretch>
+            <a:fillRect/>
+          </a:stretch>
+        </p:blipFill>
+        <p:spPr>
+          <a:xfrm>
+            <a:off x="3912710" y="3267974"/>
+            <a:ext cx="932441" cy="436870"/>
+          </a:xfrm>
+          <a:prstGeom prst="rect">
+            <a:avLst/>
+          </a:prstGeom>
+        </p:spPr>
+      </p:pic>
+      <p:pic>
+        <p:nvPicPr>
+          <p:cNvPr id="14" name="그림 13">
+            <a:extLst>
+              <a:ext uri="{FF2B5EF4-FFF2-40B4-BE49-F238E27FC236}">
+                <a16:creationId xmlns:a16="http://schemas.microsoft.com/office/drawing/2014/main" id="{1ED0872A-A092-4D90-B7A1-4694B5940949}"/>
+              </a:ext>
+            </a:extLst>
+          </p:cNvPr>
+          <p:cNvPicPr>
+            <a:picLocks noChangeAspect="1"/>
+          </p:cNvPicPr>
+          <p:nvPr/>
+        </p:nvPicPr>
+        <p:blipFill>
+          <a:blip r:embed="rId5"/>
+          <a:stretch>
+            <a:fillRect/>
+          </a:stretch>
+        </p:blipFill>
+        <p:spPr>
+          <a:xfrm>
+            <a:off x="458131" y="2638834"/>
+            <a:ext cx="499308" cy="358626"/>
+          </a:xfrm>
+          <a:prstGeom prst="rect">
+            <a:avLst/>
+          </a:prstGeom>
+        </p:spPr>
+      </p:pic>
+      <p:sp>
+        <p:nvSpPr>
+          <p:cNvPr id="17" name="사각형: 둥근 모서리 16">
+            <a:extLst>
+              <a:ext uri="{FF2B5EF4-FFF2-40B4-BE49-F238E27FC236}">
+                <a16:creationId xmlns:a16="http://schemas.microsoft.com/office/drawing/2014/main" id="{48AF503B-92D8-4121-9CCC-C3AE7C27835B}"/>
+              </a:ext>
+            </a:extLst>
+          </p:cNvPr>
+          <p:cNvSpPr/>
+          <p:nvPr/>
+        </p:nvSpPr>
+        <p:spPr>
+          <a:xfrm>
+            <a:off x="5610785" y="2572951"/>
+            <a:ext cx="1123620" cy="741827"/>
+          </a:xfrm>
+          <a:prstGeom prst="roundRect">
+            <a:avLst/>
+          </a:prstGeom>
+        </p:spPr>
+        <p:style>
+          <a:lnRef idx="2">
+            <a:schemeClr val="accent3"/>
+          </a:lnRef>
+          <a:fillRef idx="1">
+            <a:schemeClr val="lt1"/>
+          </a:fillRef>
+          <a:effectRef idx="0">
+            <a:schemeClr val="accent3"/>
+          </a:effectRef>
+          <a:fontRef idx="minor">
+            <a:schemeClr val="dk1"/>
+          </a:fontRef>
+        </p:style>
+        <p:txBody>
+          <a:bodyPr rtlCol="0" anchor="ctr"/>
+          <a:lstStyle/>
+          <a:p>
+            <a:pPr algn="ctr"/>
+            <a:endParaRPr lang="en-US" altLang="ko-KR" sz="1200" dirty="0"/>
+          </a:p>
+          <a:p>
+            <a:pPr algn="ctr"/>
+            <a:endParaRPr lang="en-US" altLang="ko-KR" sz="1200" dirty="0"/>
+          </a:p>
+          <a:p>
+            <a:pPr algn="ctr"/>
+            <a:r>
+              <a:rPr lang="en-US" altLang="ko-KR" sz="1200" dirty="0"/>
+              <a:t>conversion Image</a:t>
+            </a:r>
+            <a:endParaRPr lang="ko-KR" altLang="en-US" sz="1200" dirty="0"/>
+          </a:p>
+        </p:txBody>
+      </p:sp>
+      <p:pic>
+        <p:nvPicPr>
+          <p:cNvPr id="18" name="그림 17">
+            <a:extLst>
+              <a:ext uri="{FF2B5EF4-FFF2-40B4-BE49-F238E27FC236}">
+                <a16:creationId xmlns:a16="http://schemas.microsoft.com/office/drawing/2014/main" id="{A0842CF7-FCCB-4DD8-A3F9-93036C3CA8B8}"/>
+              </a:ext>
+            </a:extLst>
+          </p:cNvPr>
+          <p:cNvPicPr>
+            <a:picLocks noChangeAspect="1"/>
+          </p:cNvPicPr>
+          <p:nvPr/>
+        </p:nvPicPr>
+        <p:blipFill>
+          <a:blip r:embed="rId5"/>
+          <a:stretch>
+            <a:fillRect/>
+          </a:stretch>
+        </p:blipFill>
+        <p:spPr>
+          <a:xfrm>
+            <a:off x="5922941" y="2617876"/>
+            <a:ext cx="499308" cy="358626"/>
+          </a:xfrm>
+          <a:prstGeom prst="rect">
+            <a:avLst/>
+          </a:prstGeom>
+        </p:spPr>
+      </p:pic>
+      <p:pic>
+        <p:nvPicPr>
+          <p:cNvPr id="20" name="그림 19">
+            <a:extLst>
+              <a:ext uri="{FF2B5EF4-FFF2-40B4-BE49-F238E27FC236}">
+                <a16:creationId xmlns:a16="http://schemas.microsoft.com/office/drawing/2014/main" id="{1505AB76-F47B-4088-9015-14632B28F489}"/>
+              </a:ext>
+            </a:extLst>
+          </p:cNvPr>
+          <p:cNvPicPr>
+            <a:picLocks noChangeAspect="1"/>
+          </p:cNvPicPr>
+          <p:nvPr/>
+        </p:nvPicPr>
+        <p:blipFill>
+          <a:blip r:embed="rId6"/>
+          <a:stretch>
+            <a:fillRect/>
+          </a:stretch>
+        </p:blipFill>
+        <p:spPr>
+          <a:xfrm>
+            <a:off x="3959286" y="1628293"/>
+            <a:ext cx="885865" cy="432836"/>
+          </a:xfrm>
+          <a:prstGeom prst="rect">
+            <a:avLst/>
+          </a:prstGeom>
+        </p:spPr>
+      </p:pic>
+      <p:pic>
+        <p:nvPicPr>
+          <p:cNvPr id="38" name="그림 37">
+            <a:extLst>
+              <a:ext uri="{FF2B5EF4-FFF2-40B4-BE49-F238E27FC236}">
+                <a16:creationId xmlns:a16="http://schemas.microsoft.com/office/drawing/2014/main" id="{624C6406-8D03-4B63-B046-0E56D682F54D}"/>
+              </a:ext>
+            </a:extLst>
+          </p:cNvPr>
+          <p:cNvPicPr>
+            <a:picLocks noChangeAspect="1"/>
+          </p:cNvPicPr>
+          <p:nvPr/>
+        </p:nvPicPr>
+        <p:blipFill>
+          <a:blip r:embed="rId7"/>
+          <a:stretch>
+            <a:fillRect/>
+          </a:stretch>
+        </p:blipFill>
+        <p:spPr>
+          <a:xfrm>
+            <a:off x="6067736" y="837177"/>
+            <a:ext cx="970586" cy="413753"/>
+          </a:xfrm>
+          <a:prstGeom prst="rect">
+            <a:avLst/>
+          </a:prstGeom>
+        </p:spPr>
+      </p:pic>
+      <p:sp>
+        <p:nvSpPr>
+          <p:cNvPr id="58" name="직사각형 57">
+            <a:extLst>
+              <a:ext uri="{FF2B5EF4-FFF2-40B4-BE49-F238E27FC236}">
+                <a16:creationId xmlns:a16="http://schemas.microsoft.com/office/drawing/2014/main" id="{B86F45E9-77BC-423F-9879-62C78F0A9972}"/>
+              </a:ext>
+            </a:extLst>
+          </p:cNvPr>
+          <p:cNvSpPr/>
+          <p:nvPr/>
+        </p:nvSpPr>
+        <p:spPr>
+          <a:xfrm>
+            <a:off x="11304111" y="64491"/>
+            <a:ext cx="586429" cy="5859232"/>
+          </a:xfrm>
+          <a:prstGeom prst="rect">
+            <a:avLst/>
+          </a:prstGeom>
+        </p:spPr>
+        <p:style>
+          <a:lnRef idx="2">
+            <a:schemeClr val="accent3"/>
+          </a:lnRef>
+          <a:fillRef idx="1">
+            <a:schemeClr val="lt1"/>
+          </a:fillRef>
+          <a:effectRef idx="0">
+            <a:schemeClr val="accent3"/>
+          </a:effectRef>
+          <a:fontRef idx="minor">
+            <a:schemeClr val="dk1"/>
+          </a:fontRef>
+        </p:style>
+        <p:txBody>
+          <a:bodyPr rtlCol="0" anchor="ctr"/>
+          <a:lstStyle/>
+          <a:p>
+            <a:pPr algn="ctr"/>
+            <a:r>
+              <a:rPr lang="en-US" altLang="ko-KR" dirty="0"/>
+              <a:t>M</a:t>
+            </a:r>
+          </a:p>
+          <a:p>
+            <a:pPr algn="ctr"/>
+            <a:r>
+              <a:rPr lang="en-US" altLang="ko-KR" dirty="0"/>
+              <a:t>A</a:t>
+            </a:r>
+          </a:p>
+          <a:p>
+            <a:pPr algn="ctr"/>
+            <a:r>
+              <a:rPr lang="en-US" altLang="ko-KR" dirty="0"/>
+              <a:t>I</a:t>
+            </a:r>
+          </a:p>
+          <a:p>
+            <a:pPr algn="ctr"/>
+            <a:r>
+              <a:rPr lang="en-US" altLang="ko-KR" dirty="0"/>
+              <a:t>N</a:t>
+            </a:r>
+          </a:p>
+          <a:p>
+            <a:pPr algn="ctr"/>
+            <a:endParaRPr lang="en-US" altLang="ko-KR" dirty="0"/>
+          </a:p>
+          <a:p>
+            <a:pPr algn="ctr"/>
+            <a:r>
+              <a:rPr lang="en-US" altLang="ko-KR" dirty="0"/>
+              <a:t>D</a:t>
+            </a:r>
+          </a:p>
+          <a:p>
+            <a:pPr algn="ctr"/>
+            <a:r>
+              <a:rPr lang="en-US" altLang="ko-KR" dirty="0"/>
+              <a:t>E</a:t>
+            </a:r>
+          </a:p>
+          <a:p>
+            <a:pPr algn="ctr"/>
+            <a:r>
+              <a:rPr lang="en-US" altLang="ko-KR" dirty="0"/>
+              <a:t>V</a:t>
+            </a:r>
+          </a:p>
+          <a:p>
+            <a:pPr algn="ctr"/>
+            <a:r>
+              <a:rPr lang="en-US" altLang="ko-KR" dirty="0"/>
+              <a:t>I</a:t>
+            </a:r>
+          </a:p>
+          <a:p>
+            <a:pPr algn="ctr"/>
+            <a:r>
+              <a:rPr lang="en-US" altLang="ko-KR" dirty="0"/>
+              <a:t>C</a:t>
+            </a:r>
+          </a:p>
+          <a:p>
+            <a:pPr algn="ctr"/>
+            <a:r>
+              <a:rPr lang="en-US" altLang="ko-KR" dirty="0"/>
+              <a:t>E</a:t>
+            </a:r>
+            <a:endParaRPr lang="ko-KR" altLang="en-US" dirty="0"/>
+          </a:p>
+        </p:txBody>
+      </p:sp>
+      <p:sp>
+        <p:nvSpPr>
+          <p:cNvPr id="63" name="사각형: 둥근 모서리 62">
+            <a:extLst>
+              <a:ext uri="{FF2B5EF4-FFF2-40B4-BE49-F238E27FC236}">
+                <a16:creationId xmlns:a16="http://schemas.microsoft.com/office/drawing/2014/main" id="{76793B23-90F5-4903-A8B4-9C510A7F3B69}"/>
+              </a:ext>
+            </a:extLst>
+          </p:cNvPr>
+          <p:cNvSpPr/>
+          <p:nvPr/>
+        </p:nvSpPr>
+        <p:spPr>
+          <a:xfrm>
+            <a:off x="8224780" y="5016693"/>
+            <a:ext cx="1490331" cy="840273"/>
+          </a:xfrm>
+          <a:prstGeom prst="roundRect">
+            <a:avLst/>
+          </a:prstGeom>
+        </p:spPr>
+        <p:style>
+          <a:lnRef idx="2">
+            <a:schemeClr val="accent3"/>
+          </a:lnRef>
+          <a:fillRef idx="1">
+            <a:schemeClr val="lt1"/>
+          </a:fillRef>
+          <a:effectRef idx="0">
+            <a:schemeClr val="accent3"/>
+          </a:effectRef>
+          <a:fontRef idx="minor">
+            <a:schemeClr val="dk1"/>
+          </a:fontRef>
+        </p:style>
+        <p:txBody>
+          <a:bodyPr rtlCol="0" anchor="ctr"/>
+          <a:lstStyle/>
+          <a:p>
+            <a:pPr algn="ctr"/>
+            <a:endParaRPr lang="en-US" altLang="ko-KR" sz="1100" dirty="0"/>
+          </a:p>
+          <a:p>
+            <a:pPr algn="ctr"/>
+            <a:endParaRPr lang="en-US" altLang="ko-KR" sz="1100" dirty="0"/>
+          </a:p>
+          <a:p>
+            <a:pPr algn="ctr"/>
+            <a:r>
+              <a:rPr lang="en-US" altLang="ko-KR" sz="1100" dirty="0"/>
+              <a:t>Change the</a:t>
+            </a:r>
+          </a:p>
+          <a:p>
+            <a:pPr algn="ctr"/>
+            <a:r>
+              <a:rPr lang="en-US" altLang="ko-KR" sz="1100" dirty="0"/>
+              <a:t>Image Coordinate</a:t>
+            </a:r>
+          </a:p>
+        </p:txBody>
+      </p:sp>
+      <p:pic>
+        <p:nvPicPr>
+          <p:cNvPr id="1033" name="Picture 4" descr="change image iconì ëí ì´ë¯¸ì§ ê²ìê²°ê³¼">
+            <a:extLst>
+              <a:ext uri="{FF2B5EF4-FFF2-40B4-BE49-F238E27FC236}">
+                <a16:creationId xmlns:a16="http://schemas.microsoft.com/office/drawing/2014/main" id="{6494AA7A-D75C-4695-BF0C-A470DD3E261A}"/>
+              </a:ext>
+            </a:extLst>
+          </p:cNvPr>
+          <p:cNvPicPr>
+            <a:picLocks noChangeAspect="1" noChangeArrowheads="1"/>
+          </p:cNvPicPr>
+          <p:nvPr/>
+        </p:nvPicPr>
+        <p:blipFill>
+          <a:blip r:embed="rId8">
+            <a:extLst>
+              <a:ext uri="{28A0092B-C50C-407E-A947-70E740481C1C}">
+                <a14:useLocalDpi xmlns:a14="http://schemas.microsoft.com/office/drawing/2010/main" val="0"/>
+              </a:ext>
+            </a:extLst>
+          </a:blip>
+          <a:srcRect/>
+          <a:stretch>
+            <a:fillRect/>
+          </a:stretch>
+        </p:blipFill>
+        <p:spPr bwMode="auto">
+          <a:xfrm>
+            <a:off x="8782789" y="5057487"/>
+            <a:ext cx="379342" cy="379342"/>
+          </a:xfrm>
+          <a:prstGeom prst="rect">
+            <a:avLst/>
+          </a:prstGeom>
+          <a:noFill/>
+          <a:extLst>
+            <a:ext uri="{909E8E84-426E-40DD-AFC4-6F175D3DCCD1}">
+              <a14:hiddenFill xmlns:a14="http://schemas.microsoft.com/office/drawing/2010/main">
+                <a:solidFill>
+                  <a:srgbClr val="FFFFFF"/>
+                </a:solidFill>
+              </a14:hiddenFill>
+            </a:ext>
+          </a:extLst>
+        </p:spPr>
+      </p:pic>
       <p:grpSp>
         <p:nvGrpSpPr>
-          <p:cNvPr id="2" name="그룹 1">
-            <a:extLst>
-              <a:ext uri="{FF2B5EF4-FFF2-40B4-BE49-F238E27FC236}">
-                <a16:creationId xmlns:a16="http://schemas.microsoft.com/office/drawing/2014/main" id="{438913CB-2376-4BCD-A839-4F424A8E3295}"/>
+          <p:cNvPr id="84" name="그룹 83">
+            <a:extLst>
+              <a:ext uri="{FF2B5EF4-FFF2-40B4-BE49-F238E27FC236}">
+                <a16:creationId xmlns:a16="http://schemas.microsoft.com/office/drawing/2014/main" id="{2191F06F-1558-483F-A311-F21DF56B5512}"/>
               </a:ext>
             </a:extLst>
           </p:cNvPr>
@@ -5738,18 +6855,18 @@
         </p:nvGrpSpPr>
         <p:grpSpPr>
           <a:xfrm>
-            <a:off x="173061" y="955326"/>
-            <a:ext cx="11845878" cy="4947348"/>
-            <a:chOff x="32357" y="799564"/>
-            <a:chExt cx="12127286" cy="5071149"/>
+            <a:off x="4378931" y="5810072"/>
+            <a:ext cx="1123620" cy="840273"/>
+            <a:chOff x="9134842" y="4572165"/>
+            <a:chExt cx="1123620" cy="840273"/>
           </a:xfrm>
         </p:grpSpPr>
         <p:sp>
           <p:nvSpPr>
-            <p:cNvPr id="42" name="직사각형 41">
+            <p:cNvPr id="75" name="사각형: 둥근 모서리 74">
               <a:extLst>
                 <a:ext uri="{FF2B5EF4-FFF2-40B4-BE49-F238E27FC236}">
-                  <a16:creationId xmlns:a16="http://schemas.microsoft.com/office/drawing/2014/main" id="{C0109EC2-ABA3-4B08-9B24-A8EDFD8095CA}"/>
+                  <a16:creationId xmlns:a16="http://schemas.microsoft.com/office/drawing/2014/main" id="{9A4E57A0-774A-4481-A046-A3325D37BD54}"/>
                 </a:ext>
               </a:extLst>
             </p:cNvPr>
@@ -5758,201 +6875,8 @@
           </p:nvSpPr>
           <p:spPr>
             <a:xfrm>
-              <a:off x="32357" y="799564"/>
-              <a:ext cx="12127286" cy="5071149"/>
-            </a:xfrm>
-            <a:prstGeom prst="rect">
-              <a:avLst/>
-            </a:prstGeom>
-          </p:spPr>
-          <p:style>
-            <a:lnRef idx="2">
-              <a:schemeClr val="accent3"/>
-            </a:lnRef>
-            <a:fillRef idx="1">
-              <a:schemeClr val="lt1"/>
-            </a:fillRef>
-            <a:effectRef idx="0">
-              <a:schemeClr val="accent3"/>
-            </a:effectRef>
-            <a:fontRef idx="minor">
-              <a:schemeClr val="dk1"/>
-            </a:fontRef>
-          </p:style>
-          <p:txBody>
-            <a:bodyPr rtlCol="0" anchor="ctr"/>
-            <a:lstStyle/>
-            <a:p>
-              <a:pPr algn="ctr"/>
-              <a:endParaRPr lang="ko-KR" altLang="en-US"/>
-            </a:p>
-          </p:txBody>
-        </p:sp>
-        <p:sp>
-          <p:nvSpPr>
-            <p:cNvPr id="56" name="직사각형 55">
-              <a:extLst>
-                <a:ext uri="{FF2B5EF4-FFF2-40B4-BE49-F238E27FC236}">
-                  <a16:creationId xmlns:a16="http://schemas.microsoft.com/office/drawing/2014/main" id="{1EC028D1-284E-45C7-8427-12088F95462B}"/>
-                </a:ext>
-              </a:extLst>
-            </p:cNvPr>
-            <p:cNvSpPr/>
-            <p:nvPr/>
-          </p:nvSpPr>
-          <p:spPr>
-            <a:xfrm>
-              <a:off x="11551009" y="852572"/>
-              <a:ext cx="564807" cy="4951878"/>
-            </a:xfrm>
-            <a:prstGeom prst="rect">
-              <a:avLst/>
-            </a:prstGeom>
-          </p:spPr>
-          <p:style>
-            <a:lnRef idx="2">
-              <a:schemeClr val="accent3"/>
-            </a:lnRef>
-            <a:fillRef idx="1">
-              <a:schemeClr val="lt1"/>
-            </a:fillRef>
-            <a:effectRef idx="0">
-              <a:schemeClr val="accent3"/>
-            </a:effectRef>
-            <a:fontRef idx="minor">
-              <a:schemeClr val="dk1"/>
-            </a:fontRef>
-          </p:style>
-          <p:txBody>
-            <a:bodyPr rtlCol="0" anchor="ctr"/>
-            <a:lstStyle/>
-            <a:p>
-              <a:pPr algn="ctr"/>
-              <a:r>
-                <a:rPr lang="en-US" altLang="ko-KR" dirty="0"/>
-                <a:t>S</a:t>
-              </a:r>
-            </a:p>
-            <a:p>
-              <a:pPr algn="ctr"/>
-              <a:r>
-                <a:rPr lang="en-US" altLang="ko-KR" dirty="0"/>
-                <a:t>U</a:t>
-              </a:r>
-            </a:p>
-            <a:p>
-              <a:pPr algn="ctr"/>
-              <a:r>
-                <a:rPr lang="en-US" altLang="ko-KR" dirty="0"/>
-                <a:t>B</a:t>
-              </a:r>
-            </a:p>
-            <a:p>
-              <a:pPr algn="ctr"/>
-              <a:endParaRPr lang="en-US" altLang="ko-KR" dirty="0"/>
-            </a:p>
-            <a:p>
-              <a:pPr algn="ctr"/>
-              <a:r>
-                <a:rPr lang="en-US" altLang="ko-KR" dirty="0"/>
-                <a:t>D</a:t>
-              </a:r>
-            </a:p>
-            <a:p>
-              <a:pPr algn="ctr"/>
-              <a:r>
-                <a:rPr lang="en-US" altLang="ko-KR" dirty="0"/>
-                <a:t>E</a:t>
-              </a:r>
-            </a:p>
-            <a:p>
-              <a:pPr algn="ctr"/>
-              <a:r>
-                <a:rPr lang="en-US" altLang="ko-KR" dirty="0"/>
-                <a:t>V</a:t>
-              </a:r>
-            </a:p>
-            <a:p>
-              <a:pPr algn="ctr"/>
-              <a:r>
-                <a:rPr lang="en-US" altLang="ko-KR" dirty="0"/>
-                <a:t>I</a:t>
-              </a:r>
-            </a:p>
-            <a:p>
-              <a:pPr algn="ctr"/>
-              <a:r>
-                <a:rPr lang="en-US" altLang="ko-KR" dirty="0"/>
-                <a:t>C</a:t>
-              </a:r>
-            </a:p>
-            <a:p>
-              <a:pPr algn="ctr"/>
-              <a:r>
-                <a:rPr lang="en-US" altLang="ko-KR" dirty="0"/>
-                <a:t>E</a:t>
-              </a:r>
-              <a:endParaRPr lang="ko-KR" altLang="en-US" dirty="0"/>
-            </a:p>
-          </p:txBody>
-        </p:sp>
-        <p:cxnSp>
-          <p:nvCxnSpPr>
-            <p:cNvPr id="3" name="직선 화살표 연결선 2">
-              <a:extLst>
-                <a:ext uri="{FF2B5EF4-FFF2-40B4-BE49-F238E27FC236}">
-                  <a16:creationId xmlns:a16="http://schemas.microsoft.com/office/drawing/2014/main" id="{1138AAA8-8FF5-4B3A-B160-6EF520739D42}"/>
-                </a:ext>
-              </a:extLst>
-            </p:cNvPr>
-            <p:cNvCxnSpPr>
-              <a:cxnSpLocks/>
-            </p:cNvCxnSpPr>
-            <p:nvPr/>
-          </p:nvCxnSpPr>
-          <p:spPr>
-            <a:xfrm flipV="1">
-              <a:off x="4296309" y="3263032"/>
-              <a:ext cx="446165" cy="1"/>
-            </a:xfrm>
-            <a:prstGeom prst="straightConnector1">
-              <a:avLst/>
-            </a:prstGeom>
-            <a:ln>
-              <a:tailEnd type="triangle"/>
-            </a:ln>
-          </p:spPr>
-          <p:style>
-            <a:lnRef idx="1">
-              <a:schemeClr val="dk1"/>
-            </a:lnRef>
-            <a:fillRef idx="0">
-              <a:schemeClr val="dk1"/>
-            </a:fillRef>
-            <a:effectRef idx="0">
-              <a:schemeClr val="dk1"/>
-            </a:effectRef>
-            <a:fontRef idx="minor">
-              <a:schemeClr val="tx1"/>
-            </a:fontRef>
-          </p:style>
-        </p:cxnSp>
-        <p:sp>
-          <p:nvSpPr>
-            <p:cNvPr id="107" name="사각형: 둥근 모서리 106">
-              <a:extLst>
-                <a:ext uri="{FF2B5EF4-FFF2-40B4-BE49-F238E27FC236}">
-                  <a16:creationId xmlns:a16="http://schemas.microsoft.com/office/drawing/2014/main" id="{A914701E-FEB6-470B-B46C-F5F755BA1A96}"/>
-                </a:ext>
-              </a:extLst>
-            </p:cNvPr>
-            <p:cNvSpPr/>
-            <p:nvPr/>
-          </p:nvSpPr>
-          <p:spPr>
-            <a:xfrm>
-              <a:off x="7757290" y="4402029"/>
-              <a:ext cx="1031567" cy="962977"/>
+              <a:off x="9134842" y="4572165"/>
+              <a:ext cx="1123620" cy="840273"/>
             </a:xfrm>
             <a:prstGeom prst="roundRect">
               <a:avLst/>
@@ -5977,39 +6901,1302 @@
             <a:lstStyle/>
             <a:p>
               <a:pPr algn="ctr"/>
-              <a:endParaRPr lang="en-US" altLang="ko-KR" sz="1050" dirty="0"/>
+              <a:endParaRPr lang="en-US" altLang="ko-KR" sz="1200" dirty="0"/>
             </a:p>
             <a:p>
               <a:pPr algn="ctr"/>
-              <a:endParaRPr lang="en-US" altLang="ko-KR" sz="1050" dirty="0"/>
+              <a:endParaRPr lang="en-US" altLang="ko-KR" sz="1200" dirty="0"/>
             </a:p>
             <a:p>
               <a:pPr algn="ctr"/>
-              <a:endParaRPr lang="en-US" altLang="ko-KR" sz="1050" dirty="0"/>
+              <a:endParaRPr lang="en-US" altLang="ko-KR" sz="1200" dirty="0"/>
             </a:p>
             <a:p>
               <a:pPr algn="ctr"/>
               <a:r>
-                <a:rPr lang="en-US" altLang="ko-KR" sz="1050" dirty="0"/>
-                <a:t>Learning Data</a:t>
+                <a:rPr lang="en-US" altLang="ko-KR" sz="1200" dirty="0"/>
+                <a:t>Focus On</a:t>
               </a:r>
             </a:p>
             <a:p>
               <a:pPr algn="ctr"/>
               <a:r>
-                <a:rPr lang="en-US" altLang="ko-KR" sz="1050" dirty="0"/>
-                <a:t>Comparison</a:t>
+                <a:rPr lang="en-US" altLang="ko-KR" sz="1200" dirty="0"/>
+                <a:t>Dog Image</a:t>
               </a:r>
-              <a:endParaRPr lang="ko-KR" altLang="en-US" sz="1050" dirty="0"/>
+              <a:endParaRPr lang="ko-KR" altLang="en-US" sz="1200" dirty="0"/>
             </a:p>
           </p:txBody>
         </p:sp>
+        <p:pic>
+          <p:nvPicPr>
+            <p:cNvPr id="76" name="Picture 2" descr="focusing iconì ëí ì´ë¯¸ì§ ê²ìê²°ê³¼">
+              <a:extLst>
+                <a:ext uri="{FF2B5EF4-FFF2-40B4-BE49-F238E27FC236}">
+                  <a16:creationId xmlns:a16="http://schemas.microsoft.com/office/drawing/2014/main" id="{89BEB966-5766-44D9-948D-42700982A854}"/>
+                </a:ext>
+              </a:extLst>
+            </p:cNvPr>
+            <p:cNvPicPr>
+              <a:picLocks noChangeAspect="1" noChangeArrowheads="1"/>
+            </p:cNvPicPr>
+            <p:nvPr/>
+          </p:nvPicPr>
+          <p:blipFill>
+            <a:blip r:embed="rId9">
+              <a:extLst>
+                <a:ext uri="{28A0092B-C50C-407E-A947-70E740481C1C}">
+                  <a14:useLocalDpi xmlns:a14="http://schemas.microsoft.com/office/drawing/2010/main" val="0"/>
+                </a:ext>
+              </a:extLst>
+            </a:blip>
+            <a:srcRect/>
+            <a:stretch>
+              <a:fillRect/>
+            </a:stretch>
+          </p:blipFill>
+          <p:spPr bwMode="auto">
+            <a:xfrm>
+              <a:off x="9487001" y="4606315"/>
+              <a:ext cx="447497" cy="447497"/>
+            </a:xfrm>
+            <a:prstGeom prst="rect">
+              <a:avLst/>
+            </a:prstGeom>
+            <a:noFill/>
+            <a:extLst>
+              <a:ext uri="{909E8E84-426E-40DD-AFC4-6F175D3DCCD1}">
+                <a14:hiddenFill xmlns:a14="http://schemas.microsoft.com/office/drawing/2010/main">
+                  <a:solidFill>
+                    <a:srgbClr val="FFFFFF"/>
+                  </a:solidFill>
+                </a14:hiddenFill>
+              </a:ext>
+            </a:extLst>
+          </p:spPr>
+        </p:pic>
+      </p:grpSp>
+      <p:pic>
+        <p:nvPicPr>
+          <p:cNvPr id="1034" name="Picture 6" descr="x y z vectorì ëí ì´ë¯¸ì§ ê²ìê²°ê³¼">
+            <a:extLst>
+              <a:ext uri="{FF2B5EF4-FFF2-40B4-BE49-F238E27FC236}">
+                <a16:creationId xmlns:a16="http://schemas.microsoft.com/office/drawing/2014/main" id="{A13A659D-1D03-42BA-8D23-79AE581E44F9}"/>
+              </a:ext>
+            </a:extLst>
+          </p:cNvPr>
+          <p:cNvPicPr>
+            <a:picLocks noChangeAspect="1" noChangeArrowheads="1"/>
+          </p:cNvPicPr>
+          <p:nvPr/>
+        </p:nvPicPr>
+        <p:blipFill>
+          <a:blip r:embed="rId10">
+            <a:extLst>
+              <a:ext uri="{28A0092B-C50C-407E-A947-70E740481C1C}">
+                <a14:useLocalDpi xmlns:a14="http://schemas.microsoft.com/office/drawing/2010/main" val="0"/>
+              </a:ext>
+            </a:extLst>
+          </a:blip>
+          <a:srcRect/>
+          <a:stretch>
+            <a:fillRect/>
+          </a:stretch>
+        </p:blipFill>
+        <p:spPr bwMode="auto">
+          <a:xfrm>
+            <a:off x="1425846" y="4176113"/>
+            <a:ext cx="762948" cy="595329"/>
+          </a:xfrm>
+          <a:prstGeom prst="rect">
+            <a:avLst/>
+          </a:prstGeom>
+          <a:noFill/>
+          <a:extLst>
+            <a:ext uri="{909E8E84-426E-40DD-AFC4-6F175D3DCCD1}">
+              <a14:hiddenFill xmlns:a14="http://schemas.microsoft.com/office/drawing/2010/main">
+                <a:solidFill>
+                  <a:srgbClr val="FFFFFF"/>
+                </a:solidFill>
+              </a14:hiddenFill>
+            </a:ext>
+          </a:extLst>
+        </p:spPr>
+      </p:pic>
+      <p:pic>
+        <p:nvPicPr>
+          <p:cNvPr id="69" name="Picture 8" descr="tilt iconì ëí ì´ë¯¸ì§ ê²ìê²°ê³¼">
+            <a:extLst>
+              <a:ext uri="{FF2B5EF4-FFF2-40B4-BE49-F238E27FC236}">
+                <a16:creationId xmlns:a16="http://schemas.microsoft.com/office/drawing/2014/main" id="{8E6C93AA-E1EB-48B1-A1BB-4D5E6FF48C39}"/>
+              </a:ext>
+            </a:extLst>
+          </p:cNvPr>
+          <p:cNvPicPr>
+            <a:picLocks noChangeAspect="1" noChangeArrowheads="1"/>
+          </p:cNvPicPr>
+          <p:nvPr/>
+        </p:nvPicPr>
+        <p:blipFill>
+          <a:blip r:embed="rId11">
+            <a:extLst>
+              <a:ext uri="{28A0092B-C50C-407E-A947-70E740481C1C}">
+                <a14:useLocalDpi xmlns:a14="http://schemas.microsoft.com/office/drawing/2010/main" val="0"/>
+              </a:ext>
+            </a:extLst>
+          </a:blip>
+          <a:srcRect/>
+          <a:stretch>
+            <a:fillRect/>
+          </a:stretch>
+        </p:blipFill>
+        <p:spPr bwMode="auto">
+          <a:xfrm>
+            <a:off x="2809668" y="5923723"/>
+            <a:ext cx="793319" cy="810079"/>
+          </a:xfrm>
+          <a:prstGeom prst="rect">
+            <a:avLst/>
+          </a:prstGeom>
+          <a:noFill/>
+          <a:extLst>
+            <a:ext uri="{909E8E84-426E-40DD-AFC4-6F175D3DCCD1}">
+              <a14:hiddenFill xmlns:a14="http://schemas.microsoft.com/office/drawing/2010/main">
+                <a:solidFill>
+                  <a:srgbClr val="FFFFFF"/>
+                </a:solidFill>
+              </a14:hiddenFill>
+            </a:ext>
+          </a:extLst>
+        </p:spPr>
+      </p:pic>
+      <p:sp>
+        <p:nvSpPr>
+          <p:cNvPr id="115" name="사각형: 둥근 모서리 114">
+            <a:extLst>
+              <a:ext uri="{FF2B5EF4-FFF2-40B4-BE49-F238E27FC236}">
+                <a16:creationId xmlns:a16="http://schemas.microsoft.com/office/drawing/2014/main" id="{E82920D2-5A5F-4546-9BBE-B53495522EF9}"/>
+              </a:ext>
+            </a:extLst>
+          </p:cNvPr>
+          <p:cNvSpPr/>
+          <p:nvPr/>
+        </p:nvSpPr>
+        <p:spPr>
+          <a:xfrm>
+            <a:off x="996359" y="5591567"/>
+            <a:ext cx="1123620" cy="1002856"/>
+          </a:xfrm>
+          <a:prstGeom prst="roundRect">
+            <a:avLst/>
+          </a:prstGeom>
+        </p:spPr>
+        <p:style>
+          <a:lnRef idx="2">
+            <a:schemeClr val="accent3"/>
+          </a:lnRef>
+          <a:fillRef idx="1">
+            <a:schemeClr val="lt1"/>
+          </a:fillRef>
+          <a:effectRef idx="0">
+            <a:schemeClr val="accent3"/>
+          </a:effectRef>
+          <a:fontRef idx="minor">
+            <a:schemeClr val="dk1"/>
+          </a:fontRef>
+        </p:style>
+        <p:txBody>
+          <a:bodyPr rtlCol="0" anchor="ctr"/>
+          <a:lstStyle/>
+          <a:p>
+            <a:pPr algn="ctr"/>
+            <a:endParaRPr lang="en-US" altLang="ko-KR" sz="1200" dirty="0"/>
+          </a:p>
+          <a:p>
+            <a:pPr algn="ctr"/>
+            <a:endParaRPr lang="en-US" altLang="ko-KR" sz="1200" dirty="0"/>
+          </a:p>
+          <a:p>
+            <a:pPr algn="ctr"/>
+            <a:endParaRPr lang="en-US" altLang="ko-KR" sz="1200" dirty="0"/>
+          </a:p>
+          <a:p>
+            <a:pPr algn="ctr"/>
+            <a:r>
+              <a:rPr lang="en-US" altLang="ko-KR" sz="1200" dirty="0"/>
+              <a:t>Receive the Coordinate</a:t>
+            </a:r>
+          </a:p>
+        </p:txBody>
+      </p:sp>
+      <p:pic>
+        <p:nvPicPr>
+          <p:cNvPr id="116" name="Picture 6" descr="x y z vectorì ëí ì´ë¯¸ì§ ê²ìê²°ê³¼">
+            <a:extLst>
+              <a:ext uri="{FF2B5EF4-FFF2-40B4-BE49-F238E27FC236}">
+                <a16:creationId xmlns:a16="http://schemas.microsoft.com/office/drawing/2014/main" id="{E54DB260-A270-43C0-8370-6710CEE42E77}"/>
+              </a:ext>
+            </a:extLst>
+          </p:cNvPr>
+          <p:cNvPicPr>
+            <a:picLocks noChangeAspect="1" noChangeArrowheads="1"/>
+          </p:cNvPicPr>
+          <p:nvPr/>
+        </p:nvPicPr>
+        <p:blipFill>
+          <a:blip r:embed="rId10">
+            <a:extLst>
+              <a:ext uri="{28A0092B-C50C-407E-A947-70E740481C1C}">
+                <a14:useLocalDpi xmlns:a14="http://schemas.microsoft.com/office/drawing/2010/main" val="0"/>
+              </a:ext>
+            </a:extLst>
+          </a:blip>
+          <a:srcRect/>
+          <a:stretch>
+            <a:fillRect/>
+          </a:stretch>
+        </p:blipFill>
+        <p:spPr bwMode="auto">
+          <a:xfrm>
+            <a:off x="1191423" y="5634880"/>
+            <a:ext cx="762948" cy="595329"/>
+          </a:xfrm>
+          <a:prstGeom prst="rect">
+            <a:avLst/>
+          </a:prstGeom>
+          <a:noFill/>
+          <a:extLst>
+            <a:ext uri="{909E8E84-426E-40DD-AFC4-6F175D3DCCD1}">
+              <a14:hiddenFill xmlns:a14="http://schemas.microsoft.com/office/drawing/2010/main">
+                <a:solidFill>
+                  <a:srgbClr val="FFFFFF"/>
+                </a:solidFill>
+              </a14:hiddenFill>
+            </a:ext>
+          </a:extLst>
+        </p:spPr>
+      </p:pic>
+      <p:pic>
+        <p:nvPicPr>
+          <p:cNvPr id="2" name="그림 1">
+            <a:extLst>
+              <a:ext uri="{FF2B5EF4-FFF2-40B4-BE49-F238E27FC236}">
+                <a16:creationId xmlns:a16="http://schemas.microsoft.com/office/drawing/2014/main" id="{7506D77E-0F89-47CC-B8A8-1E4A0BE4F568}"/>
+              </a:ext>
+            </a:extLst>
+          </p:cNvPr>
+          <p:cNvPicPr>
+            <a:picLocks noChangeAspect="1"/>
+          </p:cNvPicPr>
+          <p:nvPr/>
+        </p:nvPicPr>
+        <p:blipFill>
+          <a:blip r:embed="rId12"/>
+          <a:stretch>
+            <a:fillRect/>
+          </a:stretch>
+        </p:blipFill>
+        <p:spPr>
+          <a:xfrm>
+            <a:off x="1748434" y="2617876"/>
+            <a:ext cx="1123620" cy="393952"/>
+          </a:xfrm>
+          <a:prstGeom prst="rect">
+            <a:avLst/>
+          </a:prstGeom>
+        </p:spPr>
+      </p:pic>
+    </p:spTree>
+    <p:extLst>
+      <p:ext uri="{BB962C8B-B14F-4D97-AF65-F5344CB8AC3E}">
+        <p14:creationId xmlns:p14="http://schemas.microsoft.com/office/powerpoint/2010/main" val="284993185"/>
+      </p:ext>
+    </p:extLst>
+  </p:cSld>
+  <p:clrMapOvr>
+    <a:masterClrMapping/>
+  </p:clrMapOvr>
+</p:sld>
+</file>
+
+<file path=ppt/slides/slide3.xml><?xml version="1.0" encoding="utf-8"?>
+<p:sld xmlns:a="http://schemas.openxmlformats.org/drawingml/2006/main" xmlns:r="http://schemas.openxmlformats.org/officeDocument/2006/relationships" xmlns:p="http://schemas.openxmlformats.org/presentationml/2006/main">
+  <p:cSld>
+    <p:spTree>
+      <p:nvGrpSpPr>
+        <p:cNvPr id="1" name=""/>
+        <p:cNvGrpSpPr/>
+        <p:nvPr/>
+      </p:nvGrpSpPr>
+      <p:grpSpPr>
+        <a:xfrm>
+          <a:off x="0" y="0"/>
+          <a:ext cx="0" cy="0"/>
+          <a:chOff x="0" y="0"/>
+          <a:chExt cx="0" cy="0"/>
+        </a:xfrm>
+      </p:grpSpPr>
+      <p:sp>
+        <p:nvSpPr>
+          <p:cNvPr id="2067" name="직사각형 2066">
+            <a:extLst>
+              <a:ext uri="{FF2B5EF4-FFF2-40B4-BE49-F238E27FC236}">
+                <a16:creationId xmlns:a16="http://schemas.microsoft.com/office/drawing/2014/main" id="{0DB4B99E-AA67-4367-9E97-6D6783FC8CCB}"/>
+              </a:ext>
+            </a:extLst>
+          </p:cNvPr>
+          <p:cNvSpPr/>
+          <p:nvPr/>
+        </p:nvSpPr>
+        <p:spPr>
+          <a:xfrm>
+            <a:off x="863600" y="742644"/>
+            <a:ext cx="10812257" cy="4934253"/>
+          </a:xfrm>
+          <a:prstGeom prst="rect">
+            <a:avLst/>
+          </a:prstGeom>
+        </p:spPr>
+        <p:style>
+          <a:lnRef idx="2">
+            <a:schemeClr val="accent3"/>
+          </a:lnRef>
+          <a:fillRef idx="1">
+            <a:schemeClr val="lt1"/>
+          </a:fillRef>
+          <a:effectRef idx="0">
+            <a:schemeClr val="accent3"/>
+          </a:effectRef>
+          <a:fontRef idx="minor">
+            <a:schemeClr val="dk1"/>
+          </a:fontRef>
+        </p:style>
+        <p:txBody>
+          <a:bodyPr rtlCol="0" anchor="ctr"/>
+          <a:lstStyle/>
+          <a:p>
+            <a:pPr algn="ctr"/>
+            <a:endParaRPr lang="ko-KR" altLang="en-US"/>
+          </a:p>
+        </p:txBody>
+      </p:sp>
+      <p:sp>
+        <p:nvSpPr>
+          <p:cNvPr id="117" name="사각형: 둥근 모서리 116">
+            <a:extLst>
+              <a:ext uri="{FF2B5EF4-FFF2-40B4-BE49-F238E27FC236}">
+                <a16:creationId xmlns:a16="http://schemas.microsoft.com/office/drawing/2014/main" id="{0AE4B806-8AE7-4CF1-8DDF-1B1992F1A3E4}"/>
+              </a:ext>
+            </a:extLst>
+          </p:cNvPr>
+          <p:cNvSpPr/>
+          <p:nvPr/>
+        </p:nvSpPr>
+        <p:spPr>
+          <a:xfrm>
+            <a:off x="7114663" y="4251766"/>
+            <a:ext cx="1129252" cy="975731"/>
+          </a:xfrm>
+          <a:prstGeom prst="roundRect">
+            <a:avLst/>
+          </a:prstGeom>
+        </p:spPr>
+        <p:style>
+          <a:lnRef idx="2">
+            <a:schemeClr val="accent3"/>
+          </a:lnRef>
+          <a:fillRef idx="1">
+            <a:schemeClr val="lt1"/>
+          </a:fillRef>
+          <a:effectRef idx="0">
+            <a:schemeClr val="accent3"/>
+          </a:effectRef>
+          <a:fontRef idx="minor">
+            <a:schemeClr val="dk1"/>
+          </a:fontRef>
+        </p:style>
+        <p:txBody>
+          <a:bodyPr rtlCol="0" anchor="ctr"/>
+          <a:lstStyle/>
+          <a:p>
+            <a:pPr algn="ctr"/>
+            <a:endParaRPr lang="en-US" altLang="ko-KR" sz="1100" dirty="0"/>
+          </a:p>
+          <a:p>
+            <a:pPr algn="ctr"/>
+            <a:endParaRPr lang="en-US" altLang="ko-KR" sz="1100" dirty="0"/>
+          </a:p>
+          <a:p>
+            <a:pPr algn="ctr"/>
+            <a:endParaRPr lang="en-US" altLang="ko-KR" sz="1100" dirty="0"/>
+          </a:p>
+          <a:p>
+            <a:pPr algn="ctr"/>
+            <a:endParaRPr lang="en-US" altLang="ko-KR" sz="1100" dirty="0"/>
+          </a:p>
+          <a:p>
+            <a:pPr algn="ctr"/>
+            <a:r>
+              <a:rPr lang="en-US" altLang="ko-KR" sz="1100" dirty="0"/>
+              <a:t>Examination overlap</a:t>
+            </a:r>
+          </a:p>
+        </p:txBody>
+      </p:sp>
+      <p:sp>
+        <p:nvSpPr>
+          <p:cNvPr id="56" name="직사각형 55">
+            <a:extLst>
+              <a:ext uri="{FF2B5EF4-FFF2-40B4-BE49-F238E27FC236}">
+                <a16:creationId xmlns:a16="http://schemas.microsoft.com/office/drawing/2014/main" id="{1EC028D1-284E-45C7-8427-12088F95462B}"/>
+              </a:ext>
+            </a:extLst>
+          </p:cNvPr>
+          <p:cNvSpPr/>
+          <p:nvPr/>
+        </p:nvSpPr>
+        <p:spPr>
+          <a:xfrm>
+            <a:off x="11124156" y="742645"/>
+            <a:ext cx="551701" cy="4934252"/>
+          </a:xfrm>
+          <a:prstGeom prst="rect">
+            <a:avLst/>
+          </a:prstGeom>
+        </p:spPr>
+        <p:style>
+          <a:lnRef idx="2">
+            <a:schemeClr val="accent3"/>
+          </a:lnRef>
+          <a:fillRef idx="1">
+            <a:schemeClr val="lt1"/>
+          </a:fillRef>
+          <a:effectRef idx="0">
+            <a:schemeClr val="accent3"/>
+          </a:effectRef>
+          <a:fontRef idx="minor">
+            <a:schemeClr val="dk1"/>
+          </a:fontRef>
+        </p:style>
+        <p:txBody>
+          <a:bodyPr rtlCol="0" anchor="ctr"/>
+          <a:lstStyle/>
+          <a:p>
+            <a:pPr algn="ctr"/>
+            <a:r>
+              <a:rPr lang="en-US" altLang="ko-KR" dirty="0"/>
+              <a:t>S</a:t>
+            </a:r>
+          </a:p>
+          <a:p>
+            <a:pPr algn="ctr"/>
+            <a:r>
+              <a:rPr lang="en-US" altLang="ko-KR" dirty="0"/>
+              <a:t>U</a:t>
+            </a:r>
+          </a:p>
+          <a:p>
+            <a:pPr algn="ctr"/>
+            <a:r>
+              <a:rPr lang="en-US" altLang="ko-KR" dirty="0"/>
+              <a:t>B</a:t>
+            </a:r>
+          </a:p>
+          <a:p>
+            <a:pPr algn="ctr"/>
+            <a:endParaRPr lang="en-US" altLang="ko-KR" dirty="0"/>
+          </a:p>
+          <a:p>
+            <a:pPr algn="ctr"/>
+            <a:r>
+              <a:rPr lang="en-US" altLang="ko-KR" dirty="0"/>
+              <a:t>D</a:t>
+            </a:r>
+          </a:p>
+          <a:p>
+            <a:pPr algn="ctr"/>
+            <a:r>
+              <a:rPr lang="en-US" altLang="ko-KR" dirty="0"/>
+              <a:t>E</a:t>
+            </a:r>
+          </a:p>
+          <a:p>
+            <a:pPr algn="ctr"/>
+            <a:r>
+              <a:rPr lang="en-US" altLang="ko-KR" dirty="0"/>
+              <a:t>V</a:t>
+            </a:r>
+          </a:p>
+          <a:p>
+            <a:pPr algn="ctr"/>
+            <a:r>
+              <a:rPr lang="en-US" altLang="ko-KR" dirty="0"/>
+              <a:t>I</a:t>
+            </a:r>
+          </a:p>
+          <a:p>
+            <a:pPr algn="ctr"/>
+            <a:r>
+              <a:rPr lang="en-US" altLang="ko-KR" dirty="0"/>
+              <a:t>C</a:t>
+            </a:r>
+          </a:p>
+          <a:p>
+            <a:pPr algn="ctr"/>
+            <a:r>
+              <a:rPr lang="en-US" altLang="ko-KR" dirty="0"/>
+              <a:t>E</a:t>
+            </a:r>
+            <a:endParaRPr lang="ko-KR" altLang="en-US" dirty="0"/>
+          </a:p>
+        </p:txBody>
+      </p:sp>
+      <p:sp>
+        <p:nvSpPr>
+          <p:cNvPr id="106" name="사각형: 둥근 모서리 105">
+            <a:extLst>
+              <a:ext uri="{FF2B5EF4-FFF2-40B4-BE49-F238E27FC236}">
+                <a16:creationId xmlns:a16="http://schemas.microsoft.com/office/drawing/2014/main" id="{F96187E9-FA07-4AB9-9344-7EFFEFA70C64}"/>
+              </a:ext>
+            </a:extLst>
+          </p:cNvPr>
+          <p:cNvSpPr/>
+          <p:nvPr/>
+        </p:nvSpPr>
+        <p:spPr>
+          <a:xfrm>
+            <a:off x="4990087" y="4291803"/>
+            <a:ext cx="1063808" cy="939468"/>
+          </a:xfrm>
+          <a:prstGeom prst="roundRect">
+            <a:avLst/>
+          </a:prstGeom>
+        </p:spPr>
+        <p:style>
+          <a:lnRef idx="2">
+            <a:schemeClr val="accent3"/>
+          </a:lnRef>
+          <a:fillRef idx="1">
+            <a:schemeClr val="lt1"/>
+          </a:fillRef>
+          <a:effectRef idx="0">
+            <a:schemeClr val="accent3"/>
+          </a:effectRef>
+          <a:fontRef idx="minor">
+            <a:schemeClr val="dk1"/>
+          </a:fontRef>
+        </p:style>
+        <p:txBody>
+          <a:bodyPr rtlCol="0" anchor="ctr"/>
+          <a:lstStyle/>
+          <a:p>
+            <a:pPr algn="ctr"/>
+            <a:endParaRPr lang="en-US" altLang="ko-KR" sz="1100" dirty="0"/>
+          </a:p>
+          <a:p>
+            <a:pPr algn="ctr"/>
+            <a:endParaRPr lang="en-US" altLang="ko-KR" sz="1100" dirty="0"/>
+          </a:p>
+          <a:p>
+            <a:pPr algn="ctr"/>
+            <a:endParaRPr lang="en-US" altLang="ko-KR" sz="1100" dirty="0"/>
+          </a:p>
+          <a:p>
+            <a:pPr algn="ctr"/>
+            <a:r>
+              <a:rPr lang="en-US" altLang="ko-KR" sz="1100" dirty="0"/>
+              <a:t>Color comparison matching</a:t>
+            </a:r>
+            <a:endParaRPr lang="ko-KR" altLang="en-US" sz="1100" dirty="0"/>
+          </a:p>
+        </p:txBody>
+      </p:sp>
+      <p:sp>
+        <p:nvSpPr>
+          <p:cNvPr id="103" name="사각형: 둥근 모서리 102">
+            <a:extLst>
+              <a:ext uri="{FF2B5EF4-FFF2-40B4-BE49-F238E27FC236}">
+                <a16:creationId xmlns:a16="http://schemas.microsoft.com/office/drawing/2014/main" id="{7B219880-B76A-4F20-A059-47B5E50A3230}"/>
+              </a:ext>
+            </a:extLst>
+          </p:cNvPr>
+          <p:cNvSpPr/>
+          <p:nvPr/>
+        </p:nvSpPr>
+        <p:spPr>
+          <a:xfrm>
+            <a:off x="8120715" y="1616812"/>
+            <a:ext cx="1007630" cy="620576"/>
+          </a:xfrm>
+          <a:prstGeom prst="roundRect">
+            <a:avLst/>
+          </a:prstGeom>
+        </p:spPr>
+        <p:style>
+          <a:lnRef idx="2">
+            <a:schemeClr val="accent3"/>
+          </a:lnRef>
+          <a:fillRef idx="1">
+            <a:schemeClr val="lt1"/>
+          </a:fillRef>
+          <a:effectRef idx="0">
+            <a:schemeClr val="accent3"/>
+          </a:effectRef>
+          <a:fontRef idx="minor">
+            <a:schemeClr val="dk1"/>
+          </a:fontRef>
+        </p:style>
+        <p:txBody>
+          <a:bodyPr rtlCol="0" anchor="ctr"/>
+          <a:lstStyle/>
+          <a:p>
+            <a:pPr algn="ctr"/>
+            <a:endParaRPr lang="en-US" altLang="ko-KR" sz="1100" dirty="0"/>
+          </a:p>
+          <a:p>
+            <a:pPr algn="ctr"/>
+            <a:endParaRPr lang="en-US" altLang="ko-KR" sz="1100" dirty="0"/>
+          </a:p>
+          <a:p>
+            <a:pPr algn="ctr"/>
+            <a:r>
+              <a:rPr lang="en-US" altLang="ko-KR" sz="1100" dirty="0"/>
+              <a:t>Set Range Image</a:t>
+            </a:r>
+            <a:endParaRPr lang="ko-KR" altLang="en-US" sz="1100" dirty="0"/>
+          </a:p>
+        </p:txBody>
+      </p:sp>
+      <p:sp>
+        <p:nvSpPr>
+          <p:cNvPr id="104" name="사각형: 둥근 모서리 103">
+            <a:extLst>
+              <a:ext uri="{FF2B5EF4-FFF2-40B4-BE49-F238E27FC236}">
+                <a16:creationId xmlns:a16="http://schemas.microsoft.com/office/drawing/2014/main" id="{1E5B564D-C648-4C4D-B158-E8AB795BF156}"/>
+              </a:ext>
+            </a:extLst>
+          </p:cNvPr>
+          <p:cNvSpPr/>
+          <p:nvPr/>
+        </p:nvSpPr>
+        <p:spPr>
+          <a:xfrm>
+            <a:off x="9696753" y="1644188"/>
+            <a:ext cx="1007630" cy="620576"/>
+          </a:xfrm>
+          <a:prstGeom prst="roundRect">
+            <a:avLst/>
+          </a:prstGeom>
+        </p:spPr>
+        <p:style>
+          <a:lnRef idx="2">
+            <a:schemeClr val="accent3"/>
+          </a:lnRef>
+          <a:fillRef idx="1">
+            <a:schemeClr val="lt1"/>
+          </a:fillRef>
+          <a:effectRef idx="0">
+            <a:schemeClr val="accent3"/>
+          </a:effectRef>
+          <a:fontRef idx="minor">
+            <a:schemeClr val="dk1"/>
+          </a:fontRef>
+        </p:style>
+        <p:txBody>
+          <a:bodyPr rtlCol="0" anchor="ctr"/>
+          <a:lstStyle/>
+          <a:p>
+            <a:pPr algn="ctr"/>
+            <a:endParaRPr lang="en-US" altLang="ko-KR" sz="1100" dirty="0"/>
+          </a:p>
+          <a:p>
+            <a:pPr algn="ctr"/>
+            <a:endParaRPr lang="en-US" altLang="ko-KR" sz="1100" dirty="0"/>
+          </a:p>
+          <a:p>
+            <a:pPr algn="ctr"/>
+            <a:r>
+              <a:rPr lang="en-US" altLang="ko-KR" sz="1100" dirty="0"/>
+              <a:t>conversion Image</a:t>
+            </a:r>
+            <a:endParaRPr lang="ko-KR" altLang="en-US" sz="1100" dirty="0"/>
+          </a:p>
+        </p:txBody>
+      </p:sp>
+      <p:pic>
+        <p:nvPicPr>
+          <p:cNvPr id="105" name="그림 104">
+            <a:extLst>
+              <a:ext uri="{FF2B5EF4-FFF2-40B4-BE49-F238E27FC236}">
+                <a16:creationId xmlns:a16="http://schemas.microsoft.com/office/drawing/2014/main" id="{8190A2F2-6743-4C13-97DE-C6C161016AA5}"/>
+              </a:ext>
+            </a:extLst>
+          </p:cNvPr>
+          <p:cNvPicPr>
+            <a:picLocks noChangeAspect="1"/>
+          </p:cNvPicPr>
+          <p:nvPr/>
+        </p:nvPicPr>
+        <p:blipFill>
+          <a:blip r:embed="rId2"/>
+          <a:stretch>
+            <a:fillRect/>
+          </a:stretch>
+        </p:blipFill>
+        <p:spPr>
+          <a:xfrm>
+            <a:off x="9976686" y="1681769"/>
+            <a:ext cx="447765" cy="300009"/>
+          </a:xfrm>
+          <a:prstGeom prst="rect">
+            <a:avLst/>
+          </a:prstGeom>
+        </p:spPr>
+      </p:pic>
+      <p:pic>
+        <p:nvPicPr>
+          <p:cNvPr id="2050" name="Picture 2" descr="range iconì ëí ì´ë¯¸ì§ ê²ìê²°ê³¼">
+            <a:extLst>
+              <a:ext uri="{FF2B5EF4-FFF2-40B4-BE49-F238E27FC236}">
+                <a16:creationId xmlns:a16="http://schemas.microsoft.com/office/drawing/2014/main" id="{1049C124-2672-41BE-8187-D1B45575B0BB}"/>
+              </a:ext>
+            </a:extLst>
+          </p:cNvPr>
+          <p:cNvPicPr>
+            <a:picLocks noChangeAspect="1" noChangeArrowheads="1"/>
+          </p:cNvPicPr>
+          <p:nvPr/>
+        </p:nvPicPr>
+        <p:blipFill>
+          <a:blip r:embed="rId3">
+            <a:extLst>
+              <a:ext uri="{28A0092B-C50C-407E-A947-70E740481C1C}">
+                <a14:useLocalDpi xmlns:a14="http://schemas.microsoft.com/office/drawing/2010/main" val="0"/>
+              </a:ext>
+            </a:extLst>
+          </a:blip>
+          <a:srcRect/>
+          <a:stretch>
+            <a:fillRect/>
+          </a:stretch>
+        </p:blipFill>
+        <p:spPr bwMode="auto">
+          <a:xfrm>
+            <a:off x="8484281" y="1651333"/>
+            <a:ext cx="295619" cy="275767"/>
+          </a:xfrm>
+          <a:prstGeom prst="rect">
+            <a:avLst/>
+          </a:prstGeom>
+          <a:noFill/>
+          <a:extLst>
+            <a:ext uri="{909E8E84-426E-40DD-AFC4-6F175D3DCCD1}">
+              <a14:hiddenFill xmlns:a14="http://schemas.microsoft.com/office/drawing/2010/main">
+                <a:solidFill>
+                  <a:srgbClr val="FFFFFF"/>
+                </a:solidFill>
+              </a14:hiddenFill>
+            </a:ext>
+          </a:extLst>
+        </p:spPr>
+      </p:pic>
+      <p:pic>
+        <p:nvPicPr>
+          <p:cNvPr id="2052" name="Picture 4" descr="color iconì ëí ì´ë¯¸ì§ ê²ìê²°ê³¼">
+            <a:extLst>
+              <a:ext uri="{FF2B5EF4-FFF2-40B4-BE49-F238E27FC236}">
+                <a16:creationId xmlns:a16="http://schemas.microsoft.com/office/drawing/2014/main" id="{C20287BE-91EE-40DA-B10B-5F5A5D0630EC}"/>
+              </a:ext>
+            </a:extLst>
+          </p:cNvPr>
+          <p:cNvPicPr>
+            <a:picLocks noChangeAspect="1" noChangeArrowheads="1"/>
+          </p:cNvPicPr>
+          <p:nvPr/>
+        </p:nvPicPr>
+        <p:blipFill>
+          <a:blip r:embed="rId4">
+            <a:extLst>
+              <a:ext uri="{28A0092B-C50C-407E-A947-70E740481C1C}">
+                <a14:useLocalDpi xmlns:a14="http://schemas.microsoft.com/office/drawing/2010/main" val="0"/>
+              </a:ext>
+            </a:extLst>
+          </a:blip>
+          <a:srcRect/>
+          <a:stretch>
+            <a:fillRect/>
+          </a:stretch>
+        </p:blipFill>
+        <p:spPr bwMode="auto">
+          <a:xfrm>
+            <a:off x="5279736" y="4309247"/>
+            <a:ext cx="546891" cy="442427"/>
+          </a:xfrm>
+          <a:prstGeom prst="rect">
+            <a:avLst/>
+          </a:prstGeom>
+          <a:noFill/>
+          <a:extLst>
+            <a:ext uri="{909E8E84-426E-40DD-AFC4-6F175D3DCCD1}">
+              <a14:hiddenFill xmlns:a14="http://schemas.microsoft.com/office/drawing/2010/main">
+                <a:solidFill>
+                  <a:srgbClr val="FFFFFF"/>
+                </a:solidFill>
+              </a14:hiddenFill>
+            </a:ext>
+          </a:extLst>
+        </p:spPr>
+      </p:pic>
+      <p:sp>
+        <p:nvSpPr>
+          <p:cNvPr id="108" name="사각형: 둥근 모서리 107">
+            <a:extLst>
+              <a:ext uri="{FF2B5EF4-FFF2-40B4-BE49-F238E27FC236}">
+                <a16:creationId xmlns:a16="http://schemas.microsoft.com/office/drawing/2014/main" id="{1A87CCAC-2326-4C2A-B5AE-B16437F2F7C5}"/>
+              </a:ext>
+            </a:extLst>
+          </p:cNvPr>
+          <p:cNvSpPr/>
+          <p:nvPr/>
+        </p:nvSpPr>
+        <p:spPr>
+          <a:xfrm>
+            <a:off x="9148208" y="4310733"/>
+            <a:ext cx="1578807" cy="967621"/>
+          </a:xfrm>
+          <a:prstGeom prst="roundRect">
+            <a:avLst/>
+          </a:prstGeom>
+        </p:spPr>
+        <p:style>
+          <a:lnRef idx="2">
+            <a:schemeClr val="accent3"/>
+          </a:lnRef>
+          <a:fillRef idx="1">
+            <a:schemeClr val="lt1"/>
+          </a:fillRef>
+          <a:effectRef idx="0">
+            <a:schemeClr val="accent3"/>
+          </a:effectRef>
+          <a:fontRef idx="minor">
+            <a:schemeClr val="dk1"/>
+          </a:fontRef>
+        </p:style>
+        <p:txBody>
+          <a:bodyPr rtlCol="0" anchor="ctr"/>
+          <a:lstStyle/>
+          <a:p>
+            <a:pPr algn="ctr"/>
+            <a:endParaRPr lang="en-US" altLang="ko-KR" sz="1050" dirty="0"/>
+          </a:p>
+          <a:p>
+            <a:pPr algn="ctr"/>
+            <a:endParaRPr lang="en-US" altLang="ko-KR" sz="1050" dirty="0"/>
+          </a:p>
+          <a:p>
+            <a:pPr algn="ctr"/>
+            <a:endParaRPr lang="en-US" altLang="ko-KR" sz="1050" dirty="0"/>
+          </a:p>
+          <a:p>
+            <a:pPr algn="ctr"/>
+            <a:endParaRPr lang="en-US" altLang="ko-KR" sz="1050" dirty="0"/>
+          </a:p>
+          <a:p>
+            <a:pPr algn="ctr"/>
+            <a:r>
+              <a:rPr lang="en-US" altLang="ko-KR" sz="1050" dirty="0"/>
+              <a:t>Decision Dog </a:t>
+            </a:r>
+          </a:p>
+          <a:p>
+            <a:pPr algn="ctr"/>
+            <a:r>
+              <a:rPr lang="en-US" altLang="ko-KR" sz="1050" dirty="0"/>
+              <a:t>Bowel Movement</a:t>
+            </a:r>
+            <a:endParaRPr lang="ko-KR" altLang="en-US" sz="1050" dirty="0"/>
+          </a:p>
+        </p:txBody>
+      </p:sp>
+      <p:pic>
+        <p:nvPicPr>
+          <p:cNvPr id="2058" name="Picture 10" descr="dog iconì ëí ì´ë¯¸ì§ ê²ìê²°ê³¼">
+            <a:extLst>
+              <a:ext uri="{FF2B5EF4-FFF2-40B4-BE49-F238E27FC236}">
+                <a16:creationId xmlns:a16="http://schemas.microsoft.com/office/drawing/2014/main" id="{B48F2116-4811-46DA-99FC-314E3DF922ED}"/>
+              </a:ext>
+            </a:extLst>
+          </p:cNvPr>
+          <p:cNvPicPr>
+            <a:picLocks noChangeAspect="1" noChangeArrowheads="1"/>
+          </p:cNvPicPr>
+          <p:nvPr/>
+        </p:nvPicPr>
+        <p:blipFill>
+          <a:blip r:embed="rId5">
+            <a:extLst>
+              <a:ext uri="{28A0092B-C50C-407E-A947-70E740481C1C}">
+                <a14:useLocalDpi xmlns:a14="http://schemas.microsoft.com/office/drawing/2010/main" val="0"/>
+              </a:ext>
+            </a:extLst>
+          </a:blip>
+          <a:srcRect/>
+          <a:stretch>
+            <a:fillRect/>
+          </a:stretch>
+        </p:blipFill>
+        <p:spPr bwMode="auto">
+          <a:xfrm>
+            <a:off x="9434898" y="4333218"/>
+            <a:ext cx="893344" cy="645791"/>
+          </a:xfrm>
+          <a:prstGeom prst="rect">
+            <a:avLst/>
+          </a:prstGeom>
+          <a:noFill/>
+          <a:extLst>
+            <a:ext uri="{909E8E84-426E-40DD-AFC4-6F175D3DCCD1}">
+              <a14:hiddenFill xmlns:a14="http://schemas.microsoft.com/office/drawing/2010/main">
+                <a:solidFill>
+                  <a:srgbClr val="FFFFFF"/>
+                </a:solidFill>
+              </a14:hiddenFill>
+            </a:ext>
+          </a:extLst>
+        </p:spPr>
+      </p:pic>
+      <p:sp>
+        <p:nvSpPr>
+          <p:cNvPr id="86" name="사각형: 둥근 모서리 85">
+            <a:extLst>
+              <a:ext uri="{FF2B5EF4-FFF2-40B4-BE49-F238E27FC236}">
+                <a16:creationId xmlns:a16="http://schemas.microsoft.com/office/drawing/2014/main" id="{FCA9F5F1-98A5-4A58-9A7E-D31E771C01E4}"/>
+              </a:ext>
+            </a:extLst>
+          </p:cNvPr>
+          <p:cNvSpPr/>
+          <p:nvPr/>
+        </p:nvSpPr>
+        <p:spPr>
+          <a:xfrm>
+            <a:off x="4227221" y="2045036"/>
+            <a:ext cx="1344864" cy="933295"/>
+          </a:xfrm>
+          <a:prstGeom prst="roundRect">
+            <a:avLst/>
+          </a:prstGeom>
+        </p:spPr>
+        <p:style>
+          <a:lnRef idx="2">
+            <a:schemeClr val="accent3"/>
+          </a:lnRef>
+          <a:fillRef idx="1">
+            <a:schemeClr val="lt1"/>
+          </a:fillRef>
+          <a:effectRef idx="0">
+            <a:schemeClr val="accent3"/>
+          </a:effectRef>
+          <a:fontRef idx="minor">
+            <a:schemeClr val="dk1"/>
+          </a:fontRef>
+        </p:style>
+        <p:txBody>
+          <a:bodyPr rtlCol="0" anchor="ctr"/>
+          <a:lstStyle/>
+          <a:p>
+            <a:pPr algn="ctr"/>
+            <a:endParaRPr lang="en-US" altLang="ko-KR" sz="1050" dirty="0"/>
+          </a:p>
+          <a:p>
+            <a:pPr algn="ctr"/>
+            <a:endParaRPr lang="en-US" altLang="ko-KR" sz="1050" dirty="0"/>
+          </a:p>
+          <a:p>
+            <a:pPr algn="ctr"/>
+            <a:br>
+              <a:rPr lang="en-US" altLang="ko-KR" sz="1050" dirty="0"/>
+            </a:br>
+            <a:endParaRPr lang="en-US" altLang="ko-KR" sz="1050" dirty="0"/>
+          </a:p>
+          <a:p>
+            <a:pPr algn="ctr"/>
+            <a:r>
+              <a:rPr lang="en-US" altLang="ko-KR" sz="1050" dirty="0"/>
+              <a:t>Image</a:t>
+            </a:r>
+            <a:r>
+              <a:rPr lang="ko-KR" altLang="en-US" sz="1050" dirty="0"/>
+              <a:t> </a:t>
+            </a:r>
+            <a:r>
+              <a:rPr lang="en-US" altLang="ko-KR" sz="1050" dirty="0"/>
+              <a:t>Blurring</a:t>
+            </a:r>
+            <a:endParaRPr lang="en-US" altLang="ko-KR" sz="1000" dirty="0"/>
+          </a:p>
+          <a:p>
+            <a:pPr algn="ctr"/>
+            <a:r>
+              <a:rPr lang="en-US" altLang="ko-KR" sz="800" dirty="0"/>
+              <a:t>[</a:t>
+            </a:r>
+            <a:r>
+              <a:rPr lang="ko-KR" altLang="en-US" sz="800" dirty="0"/>
+              <a:t>영상처리 라이브러리</a:t>
+            </a:r>
+            <a:r>
+              <a:rPr lang="en-US" altLang="ko-KR" sz="800" dirty="0"/>
+              <a:t>]</a:t>
+            </a:r>
+          </a:p>
+        </p:txBody>
+      </p:sp>
+      <p:sp>
+        <p:nvSpPr>
+          <p:cNvPr id="87" name="사각형: 둥근 모서리 86">
+            <a:extLst>
+              <a:ext uri="{FF2B5EF4-FFF2-40B4-BE49-F238E27FC236}">
+                <a16:creationId xmlns:a16="http://schemas.microsoft.com/office/drawing/2014/main" id="{0D81AF66-B629-4A02-90E2-529A7724D8B7}"/>
+              </a:ext>
+            </a:extLst>
+          </p:cNvPr>
+          <p:cNvSpPr/>
+          <p:nvPr/>
+        </p:nvSpPr>
+        <p:spPr>
+          <a:xfrm>
+            <a:off x="4163224" y="932432"/>
+            <a:ext cx="1380705" cy="771247"/>
+          </a:xfrm>
+          <a:prstGeom prst="roundRect">
+            <a:avLst/>
+          </a:prstGeom>
+        </p:spPr>
+        <p:style>
+          <a:lnRef idx="2">
+            <a:schemeClr val="accent3"/>
+          </a:lnRef>
+          <a:fillRef idx="1">
+            <a:schemeClr val="lt1"/>
+          </a:fillRef>
+          <a:effectRef idx="0">
+            <a:schemeClr val="accent3"/>
+          </a:effectRef>
+          <a:fontRef idx="minor">
+            <a:schemeClr val="dk1"/>
+          </a:fontRef>
+        </p:style>
+        <p:txBody>
+          <a:bodyPr rtlCol="0" anchor="ctr"/>
+          <a:lstStyle/>
+          <a:p>
+            <a:pPr algn="ctr"/>
+            <a:endParaRPr lang="en-US" altLang="ko-KR" sz="1000" dirty="0"/>
+          </a:p>
+          <a:p>
+            <a:pPr algn="ctr"/>
+            <a:endParaRPr lang="en-US" altLang="ko-KR" sz="1000" dirty="0"/>
+          </a:p>
+          <a:p>
+            <a:pPr algn="ctr"/>
+            <a:endParaRPr lang="en-US" altLang="ko-KR" sz="1000" dirty="0"/>
+          </a:p>
+          <a:p>
+            <a:pPr algn="ctr"/>
+            <a:r>
+              <a:rPr lang="en-US" altLang="ko-KR" sz="1000" dirty="0"/>
+              <a:t>Color conversion</a:t>
+            </a:r>
+          </a:p>
+          <a:p>
+            <a:pPr algn="ctr"/>
+            <a:r>
+              <a:rPr lang="en-US" altLang="ko-KR" sz="900" dirty="0"/>
+              <a:t>[</a:t>
+            </a:r>
+            <a:r>
+              <a:rPr lang="ko-KR" altLang="en-US" sz="900" dirty="0"/>
+              <a:t>영상처리 라이브러리</a:t>
+            </a:r>
+            <a:r>
+              <a:rPr lang="en-US" altLang="ko-KR" sz="900" dirty="0"/>
+              <a:t>]</a:t>
+            </a:r>
+          </a:p>
+        </p:txBody>
+      </p:sp>
+      <p:sp>
+        <p:nvSpPr>
+          <p:cNvPr id="88" name="사각형: 둥근 모서리 87">
+            <a:extLst>
+              <a:ext uri="{FF2B5EF4-FFF2-40B4-BE49-F238E27FC236}">
+                <a16:creationId xmlns:a16="http://schemas.microsoft.com/office/drawing/2014/main" id="{68F5E23D-21AF-4383-AA29-0C481F284A44}"/>
+              </a:ext>
+            </a:extLst>
+          </p:cNvPr>
+          <p:cNvSpPr/>
+          <p:nvPr/>
+        </p:nvSpPr>
+        <p:spPr>
+          <a:xfrm>
+            <a:off x="1261616" y="1555363"/>
+            <a:ext cx="941838" cy="674733"/>
+          </a:xfrm>
+          <a:prstGeom prst="roundRect">
+            <a:avLst/>
+          </a:prstGeom>
+        </p:spPr>
+        <p:style>
+          <a:lnRef idx="2">
+            <a:schemeClr val="accent3"/>
+          </a:lnRef>
+          <a:fillRef idx="1">
+            <a:schemeClr val="lt1"/>
+          </a:fillRef>
+          <a:effectRef idx="0">
+            <a:schemeClr val="accent3"/>
+          </a:effectRef>
+          <a:fontRef idx="minor">
+            <a:schemeClr val="dk1"/>
+          </a:fontRef>
+        </p:style>
+        <p:txBody>
+          <a:bodyPr rtlCol="0" anchor="ctr"/>
+          <a:lstStyle/>
+          <a:p>
+            <a:pPr algn="ctr"/>
+            <a:endParaRPr lang="en-US" altLang="ko-KR" sz="1100" dirty="0"/>
+          </a:p>
+          <a:p>
+            <a:pPr algn="ctr"/>
+            <a:endParaRPr lang="en-US" altLang="ko-KR" sz="1100" dirty="0"/>
+          </a:p>
+          <a:p>
+            <a:pPr algn="ctr"/>
+            <a:r>
+              <a:rPr lang="en-US" altLang="ko-KR" sz="1100" dirty="0"/>
+              <a:t>Get Image</a:t>
+            </a:r>
+            <a:endParaRPr lang="ko-KR" altLang="en-US" sz="1100" dirty="0"/>
+          </a:p>
+        </p:txBody>
+      </p:sp>
+      <p:pic>
+        <p:nvPicPr>
+          <p:cNvPr id="89" name="그림 88">
+            <a:extLst>
+              <a:ext uri="{FF2B5EF4-FFF2-40B4-BE49-F238E27FC236}">
+                <a16:creationId xmlns:a16="http://schemas.microsoft.com/office/drawing/2014/main" id="{E167EF53-7D7B-4987-974F-8DF017179571}"/>
+              </a:ext>
+            </a:extLst>
+          </p:cNvPr>
+          <p:cNvPicPr>
+            <a:picLocks noChangeAspect="1"/>
+          </p:cNvPicPr>
+          <p:nvPr/>
+        </p:nvPicPr>
+        <p:blipFill>
+          <a:blip r:embed="rId6"/>
+          <a:stretch>
+            <a:fillRect/>
+          </a:stretch>
+        </p:blipFill>
+        <p:spPr>
+          <a:xfrm>
+            <a:off x="4566062" y="2087422"/>
+            <a:ext cx="633726" cy="629044"/>
+          </a:xfrm>
+          <a:prstGeom prst="rect">
+            <a:avLst/>
+          </a:prstGeom>
+        </p:spPr>
+      </p:pic>
+      <p:pic>
+        <p:nvPicPr>
+          <p:cNvPr id="90" name="그림 89">
+            <a:extLst>
+              <a:ext uri="{FF2B5EF4-FFF2-40B4-BE49-F238E27FC236}">
+                <a16:creationId xmlns:a16="http://schemas.microsoft.com/office/drawing/2014/main" id="{15AA3720-DAF2-4A65-98DC-4ACF51F6DCBF}"/>
+              </a:ext>
+            </a:extLst>
+          </p:cNvPr>
+          <p:cNvPicPr>
+            <a:picLocks noChangeAspect="1"/>
+          </p:cNvPicPr>
+          <p:nvPr/>
+        </p:nvPicPr>
+        <p:blipFill>
+          <a:blip r:embed="rId7"/>
+          <a:stretch>
+            <a:fillRect/>
+          </a:stretch>
+        </p:blipFill>
+        <p:spPr>
+          <a:xfrm>
+            <a:off x="4412627" y="976292"/>
+            <a:ext cx="781588" cy="397358"/>
+          </a:xfrm>
+          <a:prstGeom prst="rect">
+            <a:avLst/>
+          </a:prstGeom>
+        </p:spPr>
+      </p:pic>
+      <p:pic>
+        <p:nvPicPr>
+          <p:cNvPr id="91" name="그림 90">
+            <a:extLst>
+              <a:ext uri="{FF2B5EF4-FFF2-40B4-BE49-F238E27FC236}">
+                <a16:creationId xmlns:a16="http://schemas.microsoft.com/office/drawing/2014/main" id="{5D94E79D-F291-4A5F-A524-ECB57B590DA5}"/>
+              </a:ext>
+            </a:extLst>
+          </p:cNvPr>
+          <p:cNvPicPr>
+            <a:picLocks noChangeAspect="1"/>
+          </p:cNvPicPr>
+          <p:nvPr/>
+        </p:nvPicPr>
+        <p:blipFill>
+          <a:blip r:embed="rId2"/>
+          <a:stretch>
+            <a:fillRect/>
+          </a:stretch>
+        </p:blipFill>
+        <p:spPr>
+          <a:xfrm>
+            <a:off x="1506451" y="1604590"/>
+            <a:ext cx="418529" cy="326190"/>
+          </a:xfrm>
+          <a:prstGeom prst="rect">
+            <a:avLst/>
+          </a:prstGeom>
+        </p:spPr>
+      </p:pic>
+      <p:grpSp>
+        <p:nvGrpSpPr>
+          <p:cNvPr id="7" name="그룹 6">
+            <a:extLst>
+              <a:ext uri="{FF2B5EF4-FFF2-40B4-BE49-F238E27FC236}">
+                <a16:creationId xmlns:a16="http://schemas.microsoft.com/office/drawing/2014/main" id="{931A4337-4190-4191-BB66-0C3ADC41AA51}"/>
+              </a:ext>
+            </a:extLst>
+          </p:cNvPr>
+          <p:cNvGrpSpPr/>
+          <p:nvPr/>
+        </p:nvGrpSpPr>
+        <p:grpSpPr>
+          <a:xfrm>
+            <a:off x="2695641" y="1555363"/>
+            <a:ext cx="735545" cy="736595"/>
+            <a:chOff x="1687771" y="3070978"/>
+            <a:chExt cx="727611" cy="674733"/>
+          </a:xfrm>
+        </p:grpSpPr>
         <p:sp>
           <p:nvSpPr>
-            <p:cNvPr id="106" name="사각형: 둥근 모서리 105">
+            <p:cNvPr id="43" name="사각형: 둥근 모서리 42">
               <a:extLst>
                 <a:ext uri="{FF2B5EF4-FFF2-40B4-BE49-F238E27FC236}">
-                  <a16:creationId xmlns:a16="http://schemas.microsoft.com/office/drawing/2014/main" id="{F96187E9-FA07-4AB9-9344-7EFFEFA70C64}"/>
+                  <a16:creationId xmlns:a16="http://schemas.microsoft.com/office/drawing/2014/main" id="{43FE776F-FCD9-4049-AD82-5F68F7579C24}"/>
                 </a:ext>
               </a:extLst>
             </p:cNvPr>
@@ -6018,68 +8205,8 @@
           </p:nvSpPr>
           <p:spPr>
             <a:xfrm>
-              <a:off x="7757290" y="3155601"/>
-              <a:ext cx="1031567" cy="962977"/>
-            </a:xfrm>
-            <a:prstGeom prst="roundRect">
-              <a:avLst/>
-            </a:prstGeom>
-          </p:spPr>
-          <p:style>
-            <a:lnRef idx="2">
-              <a:schemeClr val="accent3"/>
-            </a:lnRef>
-            <a:fillRef idx="1">
-              <a:schemeClr val="lt1"/>
-            </a:fillRef>
-            <a:effectRef idx="0">
-              <a:schemeClr val="accent3"/>
-            </a:effectRef>
-            <a:fontRef idx="minor">
-              <a:schemeClr val="dk1"/>
-            </a:fontRef>
-          </p:style>
-          <p:txBody>
-            <a:bodyPr rtlCol="0" anchor="ctr"/>
-            <a:lstStyle/>
-            <a:p>
-              <a:pPr algn="ctr"/>
-              <a:endParaRPr lang="en-US" altLang="ko-KR" sz="1100" dirty="0"/>
-            </a:p>
-            <a:p>
-              <a:pPr algn="ctr"/>
-              <a:endParaRPr lang="en-US" altLang="ko-KR" sz="1100" dirty="0"/>
-            </a:p>
-            <a:p>
-              <a:pPr algn="ctr"/>
-              <a:endParaRPr lang="en-US" altLang="ko-KR" sz="1100" dirty="0"/>
-            </a:p>
-            <a:p>
-              <a:pPr algn="ctr"/>
-              <a:r>
-                <a:rPr lang="en-US" altLang="ko-KR" sz="1100" dirty="0"/>
-                <a:t>Color comparison matching</a:t>
-              </a:r>
-              <a:endParaRPr lang="ko-KR" altLang="en-US" sz="1100" dirty="0"/>
-            </a:p>
-          </p:txBody>
-        </p:sp>
-        <p:sp>
-          <p:nvSpPr>
-            <p:cNvPr id="103" name="사각형: 둥근 모서리 102">
-              <a:extLst>
-                <a:ext uri="{FF2B5EF4-FFF2-40B4-BE49-F238E27FC236}">
-                  <a16:creationId xmlns:a16="http://schemas.microsoft.com/office/drawing/2014/main" id="{7B219880-B76A-4F20-A059-47B5E50A3230}"/>
-                </a:ext>
-              </a:extLst>
-            </p:cNvPr>
-            <p:cNvSpPr/>
-            <p:nvPr/>
-          </p:nvSpPr>
-          <p:spPr>
-            <a:xfrm>
-              <a:off x="6427755" y="2987826"/>
-              <a:ext cx="1031567" cy="636105"/>
+              <a:off x="1687771" y="3070978"/>
+              <a:ext cx="727611" cy="674733"/>
             </a:xfrm>
             <a:prstGeom prst="roundRect">
               <a:avLst/>
@@ -6114,63 +8241,14 @@
               <a:pPr algn="ctr"/>
               <a:r>
                 <a:rPr lang="en-US" altLang="ko-KR" sz="1100" dirty="0"/>
-                <a:t>Set Range Image</a:t>
+                <a:t>Identify</a:t>
               </a:r>
-              <a:endParaRPr lang="ko-KR" altLang="en-US" sz="1100" dirty="0"/>
-            </a:p>
-          </p:txBody>
-        </p:sp>
-        <p:sp>
-          <p:nvSpPr>
-            <p:cNvPr id="104" name="사각형: 둥근 모서리 103">
-              <a:extLst>
-                <a:ext uri="{FF2B5EF4-FFF2-40B4-BE49-F238E27FC236}">
-                  <a16:creationId xmlns:a16="http://schemas.microsoft.com/office/drawing/2014/main" id="{1E5B564D-C648-4C4D-B158-E8AB795BF156}"/>
-                </a:ext>
-              </a:extLst>
-            </p:cNvPr>
-            <p:cNvSpPr/>
-            <p:nvPr/>
-          </p:nvSpPr>
-          <p:spPr>
-            <a:xfrm>
-              <a:off x="4795546" y="2997840"/>
-              <a:ext cx="1031567" cy="636105"/>
-            </a:xfrm>
-            <a:prstGeom prst="roundRect">
-              <a:avLst/>
-            </a:prstGeom>
-          </p:spPr>
-          <p:style>
-            <a:lnRef idx="2">
-              <a:schemeClr val="accent3"/>
-            </a:lnRef>
-            <a:fillRef idx="1">
-              <a:schemeClr val="lt1"/>
-            </a:fillRef>
-            <a:effectRef idx="0">
-              <a:schemeClr val="accent3"/>
-            </a:effectRef>
-            <a:fontRef idx="minor">
-              <a:schemeClr val="dk1"/>
-            </a:fontRef>
-          </p:style>
-          <p:txBody>
-            <a:bodyPr rtlCol="0" anchor="ctr"/>
-            <a:lstStyle/>
-            <a:p>
-              <a:pPr algn="ctr"/>
-              <a:endParaRPr lang="en-US" altLang="ko-KR" sz="1100" dirty="0"/>
-            </a:p>
-            <a:p>
-              <a:pPr algn="ctr"/>
-              <a:endParaRPr lang="en-US" altLang="ko-KR" sz="1100" dirty="0"/>
             </a:p>
             <a:p>
               <a:pPr algn="ctr"/>
               <a:r>
                 <a:rPr lang="en-US" altLang="ko-KR" sz="1100" dirty="0"/>
-                <a:t>conversion Image</a:t>
+                <a:t>Day</a:t>
               </a:r>
               <a:endParaRPr lang="ko-KR" altLang="en-US" sz="1100" dirty="0"/>
             </a:p>
@@ -6178,40 +8256,10 @@
         </p:sp>
         <p:pic>
           <p:nvPicPr>
-            <p:cNvPr id="105" name="그림 104">
+            <p:cNvPr id="6" name="Picture 2" descr="day iconì ëí ì´ë¯¸ì§ ê²ìê²°ê³¼">
               <a:extLst>
                 <a:ext uri="{FF2B5EF4-FFF2-40B4-BE49-F238E27FC236}">
-                  <a16:creationId xmlns:a16="http://schemas.microsoft.com/office/drawing/2014/main" id="{8190A2F2-6743-4C13-97DE-C6C161016AA5}"/>
-                </a:ext>
-              </a:extLst>
-            </p:cNvPr>
-            <p:cNvPicPr>
-              <a:picLocks noChangeAspect="1"/>
-            </p:cNvPicPr>
-            <p:nvPr/>
-          </p:nvPicPr>
-          <p:blipFill>
-            <a:blip r:embed="rId2"/>
-            <a:stretch>
-              <a:fillRect/>
-            </a:stretch>
-          </p:blipFill>
-          <p:spPr>
-            <a:xfrm>
-              <a:off x="5082129" y="3036362"/>
-              <a:ext cx="458402" cy="307516"/>
-            </a:xfrm>
-            <a:prstGeom prst="rect">
-              <a:avLst/>
-            </a:prstGeom>
-          </p:spPr>
-        </p:pic>
-        <p:pic>
-          <p:nvPicPr>
-            <p:cNvPr id="2050" name="Picture 2" descr="range iconì ëí ì´ë¯¸ì§ ê²ìê²°ê³¼">
-              <a:extLst>
-                <a:ext uri="{FF2B5EF4-FFF2-40B4-BE49-F238E27FC236}">
-                  <a16:creationId xmlns:a16="http://schemas.microsoft.com/office/drawing/2014/main" id="{1049C124-2672-41BE-8187-D1B45575B0BB}"/>
+                  <a16:creationId xmlns:a16="http://schemas.microsoft.com/office/drawing/2014/main" id="{15C09954-2577-41C9-BAE6-86FADF8252EA}"/>
                 </a:ext>
               </a:extLst>
             </p:cNvPr>
@@ -6221,7 +8269,7 @@
             <p:nvPr/>
           </p:nvPicPr>
           <p:blipFill>
-            <a:blip r:embed="rId3">
+            <a:blip r:embed="rId8">
               <a:extLst>
                 <a:ext uri="{28A0092B-C50C-407E-A947-70E740481C1C}">
                   <a14:useLocalDpi xmlns:a14="http://schemas.microsoft.com/office/drawing/2010/main" val="0"/>
@@ -6235,8 +8283,8 @@
           </p:blipFill>
           <p:spPr bwMode="auto">
             <a:xfrm>
-              <a:off x="6799958" y="3023210"/>
-              <a:ext cx="302642" cy="282668"/>
+              <a:off x="1912397" y="3083844"/>
+              <a:ext cx="307357" cy="307357"/>
             </a:xfrm>
             <a:prstGeom prst="rect">
               <a:avLst/>
@@ -6253,1272 +8301,1171 @@
             </a:extLst>
           </p:spPr>
         </p:pic>
-        <p:pic>
-          <p:nvPicPr>
-            <p:cNvPr id="2052" name="Picture 4" descr="color iconì ëí ì´ë¯¸ì§ ê²ìê²°ê³¼">
-              <a:extLst>
-                <a:ext uri="{FF2B5EF4-FFF2-40B4-BE49-F238E27FC236}">
-                  <a16:creationId xmlns:a16="http://schemas.microsoft.com/office/drawing/2014/main" id="{C20287BE-91EE-40DA-B10B-5F5A5D0630EC}"/>
-                </a:ext>
-              </a:extLst>
-            </p:cNvPr>
-            <p:cNvPicPr>
-              <a:picLocks noChangeAspect="1" noChangeArrowheads="1"/>
-            </p:cNvPicPr>
-            <p:nvPr/>
-          </p:nvPicPr>
-          <p:blipFill>
-            <a:blip r:embed="rId4">
-              <a:extLst>
-                <a:ext uri="{28A0092B-C50C-407E-A947-70E740481C1C}">
-                  <a14:useLocalDpi xmlns:a14="http://schemas.microsoft.com/office/drawing/2010/main" val="0"/>
-                </a:ext>
-              </a:extLst>
-            </a:blip>
-            <a:srcRect/>
-            <a:stretch>
-              <a:fillRect/>
-            </a:stretch>
-          </p:blipFill>
-          <p:spPr bwMode="auto">
-            <a:xfrm>
-              <a:off x="8001814" y="3173482"/>
-              <a:ext cx="559883" cy="453498"/>
-            </a:xfrm>
-            <a:prstGeom prst="rect">
-              <a:avLst/>
-            </a:prstGeom>
-            <a:noFill/>
-            <a:extLst>
-              <a:ext uri="{909E8E84-426E-40DD-AFC4-6F175D3DCCD1}">
-                <a14:hiddenFill xmlns:a14="http://schemas.microsoft.com/office/drawing/2010/main">
-                  <a:solidFill>
-                    <a:srgbClr val="FFFFFF"/>
-                  </a:solidFill>
-                </a14:hiddenFill>
-              </a:ext>
-            </a:extLst>
-          </p:spPr>
-        </p:pic>
-        <p:pic>
-          <p:nvPicPr>
-            <p:cNvPr id="2054" name="Picture 6" descr="deep learning iconì ëí ì´ë¯¸ì§ ê²ìê²°ê³¼">
-              <a:extLst>
-                <a:ext uri="{FF2B5EF4-FFF2-40B4-BE49-F238E27FC236}">
-                  <a16:creationId xmlns:a16="http://schemas.microsoft.com/office/drawing/2014/main" id="{D11F21D9-779A-4933-91FC-EE926C66CB93}"/>
-                </a:ext>
-              </a:extLst>
-            </p:cNvPr>
-            <p:cNvPicPr>
-              <a:picLocks noChangeAspect="1" noChangeArrowheads="1"/>
-            </p:cNvPicPr>
-            <p:nvPr/>
-          </p:nvPicPr>
-          <p:blipFill>
-            <a:blip r:embed="rId5">
-              <a:extLst>
-                <a:ext uri="{28A0092B-C50C-407E-A947-70E740481C1C}">
-                  <a14:useLocalDpi xmlns:a14="http://schemas.microsoft.com/office/drawing/2010/main" val="0"/>
-                </a:ext>
-              </a:extLst>
-            </a:blip>
-            <a:srcRect/>
-            <a:stretch>
-              <a:fillRect/>
-            </a:stretch>
-          </p:blipFill>
-          <p:spPr bwMode="auto">
-            <a:xfrm>
-              <a:off x="8098318" y="4466267"/>
-              <a:ext cx="422401" cy="394524"/>
-            </a:xfrm>
-            <a:prstGeom prst="rect">
-              <a:avLst/>
-            </a:prstGeom>
-            <a:noFill/>
-            <a:extLst>
-              <a:ext uri="{909E8E84-426E-40DD-AFC4-6F175D3DCCD1}">
-                <a14:hiddenFill xmlns:a14="http://schemas.microsoft.com/office/drawing/2010/main">
-                  <a:solidFill>
-                    <a:srgbClr val="FFFFFF"/>
-                  </a:solidFill>
-                </a14:hiddenFill>
-              </a:ext>
-            </a:extLst>
-          </p:spPr>
-        </p:pic>
-        <p:sp>
-          <p:nvSpPr>
-            <p:cNvPr id="108" name="사각형: 둥근 모서리 107">
-              <a:extLst>
-                <a:ext uri="{FF2B5EF4-FFF2-40B4-BE49-F238E27FC236}">
-                  <a16:creationId xmlns:a16="http://schemas.microsoft.com/office/drawing/2014/main" id="{1A87CCAC-2326-4C2A-B5AE-B16437F2F7C5}"/>
-                </a:ext>
-              </a:extLst>
-            </p:cNvPr>
-            <p:cNvSpPr/>
-            <p:nvPr/>
-          </p:nvSpPr>
-          <p:spPr>
-            <a:xfrm>
-              <a:off x="9393420" y="3130513"/>
-              <a:ext cx="1616313" cy="991834"/>
-            </a:xfrm>
-            <a:prstGeom prst="roundRect">
-              <a:avLst/>
-            </a:prstGeom>
-          </p:spPr>
-          <p:style>
-            <a:lnRef idx="2">
-              <a:schemeClr val="accent3"/>
-            </a:lnRef>
-            <a:fillRef idx="1">
-              <a:schemeClr val="lt1"/>
-            </a:fillRef>
-            <a:effectRef idx="0">
-              <a:schemeClr val="accent3"/>
-            </a:effectRef>
-            <a:fontRef idx="minor">
-              <a:schemeClr val="dk1"/>
-            </a:fontRef>
-          </p:style>
-          <p:txBody>
-            <a:bodyPr rtlCol="0" anchor="ctr"/>
-            <a:lstStyle/>
-            <a:p>
-              <a:pPr algn="ctr"/>
-              <a:endParaRPr lang="en-US" altLang="ko-KR" sz="1050" dirty="0"/>
-            </a:p>
-            <a:p>
-              <a:pPr algn="ctr"/>
-              <a:endParaRPr lang="en-US" altLang="ko-KR" sz="1050" dirty="0"/>
-            </a:p>
-            <a:p>
-              <a:pPr algn="ctr"/>
-              <a:endParaRPr lang="en-US" altLang="ko-KR" sz="1050" dirty="0"/>
-            </a:p>
-            <a:p>
-              <a:pPr algn="ctr"/>
-              <a:endParaRPr lang="en-US" altLang="ko-KR" sz="1050" dirty="0"/>
-            </a:p>
-            <a:p>
-              <a:pPr algn="ctr"/>
-              <a:r>
-                <a:rPr lang="en-US" altLang="ko-KR" sz="1050" dirty="0"/>
-                <a:t>Decision Dog </a:t>
-              </a:r>
-            </a:p>
-            <a:p>
-              <a:pPr algn="ctr"/>
-              <a:r>
-                <a:rPr lang="en-US" altLang="ko-KR" sz="1050" dirty="0"/>
-                <a:t>Bowel Movement</a:t>
-              </a:r>
-              <a:endParaRPr lang="ko-KR" altLang="en-US" sz="1050" dirty="0"/>
-            </a:p>
-          </p:txBody>
-        </p:sp>
-        <p:pic>
-          <p:nvPicPr>
-            <p:cNvPr id="2058" name="Picture 10" descr="dog iconì ëí ì´ë¯¸ì§ ê²ìê²°ê³¼">
-              <a:extLst>
-                <a:ext uri="{FF2B5EF4-FFF2-40B4-BE49-F238E27FC236}">
-                  <a16:creationId xmlns:a16="http://schemas.microsoft.com/office/drawing/2014/main" id="{B48F2116-4811-46DA-99FC-314E3DF922ED}"/>
-                </a:ext>
-              </a:extLst>
-            </p:cNvPr>
-            <p:cNvPicPr>
-              <a:picLocks noChangeAspect="1" noChangeArrowheads="1"/>
-            </p:cNvPicPr>
-            <p:nvPr/>
-          </p:nvPicPr>
-          <p:blipFill>
-            <a:blip r:embed="rId6">
-              <a:extLst>
-                <a:ext uri="{28A0092B-C50C-407E-A947-70E740481C1C}">
-                  <a14:useLocalDpi xmlns:a14="http://schemas.microsoft.com/office/drawing/2010/main" val="0"/>
-                </a:ext>
-              </a:extLst>
-            </a:blip>
-            <a:srcRect/>
-            <a:stretch>
-              <a:fillRect/>
-            </a:stretch>
-          </p:blipFill>
-          <p:spPr bwMode="auto">
-            <a:xfrm>
-              <a:off x="9686921" y="3153561"/>
-              <a:ext cx="914566" cy="661951"/>
-            </a:xfrm>
-            <a:prstGeom prst="rect">
-              <a:avLst/>
-            </a:prstGeom>
-            <a:noFill/>
-            <a:extLst>
-              <a:ext uri="{909E8E84-426E-40DD-AFC4-6F175D3DCCD1}">
-                <a14:hiddenFill xmlns:a14="http://schemas.microsoft.com/office/drawing/2010/main">
-                  <a:solidFill>
-                    <a:srgbClr val="FFFFFF"/>
-                  </a:solidFill>
-                </a14:hiddenFill>
-              </a:ext>
-            </a:extLst>
-          </p:spPr>
-        </p:pic>
-        <p:cxnSp>
-          <p:nvCxnSpPr>
-            <p:cNvPr id="110" name="직선 화살표 연결선 109">
-              <a:extLst>
-                <a:ext uri="{FF2B5EF4-FFF2-40B4-BE49-F238E27FC236}">
-                  <a16:creationId xmlns:a16="http://schemas.microsoft.com/office/drawing/2014/main" id="{036D3C4E-8F8B-4684-A7DD-D6EF9DF0ADEF}"/>
-                </a:ext>
-              </a:extLst>
-            </p:cNvPr>
-            <p:cNvCxnSpPr>
-              <a:cxnSpLocks/>
-            </p:cNvCxnSpPr>
-            <p:nvPr/>
-          </p:nvCxnSpPr>
-          <p:spPr>
-            <a:xfrm>
-              <a:off x="8266912" y="4118578"/>
-              <a:ext cx="0" cy="305386"/>
-            </a:xfrm>
-            <a:prstGeom prst="straightConnector1">
-              <a:avLst/>
-            </a:prstGeom>
-            <a:ln>
-              <a:tailEnd type="triangle"/>
-            </a:ln>
-          </p:spPr>
-          <p:style>
-            <a:lnRef idx="1">
-              <a:schemeClr val="dk1"/>
-            </a:lnRef>
-            <a:fillRef idx="0">
-              <a:schemeClr val="dk1"/>
-            </a:fillRef>
-            <a:effectRef idx="0">
-              <a:schemeClr val="dk1"/>
-            </a:effectRef>
-            <a:fontRef idx="minor">
-              <a:schemeClr val="tx1"/>
-            </a:fontRef>
-          </p:style>
-        </p:cxnSp>
-        <p:cxnSp>
-          <p:nvCxnSpPr>
-            <p:cNvPr id="111" name="연결선: 꺾임 110">
-              <a:extLst>
-                <a:ext uri="{FF2B5EF4-FFF2-40B4-BE49-F238E27FC236}">
-                  <a16:creationId xmlns:a16="http://schemas.microsoft.com/office/drawing/2014/main" id="{C2F747F4-E0A9-4512-98CF-6EA0EC10CC28}"/>
-                </a:ext>
-              </a:extLst>
-            </p:cNvPr>
-            <p:cNvCxnSpPr>
-              <a:cxnSpLocks/>
-              <a:stCxn id="107" idx="3"/>
-            </p:cNvCxnSpPr>
-            <p:nvPr/>
-          </p:nvCxnSpPr>
-          <p:spPr>
-            <a:xfrm flipV="1">
-              <a:off x="8788857" y="3613179"/>
-              <a:ext cx="564807" cy="1270339"/>
-            </a:xfrm>
-            <a:prstGeom prst="bentConnector3">
-              <a:avLst>
-                <a:gd name="adj1" fmla="val 50000"/>
-              </a:avLst>
-            </a:prstGeom>
-            <a:ln>
-              <a:tailEnd type="triangle"/>
-            </a:ln>
-          </p:spPr>
-          <p:style>
-            <a:lnRef idx="1">
-              <a:schemeClr val="dk1"/>
-            </a:lnRef>
-            <a:fillRef idx="0">
-              <a:schemeClr val="dk1"/>
-            </a:fillRef>
-            <a:effectRef idx="0">
-              <a:schemeClr val="dk1"/>
-            </a:effectRef>
-            <a:fontRef idx="minor">
-              <a:schemeClr val="tx1"/>
-            </a:fontRef>
-          </p:style>
-        </p:cxnSp>
-        <p:cxnSp>
-          <p:nvCxnSpPr>
-            <p:cNvPr id="112" name="직선 화살표 연결선 111">
-              <a:extLst>
-                <a:ext uri="{FF2B5EF4-FFF2-40B4-BE49-F238E27FC236}">
-                  <a16:creationId xmlns:a16="http://schemas.microsoft.com/office/drawing/2014/main" id="{14C9DEE5-8A26-4D72-9558-BFA5D6A97A97}"/>
-                </a:ext>
-              </a:extLst>
-            </p:cNvPr>
-            <p:cNvCxnSpPr>
-              <a:cxnSpLocks/>
-            </p:cNvCxnSpPr>
-            <p:nvPr/>
-          </p:nvCxnSpPr>
-          <p:spPr>
-            <a:xfrm>
-              <a:off x="11028012" y="3626431"/>
-              <a:ext cx="404497" cy="0"/>
-            </a:xfrm>
-            <a:prstGeom prst="straightConnector1">
-              <a:avLst/>
-            </a:prstGeom>
-            <a:ln>
-              <a:tailEnd type="triangle"/>
-            </a:ln>
-          </p:spPr>
-          <p:style>
-            <a:lnRef idx="1">
-              <a:schemeClr val="dk1"/>
-            </a:lnRef>
-            <a:fillRef idx="0">
-              <a:schemeClr val="dk1"/>
-            </a:fillRef>
-            <a:effectRef idx="0">
-              <a:schemeClr val="dk1"/>
-            </a:effectRef>
-            <a:fontRef idx="minor">
-              <a:schemeClr val="tx1"/>
-            </a:fontRef>
-          </p:style>
-        </p:cxnSp>
-        <p:sp>
-          <p:nvSpPr>
-            <p:cNvPr id="99" name="사각형: 둥근 모서리 98">
-              <a:extLst>
-                <a:ext uri="{FF2B5EF4-FFF2-40B4-BE49-F238E27FC236}">
-                  <a16:creationId xmlns:a16="http://schemas.microsoft.com/office/drawing/2014/main" id="{270CE23A-1A07-4654-AF37-FFBCCEF04C1E}"/>
-                </a:ext>
-              </a:extLst>
-            </p:cNvPr>
-            <p:cNvSpPr/>
-            <p:nvPr/>
-          </p:nvSpPr>
-          <p:spPr>
-            <a:xfrm>
-              <a:off x="3279715" y="2915077"/>
-              <a:ext cx="964212" cy="808108"/>
-            </a:xfrm>
-            <a:prstGeom prst="roundRect">
-              <a:avLst/>
-            </a:prstGeom>
-          </p:spPr>
-          <p:style>
-            <a:lnRef idx="2">
-              <a:schemeClr val="accent3"/>
-            </a:lnRef>
-            <a:fillRef idx="1">
-              <a:schemeClr val="lt1"/>
-            </a:fillRef>
-            <a:effectRef idx="0">
-              <a:schemeClr val="accent3"/>
-            </a:effectRef>
-            <a:fontRef idx="minor">
-              <a:schemeClr val="dk1"/>
-            </a:fontRef>
-          </p:style>
-          <p:txBody>
-            <a:bodyPr rtlCol="0" anchor="ctr"/>
-            <a:lstStyle/>
-            <a:p>
-              <a:pPr algn="ctr"/>
-              <a:endParaRPr lang="en-US" altLang="ko-KR" sz="1000" dirty="0"/>
-            </a:p>
-            <a:p>
-              <a:pPr algn="ctr"/>
-              <a:endParaRPr lang="en-US" altLang="ko-KR" sz="1000" dirty="0"/>
-            </a:p>
-            <a:p>
-              <a:pPr algn="ctr"/>
-              <a:endParaRPr lang="en-US" altLang="ko-KR" sz="1000" dirty="0"/>
-            </a:p>
-            <a:p>
-              <a:pPr algn="ctr"/>
-              <a:r>
-                <a:rPr lang="en-US" altLang="ko-KR" sz="1000" dirty="0"/>
-                <a:t>Removal</a:t>
-              </a:r>
-            </a:p>
-            <a:p>
-              <a:pPr algn="ctr"/>
-              <a:r>
-                <a:rPr lang="en-US" altLang="ko-KR" sz="1000" dirty="0"/>
-                <a:t>Background</a:t>
-              </a:r>
-            </a:p>
-          </p:txBody>
-        </p:sp>
-        <p:sp>
-          <p:nvSpPr>
-            <p:cNvPr id="86" name="사각형: 둥근 모서리 85">
-              <a:extLst>
-                <a:ext uri="{FF2B5EF4-FFF2-40B4-BE49-F238E27FC236}">
-                  <a16:creationId xmlns:a16="http://schemas.microsoft.com/office/drawing/2014/main" id="{FCA9F5F1-98A5-4A58-9A7E-D31E771C01E4}"/>
-                </a:ext>
-              </a:extLst>
-            </p:cNvPr>
-            <p:cNvSpPr/>
-            <p:nvPr/>
-          </p:nvSpPr>
-          <p:spPr>
-            <a:xfrm>
-              <a:off x="1386862" y="3349186"/>
-              <a:ext cx="1376812" cy="956649"/>
-            </a:xfrm>
-            <a:prstGeom prst="roundRect">
-              <a:avLst/>
-            </a:prstGeom>
-          </p:spPr>
-          <p:style>
-            <a:lnRef idx="2">
-              <a:schemeClr val="accent3"/>
-            </a:lnRef>
-            <a:fillRef idx="1">
-              <a:schemeClr val="lt1"/>
-            </a:fillRef>
-            <a:effectRef idx="0">
-              <a:schemeClr val="accent3"/>
-            </a:effectRef>
-            <a:fontRef idx="minor">
-              <a:schemeClr val="dk1"/>
-            </a:fontRef>
-          </p:style>
-          <p:txBody>
-            <a:bodyPr rtlCol="0" anchor="ctr"/>
-            <a:lstStyle/>
-            <a:p>
-              <a:pPr algn="ctr"/>
-              <a:endParaRPr lang="en-US" altLang="ko-KR" sz="1050" dirty="0"/>
-            </a:p>
-            <a:p>
-              <a:pPr algn="ctr"/>
-              <a:endParaRPr lang="en-US" altLang="ko-KR" sz="1050" dirty="0"/>
-            </a:p>
-            <a:p>
-              <a:pPr algn="ctr"/>
-              <a:br>
-                <a:rPr lang="en-US" altLang="ko-KR" sz="1050" dirty="0"/>
-              </a:br>
-              <a:endParaRPr lang="en-US" altLang="ko-KR" sz="1050" dirty="0"/>
-            </a:p>
-            <a:p>
-              <a:pPr algn="ctr"/>
-              <a:r>
-                <a:rPr lang="en-US" altLang="ko-KR" sz="1050" dirty="0"/>
-                <a:t>Image</a:t>
-              </a:r>
-              <a:r>
-                <a:rPr lang="ko-KR" altLang="en-US" sz="1050" dirty="0"/>
-                <a:t> </a:t>
-              </a:r>
-              <a:r>
-                <a:rPr lang="en-US" altLang="ko-KR" sz="1050" dirty="0"/>
-                <a:t>Blurring</a:t>
-              </a:r>
-              <a:endParaRPr lang="en-US" altLang="ko-KR" sz="1000" dirty="0"/>
-            </a:p>
-            <a:p>
-              <a:pPr algn="ctr"/>
-              <a:r>
-                <a:rPr lang="en-US" altLang="ko-KR" sz="800" dirty="0"/>
-                <a:t>[</a:t>
-              </a:r>
-              <a:r>
-                <a:rPr lang="ko-KR" altLang="en-US" sz="800" dirty="0"/>
-                <a:t>영상처리 라이브러리</a:t>
-              </a:r>
-              <a:r>
-                <a:rPr lang="en-US" altLang="ko-KR" sz="800" dirty="0"/>
-                <a:t>]</a:t>
-              </a:r>
-            </a:p>
-          </p:txBody>
-        </p:sp>
-        <p:sp>
-          <p:nvSpPr>
-            <p:cNvPr id="87" name="사각형: 둥근 모서리 86">
-              <a:extLst>
-                <a:ext uri="{FF2B5EF4-FFF2-40B4-BE49-F238E27FC236}">
-                  <a16:creationId xmlns:a16="http://schemas.microsoft.com/office/drawing/2014/main" id="{0D81AF66-B629-4A02-90E2-529A7724D8B7}"/>
-                </a:ext>
-              </a:extLst>
-            </p:cNvPr>
-            <p:cNvSpPr/>
-            <p:nvPr/>
-          </p:nvSpPr>
-          <p:spPr>
-            <a:xfrm>
-              <a:off x="1386862" y="2360139"/>
-              <a:ext cx="1384687" cy="790546"/>
-            </a:xfrm>
-            <a:prstGeom prst="roundRect">
-              <a:avLst/>
-            </a:prstGeom>
-          </p:spPr>
-          <p:style>
-            <a:lnRef idx="2">
-              <a:schemeClr val="accent3"/>
-            </a:lnRef>
-            <a:fillRef idx="1">
-              <a:schemeClr val="lt1"/>
-            </a:fillRef>
-            <a:effectRef idx="0">
-              <a:schemeClr val="accent3"/>
-            </a:effectRef>
-            <a:fontRef idx="minor">
-              <a:schemeClr val="dk1"/>
-            </a:fontRef>
-          </p:style>
-          <p:txBody>
-            <a:bodyPr rtlCol="0" anchor="ctr"/>
-            <a:lstStyle/>
-            <a:p>
-              <a:pPr algn="ctr"/>
-              <a:endParaRPr lang="en-US" altLang="ko-KR" sz="1000" dirty="0"/>
-            </a:p>
-            <a:p>
-              <a:pPr algn="ctr"/>
-              <a:endParaRPr lang="en-US" altLang="ko-KR" sz="1000" dirty="0"/>
-            </a:p>
-            <a:p>
-              <a:pPr algn="ctr"/>
-              <a:endParaRPr lang="en-US" altLang="ko-KR" sz="1000" dirty="0"/>
-            </a:p>
-            <a:p>
-              <a:pPr algn="ctr"/>
-              <a:r>
-                <a:rPr lang="en-US" altLang="ko-KR" sz="1000" dirty="0"/>
-                <a:t>Color conversion</a:t>
-              </a:r>
-            </a:p>
-            <a:p>
-              <a:pPr algn="ctr"/>
-              <a:r>
-                <a:rPr lang="en-US" altLang="ko-KR" sz="900" dirty="0"/>
-                <a:t>[</a:t>
-              </a:r>
-              <a:r>
-                <a:rPr lang="ko-KR" altLang="en-US" sz="900" dirty="0"/>
-                <a:t>영상처리 라이브러리</a:t>
-              </a:r>
-              <a:r>
-                <a:rPr lang="en-US" altLang="ko-KR" sz="900" dirty="0"/>
-                <a:t>]</a:t>
-              </a:r>
-            </a:p>
-          </p:txBody>
-        </p:sp>
-        <p:sp>
-          <p:nvSpPr>
-            <p:cNvPr id="88" name="사각형: 둥근 모서리 87">
-              <a:extLst>
-                <a:ext uri="{FF2B5EF4-FFF2-40B4-BE49-F238E27FC236}">
-                  <a16:creationId xmlns:a16="http://schemas.microsoft.com/office/drawing/2014/main" id="{68F5E23D-21AF-4383-AA29-0C481F284A44}"/>
-                </a:ext>
-              </a:extLst>
-            </p:cNvPr>
-            <p:cNvSpPr/>
-            <p:nvPr/>
-          </p:nvSpPr>
-          <p:spPr>
-            <a:xfrm>
-              <a:off x="114959" y="2968157"/>
-              <a:ext cx="964212" cy="691617"/>
-            </a:xfrm>
-            <a:prstGeom prst="roundRect">
-              <a:avLst/>
-            </a:prstGeom>
-          </p:spPr>
-          <p:style>
-            <a:lnRef idx="2">
-              <a:schemeClr val="accent3"/>
-            </a:lnRef>
-            <a:fillRef idx="1">
-              <a:schemeClr val="lt1"/>
-            </a:fillRef>
-            <a:effectRef idx="0">
-              <a:schemeClr val="accent3"/>
-            </a:effectRef>
-            <a:fontRef idx="minor">
-              <a:schemeClr val="dk1"/>
-            </a:fontRef>
-          </p:style>
-          <p:txBody>
-            <a:bodyPr rtlCol="0" anchor="ctr"/>
-            <a:lstStyle/>
-            <a:p>
-              <a:pPr algn="ctr"/>
-              <a:endParaRPr lang="en-US" altLang="ko-KR" sz="1100" dirty="0"/>
-            </a:p>
-            <a:p>
-              <a:pPr algn="ctr"/>
-              <a:endParaRPr lang="en-US" altLang="ko-KR" sz="1100" dirty="0"/>
-            </a:p>
-            <a:p>
-              <a:pPr algn="ctr"/>
-              <a:r>
-                <a:rPr lang="en-US" altLang="ko-KR" sz="1100" dirty="0"/>
-                <a:t>Get Image</a:t>
-              </a:r>
-              <a:endParaRPr lang="ko-KR" altLang="en-US" sz="1100" dirty="0"/>
-            </a:p>
-          </p:txBody>
-        </p:sp>
-        <p:pic>
-          <p:nvPicPr>
-            <p:cNvPr id="89" name="그림 88">
-              <a:extLst>
-                <a:ext uri="{FF2B5EF4-FFF2-40B4-BE49-F238E27FC236}">
-                  <a16:creationId xmlns:a16="http://schemas.microsoft.com/office/drawing/2014/main" id="{E167EF53-7D7B-4987-974F-8DF017179571}"/>
-                </a:ext>
-              </a:extLst>
-            </p:cNvPr>
-            <p:cNvPicPr>
-              <a:picLocks noChangeAspect="1"/>
-            </p:cNvPicPr>
-            <p:nvPr/>
-          </p:nvPicPr>
-          <p:blipFill>
-            <a:blip r:embed="rId7"/>
-            <a:stretch>
-              <a:fillRect/>
-            </a:stretch>
-          </p:blipFill>
-          <p:spPr>
-            <a:xfrm>
-              <a:off x="1733752" y="3392633"/>
-              <a:ext cx="648781" cy="644785"/>
-            </a:xfrm>
-            <a:prstGeom prst="rect">
-              <a:avLst/>
-            </a:prstGeom>
-          </p:spPr>
-        </p:pic>
-        <p:pic>
-          <p:nvPicPr>
-            <p:cNvPr id="90" name="그림 89">
-              <a:extLst>
-                <a:ext uri="{FF2B5EF4-FFF2-40B4-BE49-F238E27FC236}">
-                  <a16:creationId xmlns:a16="http://schemas.microsoft.com/office/drawing/2014/main" id="{15AA3720-DAF2-4A65-98DC-4ACF51F6DCBF}"/>
-                </a:ext>
-              </a:extLst>
-            </p:cNvPr>
-            <p:cNvPicPr>
-              <a:picLocks noChangeAspect="1"/>
-            </p:cNvPicPr>
-            <p:nvPr/>
-          </p:nvPicPr>
-          <p:blipFill>
-            <a:blip r:embed="rId8"/>
-            <a:stretch>
-              <a:fillRect/>
-            </a:stretch>
-          </p:blipFill>
-          <p:spPr>
-            <a:xfrm>
-              <a:off x="1642188" y="2405097"/>
-              <a:ext cx="800155" cy="407301"/>
-            </a:xfrm>
-            <a:prstGeom prst="rect">
-              <a:avLst/>
-            </a:prstGeom>
-          </p:spPr>
-        </p:pic>
-        <p:pic>
-          <p:nvPicPr>
-            <p:cNvPr id="91" name="그림 90">
-              <a:extLst>
-                <a:ext uri="{FF2B5EF4-FFF2-40B4-BE49-F238E27FC236}">
-                  <a16:creationId xmlns:a16="http://schemas.microsoft.com/office/drawing/2014/main" id="{5D94E79D-F291-4A5F-A524-ECB57B590DA5}"/>
-                </a:ext>
-              </a:extLst>
-            </p:cNvPr>
-            <p:cNvPicPr>
-              <a:picLocks noChangeAspect="1"/>
-            </p:cNvPicPr>
-            <p:nvPr/>
-          </p:nvPicPr>
-          <p:blipFill>
-            <a:blip r:embed="rId2"/>
-            <a:stretch>
-              <a:fillRect/>
-            </a:stretch>
-          </p:blipFill>
-          <p:spPr>
-            <a:xfrm>
-              <a:off x="300227" y="2991070"/>
-              <a:ext cx="428471" cy="334352"/>
-            </a:xfrm>
-            <a:prstGeom prst="rect">
-              <a:avLst/>
-            </a:prstGeom>
-          </p:spPr>
-        </p:pic>
-        <p:pic>
-          <p:nvPicPr>
-            <p:cNvPr id="92" name="그림 91">
-              <a:extLst>
-                <a:ext uri="{FF2B5EF4-FFF2-40B4-BE49-F238E27FC236}">
-                  <a16:creationId xmlns:a16="http://schemas.microsoft.com/office/drawing/2014/main" id="{EB085731-6F1C-4665-B8DA-36C259423E37}"/>
-                </a:ext>
-              </a:extLst>
-            </p:cNvPr>
-            <p:cNvPicPr>
-              <a:picLocks noChangeAspect="1"/>
-            </p:cNvPicPr>
-            <p:nvPr/>
-          </p:nvPicPr>
-          <p:blipFill>
-            <a:blip r:embed="rId9"/>
-            <a:stretch>
-              <a:fillRect/>
-            </a:stretch>
-          </p:blipFill>
-          <p:spPr>
-            <a:xfrm>
-              <a:off x="3381727" y="2959374"/>
-              <a:ext cx="760187" cy="403540"/>
-            </a:xfrm>
-            <a:prstGeom prst="rect">
-              <a:avLst/>
-            </a:prstGeom>
-          </p:spPr>
-        </p:pic>
-        <p:cxnSp>
-          <p:nvCxnSpPr>
-            <p:cNvPr id="95" name="연결선: 꺾임 94">
-              <a:extLst>
-                <a:ext uri="{FF2B5EF4-FFF2-40B4-BE49-F238E27FC236}">
-                  <a16:creationId xmlns:a16="http://schemas.microsoft.com/office/drawing/2014/main" id="{67A9A09F-6DA7-43E5-A4AE-E1D2F03727DE}"/>
-                </a:ext>
-              </a:extLst>
-            </p:cNvPr>
-            <p:cNvCxnSpPr>
-              <a:cxnSpLocks/>
-              <a:stCxn id="88" idx="3"/>
-              <a:endCxn id="86" idx="1"/>
-            </p:cNvCxnSpPr>
-            <p:nvPr/>
-          </p:nvCxnSpPr>
-          <p:spPr>
-            <a:xfrm>
-              <a:off x="1079171" y="3313967"/>
-              <a:ext cx="307691" cy="513545"/>
-            </a:xfrm>
-            <a:prstGeom prst="bentConnector3">
-              <a:avLst/>
-            </a:prstGeom>
-            <a:ln>
-              <a:tailEnd type="triangle"/>
-            </a:ln>
-          </p:spPr>
-          <p:style>
-            <a:lnRef idx="1">
-              <a:schemeClr val="dk1"/>
-            </a:lnRef>
-            <a:fillRef idx="0">
-              <a:schemeClr val="dk1"/>
-            </a:fillRef>
-            <a:effectRef idx="0">
-              <a:schemeClr val="dk1"/>
-            </a:effectRef>
-            <a:fontRef idx="minor">
-              <a:schemeClr val="tx1"/>
-            </a:fontRef>
-          </p:style>
-        </p:cxnSp>
-        <p:cxnSp>
-          <p:nvCxnSpPr>
-            <p:cNvPr id="96" name="연결선: 꺾임 95">
-              <a:extLst>
-                <a:ext uri="{FF2B5EF4-FFF2-40B4-BE49-F238E27FC236}">
-                  <a16:creationId xmlns:a16="http://schemas.microsoft.com/office/drawing/2014/main" id="{A53E4462-AD21-4D4F-9652-8742C19CCF51}"/>
-                </a:ext>
-              </a:extLst>
-            </p:cNvPr>
-            <p:cNvCxnSpPr>
-              <a:cxnSpLocks/>
-            </p:cNvCxnSpPr>
-            <p:nvPr/>
-          </p:nvCxnSpPr>
-          <p:spPr>
-            <a:xfrm>
-              <a:off x="2782921" y="2755413"/>
-              <a:ext cx="489769" cy="347572"/>
-            </a:xfrm>
-            <a:prstGeom prst="bentConnector3">
-              <a:avLst>
-                <a:gd name="adj1" fmla="val 50000"/>
-              </a:avLst>
-            </a:prstGeom>
-            <a:ln>
-              <a:tailEnd type="triangle"/>
-            </a:ln>
-          </p:spPr>
-          <p:style>
-            <a:lnRef idx="1">
-              <a:schemeClr val="dk1"/>
-            </a:lnRef>
-            <a:fillRef idx="0">
-              <a:schemeClr val="dk1"/>
-            </a:fillRef>
-            <a:effectRef idx="0">
-              <a:schemeClr val="dk1"/>
-            </a:effectRef>
-            <a:fontRef idx="minor">
-              <a:schemeClr val="tx1"/>
-            </a:fontRef>
-          </p:style>
-        </p:cxnSp>
-        <p:cxnSp>
-          <p:nvCxnSpPr>
-            <p:cNvPr id="97" name="연결선: 꺾임 96">
-              <a:extLst>
-                <a:ext uri="{FF2B5EF4-FFF2-40B4-BE49-F238E27FC236}">
-                  <a16:creationId xmlns:a16="http://schemas.microsoft.com/office/drawing/2014/main" id="{DC8EF2A3-2659-4B5E-9709-304F2F94650D}"/>
-                </a:ext>
-              </a:extLst>
-            </p:cNvPr>
-            <p:cNvCxnSpPr>
-              <a:cxnSpLocks/>
-              <a:stCxn id="86" idx="3"/>
-            </p:cNvCxnSpPr>
-            <p:nvPr/>
-          </p:nvCxnSpPr>
-          <p:spPr>
-            <a:xfrm flipV="1">
-              <a:off x="2763674" y="3305879"/>
-              <a:ext cx="516042" cy="521631"/>
-            </a:xfrm>
-            <a:prstGeom prst="bentConnector3">
-              <a:avLst>
-                <a:gd name="adj1" fmla="val 50000"/>
-              </a:avLst>
-            </a:prstGeom>
-            <a:ln>
-              <a:tailEnd type="triangle"/>
-            </a:ln>
-          </p:spPr>
-          <p:style>
-            <a:lnRef idx="1">
-              <a:schemeClr val="dk1"/>
-            </a:lnRef>
-            <a:fillRef idx="0">
-              <a:schemeClr val="dk1"/>
-            </a:fillRef>
-            <a:effectRef idx="0">
-              <a:schemeClr val="dk1"/>
-            </a:effectRef>
-            <a:fontRef idx="minor">
-              <a:schemeClr val="tx1"/>
-            </a:fontRef>
-          </p:style>
-        </p:cxnSp>
-        <p:cxnSp>
-          <p:nvCxnSpPr>
-            <p:cNvPr id="113" name="연결선: 꺾임 112">
-              <a:extLst>
-                <a:ext uri="{FF2B5EF4-FFF2-40B4-BE49-F238E27FC236}">
-                  <a16:creationId xmlns:a16="http://schemas.microsoft.com/office/drawing/2014/main" id="{03584795-0C21-4B76-BDD2-76E9B94449EA}"/>
-                </a:ext>
-              </a:extLst>
-            </p:cNvPr>
-            <p:cNvCxnSpPr>
-              <a:cxnSpLocks/>
-              <a:stCxn id="88" idx="3"/>
-              <a:endCxn id="87" idx="1"/>
-            </p:cNvCxnSpPr>
-            <p:nvPr/>
-          </p:nvCxnSpPr>
-          <p:spPr>
-            <a:xfrm flipV="1">
-              <a:off x="1079171" y="2755413"/>
-              <a:ext cx="307691" cy="558554"/>
-            </a:xfrm>
-            <a:prstGeom prst="bentConnector3">
-              <a:avLst>
-                <a:gd name="adj1" fmla="val 35087"/>
-              </a:avLst>
-            </a:prstGeom>
-            <a:ln>
-              <a:tailEnd type="triangle"/>
-            </a:ln>
-          </p:spPr>
-          <p:style>
-            <a:lnRef idx="1">
-              <a:schemeClr val="dk1"/>
-            </a:lnRef>
-            <a:fillRef idx="0">
-              <a:schemeClr val="dk1"/>
-            </a:fillRef>
-            <a:effectRef idx="0">
-              <a:schemeClr val="dk1"/>
-            </a:effectRef>
-            <a:fontRef idx="minor">
-              <a:schemeClr val="tx1"/>
-            </a:fontRef>
-          </p:style>
-        </p:cxnSp>
-        <p:sp>
-          <p:nvSpPr>
-            <p:cNvPr id="37" name="사각형: 둥근 모서리 36">
-              <a:extLst>
-                <a:ext uri="{FF2B5EF4-FFF2-40B4-BE49-F238E27FC236}">
-                  <a16:creationId xmlns:a16="http://schemas.microsoft.com/office/drawing/2014/main" id="{93D6B158-9C13-4F19-8D97-2CB5259A29D5}"/>
-                </a:ext>
-              </a:extLst>
-            </p:cNvPr>
-            <p:cNvSpPr/>
-            <p:nvPr/>
-          </p:nvSpPr>
-          <p:spPr>
-            <a:xfrm>
-              <a:off x="7814718" y="1911938"/>
-              <a:ext cx="964212" cy="691617"/>
-            </a:xfrm>
-            <a:prstGeom prst="roundRect">
-              <a:avLst/>
-            </a:prstGeom>
-          </p:spPr>
-          <p:style>
-            <a:lnRef idx="2">
-              <a:schemeClr val="accent3"/>
-            </a:lnRef>
-            <a:fillRef idx="1">
-              <a:schemeClr val="lt1"/>
-            </a:fillRef>
-            <a:effectRef idx="0">
-              <a:schemeClr val="accent3"/>
-            </a:effectRef>
-            <a:fontRef idx="minor">
-              <a:schemeClr val="dk1"/>
-            </a:fontRef>
-          </p:style>
-          <p:txBody>
-            <a:bodyPr rtlCol="0" anchor="ctr"/>
-            <a:lstStyle/>
-            <a:p>
-              <a:pPr algn="ctr"/>
-              <a:endParaRPr lang="en-US" altLang="ko-KR" sz="1100" dirty="0"/>
-            </a:p>
-            <a:p>
-              <a:pPr algn="ctr"/>
-              <a:endParaRPr lang="en-US" altLang="ko-KR" sz="1100" dirty="0"/>
-            </a:p>
-            <a:p>
-              <a:pPr algn="ctr"/>
-              <a:r>
-                <a:rPr lang="en-US" altLang="ko-KR" sz="1100" dirty="0"/>
-                <a:t>Color</a:t>
-              </a:r>
-              <a:r>
-                <a:rPr lang="ko-KR" altLang="en-US" sz="1100" dirty="0"/>
-                <a:t> </a:t>
-              </a:r>
-              <a:r>
-                <a:rPr lang="en-US" altLang="ko-KR" sz="1100" dirty="0"/>
-                <a:t>Average</a:t>
-              </a:r>
-              <a:r>
-                <a:rPr lang="ko-KR" altLang="en-US" sz="1100" dirty="0"/>
-                <a:t> </a:t>
-              </a:r>
-            </a:p>
-          </p:txBody>
-        </p:sp>
-        <p:pic>
-          <p:nvPicPr>
-            <p:cNvPr id="1026" name="Picture 2" descr="average iconì ëí ì´ë¯¸ì§ ê²ìê²°ê³¼">
-              <a:extLst>
-                <a:ext uri="{FF2B5EF4-FFF2-40B4-BE49-F238E27FC236}">
-                  <a16:creationId xmlns:a16="http://schemas.microsoft.com/office/drawing/2014/main" id="{A4C438F0-8871-4D5B-8394-C3BF03835955}"/>
-                </a:ext>
-              </a:extLst>
-            </p:cNvPr>
-            <p:cNvPicPr>
-              <a:picLocks noChangeAspect="1" noChangeArrowheads="1"/>
-            </p:cNvPicPr>
-            <p:nvPr/>
-          </p:nvPicPr>
-          <p:blipFill>
-            <a:blip r:embed="rId10">
-              <a:extLst>
-                <a:ext uri="{28A0092B-C50C-407E-A947-70E740481C1C}">
-                  <a14:useLocalDpi xmlns:a14="http://schemas.microsoft.com/office/drawing/2010/main" val="0"/>
-                </a:ext>
-              </a:extLst>
-            </a:blip>
-            <a:srcRect/>
-            <a:stretch>
-              <a:fillRect/>
-            </a:stretch>
-          </p:blipFill>
-          <p:spPr bwMode="auto">
-            <a:xfrm>
-              <a:off x="8037843" y="1871938"/>
-              <a:ext cx="508167" cy="508167"/>
-            </a:xfrm>
-            <a:prstGeom prst="rect">
-              <a:avLst/>
-            </a:prstGeom>
-            <a:noFill/>
-            <a:extLst>
-              <a:ext uri="{909E8E84-426E-40DD-AFC4-6F175D3DCCD1}">
-                <a14:hiddenFill xmlns:a14="http://schemas.microsoft.com/office/drawing/2010/main">
-                  <a:solidFill>
-                    <a:srgbClr val="FFFFFF"/>
-                  </a:solidFill>
-                </a14:hiddenFill>
-              </a:ext>
-            </a:extLst>
-          </p:spPr>
-        </p:pic>
-        <p:sp>
-          <p:nvSpPr>
-            <p:cNvPr id="23" name="TextBox 22">
-              <a:extLst>
-                <a:ext uri="{FF2B5EF4-FFF2-40B4-BE49-F238E27FC236}">
-                  <a16:creationId xmlns:a16="http://schemas.microsoft.com/office/drawing/2014/main" id="{35D1C9D9-763F-4ED3-A016-573BE1EEDF18}"/>
-                </a:ext>
-              </a:extLst>
-            </p:cNvPr>
-            <p:cNvSpPr txBox="1"/>
-            <p:nvPr/>
-          </p:nvSpPr>
-          <p:spPr>
-            <a:xfrm>
-              <a:off x="3981624" y="1714169"/>
-              <a:ext cx="1521699" cy="307777"/>
-            </a:xfrm>
-            <a:prstGeom prst="rect">
-              <a:avLst/>
-            </a:prstGeom>
-            <a:noFill/>
-          </p:spPr>
-          <p:txBody>
-            <a:bodyPr wrap="none" rtlCol="0">
-              <a:spAutoFit/>
-            </a:bodyPr>
-            <a:lstStyle/>
-            <a:p>
-              <a:r>
-                <a:rPr lang="en-US" altLang="ko-KR" sz="1400" dirty="0"/>
-                <a:t>If it is not White</a:t>
-              </a:r>
-              <a:endParaRPr lang="ko-KR" altLang="en-US" sz="1400" dirty="0"/>
-            </a:p>
-          </p:txBody>
-        </p:sp>
-        <p:sp>
-          <p:nvSpPr>
-            <p:cNvPr id="60" name="TextBox 59">
-              <a:extLst>
-                <a:ext uri="{FF2B5EF4-FFF2-40B4-BE49-F238E27FC236}">
-                  <a16:creationId xmlns:a16="http://schemas.microsoft.com/office/drawing/2014/main" id="{B3CBDEC2-0034-4AC6-9D8A-F60C4C13560F}"/>
-                </a:ext>
-              </a:extLst>
-            </p:cNvPr>
-            <p:cNvSpPr txBox="1"/>
-            <p:nvPr/>
-          </p:nvSpPr>
-          <p:spPr>
-            <a:xfrm>
-              <a:off x="7700442" y="2690410"/>
-              <a:ext cx="1162626" cy="307777"/>
-            </a:xfrm>
-            <a:prstGeom prst="rect">
-              <a:avLst/>
-            </a:prstGeom>
-            <a:noFill/>
-          </p:spPr>
-          <p:txBody>
-            <a:bodyPr wrap="none" rtlCol="0">
-              <a:spAutoFit/>
-            </a:bodyPr>
-            <a:lstStyle/>
-            <a:p>
-              <a:r>
-                <a:rPr lang="en-US" altLang="ko-KR" sz="1400" dirty="0"/>
-                <a:t>White Color</a:t>
-              </a:r>
-              <a:endParaRPr lang="ko-KR" altLang="en-US" sz="1400" dirty="0"/>
-            </a:p>
-          </p:txBody>
-        </p:sp>
-        <p:cxnSp>
-          <p:nvCxnSpPr>
-            <p:cNvPr id="66" name="직선 화살표 연결선 65">
-              <a:extLst>
-                <a:ext uri="{FF2B5EF4-FFF2-40B4-BE49-F238E27FC236}">
-                  <a16:creationId xmlns:a16="http://schemas.microsoft.com/office/drawing/2014/main" id="{F93A3886-F9D9-492E-89CF-872AC0FA20C6}"/>
-                </a:ext>
-              </a:extLst>
-            </p:cNvPr>
-            <p:cNvCxnSpPr>
-              <a:cxnSpLocks/>
-            </p:cNvCxnSpPr>
-            <p:nvPr/>
-          </p:nvCxnSpPr>
-          <p:spPr>
-            <a:xfrm flipV="1">
-              <a:off x="5932567" y="3236528"/>
-              <a:ext cx="446165" cy="1"/>
-            </a:xfrm>
-            <a:prstGeom prst="straightConnector1">
-              <a:avLst/>
-            </a:prstGeom>
-            <a:ln>
-              <a:tailEnd type="triangle"/>
-            </a:ln>
-          </p:spPr>
-          <p:style>
-            <a:lnRef idx="1">
-              <a:schemeClr val="dk1"/>
-            </a:lnRef>
-            <a:fillRef idx="0">
-              <a:schemeClr val="dk1"/>
-            </a:fillRef>
-            <a:effectRef idx="0">
-              <a:schemeClr val="dk1"/>
-            </a:effectRef>
-            <a:fontRef idx="minor">
-              <a:schemeClr val="tx1"/>
-            </a:fontRef>
-          </p:style>
-        </p:cxnSp>
-        <p:cxnSp>
-          <p:nvCxnSpPr>
-            <p:cNvPr id="33" name="연결선: 꺾임 32">
-              <a:extLst>
-                <a:ext uri="{FF2B5EF4-FFF2-40B4-BE49-F238E27FC236}">
-                  <a16:creationId xmlns:a16="http://schemas.microsoft.com/office/drawing/2014/main" id="{4436A066-3F97-4DA8-B5CC-0EA668B8971D}"/>
-                </a:ext>
-              </a:extLst>
-            </p:cNvPr>
-            <p:cNvCxnSpPr>
-              <a:stCxn id="103" idx="3"/>
-              <a:endCxn id="37" idx="1"/>
-            </p:cNvCxnSpPr>
-            <p:nvPr/>
-          </p:nvCxnSpPr>
-          <p:spPr>
-            <a:xfrm flipV="1">
-              <a:off x="7459322" y="2257747"/>
-              <a:ext cx="355396" cy="1048132"/>
-            </a:xfrm>
-            <a:prstGeom prst="bentConnector3">
-              <a:avLst/>
-            </a:prstGeom>
-            <a:ln>
-              <a:tailEnd type="triangle"/>
-            </a:ln>
-          </p:spPr>
-          <p:style>
-            <a:lnRef idx="1">
-              <a:schemeClr val="dk1"/>
-            </a:lnRef>
-            <a:fillRef idx="0">
-              <a:schemeClr val="dk1"/>
-            </a:fillRef>
-            <a:effectRef idx="0">
-              <a:schemeClr val="dk1"/>
-            </a:effectRef>
-            <a:fontRef idx="minor">
-              <a:schemeClr val="tx1"/>
-            </a:fontRef>
-          </p:style>
-        </p:cxnSp>
-        <p:cxnSp>
-          <p:nvCxnSpPr>
-            <p:cNvPr id="35" name="연결선: 꺾임 34">
-              <a:extLst>
-                <a:ext uri="{FF2B5EF4-FFF2-40B4-BE49-F238E27FC236}">
-                  <a16:creationId xmlns:a16="http://schemas.microsoft.com/office/drawing/2014/main" id="{F2C8FC81-D7BE-47E4-9B0A-58F5DBD89452}"/>
-                </a:ext>
-              </a:extLst>
-            </p:cNvPr>
-            <p:cNvCxnSpPr>
-              <a:cxnSpLocks/>
-              <a:endCxn id="88" idx="0"/>
-            </p:cNvCxnSpPr>
-            <p:nvPr/>
-          </p:nvCxnSpPr>
-          <p:spPr>
-            <a:xfrm rot="10800000" flipV="1">
-              <a:off x="597065" y="2054086"/>
-              <a:ext cx="7217654" cy="914071"/>
-            </a:xfrm>
-            <a:prstGeom prst="bentConnector2">
-              <a:avLst/>
-            </a:prstGeom>
-            <a:ln>
-              <a:tailEnd type="triangle"/>
-            </a:ln>
-          </p:spPr>
-          <p:style>
-            <a:lnRef idx="1">
-              <a:schemeClr val="dk1"/>
-            </a:lnRef>
-            <a:fillRef idx="0">
-              <a:schemeClr val="dk1"/>
-            </a:fillRef>
-            <a:effectRef idx="0">
-              <a:schemeClr val="dk1"/>
-            </a:effectRef>
-            <a:fontRef idx="minor">
-              <a:schemeClr val="tx1"/>
-            </a:fontRef>
-          </p:style>
-        </p:cxnSp>
-        <p:cxnSp>
-          <p:nvCxnSpPr>
-            <p:cNvPr id="41" name="직선 화살표 연결선 40">
-              <a:extLst>
-                <a:ext uri="{FF2B5EF4-FFF2-40B4-BE49-F238E27FC236}">
-                  <a16:creationId xmlns:a16="http://schemas.microsoft.com/office/drawing/2014/main" id="{9527A363-BFA8-40FE-80D6-1F2782C04290}"/>
-                </a:ext>
-              </a:extLst>
-            </p:cNvPr>
-            <p:cNvCxnSpPr/>
-            <p:nvPr/>
-          </p:nvCxnSpPr>
-          <p:spPr>
-            <a:xfrm>
-              <a:off x="8281755" y="2618982"/>
-              <a:ext cx="0" cy="473004"/>
-            </a:xfrm>
-            <a:prstGeom prst="straightConnector1">
-              <a:avLst/>
-            </a:prstGeom>
-            <a:ln>
-              <a:tailEnd type="triangle"/>
-            </a:ln>
-          </p:spPr>
-          <p:style>
-            <a:lnRef idx="1">
-              <a:schemeClr val="dk1"/>
-            </a:lnRef>
-            <a:fillRef idx="0">
-              <a:schemeClr val="dk1"/>
-            </a:fillRef>
-            <a:effectRef idx="0">
-              <a:schemeClr val="dk1"/>
-            </a:effectRef>
-            <a:fontRef idx="minor">
-              <a:schemeClr val="tx1"/>
-            </a:fontRef>
-          </p:style>
-        </p:cxnSp>
       </p:grpSp>
+      <p:cxnSp>
+        <p:nvCxnSpPr>
+          <p:cNvPr id="44" name="직선 화살표 연결선 43">
+            <a:extLst>
+              <a:ext uri="{FF2B5EF4-FFF2-40B4-BE49-F238E27FC236}">
+                <a16:creationId xmlns:a16="http://schemas.microsoft.com/office/drawing/2014/main" id="{1A433EE9-61DD-4CD2-9FAF-E65CA8B3E925}"/>
+              </a:ext>
+            </a:extLst>
+          </p:cNvPr>
+          <p:cNvCxnSpPr>
+            <a:cxnSpLocks/>
+          </p:cNvCxnSpPr>
+          <p:nvPr/>
+        </p:nvCxnSpPr>
+        <p:spPr>
+          <a:xfrm>
+            <a:off x="2267288" y="1875709"/>
+            <a:ext cx="390253" cy="0"/>
+          </a:xfrm>
+          <a:prstGeom prst="straightConnector1">
+            <a:avLst/>
+          </a:prstGeom>
+          <a:ln>
+            <a:tailEnd type="triangle"/>
+          </a:ln>
+        </p:spPr>
+        <p:style>
+          <a:lnRef idx="1">
+            <a:schemeClr val="dk1"/>
+          </a:lnRef>
+          <a:fillRef idx="0">
+            <a:schemeClr val="dk1"/>
+          </a:fillRef>
+          <a:effectRef idx="0">
+            <a:schemeClr val="dk1"/>
+          </a:effectRef>
+          <a:fontRef idx="minor">
+            <a:schemeClr val="tx1"/>
+          </a:fontRef>
+        </p:style>
+      </p:cxnSp>
+      <p:cxnSp>
+        <p:nvCxnSpPr>
+          <p:cNvPr id="46" name="연결선: 꺾임 45">
+            <a:extLst>
+              <a:ext uri="{FF2B5EF4-FFF2-40B4-BE49-F238E27FC236}">
+                <a16:creationId xmlns:a16="http://schemas.microsoft.com/office/drawing/2014/main" id="{56E048A8-B9A6-42EE-9807-BA65534534F3}"/>
+              </a:ext>
+            </a:extLst>
+          </p:cNvPr>
+          <p:cNvCxnSpPr>
+            <a:cxnSpLocks/>
+            <a:stCxn id="43" idx="2"/>
+            <a:endCxn id="88" idx="2"/>
+          </p:cNvCxnSpPr>
+          <p:nvPr/>
+        </p:nvCxnSpPr>
+        <p:spPr>
+          <a:xfrm rot="5400000" flipH="1">
+            <a:off x="2367044" y="1595588"/>
+            <a:ext cx="61862" cy="1330879"/>
+          </a:xfrm>
+          <a:prstGeom prst="bentConnector3">
+            <a:avLst>
+              <a:gd name="adj1" fmla="val -1067541"/>
+            </a:avLst>
+          </a:prstGeom>
+          <a:ln>
+            <a:tailEnd type="triangle"/>
+          </a:ln>
+        </p:spPr>
+        <p:style>
+          <a:lnRef idx="1">
+            <a:schemeClr val="dk1"/>
+          </a:lnRef>
+          <a:fillRef idx="0">
+            <a:schemeClr val="dk1"/>
+          </a:fillRef>
+          <a:effectRef idx="0">
+            <a:schemeClr val="dk1"/>
+          </a:effectRef>
+          <a:fontRef idx="minor">
+            <a:schemeClr val="tx1"/>
+          </a:fontRef>
+        </p:style>
+      </p:cxnSp>
+      <p:sp>
+        <p:nvSpPr>
+          <p:cNvPr id="14" name="직사각형 13">
+            <a:extLst>
+              <a:ext uri="{FF2B5EF4-FFF2-40B4-BE49-F238E27FC236}">
+                <a16:creationId xmlns:a16="http://schemas.microsoft.com/office/drawing/2014/main" id="{3BEBC8A2-82AB-4644-A2FC-A24FE7752228}"/>
+              </a:ext>
+            </a:extLst>
+          </p:cNvPr>
+          <p:cNvSpPr/>
+          <p:nvPr/>
+        </p:nvSpPr>
+        <p:spPr>
+          <a:xfrm>
+            <a:off x="1707529" y="2673144"/>
+            <a:ext cx="1355884" cy="276999"/>
+          </a:xfrm>
+          <a:prstGeom prst="rect">
+            <a:avLst/>
+          </a:prstGeom>
+        </p:spPr>
+        <p:txBody>
+          <a:bodyPr wrap="square">
+            <a:spAutoFit/>
+          </a:bodyPr>
+          <a:lstStyle/>
+          <a:p>
+            <a:pPr algn="ctr"/>
+            <a:r>
+              <a:rPr lang="en-US" altLang="ko-KR" sz="1200" dirty="0"/>
+              <a:t>Discordance Day</a:t>
+            </a:r>
+          </a:p>
+        </p:txBody>
+      </p:sp>
+      <p:sp>
+        <p:nvSpPr>
+          <p:cNvPr id="55" name="직사각형 54">
+            <a:extLst>
+              <a:ext uri="{FF2B5EF4-FFF2-40B4-BE49-F238E27FC236}">
+                <a16:creationId xmlns:a16="http://schemas.microsoft.com/office/drawing/2014/main" id="{FA95B97F-1A14-4053-86CC-313A47774A59}"/>
+              </a:ext>
+            </a:extLst>
+          </p:cNvPr>
+          <p:cNvSpPr/>
+          <p:nvPr/>
+        </p:nvSpPr>
+        <p:spPr>
+          <a:xfrm>
+            <a:off x="1917171" y="2939487"/>
+            <a:ext cx="936603" cy="276999"/>
+          </a:xfrm>
+          <a:prstGeom prst="rect">
+            <a:avLst/>
+          </a:prstGeom>
+        </p:spPr>
+        <p:txBody>
+          <a:bodyPr wrap="square">
+            <a:spAutoFit/>
+          </a:bodyPr>
+          <a:lstStyle/>
+          <a:p>
+            <a:pPr algn="ctr"/>
+            <a:r>
+              <a:rPr lang="en-US" altLang="ko-KR" sz="1200" dirty="0"/>
+              <a:t>Data Reset</a:t>
+            </a:r>
+          </a:p>
+        </p:txBody>
+      </p:sp>
+      <p:cxnSp>
+        <p:nvCxnSpPr>
+          <p:cNvPr id="16" name="직선 연결선 15">
+            <a:extLst>
+              <a:ext uri="{FF2B5EF4-FFF2-40B4-BE49-F238E27FC236}">
+                <a16:creationId xmlns:a16="http://schemas.microsoft.com/office/drawing/2014/main" id="{4A32117C-919E-424C-B58C-4A6C02CF375B}"/>
+              </a:ext>
+            </a:extLst>
+          </p:cNvPr>
+          <p:cNvCxnSpPr>
+            <a:cxnSpLocks/>
+          </p:cNvCxnSpPr>
+          <p:nvPr/>
+        </p:nvCxnSpPr>
+        <p:spPr>
+          <a:xfrm>
+            <a:off x="3473597" y="1935918"/>
+            <a:ext cx="554042" cy="0"/>
+          </a:xfrm>
+          <a:prstGeom prst="line">
+            <a:avLst/>
+          </a:prstGeom>
+        </p:spPr>
+        <p:style>
+          <a:lnRef idx="1">
+            <a:schemeClr val="dk1"/>
+          </a:lnRef>
+          <a:fillRef idx="0">
+            <a:schemeClr val="dk1"/>
+          </a:fillRef>
+          <a:effectRef idx="0">
+            <a:schemeClr val="dk1"/>
+          </a:effectRef>
+          <a:fontRef idx="minor">
+            <a:schemeClr val="tx1"/>
+          </a:fontRef>
+        </p:style>
+      </p:cxnSp>
+      <p:cxnSp>
+        <p:nvCxnSpPr>
+          <p:cNvPr id="18" name="연결선: 꺾임 17">
+            <a:extLst>
+              <a:ext uri="{FF2B5EF4-FFF2-40B4-BE49-F238E27FC236}">
+                <a16:creationId xmlns:a16="http://schemas.microsoft.com/office/drawing/2014/main" id="{14517330-E5A6-4579-980B-68629F5DCA86}"/>
+              </a:ext>
+            </a:extLst>
+          </p:cNvPr>
+          <p:cNvCxnSpPr>
+            <a:cxnSpLocks/>
+            <a:endCxn id="87" idx="1"/>
+          </p:cNvCxnSpPr>
+          <p:nvPr/>
+        </p:nvCxnSpPr>
+        <p:spPr>
+          <a:xfrm rot="5400000" flipH="1" flipV="1">
+            <a:off x="3790550" y="1549498"/>
+            <a:ext cx="604115" cy="141233"/>
+          </a:xfrm>
+          <a:prstGeom prst="bentConnector2">
+            <a:avLst/>
+          </a:prstGeom>
+          <a:ln>
+            <a:tailEnd type="triangle"/>
+          </a:ln>
+        </p:spPr>
+        <p:style>
+          <a:lnRef idx="1">
+            <a:schemeClr val="dk1"/>
+          </a:lnRef>
+          <a:fillRef idx="0">
+            <a:schemeClr val="dk1"/>
+          </a:fillRef>
+          <a:effectRef idx="0">
+            <a:schemeClr val="dk1"/>
+          </a:effectRef>
+          <a:fontRef idx="minor">
+            <a:schemeClr val="tx1"/>
+          </a:fontRef>
+        </p:style>
+      </p:cxnSp>
+      <p:cxnSp>
+        <p:nvCxnSpPr>
+          <p:cNvPr id="61" name="연결선: 꺾임 60">
+            <a:extLst>
+              <a:ext uri="{FF2B5EF4-FFF2-40B4-BE49-F238E27FC236}">
+                <a16:creationId xmlns:a16="http://schemas.microsoft.com/office/drawing/2014/main" id="{69FA4F30-B9E2-4F4D-B43A-564BFB1621E1}"/>
+              </a:ext>
+            </a:extLst>
+          </p:cNvPr>
+          <p:cNvCxnSpPr>
+            <a:cxnSpLocks/>
+            <a:endCxn id="86" idx="1"/>
+          </p:cNvCxnSpPr>
+          <p:nvPr/>
+        </p:nvCxnSpPr>
+        <p:spPr>
+          <a:xfrm rot="16200000" flipH="1">
+            <a:off x="3833161" y="2117624"/>
+            <a:ext cx="580902" cy="207217"/>
+          </a:xfrm>
+          <a:prstGeom prst="bentConnector2">
+            <a:avLst/>
+          </a:prstGeom>
+          <a:ln>
+            <a:tailEnd type="triangle"/>
+          </a:ln>
+        </p:spPr>
+        <p:style>
+          <a:lnRef idx="1">
+            <a:schemeClr val="dk1"/>
+          </a:lnRef>
+          <a:fillRef idx="0">
+            <a:schemeClr val="dk1"/>
+          </a:fillRef>
+          <a:effectRef idx="0">
+            <a:schemeClr val="dk1"/>
+          </a:effectRef>
+          <a:fontRef idx="minor">
+            <a:schemeClr val="tx1"/>
+          </a:fontRef>
+        </p:style>
+      </p:cxnSp>
+      <p:cxnSp>
+        <p:nvCxnSpPr>
+          <p:cNvPr id="67" name="연결선: 꺾임 66">
+            <a:extLst>
+              <a:ext uri="{FF2B5EF4-FFF2-40B4-BE49-F238E27FC236}">
+                <a16:creationId xmlns:a16="http://schemas.microsoft.com/office/drawing/2014/main" id="{579A5D8A-871D-40DF-A840-EC23DDA499D7}"/>
+              </a:ext>
+            </a:extLst>
+          </p:cNvPr>
+          <p:cNvCxnSpPr>
+            <a:cxnSpLocks/>
+          </p:cNvCxnSpPr>
+          <p:nvPr/>
+        </p:nvCxnSpPr>
+        <p:spPr>
+          <a:xfrm>
+            <a:off x="5586229" y="1323169"/>
+            <a:ext cx="995406" cy="557653"/>
+          </a:xfrm>
+          <a:prstGeom prst="bentConnector3">
+            <a:avLst>
+              <a:gd name="adj1" fmla="val 50000"/>
+            </a:avLst>
+          </a:prstGeom>
+          <a:ln>
+            <a:tailEnd type="triangle"/>
+          </a:ln>
+        </p:spPr>
+        <p:style>
+          <a:lnRef idx="1">
+            <a:schemeClr val="dk1"/>
+          </a:lnRef>
+          <a:fillRef idx="0">
+            <a:schemeClr val="dk1"/>
+          </a:fillRef>
+          <a:effectRef idx="0">
+            <a:schemeClr val="dk1"/>
+          </a:effectRef>
+          <a:fontRef idx="minor">
+            <a:schemeClr val="tx1"/>
+          </a:fontRef>
+        </p:style>
+      </p:cxnSp>
+      <p:cxnSp>
+        <p:nvCxnSpPr>
+          <p:cNvPr id="72" name="연결선: 꺾임 71">
+            <a:extLst>
+              <a:ext uri="{FF2B5EF4-FFF2-40B4-BE49-F238E27FC236}">
+                <a16:creationId xmlns:a16="http://schemas.microsoft.com/office/drawing/2014/main" id="{BC1FD74D-DF21-4D28-B2C1-346592451BCA}"/>
+              </a:ext>
+            </a:extLst>
+          </p:cNvPr>
+          <p:cNvCxnSpPr>
+            <a:cxnSpLocks/>
+            <a:stCxn id="86" idx="3"/>
+          </p:cNvCxnSpPr>
+          <p:nvPr/>
+        </p:nvCxnSpPr>
+        <p:spPr>
+          <a:xfrm flipV="1">
+            <a:off x="5572085" y="1995077"/>
+            <a:ext cx="1009550" cy="516607"/>
+          </a:xfrm>
+          <a:prstGeom prst="bentConnector3">
+            <a:avLst>
+              <a:gd name="adj1" fmla="val 50000"/>
+            </a:avLst>
+          </a:prstGeom>
+          <a:ln>
+            <a:tailEnd type="triangle"/>
+          </a:ln>
+        </p:spPr>
+        <p:style>
+          <a:lnRef idx="1">
+            <a:schemeClr val="dk1"/>
+          </a:lnRef>
+          <a:fillRef idx="0">
+            <a:schemeClr val="dk1"/>
+          </a:fillRef>
+          <a:effectRef idx="0">
+            <a:schemeClr val="dk1"/>
+          </a:effectRef>
+          <a:fontRef idx="minor">
+            <a:schemeClr val="tx1"/>
+          </a:fontRef>
+        </p:style>
+      </p:cxnSp>
+      <p:cxnSp>
+        <p:nvCxnSpPr>
+          <p:cNvPr id="76" name="직선 화살표 연결선 75">
+            <a:extLst>
+              <a:ext uri="{FF2B5EF4-FFF2-40B4-BE49-F238E27FC236}">
+                <a16:creationId xmlns:a16="http://schemas.microsoft.com/office/drawing/2014/main" id="{089CA65B-A11A-4C4A-A23A-BCC60D9009FC}"/>
+              </a:ext>
+            </a:extLst>
+          </p:cNvPr>
+          <p:cNvCxnSpPr>
+            <a:cxnSpLocks/>
+          </p:cNvCxnSpPr>
+          <p:nvPr/>
+        </p:nvCxnSpPr>
+        <p:spPr>
+          <a:xfrm>
+            <a:off x="9195376" y="1923619"/>
+            <a:ext cx="390253" cy="0"/>
+          </a:xfrm>
+          <a:prstGeom prst="straightConnector1">
+            <a:avLst/>
+          </a:prstGeom>
+          <a:ln>
+            <a:tailEnd type="triangle"/>
+          </a:ln>
+        </p:spPr>
+        <p:style>
+          <a:lnRef idx="1">
+            <a:schemeClr val="dk1"/>
+          </a:lnRef>
+          <a:fillRef idx="0">
+            <a:schemeClr val="dk1"/>
+          </a:fillRef>
+          <a:effectRef idx="0">
+            <a:schemeClr val="dk1"/>
+          </a:effectRef>
+          <a:fontRef idx="minor">
+            <a:schemeClr val="tx1"/>
+          </a:fontRef>
+        </p:style>
+      </p:cxnSp>
+      <p:cxnSp>
+        <p:nvCxnSpPr>
+          <p:cNvPr id="78" name="연결선: 꺾임 77">
+            <a:extLst>
+              <a:ext uri="{FF2B5EF4-FFF2-40B4-BE49-F238E27FC236}">
+                <a16:creationId xmlns:a16="http://schemas.microsoft.com/office/drawing/2014/main" id="{6F3E3ABC-2945-4932-B42B-2E66A953A41F}"/>
+              </a:ext>
+            </a:extLst>
+          </p:cNvPr>
+          <p:cNvCxnSpPr>
+            <a:cxnSpLocks/>
+            <a:stCxn id="104" idx="2"/>
+            <a:endCxn id="85" idx="0"/>
+          </p:cNvCxnSpPr>
+          <p:nvPr/>
+        </p:nvCxnSpPr>
+        <p:spPr>
+          <a:xfrm rot="5400000">
+            <a:off x="4815896" y="-948286"/>
+            <a:ext cx="2171623" cy="8597722"/>
+          </a:xfrm>
+          <a:prstGeom prst="bentConnector3">
+            <a:avLst>
+              <a:gd name="adj1" fmla="val 50000"/>
+            </a:avLst>
+          </a:prstGeom>
+          <a:ln>
+            <a:tailEnd type="triangle"/>
+          </a:ln>
+        </p:spPr>
+        <p:style>
+          <a:lnRef idx="1">
+            <a:schemeClr val="dk1"/>
+          </a:lnRef>
+          <a:fillRef idx="0">
+            <a:schemeClr val="dk1"/>
+          </a:fillRef>
+          <a:effectRef idx="0">
+            <a:schemeClr val="dk1"/>
+          </a:effectRef>
+          <a:fontRef idx="minor">
+            <a:schemeClr val="tx1"/>
+          </a:fontRef>
+        </p:style>
+      </p:cxnSp>
+      <p:sp>
+        <p:nvSpPr>
+          <p:cNvPr id="85" name="사각형: 둥근 모서리 84">
+            <a:extLst>
+              <a:ext uri="{FF2B5EF4-FFF2-40B4-BE49-F238E27FC236}">
+                <a16:creationId xmlns:a16="http://schemas.microsoft.com/office/drawing/2014/main" id="{06068782-8801-43AF-95A5-718BF09A160A}"/>
+              </a:ext>
+            </a:extLst>
+          </p:cNvPr>
+          <p:cNvSpPr/>
+          <p:nvPr/>
+        </p:nvSpPr>
+        <p:spPr>
+          <a:xfrm>
+            <a:off x="1177561" y="4436387"/>
+            <a:ext cx="850570" cy="674734"/>
+          </a:xfrm>
+          <a:prstGeom prst="roundRect">
+            <a:avLst/>
+          </a:prstGeom>
+        </p:spPr>
+        <p:style>
+          <a:lnRef idx="2">
+            <a:schemeClr val="accent3"/>
+          </a:lnRef>
+          <a:fillRef idx="1">
+            <a:schemeClr val="lt1"/>
+          </a:fillRef>
+          <a:effectRef idx="0">
+            <a:schemeClr val="accent3"/>
+          </a:effectRef>
+          <a:fontRef idx="minor">
+            <a:schemeClr val="dk1"/>
+          </a:fontRef>
+        </p:style>
+        <p:txBody>
+          <a:bodyPr rtlCol="0" anchor="ctr"/>
+          <a:lstStyle/>
+          <a:p>
+            <a:pPr algn="ctr"/>
+            <a:endParaRPr lang="en-US" altLang="ko-KR" sz="1100" dirty="0"/>
+          </a:p>
+          <a:p>
+            <a:pPr algn="ctr"/>
+            <a:endParaRPr lang="en-US" altLang="ko-KR" sz="1100" dirty="0"/>
+          </a:p>
+          <a:p>
+            <a:pPr algn="ctr"/>
+            <a:r>
+              <a:rPr lang="en-US" altLang="ko-KR" sz="1100" dirty="0"/>
+              <a:t>Frame</a:t>
+            </a:r>
+          </a:p>
+          <a:p>
+            <a:pPr algn="ctr"/>
+            <a:r>
+              <a:rPr lang="en-US" altLang="ko-KR" sz="1100" dirty="0"/>
+              <a:t>Division</a:t>
+            </a:r>
+          </a:p>
+        </p:txBody>
+      </p:sp>
+      <p:pic>
+        <p:nvPicPr>
+          <p:cNvPr id="1028" name="Picture 4" descr="frame iconì ëí ì´ë¯¸ì§ ê²ìê²°ê³¼">
+            <a:extLst>
+              <a:ext uri="{FF2B5EF4-FFF2-40B4-BE49-F238E27FC236}">
+                <a16:creationId xmlns:a16="http://schemas.microsoft.com/office/drawing/2014/main" id="{230D55F5-1D5D-4BD9-B801-49D933BC2BBE}"/>
+              </a:ext>
+            </a:extLst>
+          </p:cNvPr>
+          <p:cNvPicPr>
+            <a:picLocks noChangeAspect="1" noChangeArrowheads="1"/>
+          </p:cNvPicPr>
+          <p:nvPr/>
+        </p:nvPicPr>
+        <p:blipFill>
+          <a:blip r:embed="rId9">
+            <a:extLst>
+              <a:ext uri="{28A0092B-C50C-407E-A947-70E740481C1C}">
+                <a14:useLocalDpi xmlns:a14="http://schemas.microsoft.com/office/drawing/2010/main" val="0"/>
+              </a:ext>
+            </a:extLst>
+          </a:blip>
+          <a:srcRect/>
+          <a:stretch>
+            <a:fillRect/>
+          </a:stretch>
+        </p:blipFill>
+        <p:spPr bwMode="auto">
+          <a:xfrm>
+            <a:off x="1455437" y="4460969"/>
+            <a:ext cx="312785" cy="312785"/>
+          </a:xfrm>
+          <a:prstGeom prst="rect">
+            <a:avLst/>
+          </a:prstGeom>
+          <a:noFill/>
+          <a:extLst>
+            <a:ext uri="{909E8E84-426E-40DD-AFC4-6F175D3DCCD1}">
+              <a14:hiddenFill xmlns:a14="http://schemas.microsoft.com/office/drawing/2010/main">
+                <a:solidFill>
+                  <a:srgbClr val="FFFFFF"/>
+                </a:solidFill>
+              </a14:hiddenFill>
+            </a:ext>
+          </a:extLst>
+        </p:spPr>
+      </p:pic>
+      <p:sp>
+        <p:nvSpPr>
+          <p:cNvPr id="94" name="사각형: 둥근 모서리 93">
+            <a:extLst>
+              <a:ext uri="{FF2B5EF4-FFF2-40B4-BE49-F238E27FC236}">
+                <a16:creationId xmlns:a16="http://schemas.microsoft.com/office/drawing/2014/main" id="{AE581DDE-D446-4276-BF3F-BE81168F527C}"/>
+              </a:ext>
+            </a:extLst>
+          </p:cNvPr>
+          <p:cNvSpPr/>
+          <p:nvPr/>
+        </p:nvSpPr>
+        <p:spPr>
+          <a:xfrm>
+            <a:off x="2952706" y="4386957"/>
+            <a:ext cx="1245078" cy="736594"/>
+          </a:xfrm>
+          <a:prstGeom prst="roundRect">
+            <a:avLst/>
+          </a:prstGeom>
+        </p:spPr>
+        <p:style>
+          <a:lnRef idx="2">
+            <a:schemeClr val="accent3"/>
+          </a:lnRef>
+          <a:fillRef idx="1">
+            <a:schemeClr val="lt1"/>
+          </a:fillRef>
+          <a:effectRef idx="0">
+            <a:schemeClr val="accent3"/>
+          </a:effectRef>
+          <a:fontRef idx="minor">
+            <a:schemeClr val="dk1"/>
+          </a:fontRef>
+        </p:style>
+        <p:txBody>
+          <a:bodyPr rtlCol="0" anchor="ctr"/>
+          <a:lstStyle/>
+          <a:p>
+            <a:pPr algn="ctr"/>
+            <a:endParaRPr lang="en-US" altLang="ko-KR" sz="1100" dirty="0"/>
+          </a:p>
+          <a:p>
+            <a:pPr algn="ctr"/>
+            <a:endParaRPr lang="en-US" altLang="ko-KR" sz="1100" dirty="0"/>
+          </a:p>
+          <a:p>
+            <a:pPr algn="ctr"/>
+            <a:r>
+              <a:rPr lang="en-US" altLang="ko-KR" sz="1100" dirty="0"/>
+              <a:t>Pixel Color</a:t>
+            </a:r>
+          </a:p>
+          <a:p>
+            <a:pPr algn="ctr"/>
+            <a:r>
+              <a:rPr lang="en-US" altLang="ko-KR" sz="1100" dirty="0"/>
+              <a:t>Comparison</a:t>
+            </a:r>
+          </a:p>
+        </p:txBody>
+      </p:sp>
+      <p:pic>
+        <p:nvPicPr>
+          <p:cNvPr id="1032" name="Picture 8" descr="pixel iconì ëí ì´ë¯¸ì§ ê²ìê²°ê³¼">
+            <a:extLst>
+              <a:ext uri="{FF2B5EF4-FFF2-40B4-BE49-F238E27FC236}">
+                <a16:creationId xmlns:a16="http://schemas.microsoft.com/office/drawing/2014/main" id="{9651753D-1E37-4B8C-9365-79F95FBFD8D5}"/>
+              </a:ext>
+            </a:extLst>
+          </p:cNvPr>
+          <p:cNvPicPr>
+            <a:picLocks noChangeAspect="1" noChangeArrowheads="1"/>
+          </p:cNvPicPr>
+          <p:nvPr/>
+        </p:nvPicPr>
+        <p:blipFill>
+          <a:blip r:embed="rId10">
+            <a:extLst>
+              <a:ext uri="{28A0092B-C50C-407E-A947-70E740481C1C}">
+                <a14:useLocalDpi xmlns:a14="http://schemas.microsoft.com/office/drawing/2010/main" val="0"/>
+              </a:ext>
+            </a:extLst>
+          </a:blip>
+          <a:srcRect/>
+          <a:stretch>
+            <a:fillRect/>
+          </a:stretch>
+        </p:blipFill>
+        <p:spPr bwMode="auto">
+          <a:xfrm>
+            <a:off x="3386716" y="4400243"/>
+            <a:ext cx="350931" cy="350931"/>
+          </a:xfrm>
+          <a:prstGeom prst="rect">
+            <a:avLst/>
+          </a:prstGeom>
+          <a:noFill/>
+          <a:extLst>
+            <a:ext uri="{909E8E84-426E-40DD-AFC4-6F175D3DCCD1}">
+              <a14:hiddenFill xmlns:a14="http://schemas.microsoft.com/office/drawing/2010/main">
+                <a:solidFill>
+                  <a:srgbClr val="FFFFFF"/>
+                </a:solidFill>
+              </a14:hiddenFill>
+            </a:ext>
+          </a:extLst>
+        </p:spPr>
+      </p:pic>
+      <p:cxnSp>
+        <p:nvCxnSpPr>
+          <p:cNvPr id="98" name="직선 화살표 연결선 97">
+            <a:extLst>
+              <a:ext uri="{FF2B5EF4-FFF2-40B4-BE49-F238E27FC236}">
+                <a16:creationId xmlns:a16="http://schemas.microsoft.com/office/drawing/2014/main" id="{9023B12F-3F1B-4BE6-97C2-6C9B45C4CFE3}"/>
+              </a:ext>
+            </a:extLst>
+          </p:cNvPr>
+          <p:cNvCxnSpPr>
+            <a:cxnSpLocks/>
+          </p:cNvCxnSpPr>
+          <p:nvPr/>
+        </p:nvCxnSpPr>
+        <p:spPr>
+          <a:xfrm flipV="1">
+            <a:off x="2126236" y="4712072"/>
+            <a:ext cx="719049" cy="3930"/>
+          </a:xfrm>
+          <a:prstGeom prst="straightConnector1">
+            <a:avLst/>
+          </a:prstGeom>
+          <a:ln>
+            <a:tailEnd type="triangle"/>
+          </a:ln>
+        </p:spPr>
+        <p:style>
+          <a:lnRef idx="1">
+            <a:schemeClr val="dk1"/>
+          </a:lnRef>
+          <a:fillRef idx="0">
+            <a:schemeClr val="dk1"/>
+          </a:fillRef>
+          <a:effectRef idx="0">
+            <a:schemeClr val="dk1"/>
+          </a:effectRef>
+          <a:fontRef idx="minor">
+            <a:schemeClr val="tx1"/>
+          </a:fontRef>
+        </p:style>
+      </p:cxnSp>
+      <p:cxnSp>
+        <p:nvCxnSpPr>
+          <p:cNvPr id="100" name="직선 화살표 연결선 99">
+            <a:extLst>
+              <a:ext uri="{FF2B5EF4-FFF2-40B4-BE49-F238E27FC236}">
+                <a16:creationId xmlns:a16="http://schemas.microsoft.com/office/drawing/2014/main" id="{3A53B83D-D38C-47A2-A6B7-32C178881074}"/>
+              </a:ext>
+            </a:extLst>
+          </p:cNvPr>
+          <p:cNvCxnSpPr>
+            <a:cxnSpLocks/>
+          </p:cNvCxnSpPr>
+          <p:nvPr/>
+        </p:nvCxnSpPr>
+        <p:spPr>
+          <a:xfrm>
+            <a:off x="4197784" y="4736138"/>
+            <a:ext cx="754203" cy="0"/>
+          </a:xfrm>
+          <a:prstGeom prst="straightConnector1">
+            <a:avLst/>
+          </a:prstGeom>
+          <a:ln>
+            <a:tailEnd type="triangle"/>
+          </a:ln>
+        </p:spPr>
+        <p:style>
+          <a:lnRef idx="1">
+            <a:schemeClr val="dk1"/>
+          </a:lnRef>
+          <a:fillRef idx="0">
+            <a:schemeClr val="dk1"/>
+          </a:fillRef>
+          <a:effectRef idx="0">
+            <a:schemeClr val="dk1"/>
+          </a:effectRef>
+          <a:fontRef idx="minor">
+            <a:schemeClr val="tx1"/>
+          </a:fontRef>
+        </p:style>
+      </p:cxnSp>
+      <p:cxnSp>
+        <p:nvCxnSpPr>
+          <p:cNvPr id="102" name="직선 화살표 연결선 101">
+            <a:extLst>
+              <a:ext uri="{FF2B5EF4-FFF2-40B4-BE49-F238E27FC236}">
+                <a16:creationId xmlns:a16="http://schemas.microsoft.com/office/drawing/2014/main" id="{85B8EDB5-2F64-41B0-A031-8C4F536A2EA2}"/>
+              </a:ext>
+            </a:extLst>
+          </p:cNvPr>
+          <p:cNvCxnSpPr>
+            <a:cxnSpLocks/>
+          </p:cNvCxnSpPr>
+          <p:nvPr/>
+        </p:nvCxnSpPr>
+        <p:spPr>
+          <a:xfrm flipV="1">
+            <a:off x="6172200" y="4735253"/>
+            <a:ext cx="800052" cy="885"/>
+          </a:xfrm>
+          <a:prstGeom prst="straightConnector1">
+            <a:avLst/>
+          </a:prstGeom>
+          <a:ln>
+            <a:tailEnd type="triangle"/>
+          </a:ln>
+        </p:spPr>
+        <p:style>
+          <a:lnRef idx="1">
+            <a:schemeClr val="dk1"/>
+          </a:lnRef>
+          <a:fillRef idx="0">
+            <a:schemeClr val="dk1"/>
+          </a:fillRef>
+          <a:effectRef idx="0">
+            <a:schemeClr val="dk1"/>
+          </a:effectRef>
+          <a:fontRef idx="minor">
+            <a:schemeClr val="tx1"/>
+          </a:fontRef>
+        </p:style>
+      </p:cxnSp>
+      <p:sp>
+        <p:nvSpPr>
+          <p:cNvPr id="114" name="사각형: 둥근 모서리 113">
+            <a:extLst>
+              <a:ext uri="{FF2B5EF4-FFF2-40B4-BE49-F238E27FC236}">
+                <a16:creationId xmlns:a16="http://schemas.microsoft.com/office/drawing/2014/main" id="{368A9E86-DA37-4423-8E53-6AF7CD27C1F5}"/>
+              </a:ext>
+            </a:extLst>
+          </p:cNvPr>
+          <p:cNvSpPr/>
+          <p:nvPr/>
+        </p:nvSpPr>
+        <p:spPr>
+          <a:xfrm>
+            <a:off x="6661630" y="1640755"/>
+            <a:ext cx="1007630" cy="620576"/>
+          </a:xfrm>
+          <a:prstGeom prst="roundRect">
+            <a:avLst/>
+          </a:prstGeom>
+        </p:spPr>
+        <p:style>
+          <a:lnRef idx="2">
+            <a:schemeClr val="accent3"/>
+          </a:lnRef>
+          <a:fillRef idx="1">
+            <a:schemeClr val="lt1"/>
+          </a:fillRef>
+          <a:effectRef idx="0">
+            <a:schemeClr val="accent3"/>
+          </a:effectRef>
+          <a:fontRef idx="minor">
+            <a:schemeClr val="dk1"/>
+          </a:fontRef>
+        </p:style>
+        <p:txBody>
+          <a:bodyPr rtlCol="0" anchor="ctr"/>
+          <a:lstStyle/>
+          <a:p>
+            <a:pPr algn="ctr"/>
+            <a:endParaRPr lang="en-US" altLang="ko-KR" sz="1100" dirty="0"/>
+          </a:p>
+          <a:p>
+            <a:pPr algn="ctr"/>
+            <a:endParaRPr lang="en-US" altLang="ko-KR" sz="1100" dirty="0"/>
+          </a:p>
+          <a:p>
+            <a:pPr algn="ctr"/>
+            <a:r>
+              <a:rPr lang="en-US" altLang="ko-KR" sz="1100" dirty="0"/>
+              <a:t>conversion Image</a:t>
+            </a:r>
+            <a:endParaRPr lang="ko-KR" altLang="en-US" sz="1100" dirty="0"/>
+          </a:p>
+        </p:txBody>
+      </p:sp>
+      <p:pic>
+        <p:nvPicPr>
+          <p:cNvPr id="115" name="그림 114">
+            <a:extLst>
+              <a:ext uri="{FF2B5EF4-FFF2-40B4-BE49-F238E27FC236}">
+                <a16:creationId xmlns:a16="http://schemas.microsoft.com/office/drawing/2014/main" id="{5FA67522-B1E3-43F2-BCAD-21B86798B31C}"/>
+              </a:ext>
+            </a:extLst>
+          </p:cNvPr>
+          <p:cNvPicPr>
+            <a:picLocks noChangeAspect="1"/>
+          </p:cNvPicPr>
+          <p:nvPr/>
+        </p:nvPicPr>
+        <p:blipFill>
+          <a:blip r:embed="rId2"/>
+          <a:stretch>
+            <a:fillRect/>
+          </a:stretch>
+        </p:blipFill>
+        <p:spPr>
+          <a:xfrm>
+            <a:off x="6941563" y="1678336"/>
+            <a:ext cx="447765" cy="300009"/>
+          </a:xfrm>
+          <a:prstGeom prst="rect">
+            <a:avLst/>
+          </a:prstGeom>
+        </p:spPr>
+      </p:pic>
+      <p:cxnSp>
+        <p:nvCxnSpPr>
+          <p:cNvPr id="116" name="직선 화살표 연결선 115">
+            <a:extLst>
+              <a:ext uri="{FF2B5EF4-FFF2-40B4-BE49-F238E27FC236}">
+                <a16:creationId xmlns:a16="http://schemas.microsoft.com/office/drawing/2014/main" id="{2457002F-18D2-4D0B-9E6D-3C45A26E03C4}"/>
+              </a:ext>
+            </a:extLst>
+          </p:cNvPr>
+          <p:cNvCxnSpPr>
+            <a:cxnSpLocks/>
+          </p:cNvCxnSpPr>
+          <p:nvPr/>
+        </p:nvCxnSpPr>
+        <p:spPr>
+          <a:xfrm>
+            <a:off x="7730462" y="1902691"/>
+            <a:ext cx="390253" cy="0"/>
+          </a:xfrm>
+          <a:prstGeom prst="straightConnector1">
+            <a:avLst/>
+          </a:prstGeom>
+          <a:ln>
+            <a:tailEnd type="triangle"/>
+          </a:ln>
+        </p:spPr>
+        <p:style>
+          <a:lnRef idx="1">
+            <a:schemeClr val="dk1"/>
+          </a:lnRef>
+          <a:fillRef idx="0">
+            <a:schemeClr val="dk1"/>
+          </a:fillRef>
+          <a:effectRef idx="0">
+            <a:schemeClr val="dk1"/>
+          </a:effectRef>
+          <a:fontRef idx="minor">
+            <a:schemeClr val="tx1"/>
+          </a:fontRef>
+        </p:style>
+      </p:cxnSp>
+      <p:pic>
+        <p:nvPicPr>
+          <p:cNvPr id="1034" name="Picture 10" descr="overlap iconì ëí ì´ë¯¸ì§ ê²ìê²°ê³¼">
+            <a:extLst>
+              <a:ext uri="{FF2B5EF4-FFF2-40B4-BE49-F238E27FC236}">
+                <a16:creationId xmlns:a16="http://schemas.microsoft.com/office/drawing/2014/main" id="{AA960F31-D02E-4B09-8E1A-A96553594769}"/>
+              </a:ext>
+            </a:extLst>
+          </p:cNvPr>
+          <p:cNvPicPr>
+            <a:picLocks noChangeAspect="1" noChangeArrowheads="1"/>
+          </p:cNvPicPr>
+          <p:nvPr/>
+        </p:nvPicPr>
+        <p:blipFill>
+          <a:blip r:embed="rId11">
+            <a:extLst>
+              <a:ext uri="{28A0092B-C50C-407E-A947-70E740481C1C}">
+                <a14:useLocalDpi xmlns:a14="http://schemas.microsoft.com/office/drawing/2010/main" val="0"/>
+              </a:ext>
+            </a:extLst>
+          </a:blip>
+          <a:srcRect/>
+          <a:stretch>
+            <a:fillRect/>
+          </a:stretch>
+        </p:blipFill>
+        <p:spPr bwMode="auto">
+          <a:xfrm>
+            <a:off x="7394478" y="4325087"/>
+            <a:ext cx="584910" cy="584910"/>
+          </a:xfrm>
+          <a:prstGeom prst="rect">
+            <a:avLst/>
+          </a:prstGeom>
+          <a:noFill/>
+          <a:extLst>
+            <a:ext uri="{909E8E84-426E-40DD-AFC4-6F175D3DCCD1}">
+              <a14:hiddenFill xmlns:a14="http://schemas.microsoft.com/office/drawing/2010/main">
+                <a:solidFill>
+                  <a:srgbClr val="FFFFFF"/>
+                </a:solidFill>
+              </a14:hiddenFill>
+            </a:ext>
+          </a:extLst>
+        </p:spPr>
+      </p:pic>
+      <p:cxnSp>
+        <p:nvCxnSpPr>
+          <p:cNvPr id="119" name="연결선: 꺾임 118">
+            <a:extLst>
+              <a:ext uri="{FF2B5EF4-FFF2-40B4-BE49-F238E27FC236}">
+                <a16:creationId xmlns:a16="http://schemas.microsoft.com/office/drawing/2014/main" id="{E16C82BC-9621-4039-9B7C-647ADD689E16}"/>
+              </a:ext>
+            </a:extLst>
+          </p:cNvPr>
+          <p:cNvCxnSpPr>
+            <a:cxnSpLocks/>
+            <a:stCxn id="117" idx="2"/>
+            <a:endCxn id="88" idx="1"/>
+          </p:cNvCxnSpPr>
+          <p:nvPr/>
+        </p:nvCxnSpPr>
+        <p:spPr>
+          <a:xfrm rot="5400000" flipH="1">
+            <a:off x="2803069" y="351278"/>
+            <a:ext cx="3334767" cy="6417673"/>
+          </a:xfrm>
+          <a:prstGeom prst="bentConnector4">
+            <a:avLst>
+              <a:gd name="adj1" fmla="val -6855"/>
+              <a:gd name="adj2" fmla="val 103562"/>
+            </a:avLst>
+          </a:prstGeom>
+          <a:ln>
+            <a:tailEnd type="triangle"/>
+          </a:ln>
+        </p:spPr>
+        <p:style>
+          <a:lnRef idx="1">
+            <a:schemeClr val="dk1"/>
+          </a:lnRef>
+          <a:fillRef idx="0">
+            <a:schemeClr val="dk1"/>
+          </a:fillRef>
+          <a:effectRef idx="0">
+            <a:schemeClr val="dk1"/>
+          </a:effectRef>
+          <a:fontRef idx="minor">
+            <a:schemeClr val="tx1"/>
+          </a:fontRef>
+        </p:style>
+      </p:cxnSp>
+      <p:cxnSp>
+        <p:nvCxnSpPr>
+          <p:cNvPr id="126" name="직선 화살표 연결선 125">
+            <a:extLst>
+              <a:ext uri="{FF2B5EF4-FFF2-40B4-BE49-F238E27FC236}">
+                <a16:creationId xmlns:a16="http://schemas.microsoft.com/office/drawing/2014/main" id="{0D2B1FB9-27BB-4A76-ADB3-BFE42539A399}"/>
+              </a:ext>
+            </a:extLst>
+          </p:cNvPr>
+          <p:cNvCxnSpPr>
+            <a:cxnSpLocks/>
+          </p:cNvCxnSpPr>
+          <p:nvPr/>
+        </p:nvCxnSpPr>
+        <p:spPr>
+          <a:xfrm flipV="1">
+            <a:off x="8259203" y="4710685"/>
+            <a:ext cx="800052" cy="885"/>
+          </a:xfrm>
+          <a:prstGeom prst="straightConnector1">
+            <a:avLst/>
+          </a:prstGeom>
+          <a:ln>
+            <a:tailEnd type="triangle"/>
+          </a:ln>
+        </p:spPr>
+        <p:style>
+          <a:lnRef idx="1">
+            <a:schemeClr val="dk1"/>
+          </a:lnRef>
+          <a:fillRef idx="0">
+            <a:schemeClr val="dk1"/>
+          </a:fillRef>
+          <a:effectRef idx="0">
+            <a:schemeClr val="dk1"/>
+          </a:effectRef>
+          <a:fontRef idx="minor">
+            <a:schemeClr val="tx1"/>
+          </a:fontRef>
+        </p:style>
+      </p:cxnSp>
+      <p:cxnSp>
+        <p:nvCxnSpPr>
+          <p:cNvPr id="127" name="직선 화살표 연결선 126">
+            <a:extLst>
+              <a:ext uri="{FF2B5EF4-FFF2-40B4-BE49-F238E27FC236}">
+                <a16:creationId xmlns:a16="http://schemas.microsoft.com/office/drawing/2014/main" id="{5B77FFC6-FB84-40A8-B4CD-68BD24176581}"/>
+              </a:ext>
+            </a:extLst>
+          </p:cNvPr>
+          <p:cNvCxnSpPr>
+            <a:cxnSpLocks/>
+          </p:cNvCxnSpPr>
+          <p:nvPr/>
+        </p:nvCxnSpPr>
+        <p:spPr>
+          <a:xfrm>
+            <a:off x="10739593" y="4705783"/>
+            <a:ext cx="343075" cy="0"/>
+          </a:xfrm>
+          <a:prstGeom prst="straightConnector1">
+            <a:avLst/>
+          </a:prstGeom>
+          <a:ln>
+            <a:tailEnd type="triangle"/>
+          </a:ln>
+        </p:spPr>
+        <p:style>
+          <a:lnRef idx="1">
+            <a:schemeClr val="dk1"/>
+          </a:lnRef>
+          <a:fillRef idx="0">
+            <a:schemeClr val="dk1"/>
+          </a:fillRef>
+          <a:effectRef idx="0">
+            <a:schemeClr val="dk1"/>
+          </a:effectRef>
+          <a:fontRef idx="minor">
+            <a:schemeClr val="tx1"/>
+          </a:fontRef>
+        </p:style>
+      </p:cxnSp>
+      <p:sp>
+        <p:nvSpPr>
+          <p:cNvPr id="131" name="직사각형 130">
+            <a:extLst>
+              <a:ext uri="{FF2B5EF4-FFF2-40B4-BE49-F238E27FC236}">
+                <a16:creationId xmlns:a16="http://schemas.microsoft.com/office/drawing/2014/main" id="{D34E8A72-FBD2-4515-A3C1-698C36DD16C2}"/>
+              </a:ext>
+            </a:extLst>
+          </p:cNvPr>
+          <p:cNvSpPr/>
+          <p:nvPr/>
+        </p:nvSpPr>
+        <p:spPr>
+          <a:xfrm>
+            <a:off x="8017366" y="4462608"/>
+            <a:ext cx="1355884" cy="261610"/>
+          </a:xfrm>
+          <a:prstGeom prst="rect">
+            <a:avLst/>
+          </a:prstGeom>
+        </p:spPr>
+        <p:txBody>
+          <a:bodyPr wrap="square">
+            <a:spAutoFit/>
+          </a:bodyPr>
+          <a:lstStyle/>
+          <a:p>
+            <a:pPr algn="ctr"/>
+            <a:r>
+              <a:rPr lang="en-US" altLang="ko-KR" sz="1050" dirty="0"/>
+              <a:t>None Overlap</a:t>
+            </a:r>
+          </a:p>
+        </p:txBody>
+      </p:sp>
+      <p:sp>
+        <p:nvSpPr>
+          <p:cNvPr id="132" name="직사각형 131">
+            <a:extLst>
+              <a:ext uri="{FF2B5EF4-FFF2-40B4-BE49-F238E27FC236}">
+                <a16:creationId xmlns:a16="http://schemas.microsoft.com/office/drawing/2014/main" id="{10E2D6C3-D70F-42D0-95B5-D9954258C9D5}"/>
+              </a:ext>
+            </a:extLst>
+          </p:cNvPr>
+          <p:cNvSpPr/>
+          <p:nvPr/>
+        </p:nvSpPr>
+        <p:spPr>
+          <a:xfrm>
+            <a:off x="3792510" y="5441875"/>
+            <a:ext cx="1355884" cy="261610"/>
+          </a:xfrm>
+          <a:prstGeom prst="rect">
+            <a:avLst/>
+          </a:prstGeom>
+        </p:spPr>
+        <p:txBody>
+          <a:bodyPr wrap="square">
+            <a:spAutoFit/>
+          </a:bodyPr>
+          <a:lstStyle/>
+          <a:p>
+            <a:pPr algn="ctr"/>
+            <a:r>
+              <a:rPr lang="en-US" altLang="ko-KR" sz="1050" dirty="0"/>
+              <a:t>Overlap Data</a:t>
+            </a:r>
+          </a:p>
+        </p:txBody>
+      </p:sp>
     </p:spTree>
     <p:extLst>
       <p:ext uri="{BB962C8B-B14F-4D97-AF65-F5344CB8AC3E}">

--- a/Report/보고서에 첨부된 그림 및 자료/영상처리 흐름도.pptx
+++ b/Report/보고서에 첨부된 그림 및 자료/영상처리 흐름도.pptx
@@ -261,7 +261,7 @@
           <a:p>
             <a:fld id="{F5B135A1-2870-484B-9D96-45273F064FCD}" type="datetimeFigureOut">
               <a:rPr lang="ko-KR" altLang="en-US" smtClean="0"/>
-              <a:t>2019-06-10</a:t>
+              <a:t>2019-06-15</a:t>
             </a:fld>
             <a:endParaRPr lang="ko-KR" altLang="en-US"/>
           </a:p>
@@ -459,7 +459,7 @@
           <a:p>
             <a:fld id="{F5B135A1-2870-484B-9D96-45273F064FCD}" type="datetimeFigureOut">
               <a:rPr lang="ko-KR" altLang="en-US" smtClean="0"/>
-              <a:t>2019-06-10</a:t>
+              <a:t>2019-06-15</a:t>
             </a:fld>
             <a:endParaRPr lang="ko-KR" altLang="en-US"/>
           </a:p>
@@ -667,7 +667,7 @@
           <a:p>
             <a:fld id="{F5B135A1-2870-484B-9D96-45273F064FCD}" type="datetimeFigureOut">
               <a:rPr lang="ko-KR" altLang="en-US" smtClean="0"/>
-              <a:t>2019-06-10</a:t>
+              <a:t>2019-06-15</a:t>
             </a:fld>
             <a:endParaRPr lang="ko-KR" altLang="en-US"/>
           </a:p>
@@ -865,7 +865,7 @@
           <a:p>
             <a:fld id="{F5B135A1-2870-484B-9D96-45273F064FCD}" type="datetimeFigureOut">
               <a:rPr lang="ko-KR" altLang="en-US" smtClean="0"/>
-              <a:t>2019-06-10</a:t>
+              <a:t>2019-06-15</a:t>
             </a:fld>
             <a:endParaRPr lang="ko-KR" altLang="en-US"/>
           </a:p>
@@ -1140,7 +1140,7 @@
           <a:p>
             <a:fld id="{F5B135A1-2870-484B-9D96-45273F064FCD}" type="datetimeFigureOut">
               <a:rPr lang="ko-KR" altLang="en-US" smtClean="0"/>
-              <a:t>2019-06-10</a:t>
+              <a:t>2019-06-15</a:t>
             </a:fld>
             <a:endParaRPr lang="ko-KR" altLang="en-US"/>
           </a:p>
@@ -1405,7 +1405,7 @@
           <a:p>
             <a:fld id="{F5B135A1-2870-484B-9D96-45273F064FCD}" type="datetimeFigureOut">
               <a:rPr lang="ko-KR" altLang="en-US" smtClean="0"/>
-              <a:t>2019-06-10</a:t>
+              <a:t>2019-06-15</a:t>
             </a:fld>
             <a:endParaRPr lang="ko-KR" altLang="en-US"/>
           </a:p>
@@ -1817,7 +1817,7 @@
           <a:p>
             <a:fld id="{F5B135A1-2870-484B-9D96-45273F064FCD}" type="datetimeFigureOut">
               <a:rPr lang="ko-KR" altLang="en-US" smtClean="0"/>
-              <a:t>2019-06-10</a:t>
+              <a:t>2019-06-15</a:t>
             </a:fld>
             <a:endParaRPr lang="ko-KR" altLang="en-US"/>
           </a:p>
@@ -1958,7 +1958,7 @@
           <a:p>
             <a:fld id="{F5B135A1-2870-484B-9D96-45273F064FCD}" type="datetimeFigureOut">
               <a:rPr lang="ko-KR" altLang="en-US" smtClean="0"/>
-              <a:t>2019-06-10</a:t>
+              <a:t>2019-06-15</a:t>
             </a:fld>
             <a:endParaRPr lang="ko-KR" altLang="en-US"/>
           </a:p>
@@ -2071,7 +2071,7 @@
           <a:p>
             <a:fld id="{F5B135A1-2870-484B-9D96-45273F064FCD}" type="datetimeFigureOut">
               <a:rPr lang="ko-KR" altLang="en-US" smtClean="0"/>
-              <a:t>2019-06-10</a:t>
+              <a:t>2019-06-15</a:t>
             </a:fld>
             <a:endParaRPr lang="ko-KR" altLang="en-US"/>
           </a:p>
@@ -2382,7 +2382,7 @@
           <a:p>
             <a:fld id="{F5B135A1-2870-484B-9D96-45273F064FCD}" type="datetimeFigureOut">
               <a:rPr lang="ko-KR" altLang="en-US" smtClean="0"/>
-              <a:t>2019-06-10</a:t>
+              <a:t>2019-06-15</a:t>
             </a:fld>
             <a:endParaRPr lang="ko-KR" altLang="en-US"/>
           </a:p>
@@ -2670,7 +2670,7 @@
           <a:p>
             <a:fld id="{F5B135A1-2870-484B-9D96-45273F064FCD}" type="datetimeFigureOut">
               <a:rPr lang="ko-KR" altLang="en-US" smtClean="0"/>
-              <a:t>2019-06-10</a:t>
+              <a:t>2019-06-15</a:t>
             </a:fld>
             <a:endParaRPr lang="ko-KR" altLang="en-US"/>
           </a:p>
@@ -2911,7 +2911,7 @@
           <a:p>
             <a:fld id="{F5B135A1-2870-484B-9D96-45273F064FCD}" type="datetimeFigureOut">
               <a:rPr lang="ko-KR" altLang="en-US" smtClean="0"/>
-              <a:t>2019-06-10</a:t>
+              <a:t>2019-06-15</a:t>
             </a:fld>
             <a:endParaRPr lang="ko-KR" altLang="en-US"/>
           </a:p>
@@ -3368,7 +3368,7 @@
           <a:lstStyle/>
           <a:p>
             <a:pPr algn="ctr"/>
-            <a:endParaRPr lang="ko-KR" altLang="en-US"/>
+            <a:endParaRPr lang="ko-KR" altLang="en-US" dirty="0"/>
           </a:p>
         </p:txBody>
       </p:sp>
@@ -5739,7 +5739,7 @@
         </p:nvSpPr>
         <p:spPr>
           <a:xfrm>
-            <a:off x="4457306" y="4274710"/>
+            <a:off x="5822350" y="5526911"/>
             <a:ext cx="1196683" cy="1288512"/>
           </a:xfrm>
           <a:prstGeom prst="roundRect">
@@ -5829,7 +5829,7 @@
         </p:blipFill>
         <p:spPr bwMode="auto">
           <a:xfrm>
-            <a:off x="4625930" y="4339366"/>
+            <a:off x="5990974" y="5591567"/>
             <a:ext cx="864151" cy="864151"/>
           </a:xfrm>
           <a:prstGeom prst="rect">
@@ -5861,7 +5861,7 @@
         </p:nvSpPr>
         <p:spPr>
           <a:xfrm>
-            <a:off x="2608402" y="5967036"/>
+            <a:off x="7398538" y="5784624"/>
             <a:ext cx="1123620" cy="1002856"/>
           </a:xfrm>
           <a:prstGeom prst="roundRect">
@@ -5931,7 +5931,7 @@
         </p:nvSpPr>
         <p:spPr>
           <a:xfrm>
-            <a:off x="1079649" y="4129960"/>
+            <a:off x="1675175" y="5701556"/>
             <a:ext cx="1490331" cy="1002856"/>
           </a:xfrm>
           <a:prstGeom prst="roundRect">
@@ -5978,10 +5978,10 @@
       </p:sp>
       <p:sp>
         <p:nvSpPr>
-          <p:cNvPr id="39" name="사각형: 둥근 모서리 38">
-            <a:extLst>
-              <a:ext uri="{FF2B5EF4-FFF2-40B4-BE49-F238E27FC236}">
-                <a16:creationId xmlns:a16="http://schemas.microsoft.com/office/drawing/2014/main" id="{F170E171-851F-4961-957E-A36DA78FFCFC}"/>
+          <p:cNvPr id="21" name="사각형: 둥근 모서리 20">
+            <a:extLst>
+              <a:ext uri="{FF2B5EF4-FFF2-40B4-BE49-F238E27FC236}">
+                <a16:creationId xmlns:a16="http://schemas.microsoft.com/office/drawing/2014/main" id="{F8573E46-6C2D-40A4-BD47-CDC3C9E2BD0D}"/>
               </a:ext>
             </a:extLst>
           </p:cNvPr>
@@ -5990,7 +5990,7 @@
         </p:nvSpPr>
         <p:spPr>
           <a:xfrm>
-            <a:off x="5986425" y="761517"/>
+            <a:off x="9296965" y="5747709"/>
             <a:ext cx="1123620" cy="866776"/>
           </a:xfrm>
           <a:prstGeom prst="roundRect">
@@ -6030,24 +6030,24 @@
             <a:pPr algn="ctr"/>
             <a:r>
               <a:rPr lang="en-US" altLang="ko-KR" sz="1200" dirty="0"/>
-              <a:t>Don’t Find</a:t>
+              <a:t>Removal</a:t>
             </a:r>
           </a:p>
           <a:p>
             <a:pPr algn="ctr"/>
             <a:r>
               <a:rPr lang="en-US" altLang="ko-KR" sz="1200" dirty="0"/>
-              <a:t>Dog Object</a:t>
+              <a:t>Background</a:t>
             </a:r>
           </a:p>
         </p:txBody>
       </p:sp>
       <p:sp>
         <p:nvSpPr>
-          <p:cNvPr id="21" name="사각형: 둥근 모서리 20">
-            <a:extLst>
-              <a:ext uri="{FF2B5EF4-FFF2-40B4-BE49-F238E27FC236}">
-                <a16:creationId xmlns:a16="http://schemas.microsoft.com/office/drawing/2014/main" id="{F8573E46-6C2D-40A4-BD47-CDC3C9E2BD0D}"/>
+          <p:cNvPr id="19" name="사각형: 둥근 모서리 18">
+            <a:extLst>
+              <a:ext uri="{FF2B5EF4-FFF2-40B4-BE49-F238E27FC236}">
+                <a16:creationId xmlns:a16="http://schemas.microsoft.com/office/drawing/2014/main" id="{F06B6004-7356-44D2-A528-48E11078845B}"/>
               </a:ext>
             </a:extLst>
           </p:cNvPr>
@@ -6056,7 +6056,7 @@
         </p:nvSpPr>
         <p:spPr>
           <a:xfrm>
-            <a:off x="3840409" y="1580780"/>
+            <a:off x="92371" y="67018"/>
             <a:ext cx="1123620" cy="866776"/>
           </a:xfrm>
           <a:prstGeom prst="roundRect">
@@ -6096,24 +6096,18 @@
             <a:pPr algn="ctr"/>
             <a:r>
               <a:rPr lang="en-US" altLang="ko-KR" sz="1200" dirty="0"/>
-              <a:t>Removal</a:t>
-            </a:r>
-          </a:p>
-          <a:p>
-            <a:pPr algn="ctr"/>
-            <a:r>
-              <a:rPr lang="en-US" altLang="ko-KR" sz="1200" dirty="0"/>
-              <a:t>Background</a:t>
-            </a:r>
+              <a:t>Find Dog Object</a:t>
+            </a:r>
+            <a:endParaRPr lang="ko-KR" altLang="en-US" sz="1200" dirty="0"/>
           </a:p>
         </p:txBody>
       </p:sp>
       <p:sp>
         <p:nvSpPr>
-          <p:cNvPr id="19" name="사각형: 둥근 모서리 18">
-            <a:extLst>
-              <a:ext uri="{FF2B5EF4-FFF2-40B4-BE49-F238E27FC236}">
-                <a16:creationId xmlns:a16="http://schemas.microsoft.com/office/drawing/2014/main" id="{F06B6004-7356-44D2-A528-48E11078845B}"/>
+          <p:cNvPr id="15" name="사각형: 둥근 모서리 14">
+            <a:extLst>
+              <a:ext uri="{FF2B5EF4-FFF2-40B4-BE49-F238E27FC236}">
+                <a16:creationId xmlns:a16="http://schemas.microsoft.com/office/drawing/2014/main" id="{EE4DEBDD-B128-44C3-BE99-B5B7D5B792B5}"/>
               </a:ext>
             </a:extLst>
           </p:cNvPr>
@@ -6122,150 +6116,7 @@
         </p:nvSpPr>
         <p:spPr>
           <a:xfrm>
-            <a:off x="6839161" y="3848915"/>
-            <a:ext cx="1123620" cy="866776"/>
-          </a:xfrm>
-          <a:prstGeom prst="roundRect">
-            <a:avLst/>
-          </a:prstGeom>
-        </p:spPr>
-        <p:style>
-          <a:lnRef idx="2">
-            <a:schemeClr val="accent3"/>
-          </a:lnRef>
-          <a:fillRef idx="1">
-            <a:schemeClr val="lt1"/>
-          </a:fillRef>
-          <a:effectRef idx="0">
-            <a:schemeClr val="accent3"/>
-          </a:effectRef>
-          <a:fontRef idx="minor">
-            <a:schemeClr val="dk1"/>
-          </a:fontRef>
-        </p:style>
-        <p:txBody>
-          <a:bodyPr rtlCol="0" anchor="ctr"/>
-          <a:lstStyle/>
-          <a:p>
-            <a:pPr algn="ctr"/>
-            <a:endParaRPr lang="en-US" altLang="ko-KR" sz="1200" dirty="0"/>
-          </a:p>
-          <a:p>
-            <a:pPr algn="ctr"/>
-            <a:endParaRPr lang="en-US" altLang="ko-KR" sz="1200" dirty="0"/>
-          </a:p>
-          <a:p>
-            <a:pPr algn="ctr"/>
-            <a:endParaRPr lang="en-US" altLang="ko-KR" sz="1200" dirty="0"/>
-          </a:p>
-          <a:p>
-            <a:pPr algn="ctr"/>
-            <a:r>
-              <a:rPr lang="en-US" altLang="ko-KR" sz="1200" dirty="0"/>
-              <a:t>Find Dog Object</a:t>
-            </a:r>
-            <a:endParaRPr lang="ko-KR" altLang="en-US" sz="1200" dirty="0"/>
-          </a:p>
-        </p:txBody>
-      </p:sp>
-      <p:sp>
-        <p:nvSpPr>
-          <p:cNvPr id="16" name="사각형: 둥근 모서리 15">
-            <a:extLst>
-              <a:ext uri="{FF2B5EF4-FFF2-40B4-BE49-F238E27FC236}">
-                <a16:creationId xmlns:a16="http://schemas.microsoft.com/office/drawing/2014/main" id="{C3090B14-D1CF-4238-B241-EAE3D45AF1AF}"/>
-              </a:ext>
-            </a:extLst>
-          </p:cNvPr>
-          <p:cNvSpPr/>
-          <p:nvPr/>
-        </p:nvSpPr>
-        <p:spPr>
-          <a:xfrm>
-            <a:off x="1581751" y="2544109"/>
-            <a:ext cx="1467669" cy="866776"/>
-          </a:xfrm>
-          <a:prstGeom prst="roundRect">
-            <a:avLst/>
-          </a:prstGeom>
-        </p:spPr>
-        <p:style>
-          <a:lnRef idx="2">
-            <a:schemeClr val="accent3"/>
-          </a:lnRef>
-          <a:fillRef idx="1">
-            <a:schemeClr val="lt1"/>
-          </a:fillRef>
-          <a:effectRef idx="0">
-            <a:schemeClr val="accent3"/>
-          </a:effectRef>
-          <a:fontRef idx="minor">
-            <a:schemeClr val="dk1"/>
-          </a:fontRef>
-        </p:style>
-        <p:txBody>
-          <a:bodyPr rtlCol="0" anchor="ctr"/>
-          <a:lstStyle/>
-          <a:p>
-            <a:pPr algn="ctr"/>
-            <a:endParaRPr lang="en-US" altLang="ko-KR" sz="1100" dirty="0"/>
-          </a:p>
-          <a:p>
-            <a:pPr algn="ctr"/>
-            <a:endParaRPr lang="en-US" altLang="ko-KR" sz="1100" dirty="0"/>
-          </a:p>
-          <a:p>
-            <a:pPr algn="ctr"/>
-            <a:endParaRPr lang="en-US" altLang="ko-KR" sz="1100" dirty="0"/>
-          </a:p>
-          <a:p>
-            <a:pPr algn="ctr"/>
-            <a:r>
-              <a:rPr lang="en-US" altLang="ko-KR" sz="1100" dirty="0"/>
-              <a:t>Image</a:t>
-            </a:r>
-            <a:r>
-              <a:rPr lang="ko-KR" altLang="en-US" sz="1100" dirty="0"/>
-              <a:t> </a:t>
-            </a:r>
-            <a:r>
-              <a:rPr lang="en-US" altLang="ko-KR" sz="1100" dirty="0"/>
-              <a:t>blocking</a:t>
-            </a:r>
-            <a:endParaRPr lang="en-US" altLang="ko-KR" sz="1050" dirty="0"/>
-          </a:p>
-          <a:p>
-            <a:pPr algn="ctr"/>
-            <a:r>
-              <a:rPr lang="en-US" altLang="ko-KR" sz="1050" dirty="0"/>
-              <a:t>[Pixy2</a:t>
-            </a:r>
-            <a:r>
-              <a:rPr lang="ko-KR" altLang="en-US" sz="1050" dirty="0"/>
-              <a:t> 라이브러리</a:t>
-            </a:r>
-            <a:r>
-              <a:rPr lang="en-US" altLang="ko-KR" sz="1050" dirty="0"/>
-              <a:t>]</a:t>
-            </a:r>
-          </a:p>
-        </p:txBody>
-      </p:sp>
-      <p:sp>
-        <p:nvSpPr>
-          <p:cNvPr id="15" name="사각형: 둥근 모서리 14">
-            <a:extLst>
-              <a:ext uri="{FF2B5EF4-FFF2-40B4-BE49-F238E27FC236}">
-                <a16:creationId xmlns:a16="http://schemas.microsoft.com/office/drawing/2014/main" id="{EE4DEBDD-B128-44C3-BE99-B5B7D5B792B5}"/>
-              </a:ext>
-            </a:extLst>
-          </p:cNvPr>
-          <p:cNvSpPr/>
-          <p:nvPr/>
-        </p:nvSpPr>
-        <p:spPr>
-          <a:xfrm>
-            <a:off x="3615172" y="3219752"/>
+            <a:off x="1515081" y="23514"/>
             <a:ext cx="1613610" cy="847939"/>
           </a:xfrm>
           <a:prstGeom prst="roundRect">
@@ -6325,12 +6176,179 @@
           </a:p>
         </p:txBody>
       </p:sp>
+      <p:pic>
+        <p:nvPicPr>
+          <p:cNvPr id="9" name="그림 8">
+            <a:extLst>
+              <a:ext uri="{FF2B5EF4-FFF2-40B4-BE49-F238E27FC236}">
+                <a16:creationId xmlns:a16="http://schemas.microsoft.com/office/drawing/2014/main" id="{9731ACF8-B457-4BDE-AEA6-F53531F95DF2}"/>
+              </a:ext>
+            </a:extLst>
+          </p:cNvPr>
+          <p:cNvPicPr>
+            <a:picLocks noChangeAspect="1"/>
+          </p:cNvPicPr>
+          <p:nvPr/>
+        </p:nvPicPr>
+        <p:blipFill>
+          <a:blip r:embed="rId3"/>
+          <a:stretch>
+            <a:fillRect/>
+          </a:stretch>
+        </p:blipFill>
+        <p:spPr>
+          <a:xfrm>
+            <a:off x="213630" y="101658"/>
+            <a:ext cx="881101" cy="492809"/>
+          </a:xfrm>
+          <a:prstGeom prst="rect">
+            <a:avLst/>
+          </a:prstGeom>
+        </p:spPr>
+      </p:pic>
+      <p:pic>
+        <p:nvPicPr>
+          <p:cNvPr id="12" name="그림 11">
+            <a:extLst>
+              <a:ext uri="{FF2B5EF4-FFF2-40B4-BE49-F238E27FC236}">
+                <a16:creationId xmlns:a16="http://schemas.microsoft.com/office/drawing/2014/main" id="{F13C0630-1E87-4B02-9957-779DAF215281}"/>
+              </a:ext>
+            </a:extLst>
+          </p:cNvPr>
+          <p:cNvPicPr>
+            <a:picLocks noChangeAspect="1"/>
+          </p:cNvPicPr>
+          <p:nvPr/>
+        </p:nvPicPr>
+        <p:blipFill>
+          <a:blip r:embed="rId4"/>
+          <a:stretch>
+            <a:fillRect/>
+          </a:stretch>
+        </p:blipFill>
+        <p:spPr>
+          <a:xfrm>
+            <a:off x="1812619" y="71736"/>
+            <a:ext cx="932441" cy="436870"/>
+          </a:xfrm>
+          <a:prstGeom prst="rect">
+            <a:avLst/>
+          </a:prstGeom>
+        </p:spPr>
+      </p:pic>
+      <p:grpSp>
+        <p:nvGrpSpPr>
+          <p:cNvPr id="3" name="그룹 2">
+            <a:extLst>
+              <a:ext uri="{FF2B5EF4-FFF2-40B4-BE49-F238E27FC236}">
+                <a16:creationId xmlns:a16="http://schemas.microsoft.com/office/drawing/2014/main" id="{DEEFAC44-C5D4-4FA4-84BC-E95D52DC28C0}"/>
+              </a:ext>
+            </a:extLst>
+          </p:cNvPr>
+          <p:cNvGrpSpPr/>
+          <p:nvPr/>
+        </p:nvGrpSpPr>
+        <p:grpSpPr>
+          <a:xfrm>
+            <a:off x="232740" y="2027582"/>
+            <a:ext cx="1123620" cy="1401417"/>
+            <a:chOff x="230369" y="2883249"/>
+            <a:chExt cx="1123620" cy="741827"/>
+          </a:xfrm>
+        </p:grpSpPr>
+        <p:sp>
+          <p:nvSpPr>
+            <p:cNvPr id="13" name="사각형: 둥근 모서리 12">
+              <a:extLst>
+                <a:ext uri="{FF2B5EF4-FFF2-40B4-BE49-F238E27FC236}">
+                  <a16:creationId xmlns:a16="http://schemas.microsoft.com/office/drawing/2014/main" id="{194BABA9-CCC4-446B-8FB2-CA3E6FC17B94}"/>
+                </a:ext>
+              </a:extLst>
+            </p:cNvPr>
+            <p:cNvSpPr/>
+            <p:nvPr/>
+          </p:nvSpPr>
+          <p:spPr>
+            <a:xfrm>
+              <a:off x="230369" y="2883249"/>
+              <a:ext cx="1123620" cy="741827"/>
+            </a:xfrm>
+            <a:prstGeom prst="roundRect">
+              <a:avLst/>
+            </a:prstGeom>
+          </p:spPr>
+          <p:style>
+            <a:lnRef idx="2">
+              <a:schemeClr val="accent3"/>
+            </a:lnRef>
+            <a:fillRef idx="1">
+              <a:schemeClr val="lt1"/>
+            </a:fillRef>
+            <a:effectRef idx="0">
+              <a:schemeClr val="accent3"/>
+            </a:effectRef>
+            <a:fontRef idx="minor">
+              <a:schemeClr val="dk1"/>
+            </a:fontRef>
+          </p:style>
+          <p:txBody>
+            <a:bodyPr rtlCol="0" anchor="ctr"/>
+            <a:lstStyle/>
+            <a:p>
+              <a:pPr algn="ctr"/>
+              <a:endParaRPr lang="en-US" altLang="ko-KR" sz="1200" dirty="0"/>
+            </a:p>
+            <a:p>
+              <a:pPr algn="ctr"/>
+              <a:endParaRPr lang="en-US" altLang="ko-KR" sz="1200" dirty="0"/>
+            </a:p>
+            <a:p>
+              <a:pPr algn="ctr"/>
+              <a:r>
+                <a:rPr lang="en-US" altLang="ko-KR" sz="1200" dirty="0"/>
+                <a:t>Get Image</a:t>
+              </a:r>
+              <a:endParaRPr lang="ko-KR" altLang="en-US" sz="1200" dirty="0"/>
+            </a:p>
+          </p:txBody>
+        </p:sp>
+        <p:pic>
+          <p:nvPicPr>
+            <p:cNvPr id="14" name="그림 13">
+              <a:extLst>
+                <a:ext uri="{FF2B5EF4-FFF2-40B4-BE49-F238E27FC236}">
+                  <a16:creationId xmlns:a16="http://schemas.microsoft.com/office/drawing/2014/main" id="{1ED0872A-A092-4D90-B7A1-4694B5940949}"/>
+                </a:ext>
+              </a:extLst>
+            </p:cNvPr>
+            <p:cNvPicPr>
+              <a:picLocks noChangeAspect="1"/>
+            </p:cNvPicPr>
+            <p:nvPr/>
+          </p:nvPicPr>
+          <p:blipFill>
+            <a:blip r:embed="rId5"/>
+            <a:stretch>
+              <a:fillRect/>
+            </a:stretch>
+          </p:blipFill>
+          <p:spPr>
+            <a:xfrm>
+              <a:off x="542525" y="3042728"/>
+              <a:ext cx="499308" cy="237939"/>
+            </a:xfrm>
+            <a:prstGeom prst="rect">
+              <a:avLst/>
+            </a:prstGeom>
+          </p:spPr>
+        </p:pic>
+      </p:grpSp>
       <p:sp>
         <p:nvSpPr>
-          <p:cNvPr id="13" name="사각형: 둥근 모서리 12">
-            <a:extLst>
-              <a:ext uri="{FF2B5EF4-FFF2-40B4-BE49-F238E27FC236}">
-                <a16:creationId xmlns:a16="http://schemas.microsoft.com/office/drawing/2014/main" id="{194BABA9-CCC4-446B-8FB2-CA3E6FC17B94}"/>
+          <p:cNvPr id="17" name="사각형: 둥근 모서리 16">
+            <a:extLst>
+              <a:ext uri="{FF2B5EF4-FFF2-40B4-BE49-F238E27FC236}">
+                <a16:creationId xmlns:a16="http://schemas.microsoft.com/office/drawing/2014/main" id="{48AF503B-92D8-4121-9CCC-C3AE7C27835B}"/>
               </a:ext>
             </a:extLst>
           </p:cNvPr>
@@ -6339,7 +6357,7 @@
         </p:nvSpPr>
         <p:spPr>
           <a:xfrm>
-            <a:off x="145975" y="2600042"/>
+            <a:off x="7613277" y="261685"/>
             <a:ext cx="1123620" cy="741827"/>
           </a:xfrm>
           <a:prstGeom prst="roundRect">
@@ -6375,7 +6393,7 @@
             <a:pPr algn="ctr"/>
             <a:r>
               <a:rPr lang="en-US" altLang="ko-KR" sz="1200" dirty="0"/>
-              <a:t>Get Image</a:t>
+              <a:t>conversion Image</a:t>
             </a:r>
             <a:endParaRPr lang="ko-KR" altLang="en-US" sz="1200" dirty="0"/>
           </a:p>
@@ -6383,70 +6401,10 @@
       </p:sp>
       <p:pic>
         <p:nvPicPr>
-          <p:cNvPr id="9" name="그림 8">
-            <a:extLst>
-              <a:ext uri="{FF2B5EF4-FFF2-40B4-BE49-F238E27FC236}">
-                <a16:creationId xmlns:a16="http://schemas.microsoft.com/office/drawing/2014/main" id="{9731ACF8-B457-4BDE-AEA6-F53531F95DF2}"/>
-              </a:ext>
-            </a:extLst>
-          </p:cNvPr>
-          <p:cNvPicPr>
-            <a:picLocks noChangeAspect="1"/>
-          </p:cNvPicPr>
-          <p:nvPr/>
-        </p:nvPicPr>
-        <p:blipFill>
-          <a:blip r:embed="rId3"/>
-          <a:stretch>
-            <a:fillRect/>
-          </a:stretch>
-        </p:blipFill>
-        <p:spPr>
-          <a:xfrm>
-            <a:off x="6960420" y="3883555"/>
-            <a:ext cx="881101" cy="492809"/>
-          </a:xfrm>
-          <a:prstGeom prst="rect">
-            <a:avLst/>
-          </a:prstGeom>
-        </p:spPr>
-      </p:pic>
-      <p:pic>
-        <p:nvPicPr>
-          <p:cNvPr id="12" name="그림 11">
-            <a:extLst>
-              <a:ext uri="{FF2B5EF4-FFF2-40B4-BE49-F238E27FC236}">
-                <a16:creationId xmlns:a16="http://schemas.microsoft.com/office/drawing/2014/main" id="{F13C0630-1E87-4B02-9957-779DAF215281}"/>
-              </a:ext>
-            </a:extLst>
-          </p:cNvPr>
-          <p:cNvPicPr>
-            <a:picLocks noChangeAspect="1"/>
-          </p:cNvPicPr>
-          <p:nvPr/>
-        </p:nvPicPr>
-        <p:blipFill>
-          <a:blip r:embed="rId4"/>
-          <a:stretch>
-            <a:fillRect/>
-          </a:stretch>
-        </p:blipFill>
-        <p:spPr>
-          <a:xfrm>
-            <a:off x="3912710" y="3267974"/>
-            <a:ext cx="932441" cy="436870"/>
-          </a:xfrm>
-          <a:prstGeom prst="rect">
-            <a:avLst/>
-          </a:prstGeom>
-        </p:spPr>
-      </p:pic>
-      <p:pic>
-        <p:nvPicPr>
-          <p:cNvPr id="14" name="그림 13">
-            <a:extLst>
-              <a:ext uri="{FF2B5EF4-FFF2-40B4-BE49-F238E27FC236}">
-                <a16:creationId xmlns:a16="http://schemas.microsoft.com/office/drawing/2014/main" id="{1ED0872A-A092-4D90-B7A1-4694B5940949}"/>
+          <p:cNvPr id="18" name="그림 17">
+            <a:extLst>
+              <a:ext uri="{FF2B5EF4-FFF2-40B4-BE49-F238E27FC236}">
+                <a16:creationId xmlns:a16="http://schemas.microsoft.com/office/drawing/2014/main" id="{A0842CF7-FCCB-4DD8-A3F9-93036C3CA8B8}"/>
               </a:ext>
             </a:extLst>
           </p:cNvPr>
@@ -6463,93 +6421,7 @@
         </p:blipFill>
         <p:spPr>
           <a:xfrm>
-            <a:off x="458131" y="2638834"/>
-            <a:ext cx="499308" cy="358626"/>
-          </a:xfrm>
-          <a:prstGeom prst="rect">
-            <a:avLst/>
-          </a:prstGeom>
-        </p:spPr>
-      </p:pic>
-      <p:sp>
-        <p:nvSpPr>
-          <p:cNvPr id="17" name="사각형: 둥근 모서리 16">
-            <a:extLst>
-              <a:ext uri="{FF2B5EF4-FFF2-40B4-BE49-F238E27FC236}">
-                <a16:creationId xmlns:a16="http://schemas.microsoft.com/office/drawing/2014/main" id="{48AF503B-92D8-4121-9CCC-C3AE7C27835B}"/>
-              </a:ext>
-            </a:extLst>
-          </p:cNvPr>
-          <p:cNvSpPr/>
-          <p:nvPr/>
-        </p:nvSpPr>
-        <p:spPr>
-          <a:xfrm>
-            <a:off x="5610785" y="2572951"/>
-            <a:ext cx="1123620" cy="741827"/>
-          </a:xfrm>
-          <a:prstGeom prst="roundRect">
-            <a:avLst/>
-          </a:prstGeom>
-        </p:spPr>
-        <p:style>
-          <a:lnRef idx="2">
-            <a:schemeClr val="accent3"/>
-          </a:lnRef>
-          <a:fillRef idx="1">
-            <a:schemeClr val="lt1"/>
-          </a:fillRef>
-          <a:effectRef idx="0">
-            <a:schemeClr val="accent3"/>
-          </a:effectRef>
-          <a:fontRef idx="minor">
-            <a:schemeClr val="dk1"/>
-          </a:fontRef>
-        </p:style>
-        <p:txBody>
-          <a:bodyPr rtlCol="0" anchor="ctr"/>
-          <a:lstStyle/>
-          <a:p>
-            <a:pPr algn="ctr"/>
-            <a:endParaRPr lang="en-US" altLang="ko-KR" sz="1200" dirty="0"/>
-          </a:p>
-          <a:p>
-            <a:pPr algn="ctr"/>
-            <a:endParaRPr lang="en-US" altLang="ko-KR" sz="1200" dirty="0"/>
-          </a:p>
-          <a:p>
-            <a:pPr algn="ctr"/>
-            <a:r>
-              <a:rPr lang="en-US" altLang="ko-KR" sz="1200" dirty="0"/>
-              <a:t>conversion Image</a:t>
-            </a:r>
-            <a:endParaRPr lang="ko-KR" altLang="en-US" sz="1200" dirty="0"/>
-          </a:p>
-        </p:txBody>
-      </p:sp>
-      <p:pic>
-        <p:nvPicPr>
-          <p:cNvPr id="18" name="그림 17">
-            <a:extLst>
-              <a:ext uri="{FF2B5EF4-FFF2-40B4-BE49-F238E27FC236}">
-                <a16:creationId xmlns:a16="http://schemas.microsoft.com/office/drawing/2014/main" id="{A0842CF7-FCCB-4DD8-A3F9-93036C3CA8B8}"/>
-              </a:ext>
-            </a:extLst>
-          </p:cNvPr>
-          <p:cNvPicPr>
-            <a:picLocks noChangeAspect="1"/>
-          </p:cNvPicPr>
-          <p:nvPr/>
-        </p:nvPicPr>
-        <p:blipFill>
-          <a:blip r:embed="rId5"/>
-          <a:stretch>
-            <a:fillRect/>
-          </a:stretch>
-        </p:blipFill>
-        <p:spPr>
-          <a:xfrm>
-            <a:off x="5922941" y="2617876"/>
+            <a:off x="7925433" y="306610"/>
             <a:ext cx="499308" cy="358626"/>
           </a:xfrm>
           <a:prstGeom prst="rect">
@@ -6579,7 +6451,7 @@
         </p:blipFill>
         <p:spPr>
           <a:xfrm>
-            <a:off x="3959286" y="1628293"/>
+            <a:off x="9415842" y="5795222"/>
             <a:ext cx="885865" cy="432836"/>
           </a:xfrm>
           <a:prstGeom prst="rect">
@@ -6587,36 +6459,120 @@
           </a:prstGeom>
         </p:spPr>
       </p:pic>
-      <p:pic>
-        <p:nvPicPr>
-          <p:cNvPr id="38" name="그림 37">
-            <a:extLst>
-              <a:ext uri="{FF2B5EF4-FFF2-40B4-BE49-F238E27FC236}">
-                <a16:creationId xmlns:a16="http://schemas.microsoft.com/office/drawing/2014/main" id="{624C6406-8D03-4B63-B046-0E56D682F54D}"/>
-              </a:ext>
-            </a:extLst>
-          </p:cNvPr>
-          <p:cNvPicPr>
-            <a:picLocks noChangeAspect="1"/>
-          </p:cNvPicPr>
+      <p:grpSp>
+        <p:nvGrpSpPr>
+          <p:cNvPr id="5" name="그룹 4">
+            <a:extLst>
+              <a:ext uri="{FF2B5EF4-FFF2-40B4-BE49-F238E27FC236}">
+                <a16:creationId xmlns:a16="http://schemas.microsoft.com/office/drawing/2014/main" id="{630599CD-B2A0-4785-B3B1-F80E0882E52E}"/>
+              </a:ext>
+            </a:extLst>
+          </p:cNvPr>
+          <p:cNvGrpSpPr/>
           <p:nvPr/>
-        </p:nvPicPr>
-        <p:blipFill>
-          <a:blip r:embed="rId7"/>
-          <a:stretch>
-            <a:fillRect/>
-          </a:stretch>
-        </p:blipFill>
-        <p:spPr>
+        </p:nvGrpSpPr>
+        <p:grpSpPr>
           <a:xfrm>
-            <a:off x="6067736" y="837177"/>
-            <a:ext cx="970586" cy="413753"/>
+            <a:off x="4290165" y="2027581"/>
+            <a:ext cx="1315503" cy="1401418"/>
+            <a:chOff x="3661182" y="2802539"/>
+            <a:chExt cx="1123620" cy="866776"/>
           </a:xfrm>
-          <a:prstGeom prst="rect">
-            <a:avLst/>
-          </a:prstGeom>
-        </p:spPr>
-      </p:pic>
+        </p:grpSpPr>
+        <p:sp>
+          <p:nvSpPr>
+            <p:cNvPr id="39" name="사각형: 둥근 모서리 38">
+              <a:extLst>
+                <a:ext uri="{FF2B5EF4-FFF2-40B4-BE49-F238E27FC236}">
+                  <a16:creationId xmlns:a16="http://schemas.microsoft.com/office/drawing/2014/main" id="{F170E171-851F-4961-957E-A36DA78FFCFC}"/>
+                </a:ext>
+              </a:extLst>
+            </p:cNvPr>
+            <p:cNvSpPr/>
+            <p:nvPr/>
+          </p:nvSpPr>
+          <p:spPr>
+            <a:xfrm>
+              <a:off x="3661182" y="2802539"/>
+              <a:ext cx="1123620" cy="866776"/>
+            </a:xfrm>
+            <a:prstGeom prst="roundRect">
+              <a:avLst/>
+            </a:prstGeom>
+          </p:spPr>
+          <p:style>
+            <a:lnRef idx="2">
+              <a:schemeClr val="accent3"/>
+            </a:lnRef>
+            <a:fillRef idx="1">
+              <a:schemeClr val="lt1"/>
+            </a:fillRef>
+            <a:effectRef idx="0">
+              <a:schemeClr val="accent3"/>
+            </a:effectRef>
+            <a:fontRef idx="minor">
+              <a:schemeClr val="dk1"/>
+            </a:fontRef>
+          </p:style>
+          <p:txBody>
+            <a:bodyPr rtlCol="0" anchor="ctr"/>
+            <a:lstStyle/>
+            <a:p>
+              <a:pPr algn="ctr"/>
+              <a:endParaRPr lang="en-US" altLang="ko-KR" sz="1200" dirty="0"/>
+            </a:p>
+            <a:p>
+              <a:pPr algn="ctr"/>
+              <a:endParaRPr lang="en-US" altLang="ko-KR" sz="1200" dirty="0"/>
+            </a:p>
+            <a:p>
+              <a:pPr algn="ctr"/>
+              <a:endParaRPr lang="en-US" altLang="ko-KR" sz="1200" dirty="0"/>
+            </a:p>
+            <a:p>
+              <a:pPr algn="ctr"/>
+              <a:endParaRPr lang="en-US" altLang="ko-KR" sz="1200" dirty="0"/>
+            </a:p>
+            <a:p>
+              <a:pPr algn="ctr"/>
+              <a:r>
+                <a:rPr lang="en-US" altLang="ko-KR" sz="1200" dirty="0"/>
+                <a:t>Object Detection</a:t>
+              </a:r>
+            </a:p>
+          </p:txBody>
+        </p:sp>
+        <p:pic>
+          <p:nvPicPr>
+            <p:cNvPr id="38" name="그림 37">
+              <a:extLst>
+                <a:ext uri="{FF2B5EF4-FFF2-40B4-BE49-F238E27FC236}">
+                  <a16:creationId xmlns:a16="http://schemas.microsoft.com/office/drawing/2014/main" id="{624C6406-8D03-4B63-B046-0E56D682F54D}"/>
+                </a:ext>
+              </a:extLst>
+            </p:cNvPr>
+            <p:cNvPicPr>
+              <a:picLocks noChangeAspect="1"/>
+            </p:cNvPicPr>
+            <p:nvPr/>
+          </p:nvPicPr>
+          <p:blipFill>
+            <a:blip r:embed="rId7"/>
+            <a:stretch>
+              <a:fillRect/>
+            </a:stretch>
+          </p:blipFill>
+          <p:spPr>
+            <a:xfrm>
+              <a:off x="3742493" y="2878199"/>
+              <a:ext cx="970586" cy="413753"/>
+            </a:xfrm>
+            <a:prstGeom prst="rect">
+              <a:avLst/>
+            </a:prstGeom>
+          </p:spPr>
+        </p:pic>
+      </p:grpSp>
       <p:sp>
         <p:nvSpPr>
           <p:cNvPr id="58" name="직사각형 57">
@@ -6746,7 +6702,7 @@
         </p:nvSpPr>
         <p:spPr>
           <a:xfrm>
-            <a:off x="8224780" y="5016693"/>
+            <a:off x="9130554" y="102546"/>
             <a:ext cx="1490331" cy="840273"/>
           </a:xfrm>
           <a:prstGeom prst="roundRect">
@@ -6823,7 +6779,7 @@
         </p:blipFill>
         <p:spPr bwMode="auto">
           <a:xfrm>
-            <a:off x="8782789" y="5057487"/>
+            <a:off x="9688563" y="143340"/>
             <a:ext cx="379342" cy="379342"/>
           </a:xfrm>
           <a:prstGeom prst="rect">
@@ -6855,8 +6811,8 @@
         </p:nvGrpSpPr>
         <p:grpSpPr>
           <a:xfrm>
-            <a:off x="4378931" y="5810072"/>
-            <a:ext cx="1123620" cy="840273"/>
+            <a:off x="6351910" y="2046635"/>
+            <a:ext cx="1123620" cy="1388716"/>
             <a:chOff x="9134842" y="4572165"/>
             <a:chExt cx="1123620" cy="840273"/>
           </a:xfrm>
@@ -6899,6 +6855,10 @@
           <p:txBody>
             <a:bodyPr rtlCol="0" anchor="ctr"/>
             <a:lstStyle/>
+            <a:p>
+              <a:pPr algn="ctr"/>
+              <a:endParaRPr lang="en-US" altLang="ko-KR" sz="1200" dirty="0"/>
+            </a:p>
             <a:p>
               <a:pPr algn="ctr"/>
               <a:endParaRPr lang="en-US" altLang="ko-KR" sz="1200" dirty="0"/>
@@ -6957,8 +6917,8 @@
           </p:blipFill>
           <p:spPr bwMode="auto">
             <a:xfrm>
-              <a:off x="9487001" y="4606315"/>
-              <a:ext cx="447497" cy="447497"/>
+              <a:off x="9472903" y="4672607"/>
+              <a:ext cx="447497" cy="332430"/>
             </a:xfrm>
             <a:prstGeom prst="rect">
               <a:avLst/>
@@ -7005,7 +6965,7 @@
         </p:blipFill>
         <p:spPr bwMode="auto">
           <a:xfrm>
-            <a:off x="1425846" y="4176113"/>
+            <a:off x="2021372" y="5747709"/>
             <a:ext cx="762948" cy="595329"/>
           </a:xfrm>
           <a:prstGeom prst="rect">
@@ -7052,7 +7012,7 @@
         </p:blipFill>
         <p:spPr bwMode="auto">
           <a:xfrm>
-            <a:off x="2809668" y="5923723"/>
+            <a:off x="7599804" y="5741311"/>
             <a:ext cx="793319" cy="810079"/>
           </a:xfrm>
           <a:prstGeom prst="rect">
@@ -7084,7 +7044,7 @@
         </p:nvSpPr>
         <p:spPr>
           <a:xfrm>
-            <a:off x="996359" y="5591567"/>
+            <a:off x="148024" y="5741311"/>
             <a:ext cx="1123620" cy="1002856"/>
           </a:xfrm>
           <a:prstGeom prst="roundRect">
@@ -7158,7 +7118,7 @@
         </p:blipFill>
         <p:spPr bwMode="auto">
           <a:xfrm>
-            <a:off x="1191423" y="5634880"/>
+            <a:off x="343088" y="5784624"/>
             <a:ext cx="762948" cy="595329"/>
           </a:xfrm>
           <a:prstGeom prst="rect">
@@ -7176,36 +7136,308 @@
           </a:extLst>
         </p:spPr>
       </p:pic>
-      <p:pic>
-        <p:nvPicPr>
-          <p:cNvPr id="2" name="그림 1">
-            <a:extLst>
-              <a:ext uri="{FF2B5EF4-FFF2-40B4-BE49-F238E27FC236}">
-                <a16:creationId xmlns:a16="http://schemas.microsoft.com/office/drawing/2014/main" id="{7506D77E-0F89-47CC-B8A8-1E4A0BE4F568}"/>
-              </a:ext>
-            </a:extLst>
-          </p:cNvPr>
-          <p:cNvPicPr>
-            <a:picLocks noChangeAspect="1"/>
-          </p:cNvPicPr>
+      <p:grpSp>
+        <p:nvGrpSpPr>
+          <p:cNvPr id="4" name="그룹 3">
+            <a:extLst>
+              <a:ext uri="{FF2B5EF4-FFF2-40B4-BE49-F238E27FC236}">
+                <a16:creationId xmlns:a16="http://schemas.microsoft.com/office/drawing/2014/main" id="{0EA877ED-2800-43DC-BBD6-5D137B9C5ADE}"/>
+              </a:ext>
+            </a:extLst>
+          </p:cNvPr>
+          <p:cNvGrpSpPr/>
           <p:nvPr/>
-        </p:nvPicPr>
-        <p:blipFill>
-          <a:blip r:embed="rId12"/>
-          <a:stretch>
-            <a:fillRect/>
-          </a:stretch>
-        </p:blipFill>
+        </p:nvGrpSpPr>
+        <p:grpSpPr>
+          <a:xfrm>
+            <a:off x="2110582" y="2027582"/>
+            <a:ext cx="1467669" cy="1401418"/>
+            <a:chOff x="1854689" y="2804433"/>
+            <a:chExt cx="1467669" cy="866776"/>
+          </a:xfrm>
+        </p:grpSpPr>
+        <p:sp>
+          <p:nvSpPr>
+            <p:cNvPr id="16" name="사각형: 둥근 모서리 15">
+              <a:extLst>
+                <a:ext uri="{FF2B5EF4-FFF2-40B4-BE49-F238E27FC236}">
+                  <a16:creationId xmlns:a16="http://schemas.microsoft.com/office/drawing/2014/main" id="{C3090B14-D1CF-4238-B241-EAE3D45AF1AF}"/>
+                </a:ext>
+              </a:extLst>
+            </p:cNvPr>
+            <p:cNvSpPr/>
+            <p:nvPr/>
+          </p:nvSpPr>
+          <p:spPr>
+            <a:xfrm>
+              <a:off x="1854689" y="2804433"/>
+              <a:ext cx="1467669" cy="866776"/>
+            </a:xfrm>
+            <a:prstGeom prst="roundRect">
+              <a:avLst/>
+            </a:prstGeom>
+          </p:spPr>
+          <p:style>
+            <a:lnRef idx="2">
+              <a:schemeClr val="accent3"/>
+            </a:lnRef>
+            <a:fillRef idx="1">
+              <a:schemeClr val="lt1"/>
+            </a:fillRef>
+            <a:effectRef idx="0">
+              <a:schemeClr val="accent3"/>
+            </a:effectRef>
+            <a:fontRef idx="minor">
+              <a:schemeClr val="dk1"/>
+            </a:fontRef>
+          </p:style>
+          <p:txBody>
+            <a:bodyPr rtlCol="0" anchor="ctr"/>
+            <a:lstStyle/>
+            <a:p>
+              <a:pPr algn="ctr"/>
+              <a:endParaRPr lang="en-US" altLang="ko-KR" sz="1100" dirty="0"/>
+            </a:p>
+            <a:p>
+              <a:pPr algn="ctr"/>
+              <a:endParaRPr lang="en-US" altLang="ko-KR" sz="1100" dirty="0"/>
+            </a:p>
+            <a:p>
+              <a:pPr algn="ctr"/>
+              <a:endParaRPr lang="en-US" altLang="ko-KR" sz="1100" dirty="0"/>
+            </a:p>
+            <a:p>
+              <a:pPr algn="ctr"/>
+              <a:r>
+                <a:rPr lang="en-US" altLang="ko-KR" sz="1100" dirty="0"/>
+                <a:t>Image</a:t>
+              </a:r>
+              <a:r>
+                <a:rPr lang="ko-KR" altLang="en-US" sz="1100" dirty="0"/>
+                <a:t> </a:t>
+              </a:r>
+              <a:r>
+                <a:rPr lang="en-US" altLang="ko-KR" sz="1100" dirty="0"/>
+                <a:t>blocking</a:t>
+              </a:r>
+              <a:endParaRPr lang="en-US" altLang="ko-KR" sz="1050" dirty="0"/>
+            </a:p>
+            <a:p>
+              <a:pPr algn="ctr"/>
+              <a:r>
+                <a:rPr lang="en-US" altLang="ko-KR" sz="1050" dirty="0"/>
+                <a:t>[Pixy2</a:t>
+              </a:r>
+              <a:r>
+                <a:rPr lang="ko-KR" altLang="en-US" sz="1050" dirty="0"/>
+                <a:t> 라이브러리</a:t>
+              </a:r>
+              <a:r>
+                <a:rPr lang="en-US" altLang="ko-KR" sz="1050" dirty="0"/>
+                <a:t>]</a:t>
+              </a:r>
+            </a:p>
+          </p:txBody>
+        </p:sp>
+        <p:pic>
+          <p:nvPicPr>
+            <p:cNvPr id="2" name="그림 1">
+              <a:extLst>
+                <a:ext uri="{FF2B5EF4-FFF2-40B4-BE49-F238E27FC236}">
+                  <a16:creationId xmlns:a16="http://schemas.microsoft.com/office/drawing/2014/main" id="{7506D77E-0F89-47CC-B8A8-1E4A0BE4F568}"/>
+                </a:ext>
+              </a:extLst>
+            </p:cNvPr>
+            <p:cNvPicPr>
+              <a:picLocks noChangeAspect="1"/>
+            </p:cNvPicPr>
+            <p:nvPr/>
+          </p:nvPicPr>
+          <p:blipFill>
+            <a:blip r:embed="rId12"/>
+            <a:stretch>
+              <a:fillRect/>
+            </a:stretch>
+          </p:blipFill>
+          <p:spPr>
+            <a:xfrm>
+              <a:off x="2014771" y="2918889"/>
+              <a:ext cx="1123620" cy="316008"/>
+            </a:xfrm>
+            <a:prstGeom prst="rect">
+              <a:avLst/>
+            </a:prstGeom>
+          </p:spPr>
+        </p:pic>
+      </p:grpSp>
+      <p:cxnSp>
+        <p:nvCxnSpPr>
+          <p:cNvPr id="33" name="연결선: 꺾임 32">
+            <a:extLst>
+              <a:ext uri="{FF2B5EF4-FFF2-40B4-BE49-F238E27FC236}">
+                <a16:creationId xmlns:a16="http://schemas.microsoft.com/office/drawing/2014/main" id="{E1C00D7F-6379-4315-AFC3-C7F43CD2B483}"/>
+              </a:ext>
+            </a:extLst>
+          </p:cNvPr>
+          <p:cNvCxnSpPr>
+            <a:cxnSpLocks/>
+            <a:stCxn id="39" idx="2"/>
+            <a:endCxn id="13" idx="2"/>
+          </p:cNvCxnSpPr>
+          <p:nvPr/>
+        </p:nvCxnSpPr>
+        <p:spPr>
+          <a:xfrm rot="5400000">
+            <a:off x="2871234" y="1352316"/>
+            <a:ext cx="12700" cy="4153367"/>
+          </a:xfrm>
+          <a:prstGeom prst="bentConnector3">
+            <a:avLst>
+              <a:gd name="adj1" fmla="val 6391323"/>
+            </a:avLst>
+          </a:prstGeom>
+          <a:ln>
+            <a:tailEnd type="triangle"/>
+          </a:ln>
+        </p:spPr>
+        <p:style>
+          <a:lnRef idx="1">
+            <a:schemeClr val="dk1"/>
+          </a:lnRef>
+          <a:fillRef idx="0">
+            <a:schemeClr val="dk1"/>
+          </a:fillRef>
+          <a:effectRef idx="0">
+            <a:schemeClr val="dk1"/>
+          </a:effectRef>
+          <a:fontRef idx="minor">
+            <a:schemeClr val="tx1"/>
+          </a:fontRef>
+        </p:style>
+      </p:cxnSp>
+      <p:cxnSp>
+        <p:nvCxnSpPr>
+          <p:cNvPr id="41" name="직선 화살표 연결선 40">
+            <a:extLst>
+              <a:ext uri="{FF2B5EF4-FFF2-40B4-BE49-F238E27FC236}">
+                <a16:creationId xmlns:a16="http://schemas.microsoft.com/office/drawing/2014/main" id="{63ACE888-2EC3-4128-A1D2-BE71BA6287F1}"/>
+              </a:ext>
+            </a:extLst>
+          </p:cNvPr>
+          <p:cNvCxnSpPr>
+            <a:cxnSpLocks/>
+          </p:cNvCxnSpPr>
+          <p:nvPr/>
+        </p:nvCxnSpPr>
+        <p:spPr>
+          <a:xfrm flipV="1">
+            <a:off x="1356360" y="2677947"/>
+            <a:ext cx="665012" cy="13011"/>
+          </a:xfrm>
+          <a:prstGeom prst="straightConnector1">
+            <a:avLst/>
+          </a:prstGeom>
+          <a:ln>
+            <a:tailEnd type="triangle"/>
+          </a:ln>
+        </p:spPr>
+        <p:style>
+          <a:lnRef idx="1">
+            <a:schemeClr val="dk1"/>
+          </a:lnRef>
+          <a:fillRef idx="0">
+            <a:schemeClr val="dk1"/>
+          </a:fillRef>
+          <a:effectRef idx="0">
+            <a:schemeClr val="dk1"/>
+          </a:effectRef>
+          <a:fontRef idx="minor">
+            <a:schemeClr val="tx1"/>
+          </a:fontRef>
+        </p:style>
+      </p:cxnSp>
+      <p:cxnSp>
+        <p:nvCxnSpPr>
+          <p:cNvPr id="47" name="직선 화살표 연결선 46">
+            <a:extLst>
+              <a:ext uri="{FF2B5EF4-FFF2-40B4-BE49-F238E27FC236}">
+                <a16:creationId xmlns:a16="http://schemas.microsoft.com/office/drawing/2014/main" id="{D8498AD5-C527-4B7C-B681-91C2569EDFCC}"/>
+              </a:ext>
+            </a:extLst>
+          </p:cNvPr>
+          <p:cNvCxnSpPr>
+            <a:cxnSpLocks/>
+          </p:cNvCxnSpPr>
+          <p:nvPr/>
+        </p:nvCxnSpPr>
+        <p:spPr>
+          <a:xfrm flipV="1">
+            <a:off x="3593706" y="2664695"/>
+            <a:ext cx="643451" cy="13011"/>
+          </a:xfrm>
+          <a:prstGeom prst="straightConnector1">
+            <a:avLst/>
+          </a:prstGeom>
+          <a:ln>
+            <a:tailEnd type="triangle"/>
+          </a:ln>
+        </p:spPr>
+        <p:style>
+          <a:lnRef idx="1">
+            <a:schemeClr val="dk1"/>
+          </a:lnRef>
+          <a:fillRef idx="0">
+            <a:schemeClr val="dk1"/>
+          </a:fillRef>
+          <a:effectRef idx="0">
+            <a:schemeClr val="dk1"/>
+          </a:effectRef>
+          <a:fontRef idx="minor">
+            <a:schemeClr val="tx1"/>
+          </a:fontRef>
+        </p:style>
+      </p:cxnSp>
+      <p:cxnSp>
+        <p:nvCxnSpPr>
+          <p:cNvPr id="49" name="직선 화살표 연결선 48">
+            <a:extLst>
+              <a:ext uri="{FF2B5EF4-FFF2-40B4-BE49-F238E27FC236}">
+                <a16:creationId xmlns:a16="http://schemas.microsoft.com/office/drawing/2014/main" id="{02B20E41-54FA-401E-AF04-DAEE2A8D4265}"/>
+              </a:ext>
+            </a:extLst>
+          </p:cNvPr>
+          <p:cNvCxnSpPr>
+            <a:cxnSpLocks/>
+          </p:cNvCxnSpPr>
+          <p:nvPr/>
+        </p:nvCxnSpPr>
         <p:spPr>
           <a:xfrm>
-            <a:off x="1748434" y="2617876"/>
-            <a:ext cx="1123620" cy="393952"/>
+            <a:off x="5622551" y="2664695"/>
+            <a:ext cx="729359" cy="0"/>
           </a:xfrm>
-          <a:prstGeom prst="rect">
+          <a:prstGeom prst="straightConnector1">
             <a:avLst/>
           </a:prstGeom>
+          <a:ln>
+            <a:tailEnd type="triangle"/>
+          </a:ln>
         </p:spPr>
-      </p:pic>
+        <p:style>
+          <a:lnRef idx="1">
+            <a:schemeClr val="dk1"/>
+          </a:lnRef>
+          <a:fillRef idx="0">
+            <a:schemeClr val="dk1"/>
+          </a:fillRef>
+          <a:effectRef idx="0">
+            <a:schemeClr val="dk1"/>
+          </a:effectRef>
+          <a:fontRef idx="minor">
+            <a:schemeClr val="tx1"/>
+          </a:fontRef>
+        </p:style>
+      </p:cxnSp>
     </p:spTree>
     <p:extLst>
       <p:ext uri="{BB962C8B-B14F-4D97-AF65-F5344CB8AC3E}">

--- a/Report/보고서에 첨부된 그림 및 자료/영상처리 흐름도.pptx
+++ b/Report/보고서에 첨부된 그림 및 자료/영상처리 흐름도.pptx
@@ -8,6 +8,7 @@
     <p:sldId id="256" r:id="rId2"/>
     <p:sldId id="258" r:id="rId3"/>
     <p:sldId id="257" r:id="rId4"/>
+    <p:sldId id="259" r:id="rId5"/>
   </p:sldIdLst>
   <p:sldSz cx="12192000" cy="6858000"/>
   <p:notesSz cx="6858000" cy="9144000"/>
@@ -5727,10 +5728,10 @@
       </p:grpSpPr>
       <p:sp>
         <p:nvSpPr>
-          <p:cNvPr id="77" name="사각형: 둥근 모서리 76">
-            <a:extLst>
-              <a:ext uri="{FF2B5EF4-FFF2-40B4-BE49-F238E27FC236}">
-                <a16:creationId xmlns:a16="http://schemas.microsoft.com/office/drawing/2014/main" id="{71388B81-B482-49F4-B15E-C8CF744751C7}"/>
+          <p:cNvPr id="94" name="직사각형 93">
+            <a:extLst>
+              <a:ext uri="{FF2B5EF4-FFF2-40B4-BE49-F238E27FC236}">
+                <a16:creationId xmlns:a16="http://schemas.microsoft.com/office/drawing/2014/main" id="{D41BCC08-BD66-4229-8B4E-12433B01F5AA}"/>
               </a:ext>
             </a:extLst>
           </p:cNvPr>
@@ -5739,10 +5740,10 @@
         </p:nvSpPr>
         <p:spPr>
           <a:xfrm>
-            <a:off x="5822350" y="5526911"/>
-            <a:ext cx="1196683" cy="1288512"/>
-          </a:xfrm>
-          <a:prstGeom prst="roundRect">
+            <a:off x="119270" y="675861"/>
+            <a:ext cx="11771270" cy="5062330"/>
+          </a:xfrm>
+          <a:prstGeom prst="rect">
             <a:avLst/>
           </a:prstGeom>
         </p:spPr>
@@ -5765,477 +5766,10 @@
           <a:lstStyle/>
           <a:p>
             <a:pPr algn="ctr"/>
-            <a:endParaRPr lang="en-US" altLang="ko-KR" sz="1100" dirty="0"/>
-          </a:p>
-          <a:p>
-            <a:pPr algn="ctr"/>
-            <a:endParaRPr lang="en-US" altLang="ko-KR" sz="1100" dirty="0"/>
-          </a:p>
-          <a:p>
-            <a:pPr algn="ctr"/>
-            <a:endParaRPr lang="en-US" altLang="ko-KR" sz="1100" dirty="0"/>
-          </a:p>
-          <a:p>
-            <a:pPr algn="ctr"/>
-            <a:endParaRPr lang="en-US" altLang="ko-KR" sz="1100" dirty="0"/>
-          </a:p>
-          <a:p>
-            <a:pPr algn="ctr"/>
-            <a:endParaRPr lang="en-US" altLang="ko-KR" sz="1100" dirty="0"/>
-          </a:p>
-          <a:p>
-            <a:pPr algn="ctr"/>
-            <a:r>
-              <a:rPr lang="en-US" altLang="ko-KR" sz="1100" dirty="0"/>
-              <a:t>Camera</a:t>
-            </a:r>
-            <a:r>
-              <a:rPr lang="ko-KR" altLang="en-US" sz="1100" dirty="0"/>
-              <a:t> </a:t>
-            </a:r>
-            <a:r>
-              <a:rPr lang="en-US" altLang="ko-KR" sz="1100" dirty="0"/>
-              <a:t>Tile</a:t>
-            </a:r>
+            <a:endParaRPr lang="ko-KR" altLang="en-US"/>
           </a:p>
         </p:txBody>
       </p:sp>
-      <p:pic>
-        <p:nvPicPr>
-          <p:cNvPr id="1026" name="Picture 2" descr="tilt iconì ëí ì´ë¯¸ì§ ê²ìê²°ê³¼">
-            <a:extLst>
-              <a:ext uri="{FF2B5EF4-FFF2-40B4-BE49-F238E27FC236}">
-                <a16:creationId xmlns:a16="http://schemas.microsoft.com/office/drawing/2014/main" id="{9E42BE40-BBDD-49CF-9121-918911E3DCB1}"/>
-              </a:ext>
-            </a:extLst>
-          </p:cNvPr>
-          <p:cNvPicPr>
-            <a:picLocks noChangeAspect="1" noChangeArrowheads="1"/>
-          </p:cNvPicPr>
-          <p:nvPr/>
-        </p:nvPicPr>
-        <p:blipFill>
-          <a:blip r:embed="rId2">
-            <a:extLst>
-              <a:ext uri="{28A0092B-C50C-407E-A947-70E740481C1C}">
-                <a14:useLocalDpi xmlns:a14="http://schemas.microsoft.com/office/drawing/2010/main" val="0"/>
-              </a:ext>
-            </a:extLst>
-          </a:blip>
-          <a:srcRect/>
-          <a:stretch>
-            <a:fillRect/>
-          </a:stretch>
-        </p:blipFill>
-        <p:spPr bwMode="auto">
-          <a:xfrm>
-            <a:off x="5990974" y="5591567"/>
-            <a:ext cx="864151" cy="864151"/>
-          </a:xfrm>
-          <a:prstGeom prst="rect">
-            <a:avLst/>
-          </a:prstGeom>
-          <a:noFill/>
-          <a:extLst>
-            <a:ext uri="{909E8E84-426E-40DD-AFC4-6F175D3DCCD1}">
-              <a14:hiddenFill xmlns:a14="http://schemas.microsoft.com/office/drawing/2010/main">
-                <a:solidFill>
-                  <a:srgbClr val="FFFFFF"/>
-                </a:solidFill>
-              </a14:hiddenFill>
-            </a:ext>
-          </a:extLst>
-        </p:spPr>
-      </p:pic>
-      <p:sp>
-        <p:nvSpPr>
-          <p:cNvPr id="125" name="사각형: 둥근 모서리 124">
-            <a:extLst>
-              <a:ext uri="{FF2B5EF4-FFF2-40B4-BE49-F238E27FC236}">
-                <a16:creationId xmlns:a16="http://schemas.microsoft.com/office/drawing/2014/main" id="{36224916-597A-4DDF-97FA-2A5395B1E2B5}"/>
-              </a:ext>
-            </a:extLst>
-          </p:cNvPr>
-          <p:cNvSpPr/>
-          <p:nvPr/>
-        </p:nvSpPr>
-        <p:spPr>
-          <a:xfrm>
-            <a:off x="7398538" y="5784624"/>
-            <a:ext cx="1123620" cy="1002856"/>
-          </a:xfrm>
-          <a:prstGeom prst="roundRect">
-            <a:avLst/>
-          </a:prstGeom>
-        </p:spPr>
-        <p:style>
-          <a:lnRef idx="2">
-            <a:schemeClr val="accent3"/>
-          </a:lnRef>
-          <a:fillRef idx="1">
-            <a:schemeClr val="lt1"/>
-          </a:fillRef>
-          <a:effectRef idx="0">
-            <a:schemeClr val="accent3"/>
-          </a:effectRef>
-          <a:fontRef idx="minor">
-            <a:schemeClr val="dk1"/>
-          </a:fontRef>
-        </p:style>
-        <p:txBody>
-          <a:bodyPr rtlCol="0" anchor="ctr"/>
-          <a:lstStyle/>
-          <a:p>
-            <a:pPr algn="ctr"/>
-            <a:endParaRPr lang="en-US" altLang="ko-KR" sz="1100" dirty="0"/>
-          </a:p>
-          <a:p>
-            <a:pPr algn="ctr"/>
-            <a:endParaRPr lang="en-US" altLang="ko-KR" sz="1100" dirty="0"/>
-          </a:p>
-          <a:p>
-            <a:pPr algn="ctr"/>
-            <a:endParaRPr lang="en-US" altLang="ko-KR" sz="1100" dirty="0"/>
-          </a:p>
-          <a:p>
-            <a:pPr algn="ctr"/>
-            <a:endParaRPr lang="en-US" altLang="ko-KR" sz="1100" dirty="0"/>
-          </a:p>
-          <a:p>
-            <a:pPr algn="ctr"/>
-            <a:r>
-              <a:rPr lang="en-US" altLang="ko-KR" sz="1100" dirty="0"/>
-              <a:t>Change The</a:t>
-            </a:r>
-          </a:p>
-          <a:p>
-            <a:pPr algn="ctr"/>
-            <a:r>
-              <a:rPr lang="en-US" altLang="ko-KR" sz="1100" dirty="0"/>
-              <a:t>Tile Machine</a:t>
-            </a:r>
-          </a:p>
-        </p:txBody>
-      </p:sp>
-      <p:sp>
-        <p:nvSpPr>
-          <p:cNvPr id="78" name="사각형: 둥근 모서리 77">
-            <a:extLst>
-              <a:ext uri="{FF2B5EF4-FFF2-40B4-BE49-F238E27FC236}">
-                <a16:creationId xmlns:a16="http://schemas.microsoft.com/office/drawing/2014/main" id="{242580F6-2BEB-4C71-BF3E-12EF900859A9}"/>
-              </a:ext>
-            </a:extLst>
-          </p:cNvPr>
-          <p:cNvSpPr/>
-          <p:nvPr/>
-        </p:nvSpPr>
-        <p:spPr>
-          <a:xfrm>
-            <a:off x="1675175" y="5701556"/>
-            <a:ext cx="1490331" cy="1002856"/>
-          </a:xfrm>
-          <a:prstGeom prst="roundRect">
-            <a:avLst/>
-          </a:prstGeom>
-        </p:spPr>
-        <p:style>
-          <a:lnRef idx="2">
-            <a:schemeClr val="accent3"/>
-          </a:lnRef>
-          <a:fillRef idx="1">
-            <a:schemeClr val="lt1"/>
-          </a:fillRef>
-          <a:effectRef idx="0">
-            <a:schemeClr val="accent3"/>
-          </a:effectRef>
-          <a:fontRef idx="minor">
-            <a:schemeClr val="dk1"/>
-          </a:fontRef>
-        </p:style>
-        <p:txBody>
-          <a:bodyPr rtlCol="0" anchor="ctr"/>
-          <a:lstStyle/>
-          <a:p>
-            <a:pPr algn="ctr"/>
-            <a:endParaRPr lang="en-US" altLang="ko-KR" sz="1200" dirty="0"/>
-          </a:p>
-          <a:p>
-            <a:pPr algn="ctr"/>
-            <a:endParaRPr lang="en-US" altLang="ko-KR" sz="1200" dirty="0"/>
-          </a:p>
-          <a:p>
-            <a:pPr algn="ctr"/>
-            <a:endParaRPr lang="en-US" altLang="ko-KR" sz="1200" dirty="0"/>
-          </a:p>
-          <a:p>
-            <a:pPr algn="ctr"/>
-            <a:r>
-              <a:rPr lang="en-US" altLang="ko-KR" sz="1200" dirty="0"/>
-              <a:t>Check Object Coordinate</a:t>
-            </a:r>
-          </a:p>
-        </p:txBody>
-      </p:sp>
-      <p:sp>
-        <p:nvSpPr>
-          <p:cNvPr id="21" name="사각형: 둥근 모서리 20">
-            <a:extLst>
-              <a:ext uri="{FF2B5EF4-FFF2-40B4-BE49-F238E27FC236}">
-                <a16:creationId xmlns:a16="http://schemas.microsoft.com/office/drawing/2014/main" id="{F8573E46-6C2D-40A4-BD47-CDC3C9E2BD0D}"/>
-              </a:ext>
-            </a:extLst>
-          </p:cNvPr>
-          <p:cNvSpPr/>
-          <p:nvPr/>
-        </p:nvSpPr>
-        <p:spPr>
-          <a:xfrm>
-            <a:off x="9296965" y="5747709"/>
-            <a:ext cx="1123620" cy="866776"/>
-          </a:xfrm>
-          <a:prstGeom prst="roundRect">
-            <a:avLst/>
-          </a:prstGeom>
-        </p:spPr>
-        <p:style>
-          <a:lnRef idx="2">
-            <a:schemeClr val="accent3"/>
-          </a:lnRef>
-          <a:fillRef idx="1">
-            <a:schemeClr val="lt1"/>
-          </a:fillRef>
-          <a:effectRef idx="0">
-            <a:schemeClr val="accent3"/>
-          </a:effectRef>
-          <a:fontRef idx="minor">
-            <a:schemeClr val="dk1"/>
-          </a:fontRef>
-        </p:style>
-        <p:txBody>
-          <a:bodyPr rtlCol="0" anchor="ctr"/>
-          <a:lstStyle/>
-          <a:p>
-            <a:pPr algn="ctr"/>
-            <a:endParaRPr lang="en-US" altLang="ko-KR" sz="1200" dirty="0"/>
-          </a:p>
-          <a:p>
-            <a:pPr algn="ctr"/>
-            <a:endParaRPr lang="en-US" altLang="ko-KR" sz="1200" dirty="0"/>
-          </a:p>
-          <a:p>
-            <a:pPr algn="ctr"/>
-            <a:endParaRPr lang="en-US" altLang="ko-KR" sz="1200" dirty="0"/>
-          </a:p>
-          <a:p>
-            <a:pPr algn="ctr"/>
-            <a:r>
-              <a:rPr lang="en-US" altLang="ko-KR" sz="1200" dirty="0"/>
-              <a:t>Removal</a:t>
-            </a:r>
-          </a:p>
-          <a:p>
-            <a:pPr algn="ctr"/>
-            <a:r>
-              <a:rPr lang="en-US" altLang="ko-KR" sz="1200" dirty="0"/>
-              <a:t>Background</a:t>
-            </a:r>
-          </a:p>
-        </p:txBody>
-      </p:sp>
-      <p:sp>
-        <p:nvSpPr>
-          <p:cNvPr id="19" name="사각형: 둥근 모서리 18">
-            <a:extLst>
-              <a:ext uri="{FF2B5EF4-FFF2-40B4-BE49-F238E27FC236}">
-                <a16:creationId xmlns:a16="http://schemas.microsoft.com/office/drawing/2014/main" id="{F06B6004-7356-44D2-A528-48E11078845B}"/>
-              </a:ext>
-            </a:extLst>
-          </p:cNvPr>
-          <p:cNvSpPr/>
-          <p:nvPr/>
-        </p:nvSpPr>
-        <p:spPr>
-          <a:xfrm>
-            <a:off x="92371" y="67018"/>
-            <a:ext cx="1123620" cy="866776"/>
-          </a:xfrm>
-          <a:prstGeom prst="roundRect">
-            <a:avLst/>
-          </a:prstGeom>
-        </p:spPr>
-        <p:style>
-          <a:lnRef idx="2">
-            <a:schemeClr val="accent3"/>
-          </a:lnRef>
-          <a:fillRef idx="1">
-            <a:schemeClr val="lt1"/>
-          </a:fillRef>
-          <a:effectRef idx="0">
-            <a:schemeClr val="accent3"/>
-          </a:effectRef>
-          <a:fontRef idx="minor">
-            <a:schemeClr val="dk1"/>
-          </a:fontRef>
-        </p:style>
-        <p:txBody>
-          <a:bodyPr rtlCol="0" anchor="ctr"/>
-          <a:lstStyle/>
-          <a:p>
-            <a:pPr algn="ctr"/>
-            <a:endParaRPr lang="en-US" altLang="ko-KR" sz="1200" dirty="0"/>
-          </a:p>
-          <a:p>
-            <a:pPr algn="ctr"/>
-            <a:endParaRPr lang="en-US" altLang="ko-KR" sz="1200" dirty="0"/>
-          </a:p>
-          <a:p>
-            <a:pPr algn="ctr"/>
-            <a:endParaRPr lang="en-US" altLang="ko-KR" sz="1200" dirty="0"/>
-          </a:p>
-          <a:p>
-            <a:pPr algn="ctr"/>
-            <a:r>
-              <a:rPr lang="en-US" altLang="ko-KR" sz="1200" dirty="0"/>
-              <a:t>Find Dog Object</a:t>
-            </a:r>
-            <a:endParaRPr lang="ko-KR" altLang="en-US" sz="1200" dirty="0"/>
-          </a:p>
-        </p:txBody>
-      </p:sp>
-      <p:sp>
-        <p:nvSpPr>
-          <p:cNvPr id="15" name="사각형: 둥근 모서리 14">
-            <a:extLst>
-              <a:ext uri="{FF2B5EF4-FFF2-40B4-BE49-F238E27FC236}">
-                <a16:creationId xmlns:a16="http://schemas.microsoft.com/office/drawing/2014/main" id="{EE4DEBDD-B128-44C3-BE99-B5B7D5B792B5}"/>
-              </a:ext>
-            </a:extLst>
-          </p:cNvPr>
-          <p:cNvSpPr/>
-          <p:nvPr/>
-        </p:nvSpPr>
-        <p:spPr>
-          <a:xfrm>
-            <a:off x="1515081" y="23514"/>
-            <a:ext cx="1613610" cy="847939"/>
-          </a:xfrm>
-          <a:prstGeom prst="roundRect">
-            <a:avLst/>
-          </a:prstGeom>
-        </p:spPr>
-        <p:style>
-          <a:lnRef idx="2">
-            <a:schemeClr val="accent3"/>
-          </a:lnRef>
-          <a:fillRef idx="1">
-            <a:schemeClr val="lt1"/>
-          </a:fillRef>
-          <a:effectRef idx="0">
-            <a:schemeClr val="accent3"/>
-          </a:effectRef>
-          <a:fontRef idx="minor">
-            <a:schemeClr val="dk1"/>
-          </a:fontRef>
-        </p:style>
-        <p:txBody>
-          <a:bodyPr rtlCol="0" anchor="ctr"/>
-          <a:lstStyle/>
-          <a:p>
-            <a:pPr algn="ctr"/>
-            <a:endParaRPr lang="en-US" altLang="ko-KR" sz="1100" dirty="0"/>
-          </a:p>
-          <a:p>
-            <a:pPr algn="ctr"/>
-            <a:endParaRPr lang="en-US" altLang="ko-KR" sz="1100" dirty="0"/>
-          </a:p>
-          <a:p>
-            <a:pPr algn="ctr"/>
-            <a:endParaRPr lang="en-US" altLang="ko-KR" sz="1100" dirty="0"/>
-          </a:p>
-          <a:p>
-            <a:pPr algn="ctr"/>
-            <a:r>
-              <a:rPr lang="en-US" altLang="ko-KR" sz="1100" dirty="0"/>
-              <a:t>Color conversion</a:t>
-            </a:r>
-          </a:p>
-          <a:p>
-            <a:pPr algn="ctr"/>
-            <a:r>
-              <a:rPr lang="en-US" altLang="ko-KR" sz="1050" dirty="0"/>
-              <a:t>[</a:t>
-            </a:r>
-            <a:r>
-              <a:rPr lang="ko-KR" altLang="en-US" sz="1050" dirty="0"/>
-              <a:t>영상처리 라이브러리</a:t>
-            </a:r>
-            <a:r>
-              <a:rPr lang="en-US" altLang="ko-KR" sz="1050" dirty="0"/>
-              <a:t>]</a:t>
-            </a:r>
-          </a:p>
-        </p:txBody>
-      </p:sp>
-      <p:pic>
-        <p:nvPicPr>
-          <p:cNvPr id="9" name="그림 8">
-            <a:extLst>
-              <a:ext uri="{FF2B5EF4-FFF2-40B4-BE49-F238E27FC236}">
-                <a16:creationId xmlns:a16="http://schemas.microsoft.com/office/drawing/2014/main" id="{9731ACF8-B457-4BDE-AEA6-F53531F95DF2}"/>
-              </a:ext>
-            </a:extLst>
-          </p:cNvPr>
-          <p:cNvPicPr>
-            <a:picLocks noChangeAspect="1"/>
-          </p:cNvPicPr>
-          <p:nvPr/>
-        </p:nvPicPr>
-        <p:blipFill>
-          <a:blip r:embed="rId3"/>
-          <a:stretch>
-            <a:fillRect/>
-          </a:stretch>
-        </p:blipFill>
-        <p:spPr>
-          <a:xfrm>
-            <a:off x="213630" y="101658"/>
-            <a:ext cx="881101" cy="492809"/>
-          </a:xfrm>
-          <a:prstGeom prst="rect">
-            <a:avLst/>
-          </a:prstGeom>
-        </p:spPr>
-      </p:pic>
-      <p:pic>
-        <p:nvPicPr>
-          <p:cNvPr id="12" name="그림 11">
-            <a:extLst>
-              <a:ext uri="{FF2B5EF4-FFF2-40B4-BE49-F238E27FC236}">
-                <a16:creationId xmlns:a16="http://schemas.microsoft.com/office/drawing/2014/main" id="{F13C0630-1E87-4B02-9957-779DAF215281}"/>
-              </a:ext>
-            </a:extLst>
-          </p:cNvPr>
-          <p:cNvPicPr>
-            <a:picLocks noChangeAspect="1"/>
-          </p:cNvPicPr>
-          <p:nvPr/>
-        </p:nvPicPr>
-        <p:blipFill>
-          <a:blip r:embed="rId4"/>
-          <a:stretch>
-            <a:fillRect/>
-          </a:stretch>
-        </p:blipFill>
-        <p:spPr>
-          <a:xfrm>
-            <a:off x="1812619" y="71736"/>
-            <a:ext cx="932441" cy="436870"/>
-          </a:xfrm>
-          <a:prstGeom prst="rect">
-            <a:avLst/>
-          </a:prstGeom>
-        </p:spPr>
-      </p:pic>
       <p:grpSp>
         <p:nvGrpSpPr>
           <p:cNvPr id="3" name="그룹 2">
@@ -6250,8 +5784,8 @@
         </p:nvGrpSpPr>
         <p:grpSpPr>
           <a:xfrm>
-            <a:off x="232740" y="2027582"/>
-            <a:ext cx="1123620" cy="1401417"/>
+            <a:off x="248452" y="2899625"/>
+            <a:ext cx="1053384" cy="1085253"/>
             <a:chOff x="230369" y="2883249"/>
             <a:chExt cx="1123620" cy="741827"/>
           </a:xfrm>
@@ -6327,7 +5861,7 @@
             <p:nvPr/>
           </p:nvPicPr>
           <p:blipFill>
-            <a:blip r:embed="rId5"/>
+            <a:blip r:embed="rId2"/>
             <a:stretch>
               <a:fillRect/>
             </a:stretch>
@@ -6343,122 +5877,6 @@
           </p:spPr>
         </p:pic>
       </p:grpSp>
-      <p:sp>
-        <p:nvSpPr>
-          <p:cNvPr id="17" name="사각형: 둥근 모서리 16">
-            <a:extLst>
-              <a:ext uri="{FF2B5EF4-FFF2-40B4-BE49-F238E27FC236}">
-                <a16:creationId xmlns:a16="http://schemas.microsoft.com/office/drawing/2014/main" id="{48AF503B-92D8-4121-9CCC-C3AE7C27835B}"/>
-              </a:ext>
-            </a:extLst>
-          </p:cNvPr>
-          <p:cNvSpPr/>
-          <p:nvPr/>
-        </p:nvSpPr>
-        <p:spPr>
-          <a:xfrm>
-            <a:off x="7613277" y="261685"/>
-            <a:ext cx="1123620" cy="741827"/>
-          </a:xfrm>
-          <a:prstGeom prst="roundRect">
-            <a:avLst/>
-          </a:prstGeom>
-        </p:spPr>
-        <p:style>
-          <a:lnRef idx="2">
-            <a:schemeClr val="accent3"/>
-          </a:lnRef>
-          <a:fillRef idx="1">
-            <a:schemeClr val="lt1"/>
-          </a:fillRef>
-          <a:effectRef idx="0">
-            <a:schemeClr val="accent3"/>
-          </a:effectRef>
-          <a:fontRef idx="minor">
-            <a:schemeClr val="dk1"/>
-          </a:fontRef>
-        </p:style>
-        <p:txBody>
-          <a:bodyPr rtlCol="0" anchor="ctr"/>
-          <a:lstStyle/>
-          <a:p>
-            <a:pPr algn="ctr"/>
-            <a:endParaRPr lang="en-US" altLang="ko-KR" sz="1200" dirty="0"/>
-          </a:p>
-          <a:p>
-            <a:pPr algn="ctr"/>
-            <a:endParaRPr lang="en-US" altLang="ko-KR" sz="1200" dirty="0"/>
-          </a:p>
-          <a:p>
-            <a:pPr algn="ctr"/>
-            <a:r>
-              <a:rPr lang="en-US" altLang="ko-KR" sz="1200" dirty="0"/>
-              <a:t>conversion Image</a:t>
-            </a:r>
-            <a:endParaRPr lang="ko-KR" altLang="en-US" sz="1200" dirty="0"/>
-          </a:p>
-        </p:txBody>
-      </p:sp>
-      <p:pic>
-        <p:nvPicPr>
-          <p:cNvPr id="18" name="그림 17">
-            <a:extLst>
-              <a:ext uri="{FF2B5EF4-FFF2-40B4-BE49-F238E27FC236}">
-                <a16:creationId xmlns:a16="http://schemas.microsoft.com/office/drawing/2014/main" id="{A0842CF7-FCCB-4DD8-A3F9-93036C3CA8B8}"/>
-              </a:ext>
-            </a:extLst>
-          </p:cNvPr>
-          <p:cNvPicPr>
-            <a:picLocks noChangeAspect="1"/>
-          </p:cNvPicPr>
-          <p:nvPr/>
-        </p:nvPicPr>
-        <p:blipFill>
-          <a:blip r:embed="rId5"/>
-          <a:stretch>
-            <a:fillRect/>
-          </a:stretch>
-        </p:blipFill>
-        <p:spPr>
-          <a:xfrm>
-            <a:off x="7925433" y="306610"/>
-            <a:ext cx="499308" cy="358626"/>
-          </a:xfrm>
-          <a:prstGeom prst="rect">
-            <a:avLst/>
-          </a:prstGeom>
-        </p:spPr>
-      </p:pic>
-      <p:pic>
-        <p:nvPicPr>
-          <p:cNvPr id="20" name="그림 19">
-            <a:extLst>
-              <a:ext uri="{FF2B5EF4-FFF2-40B4-BE49-F238E27FC236}">
-                <a16:creationId xmlns:a16="http://schemas.microsoft.com/office/drawing/2014/main" id="{1505AB76-F47B-4088-9015-14632B28F489}"/>
-              </a:ext>
-            </a:extLst>
-          </p:cNvPr>
-          <p:cNvPicPr>
-            <a:picLocks noChangeAspect="1"/>
-          </p:cNvPicPr>
-          <p:nvPr/>
-        </p:nvPicPr>
-        <p:blipFill>
-          <a:blip r:embed="rId6"/>
-          <a:stretch>
-            <a:fillRect/>
-          </a:stretch>
-        </p:blipFill>
-        <p:spPr>
-          <a:xfrm>
-            <a:off x="9415842" y="5795222"/>
-            <a:ext cx="885865" cy="432836"/>
-          </a:xfrm>
-          <a:prstGeom prst="rect">
-            <a:avLst/>
-          </a:prstGeom>
-        </p:spPr>
-      </p:pic>
       <p:grpSp>
         <p:nvGrpSpPr>
           <p:cNvPr id="5" name="그룹 4">
@@ -6473,8 +5891,8 @@
         </p:nvGrpSpPr>
         <p:grpSpPr>
           <a:xfrm>
-            <a:off x="4290165" y="2027581"/>
-            <a:ext cx="1315503" cy="1401418"/>
+            <a:off x="5747989" y="2790599"/>
+            <a:ext cx="1307964" cy="1226282"/>
             <a:chOff x="3661182" y="2802539"/>
             <a:chExt cx="1123620" cy="866776"/>
           </a:xfrm>
@@ -6557,7 +5975,7 @@
             <p:nvPr/>
           </p:nvPicPr>
           <p:blipFill>
-            <a:blip r:embed="rId7"/>
+            <a:blip r:embed="rId3"/>
             <a:stretch>
               <a:fillRect/>
             </a:stretch>
@@ -6587,8 +6005,8 @@
         </p:nvSpPr>
         <p:spPr>
           <a:xfrm>
-            <a:off x="11304111" y="64491"/>
-            <a:ext cx="586429" cy="5859232"/>
+            <a:off x="11304111" y="675860"/>
+            <a:ext cx="586429" cy="5062330"/>
           </a:xfrm>
           <a:prstGeom prst="rect">
             <a:avLst/>
@@ -6688,121 +6106,12 @@
           </a:p>
         </p:txBody>
       </p:sp>
-      <p:sp>
-        <p:nvSpPr>
-          <p:cNvPr id="63" name="사각형: 둥근 모서리 62">
-            <a:extLst>
-              <a:ext uri="{FF2B5EF4-FFF2-40B4-BE49-F238E27FC236}">
-                <a16:creationId xmlns:a16="http://schemas.microsoft.com/office/drawing/2014/main" id="{76793B23-90F5-4903-A8B4-9C510A7F3B69}"/>
-              </a:ext>
-            </a:extLst>
-          </p:cNvPr>
-          <p:cNvSpPr/>
-          <p:nvPr/>
-        </p:nvSpPr>
-        <p:spPr>
-          <a:xfrm>
-            <a:off x="9130554" y="102546"/>
-            <a:ext cx="1490331" cy="840273"/>
-          </a:xfrm>
-          <a:prstGeom prst="roundRect">
-            <a:avLst/>
-          </a:prstGeom>
-        </p:spPr>
-        <p:style>
-          <a:lnRef idx="2">
-            <a:schemeClr val="accent3"/>
-          </a:lnRef>
-          <a:fillRef idx="1">
-            <a:schemeClr val="lt1"/>
-          </a:fillRef>
-          <a:effectRef idx="0">
-            <a:schemeClr val="accent3"/>
-          </a:effectRef>
-          <a:fontRef idx="minor">
-            <a:schemeClr val="dk1"/>
-          </a:fontRef>
-        </p:style>
-        <p:txBody>
-          <a:bodyPr rtlCol="0" anchor="ctr"/>
-          <a:lstStyle/>
-          <a:p>
-            <a:pPr algn="ctr"/>
-            <a:endParaRPr lang="en-US" altLang="ko-KR" sz="1100" dirty="0"/>
-          </a:p>
-          <a:p>
-            <a:pPr algn="ctr"/>
-            <a:endParaRPr lang="en-US" altLang="ko-KR" sz="1100" dirty="0"/>
-          </a:p>
-          <a:p>
-            <a:pPr algn="ctr"/>
-            <a:r>
-              <a:rPr lang="en-US" altLang="ko-KR" sz="1100" dirty="0"/>
-              <a:t>Change the</a:t>
-            </a:r>
-          </a:p>
-          <a:p>
-            <a:pPr algn="ctr"/>
-            <a:r>
-              <a:rPr lang="en-US" altLang="ko-KR" sz="1100" dirty="0"/>
-              <a:t>Image Coordinate</a:t>
-            </a:r>
-          </a:p>
-        </p:txBody>
-      </p:sp>
-      <p:pic>
-        <p:nvPicPr>
-          <p:cNvPr id="1033" name="Picture 4" descr="change image iconì ëí ì´ë¯¸ì§ ê²ìê²°ê³¼">
-            <a:extLst>
-              <a:ext uri="{FF2B5EF4-FFF2-40B4-BE49-F238E27FC236}">
-                <a16:creationId xmlns:a16="http://schemas.microsoft.com/office/drawing/2014/main" id="{6494AA7A-D75C-4695-BF0C-A470DD3E261A}"/>
-              </a:ext>
-            </a:extLst>
-          </p:cNvPr>
-          <p:cNvPicPr>
-            <a:picLocks noChangeAspect="1" noChangeArrowheads="1"/>
-          </p:cNvPicPr>
-          <p:nvPr/>
-        </p:nvPicPr>
-        <p:blipFill>
-          <a:blip r:embed="rId8">
-            <a:extLst>
-              <a:ext uri="{28A0092B-C50C-407E-A947-70E740481C1C}">
-                <a14:useLocalDpi xmlns:a14="http://schemas.microsoft.com/office/drawing/2010/main" val="0"/>
-              </a:ext>
-            </a:extLst>
-          </a:blip>
-          <a:srcRect/>
-          <a:stretch>
-            <a:fillRect/>
-          </a:stretch>
-        </p:blipFill>
-        <p:spPr bwMode="auto">
-          <a:xfrm>
-            <a:off x="9688563" y="143340"/>
-            <a:ext cx="379342" cy="379342"/>
-          </a:xfrm>
-          <a:prstGeom prst="rect">
-            <a:avLst/>
-          </a:prstGeom>
-          <a:noFill/>
-          <a:extLst>
-            <a:ext uri="{909E8E84-426E-40DD-AFC4-6F175D3DCCD1}">
-              <a14:hiddenFill xmlns:a14="http://schemas.microsoft.com/office/drawing/2010/main">
-                <a:solidFill>
-                  <a:srgbClr val="FFFFFF"/>
-                </a:solidFill>
-              </a14:hiddenFill>
-            </a:ext>
-          </a:extLst>
-        </p:spPr>
-      </p:pic>
       <p:grpSp>
         <p:nvGrpSpPr>
-          <p:cNvPr id="84" name="그룹 83">
-            <a:extLst>
-              <a:ext uri="{FF2B5EF4-FFF2-40B4-BE49-F238E27FC236}">
-                <a16:creationId xmlns:a16="http://schemas.microsoft.com/office/drawing/2014/main" id="{2191F06F-1558-483F-A311-F21DF56B5512}"/>
+          <p:cNvPr id="35" name="그룹 34">
+            <a:extLst>
+              <a:ext uri="{FF2B5EF4-FFF2-40B4-BE49-F238E27FC236}">
+                <a16:creationId xmlns:a16="http://schemas.microsoft.com/office/drawing/2014/main" id="{C9761F5D-B527-49A6-A33F-1305C554A05A}"/>
               </a:ext>
             </a:extLst>
           </p:cNvPr>
@@ -6811,8 +6120,138 @@
         </p:nvGrpSpPr>
         <p:grpSpPr>
           <a:xfrm>
-            <a:off x="6351910" y="2046635"/>
-            <a:ext cx="1123620" cy="1388716"/>
+            <a:off x="9405081" y="2948051"/>
+            <a:ext cx="1432618" cy="840273"/>
+            <a:chOff x="5723557" y="3624937"/>
+            <a:chExt cx="1432618" cy="840273"/>
+          </a:xfrm>
+        </p:grpSpPr>
+        <p:sp>
+          <p:nvSpPr>
+            <p:cNvPr id="63" name="사각형: 둥근 모서리 62">
+              <a:extLst>
+                <a:ext uri="{FF2B5EF4-FFF2-40B4-BE49-F238E27FC236}">
+                  <a16:creationId xmlns:a16="http://schemas.microsoft.com/office/drawing/2014/main" id="{76793B23-90F5-4903-A8B4-9C510A7F3B69}"/>
+                </a:ext>
+              </a:extLst>
+            </p:cNvPr>
+            <p:cNvSpPr/>
+            <p:nvPr/>
+          </p:nvSpPr>
+          <p:spPr>
+            <a:xfrm>
+              <a:off x="5723557" y="3624937"/>
+              <a:ext cx="1432618" cy="840273"/>
+            </a:xfrm>
+            <a:prstGeom prst="roundRect">
+              <a:avLst/>
+            </a:prstGeom>
+          </p:spPr>
+          <p:style>
+            <a:lnRef idx="2">
+              <a:schemeClr val="accent3"/>
+            </a:lnRef>
+            <a:fillRef idx="1">
+              <a:schemeClr val="lt1"/>
+            </a:fillRef>
+            <a:effectRef idx="0">
+              <a:schemeClr val="accent3"/>
+            </a:effectRef>
+            <a:fontRef idx="minor">
+              <a:schemeClr val="dk1"/>
+            </a:fontRef>
+          </p:style>
+          <p:txBody>
+            <a:bodyPr rtlCol="0" anchor="ctr"/>
+            <a:lstStyle/>
+            <a:p>
+              <a:pPr algn="ctr"/>
+              <a:endParaRPr lang="en-US" altLang="ko-KR" sz="1100" dirty="0"/>
+            </a:p>
+            <a:p>
+              <a:pPr algn="ctr"/>
+              <a:endParaRPr lang="en-US" altLang="ko-KR" sz="1100" dirty="0"/>
+            </a:p>
+            <a:p>
+              <a:pPr algn="ctr"/>
+              <a:r>
+                <a:rPr lang="en-US" altLang="ko-KR" sz="1100" dirty="0"/>
+                <a:t>Change the</a:t>
+              </a:r>
+            </a:p>
+            <a:p>
+              <a:pPr algn="ctr"/>
+              <a:r>
+                <a:rPr lang="en-US" altLang="ko-KR" sz="1100" dirty="0"/>
+                <a:t>Object Coordinate</a:t>
+              </a:r>
+            </a:p>
+          </p:txBody>
+        </p:sp>
+        <p:pic>
+          <p:nvPicPr>
+            <p:cNvPr id="1033" name="Picture 4" descr="change image iconì ëí ì´ë¯¸ì§ ê²ìê²°ê³¼">
+              <a:extLst>
+                <a:ext uri="{FF2B5EF4-FFF2-40B4-BE49-F238E27FC236}">
+                  <a16:creationId xmlns:a16="http://schemas.microsoft.com/office/drawing/2014/main" id="{6494AA7A-D75C-4695-BF0C-A470DD3E261A}"/>
+                </a:ext>
+              </a:extLst>
+            </p:cNvPr>
+            <p:cNvPicPr>
+              <a:picLocks noChangeAspect="1" noChangeArrowheads="1"/>
+            </p:cNvPicPr>
+            <p:nvPr/>
+          </p:nvPicPr>
+          <p:blipFill>
+            <a:blip r:embed="rId4">
+              <a:extLst>
+                <a:ext uri="{28A0092B-C50C-407E-A947-70E740481C1C}">
+                  <a14:useLocalDpi xmlns:a14="http://schemas.microsoft.com/office/drawing/2010/main" val="0"/>
+                </a:ext>
+              </a:extLst>
+            </a:blip>
+            <a:srcRect/>
+            <a:stretch>
+              <a:fillRect/>
+            </a:stretch>
+          </p:blipFill>
+          <p:spPr bwMode="auto">
+            <a:xfrm>
+              <a:off x="6268313" y="3665731"/>
+              <a:ext cx="379342" cy="379342"/>
+            </a:xfrm>
+            <a:prstGeom prst="rect">
+              <a:avLst/>
+            </a:prstGeom>
+            <a:noFill/>
+            <a:extLst>
+              <a:ext uri="{909E8E84-426E-40DD-AFC4-6F175D3DCCD1}">
+                <a14:hiddenFill xmlns:a14="http://schemas.microsoft.com/office/drawing/2010/main">
+                  <a:solidFill>
+                    <a:srgbClr val="FFFFFF"/>
+                  </a:solidFill>
+                </a14:hiddenFill>
+              </a:ext>
+            </a:extLst>
+          </p:spPr>
+        </p:pic>
+      </p:grpSp>
+      <p:grpSp>
+        <p:nvGrpSpPr>
+          <p:cNvPr id="84" name="그룹 83">
+            <a:extLst>
+              <a:ext uri="{FF2B5EF4-FFF2-40B4-BE49-F238E27FC236}">
+                <a16:creationId xmlns:a16="http://schemas.microsoft.com/office/drawing/2014/main" id="{2191F06F-1558-483F-A311-F21DF56B5512}"/>
+              </a:ext>
+            </a:extLst>
+          </p:cNvPr>
+          <p:cNvGrpSpPr/>
+          <p:nvPr/>
+        </p:nvGrpSpPr>
+        <p:grpSpPr>
+          <a:xfrm>
+            <a:off x="9524690" y="1204531"/>
+            <a:ext cx="1123620" cy="1066990"/>
             <a:chOff x="9134842" y="4572165"/>
             <a:chExt cx="1123620" cy="840273"/>
           </a:xfrm>
@@ -6833,6 +6272,145 @@
             <a:xfrm>
               <a:off x="9134842" y="4572165"/>
               <a:ext cx="1123620" cy="840273"/>
+            </a:xfrm>
+            <a:prstGeom prst="roundRect">
+              <a:avLst/>
+            </a:prstGeom>
+          </p:spPr>
+          <p:style>
+            <a:lnRef idx="2">
+              <a:schemeClr val="accent3"/>
+            </a:lnRef>
+            <a:fillRef idx="1">
+              <a:schemeClr val="lt1"/>
+            </a:fillRef>
+            <a:effectRef idx="0">
+              <a:schemeClr val="accent3"/>
+            </a:effectRef>
+            <a:fontRef idx="minor">
+              <a:schemeClr val="dk1"/>
+            </a:fontRef>
+          </p:style>
+          <p:txBody>
+            <a:bodyPr rtlCol="0" anchor="ctr"/>
+            <a:lstStyle/>
+            <a:p>
+              <a:pPr algn="ctr"/>
+              <a:endParaRPr lang="en-US" altLang="ko-KR" sz="1050" dirty="0"/>
+            </a:p>
+            <a:p>
+              <a:pPr algn="ctr"/>
+              <a:endParaRPr lang="en-US" altLang="ko-KR" sz="1050" dirty="0"/>
+            </a:p>
+            <a:p>
+              <a:pPr algn="ctr"/>
+              <a:endParaRPr lang="en-US" altLang="ko-KR" sz="1050" dirty="0"/>
+            </a:p>
+            <a:p>
+              <a:pPr algn="ctr"/>
+              <a:endParaRPr lang="en-US" altLang="ko-KR" sz="1050" dirty="0"/>
+            </a:p>
+            <a:p>
+              <a:pPr algn="ctr"/>
+              <a:r>
+                <a:rPr lang="en-US" altLang="ko-KR" sz="1050" dirty="0"/>
+                <a:t>Focus On</a:t>
+              </a:r>
+            </a:p>
+            <a:p>
+              <a:pPr algn="ctr"/>
+              <a:r>
+                <a:rPr lang="en-US" altLang="ko-KR" sz="1050" dirty="0"/>
+                <a:t>Object Image</a:t>
+              </a:r>
+              <a:endParaRPr lang="ko-KR" altLang="en-US" sz="1050" dirty="0"/>
+            </a:p>
+          </p:txBody>
+        </p:sp>
+        <p:pic>
+          <p:nvPicPr>
+            <p:cNvPr id="76" name="Picture 2" descr="focusing iconì ëí ì´ë¯¸ì§ ê²ìê²°ê³¼">
+              <a:extLst>
+                <a:ext uri="{FF2B5EF4-FFF2-40B4-BE49-F238E27FC236}">
+                  <a16:creationId xmlns:a16="http://schemas.microsoft.com/office/drawing/2014/main" id="{89BEB966-5766-44D9-948D-42700982A854}"/>
+                </a:ext>
+              </a:extLst>
+            </p:cNvPr>
+            <p:cNvPicPr>
+              <a:picLocks noChangeAspect="1" noChangeArrowheads="1"/>
+            </p:cNvPicPr>
+            <p:nvPr/>
+          </p:nvPicPr>
+          <p:blipFill>
+            <a:blip r:embed="rId5">
+              <a:extLst>
+                <a:ext uri="{28A0092B-C50C-407E-A947-70E740481C1C}">
+                  <a14:useLocalDpi xmlns:a14="http://schemas.microsoft.com/office/drawing/2010/main" val="0"/>
+                </a:ext>
+              </a:extLst>
+            </a:blip>
+            <a:srcRect/>
+            <a:stretch>
+              <a:fillRect/>
+            </a:stretch>
+          </p:blipFill>
+          <p:spPr bwMode="auto">
+            <a:xfrm>
+              <a:off x="9472903" y="4672607"/>
+              <a:ext cx="447497" cy="332430"/>
+            </a:xfrm>
+            <a:prstGeom prst="rect">
+              <a:avLst/>
+            </a:prstGeom>
+            <a:noFill/>
+            <a:extLst>
+              <a:ext uri="{909E8E84-426E-40DD-AFC4-6F175D3DCCD1}">
+                <a14:hiddenFill xmlns:a14="http://schemas.microsoft.com/office/drawing/2010/main">
+                  <a:solidFill>
+                    <a:srgbClr val="FFFFFF"/>
+                  </a:solidFill>
+                </a14:hiddenFill>
+              </a:ext>
+            </a:extLst>
+          </p:spPr>
+        </p:pic>
+      </p:grpSp>
+      <p:grpSp>
+        <p:nvGrpSpPr>
+          <p:cNvPr id="6" name="그룹 5">
+            <a:extLst>
+              <a:ext uri="{FF2B5EF4-FFF2-40B4-BE49-F238E27FC236}">
+                <a16:creationId xmlns:a16="http://schemas.microsoft.com/office/drawing/2014/main" id="{AB0FD702-81AF-4F8B-B675-F5AD1EBEC470}"/>
+              </a:ext>
+            </a:extLst>
+          </p:cNvPr>
+          <p:cNvGrpSpPr/>
+          <p:nvPr/>
+        </p:nvGrpSpPr>
+        <p:grpSpPr>
+          <a:xfrm>
+            <a:off x="7667057" y="2782190"/>
+            <a:ext cx="1287926" cy="1173411"/>
+            <a:chOff x="1675175" y="5701556"/>
+            <a:chExt cx="1490331" cy="1002856"/>
+          </a:xfrm>
+        </p:grpSpPr>
+        <p:sp>
+          <p:nvSpPr>
+            <p:cNvPr id="78" name="사각형: 둥근 모서리 77">
+              <a:extLst>
+                <a:ext uri="{FF2B5EF4-FFF2-40B4-BE49-F238E27FC236}">
+                  <a16:creationId xmlns:a16="http://schemas.microsoft.com/office/drawing/2014/main" id="{242580F6-2BEB-4C71-BF3E-12EF900859A9}"/>
+                </a:ext>
+              </a:extLst>
+            </p:cNvPr>
+            <p:cNvSpPr/>
+            <p:nvPr/>
+          </p:nvSpPr>
+          <p:spPr>
+            <a:xfrm>
+              <a:off x="1675175" y="5701556"/>
+              <a:ext cx="1490331" cy="1002856"/>
             </a:xfrm>
             <a:prstGeom prst="roundRect">
               <a:avLst/>
@@ -6875,25 +6453,17 @@
               <a:pPr algn="ctr"/>
               <a:r>
                 <a:rPr lang="en-US" altLang="ko-KR" sz="1200" dirty="0"/>
-                <a:t>Focus On</a:t>
+                <a:t>Check Object Coordinate</a:t>
               </a:r>
-            </a:p>
-            <a:p>
-              <a:pPr algn="ctr"/>
-              <a:r>
-                <a:rPr lang="en-US" altLang="ko-KR" sz="1200" dirty="0"/>
-                <a:t>Dog Image</a:t>
-              </a:r>
-              <a:endParaRPr lang="ko-KR" altLang="en-US" sz="1200" dirty="0"/>
             </a:p>
           </p:txBody>
         </p:sp>
         <p:pic>
           <p:nvPicPr>
-            <p:cNvPr id="76" name="Picture 2" descr="focusing iconì ëí ì´ë¯¸ì§ ê²ìê²°ê³¼">
+            <p:cNvPr id="1034" name="Picture 6" descr="x y z vectorì ëí ì´ë¯¸ì§ ê²ìê²°ê³¼">
               <a:extLst>
                 <a:ext uri="{FF2B5EF4-FFF2-40B4-BE49-F238E27FC236}">
-                  <a16:creationId xmlns:a16="http://schemas.microsoft.com/office/drawing/2014/main" id="{89BEB966-5766-44D9-948D-42700982A854}"/>
+                  <a16:creationId xmlns:a16="http://schemas.microsoft.com/office/drawing/2014/main" id="{A13A659D-1D03-42BA-8D23-79AE581E44F9}"/>
                 </a:ext>
               </a:extLst>
             </p:cNvPr>
@@ -6903,7 +6473,7 @@
             <p:nvPr/>
           </p:nvPicPr>
           <p:blipFill>
-            <a:blip r:embed="rId9">
+            <a:blip r:embed="rId6">
               <a:extLst>
                 <a:ext uri="{28A0092B-C50C-407E-A947-70E740481C1C}">
                   <a14:useLocalDpi xmlns:a14="http://schemas.microsoft.com/office/drawing/2010/main" val="0"/>
@@ -6917,8 +6487,8 @@
           </p:blipFill>
           <p:spPr bwMode="auto">
             <a:xfrm>
-              <a:off x="9472903" y="4672607"/>
-              <a:ext cx="447497" cy="332430"/>
+              <a:off x="2034534" y="5717024"/>
+              <a:ext cx="762948" cy="595329"/>
             </a:xfrm>
             <a:prstGeom prst="rect">
               <a:avLst/>
@@ -6936,212 +6506,12 @@
           </p:spPr>
         </p:pic>
       </p:grpSp>
-      <p:pic>
-        <p:nvPicPr>
-          <p:cNvPr id="1034" name="Picture 6" descr="x y z vectorì ëí ì´ë¯¸ì§ ê²ìê²°ê³¼">
-            <a:extLst>
-              <a:ext uri="{FF2B5EF4-FFF2-40B4-BE49-F238E27FC236}">
-                <a16:creationId xmlns:a16="http://schemas.microsoft.com/office/drawing/2014/main" id="{A13A659D-1D03-42BA-8D23-79AE581E44F9}"/>
-              </a:ext>
-            </a:extLst>
-          </p:cNvPr>
-          <p:cNvPicPr>
-            <a:picLocks noChangeAspect="1" noChangeArrowheads="1"/>
-          </p:cNvPicPr>
-          <p:nvPr/>
-        </p:nvPicPr>
-        <p:blipFill>
-          <a:blip r:embed="rId10">
-            <a:extLst>
-              <a:ext uri="{28A0092B-C50C-407E-A947-70E740481C1C}">
-                <a14:useLocalDpi xmlns:a14="http://schemas.microsoft.com/office/drawing/2010/main" val="0"/>
-              </a:ext>
-            </a:extLst>
-          </a:blip>
-          <a:srcRect/>
-          <a:stretch>
-            <a:fillRect/>
-          </a:stretch>
-        </p:blipFill>
-        <p:spPr bwMode="auto">
-          <a:xfrm>
-            <a:off x="2021372" y="5747709"/>
-            <a:ext cx="762948" cy="595329"/>
-          </a:xfrm>
-          <a:prstGeom prst="rect">
-            <a:avLst/>
-          </a:prstGeom>
-          <a:noFill/>
-          <a:extLst>
-            <a:ext uri="{909E8E84-426E-40DD-AFC4-6F175D3DCCD1}">
-              <a14:hiddenFill xmlns:a14="http://schemas.microsoft.com/office/drawing/2010/main">
-                <a:solidFill>
-                  <a:srgbClr val="FFFFFF"/>
-                </a:solidFill>
-              </a14:hiddenFill>
-            </a:ext>
-          </a:extLst>
-        </p:spPr>
-      </p:pic>
-      <p:pic>
-        <p:nvPicPr>
-          <p:cNvPr id="69" name="Picture 8" descr="tilt iconì ëí ì´ë¯¸ì§ ê²ìê²°ê³¼">
-            <a:extLst>
-              <a:ext uri="{FF2B5EF4-FFF2-40B4-BE49-F238E27FC236}">
-                <a16:creationId xmlns:a16="http://schemas.microsoft.com/office/drawing/2014/main" id="{8E6C93AA-E1EB-48B1-A1BB-4D5E6FF48C39}"/>
-              </a:ext>
-            </a:extLst>
-          </p:cNvPr>
-          <p:cNvPicPr>
-            <a:picLocks noChangeAspect="1" noChangeArrowheads="1"/>
-          </p:cNvPicPr>
-          <p:nvPr/>
-        </p:nvPicPr>
-        <p:blipFill>
-          <a:blip r:embed="rId11">
-            <a:extLst>
-              <a:ext uri="{28A0092B-C50C-407E-A947-70E740481C1C}">
-                <a14:useLocalDpi xmlns:a14="http://schemas.microsoft.com/office/drawing/2010/main" val="0"/>
-              </a:ext>
-            </a:extLst>
-          </a:blip>
-          <a:srcRect/>
-          <a:stretch>
-            <a:fillRect/>
-          </a:stretch>
-        </p:blipFill>
-        <p:spPr bwMode="auto">
-          <a:xfrm>
-            <a:off x="7599804" y="5741311"/>
-            <a:ext cx="793319" cy="810079"/>
-          </a:xfrm>
-          <a:prstGeom prst="rect">
-            <a:avLst/>
-          </a:prstGeom>
-          <a:noFill/>
-          <a:extLst>
-            <a:ext uri="{909E8E84-426E-40DD-AFC4-6F175D3DCCD1}">
-              <a14:hiddenFill xmlns:a14="http://schemas.microsoft.com/office/drawing/2010/main">
-                <a:solidFill>
-                  <a:srgbClr val="FFFFFF"/>
-                </a:solidFill>
-              </a14:hiddenFill>
-            </a:ext>
-          </a:extLst>
-        </p:spPr>
-      </p:pic>
-      <p:sp>
-        <p:nvSpPr>
-          <p:cNvPr id="115" name="사각형: 둥근 모서리 114">
-            <a:extLst>
-              <a:ext uri="{FF2B5EF4-FFF2-40B4-BE49-F238E27FC236}">
-                <a16:creationId xmlns:a16="http://schemas.microsoft.com/office/drawing/2014/main" id="{E82920D2-5A5F-4546-9BBE-B53495522EF9}"/>
-              </a:ext>
-            </a:extLst>
-          </p:cNvPr>
-          <p:cNvSpPr/>
-          <p:nvPr/>
-        </p:nvSpPr>
-        <p:spPr>
-          <a:xfrm>
-            <a:off x="148024" y="5741311"/>
-            <a:ext cx="1123620" cy="1002856"/>
-          </a:xfrm>
-          <a:prstGeom prst="roundRect">
-            <a:avLst/>
-          </a:prstGeom>
-        </p:spPr>
-        <p:style>
-          <a:lnRef idx="2">
-            <a:schemeClr val="accent3"/>
-          </a:lnRef>
-          <a:fillRef idx="1">
-            <a:schemeClr val="lt1"/>
-          </a:fillRef>
-          <a:effectRef idx="0">
-            <a:schemeClr val="accent3"/>
-          </a:effectRef>
-          <a:fontRef idx="minor">
-            <a:schemeClr val="dk1"/>
-          </a:fontRef>
-        </p:style>
-        <p:txBody>
-          <a:bodyPr rtlCol="0" anchor="ctr"/>
-          <a:lstStyle/>
-          <a:p>
-            <a:pPr algn="ctr"/>
-            <a:endParaRPr lang="en-US" altLang="ko-KR" sz="1200" dirty="0"/>
-          </a:p>
-          <a:p>
-            <a:pPr algn="ctr"/>
-            <a:endParaRPr lang="en-US" altLang="ko-KR" sz="1200" dirty="0"/>
-          </a:p>
-          <a:p>
-            <a:pPr algn="ctr"/>
-            <a:endParaRPr lang="en-US" altLang="ko-KR" sz="1200" dirty="0"/>
-          </a:p>
-          <a:p>
-            <a:pPr algn="ctr"/>
-            <a:r>
-              <a:rPr lang="en-US" altLang="ko-KR" sz="1200" dirty="0"/>
-              <a:t>Receive the Coordinate</a:t>
-            </a:r>
-          </a:p>
-        </p:txBody>
-      </p:sp>
-      <p:pic>
-        <p:nvPicPr>
-          <p:cNvPr id="116" name="Picture 6" descr="x y z vectorì ëí ì´ë¯¸ì§ ê²ìê²°ê³¼">
-            <a:extLst>
-              <a:ext uri="{FF2B5EF4-FFF2-40B4-BE49-F238E27FC236}">
-                <a16:creationId xmlns:a16="http://schemas.microsoft.com/office/drawing/2014/main" id="{E54DB260-A270-43C0-8370-6710CEE42E77}"/>
-              </a:ext>
-            </a:extLst>
-          </p:cNvPr>
-          <p:cNvPicPr>
-            <a:picLocks noChangeAspect="1" noChangeArrowheads="1"/>
-          </p:cNvPicPr>
-          <p:nvPr/>
-        </p:nvPicPr>
-        <p:blipFill>
-          <a:blip r:embed="rId10">
-            <a:extLst>
-              <a:ext uri="{28A0092B-C50C-407E-A947-70E740481C1C}">
-                <a14:useLocalDpi xmlns:a14="http://schemas.microsoft.com/office/drawing/2010/main" val="0"/>
-              </a:ext>
-            </a:extLst>
-          </a:blip>
-          <a:srcRect/>
-          <a:stretch>
-            <a:fillRect/>
-          </a:stretch>
-        </p:blipFill>
-        <p:spPr bwMode="auto">
-          <a:xfrm>
-            <a:off x="343088" y="5784624"/>
-            <a:ext cx="762948" cy="595329"/>
-          </a:xfrm>
-          <a:prstGeom prst="rect">
-            <a:avLst/>
-          </a:prstGeom>
-          <a:noFill/>
-          <a:extLst>
-            <a:ext uri="{909E8E84-426E-40DD-AFC4-6F175D3DCCD1}">
-              <a14:hiddenFill xmlns:a14="http://schemas.microsoft.com/office/drawing/2010/main">
-                <a:solidFill>
-                  <a:srgbClr val="FFFFFF"/>
-                </a:solidFill>
-              </a14:hiddenFill>
-            </a:ext>
-          </a:extLst>
-        </p:spPr>
-      </p:pic>
       <p:grpSp>
         <p:nvGrpSpPr>
-          <p:cNvPr id="4" name="그룹 3">
-            <a:extLst>
-              <a:ext uri="{FF2B5EF4-FFF2-40B4-BE49-F238E27FC236}">
-                <a16:creationId xmlns:a16="http://schemas.microsoft.com/office/drawing/2014/main" id="{0EA877ED-2800-43DC-BBD6-5D137B9C5ADE}"/>
+          <p:cNvPr id="34" name="그룹 33">
+            <a:extLst>
+              <a:ext uri="{FF2B5EF4-FFF2-40B4-BE49-F238E27FC236}">
+                <a16:creationId xmlns:a16="http://schemas.microsoft.com/office/drawing/2014/main" id="{818A4BB8-5439-4F2F-A997-D6A9B1A9374F}"/>
               </a:ext>
             </a:extLst>
           </p:cNvPr>
@@ -7150,10 +6520,148 @@
         </p:nvGrpSpPr>
         <p:grpSpPr>
           <a:xfrm>
-            <a:off x="2110582" y="2027582"/>
-            <a:ext cx="1467669" cy="1401418"/>
+            <a:off x="7736980" y="1231035"/>
+            <a:ext cx="1123620" cy="1046169"/>
+            <a:chOff x="7398538" y="5741311"/>
+            <a:chExt cx="1123620" cy="1046169"/>
+          </a:xfrm>
+        </p:grpSpPr>
+        <p:sp>
+          <p:nvSpPr>
+            <p:cNvPr id="125" name="사각형: 둥근 모서리 124">
+              <a:extLst>
+                <a:ext uri="{FF2B5EF4-FFF2-40B4-BE49-F238E27FC236}">
+                  <a16:creationId xmlns:a16="http://schemas.microsoft.com/office/drawing/2014/main" id="{36224916-597A-4DDF-97FA-2A5395B1E2B5}"/>
+                </a:ext>
+              </a:extLst>
+            </p:cNvPr>
+            <p:cNvSpPr/>
+            <p:nvPr/>
+          </p:nvSpPr>
+          <p:spPr>
+            <a:xfrm>
+              <a:off x="7398538" y="5784624"/>
+              <a:ext cx="1123620" cy="1002856"/>
+            </a:xfrm>
+            <a:prstGeom prst="roundRect">
+              <a:avLst/>
+            </a:prstGeom>
+          </p:spPr>
+          <p:style>
+            <a:lnRef idx="2">
+              <a:schemeClr val="accent3"/>
+            </a:lnRef>
+            <a:fillRef idx="1">
+              <a:schemeClr val="lt1"/>
+            </a:fillRef>
+            <a:effectRef idx="0">
+              <a:schemeClr val="accent3"/>
+            </a:effectRef>
+            <a:fontRef idx="minor">
+              <a:schemeClr val="dk1"/>
+            </a:fontRef>
+          </p:style>
+          <p:txBody>
+            <a:bodyPr rtlCol="0" anchor="ctr"/>
+            <a:lstStyle/>
+            <a:p>
+              <a:pPr algn="ctr"/>
+              <a:endParaRPr lang="en-US" altLang="ko-KR" sz="1100" dirty="0"/>
+            </a:p>
+            <a:p>
+              <a:pPr algn="ctr"/>
+              <a:endParaRPr lang="en-US" altLang="ko-KR" sz="1100" dirty="0"/>
+            </a:p>
+            <a:p>
+              <a:pPr algn="ctr"/>
+              <a:endParaRPr lang="en-US" altLang="ko-KR" sz="1100" dirty="0"/>
+            </a:p>
+            <a:p>
+              <a:pPr algn="ctr"/>
+              <a:endParaRPr lang="en-US" altLang="ko-KR" sz="1100" dirty="0"/>
+            </a:p>
+            <a:p>
+              <a:pPr algn="ctr"/>
+              <a:r>
+                <a:rPr lang="en-US" altLang="ko-KR" sz="1100" dirty="0"/>
+                <a:t>Update The</a:t>
+              </a:r>
+            </a:p>
+            <a:p>
+              <a:pPr algn="ctr"/>
+              <a:r>
+                <a:rPr lang="en-US" altLang="ko-KR" sz="1100" dirty="0"/>
+                <a:t>Tile Machine</a:t>
+              </a:r>
+            </a:p>
+          </p:txBody>
+        </p:sp>
+        <p:pic>
+          <p:nvPicPr>
+            <p:cNvPr id="69" name="Picture 8" descr="tilt iconì ëí ì´ë¯¸ì§ ê²ìê²°ê³¼">
+              <a:extLst>
+                <a:ext uri="{FF2B5EF4-FFF2-40B4-BE49-F238E27FC236}">
+                  <a16:creationId xmlns:a16="http://schemas.microsoft.com/office/drawing/2014/main" id="{8E6C93AA-E1EB-48B1-A1BB-4D5E6FF48C39}"/>
+                </a:ext>
+              </a:extLst>
+            </p:cNvPr>
+            <p:cNvPicPr>
+              <a:picLocks noChangeAspect="1" noChangeArrowheads="1"/>
+            </p:cNvPicPr>
+            <p:nvPr/>
+          </p:nvPicPr>
+          <p:blipFill>
+            <a:blip r:embed="rId7">
+              <a:extLst>
+                <a:ext uri="{28A0092B-C50C-407E-A947-70E740481C1C}">
+                  <a14:useLocalDpi xmlns:a14="http://schemas.microsoft.com/office/drawing/2010/main" val="0"/>
+                </a:ext>
+              </a:extLst>
+            </a:blip>
+            <a:srcRect/>
+            <a:stretch>
+              <a:fillRect/>
+            </a:stretch>
+          </p:blipFill>
+          <p:spPr bwMode="auto">
+            <a:xfrm>
+              <a:off x="7599804" y="5741311"/>
+              <a:ext cx="793319" cy="810079"/>
+            </a:xfrm>
+            <a:prstGeom prst="rect">
+              <a:avLst/>
+            </a:prstGeom>
+            <a:noFill/>
+            <a:extLst>
+              <a:ext uri="{909E8E84-426E-40DD-AFC4-6F175D3DCCD1}">
+                <a14:hiddenFill xmlns:a14="http://schemas.microsoft.com/office/drawing/2010/main">
+                  <a:solidFill>
+                    <a:srgbClr val="FFFFFF"/>
+                  </a:solidFill>
+                </a14:hiddenFill>
+              </a:ext>
+            </a:extLst>
+          </p:spPr>
+        </p:pic>
+      </p:grpSp>
+      <p:grpSp>
+        <p:nvGrpSpPr>
+          <p:cNvPr id="4" name="그룹 3">
+            <a:extLst>
+              <a:ext uri="{FF2B5EF4-FFF2-40B4-BE49-F238E27FC236}">
+                <a16:creationId xmlns:a16="http://schemas.microsoft.com/office/drawing/2014/main" id="{0EA877ED-2800-43DC-BBD6-5D137B9C5ADE}"/>
+              </a:ext>
+            </a:extLst>
+          </p:cNvPr>
+          <p:cNvGrpSpPr/>
+          <p:nvPr/>
+        </p:nvGrpSpPr>
+        <p:grpSpPr>
+          <a:xfrm>
+            <a:off x="1914262" y="2820114"/>
+            <a:ext cx="1443597" cy="1179439"/>
             <a:chOff x="1854689" y="2804433"/>
-            <a:chExt cx="1467669" cy="866776"/>
+            <a:chExt cx="1443597" cy="729482"/>
           </a:xfrm>
         </p:grpSpPr>
         <p:sp>
@@ -7171,7 +6679,7 @@
           <p:spPr>
             <a:xfrm>
               <a:off x="1854689" y="2804433"/>
-              <a:ext cx="1467669" cy="866776"/>
+              <a:ext cx="1443597" cy="729482"/>
             </a:xfrm>
             <a:prstGeom prst="roundRect">
               <a:avLst/>
@@ -7254,14 +6762,14 @@
             <p:nvPr/>
           </p:nvPicPr>
           <p:blipFill>
-            <a:blip r:embed="rId12"/>
+            <a:blip r:embed="rId8"/>
             <a:stretch>
               <a:fillRect/>
             </a:stretch>
           </p:blipFill>
           <p:spPr>
             <a:xfrm>
-              <a:off x="2014771" y="2918889"/>
+              <a:off x="2014771" y="2894298"/>
               <a:ext cx="1123620" cy="316008"/>
             </a:xfrm>
             <a:prstGeom prst="rect">
@@ -7281,19 +6789,19 @@
           </p:cNvPr>
           <p:cNvCxnSpPr>
             <a:cxnSpLocks/>
-            <a:stCxn id="39" idx="2"/>
-            <a:endCxn id="13" idx="2"/>
+            <a:stCxn id="39" idx="0"/>
+            <a:endCxn id="13" idx="0"/>
           </p:cNvCxnSpPr>
           <p:nvPr/>
         </p:nvCxnSpPr>
         <p:spPr>
-          <a:xfrm rot="5400000">
-            <a:off x="2871234" y="1352316"/>
-            <a:ext cx="12700" cy="4153367"/>
+          <a:xfrm rot="16200000" flipH="1" flipV="1">
+            <a:off x="3534045" y="31698"/>
+            <a:ext cx="109026" cy="5626827"/>
           </a:xfrm>
           <a:prstGeom prst="bentConnector3">
             <a:avLst>
-              <a:gd name="adj1" fmla="val 6391323"/>
+              <a:gd name="adj1" fmla="val -209675"/>
             </a:avLst>
           </a:prstGeom>
           <a:ln>
@@ -7331,8 +6839,8 @@
         </p:nvCxnSpPr>
         <p:spPr>
           <a:xfrm flipV="1">
-            <a:off x="1356360" y="2677947"/>
-            <a:ext cx="665012" cy="13011"/>
+            <a:off x="1350268" y="3457226"/>
+            <a:ext cx="549596" cy="13011"/>
           </a:xfrm>
           <a:prstGeom prst="straightConnector1">
             <a:avLst/>
@@ -7371,9 +6879,9 @@
           <p:nvPr/>
         </p:nvCxnSpPr>
         <p:spPr>
-          <a:xfrm flipV="1">
-            <a:off x="3593706" y="2664695"/>
-            <a:ext cx="643451" cy="13011"/>
+          <a:xfrm>
+            <a:off x="3425365" y="3443737"/>
+            <a:ext cx="563801" cy="1"/>
           </a:xfrm>
           <a:prstGeom prst="straightConnector1">
             <a:avLst/>
@@ -7397,24 +6905,168 @@
           </a:fontRef>
         </p:style>
       </p:cxnSp>
+      <p:grpSp>
+        <p:nvGrpSpPr>
+          <p:cNvPr id="8" name="그룹 7">
+            <a:extLst>
+              <a:ext uri="{FF2B5EF4-FFF2-40B4-BE49-F238E27FC236}">
+                <a16:creationId xmlns:a16="http://schemas.microsoft.com/office/drawing/2014/main" id="{2718ACF4-EFCF-4516-97BF-3E40B94DCB6B}"/>
+              </a:ext>
+            </a:extLst>
+          </p:cNvPr>
+          <p:cNvGrpSpPr/>
+          <p:nvPr/>
+        </p:nvGrpSpPr>
+        <p:grpSpPr>
+          <a:xfrm>
+            <a:off x="4049388" y="2821734"/>
+            <a:ext cx="1196683" cy="1096686"/>
+            <a:chOff x="2916912" y="4430225"/>
+            <a:chExt cx="1196683" cy="1096686"/>
+          </a:xfrm>
+        </p:grpSpPr>
+        <p:sp>
+          <p:nvSpPr>
+            <p:cNvPr id="115" name="사각형: 둥근 모서리 114">
+              <a:extLst>
+                <a:ext uri="{FF2B5EF4-FFF2-40B4-BE49-F238E27FC236}">
+                  <a16:creationId xmlns:a16="http://schemas.microsoft.com/office/drawing/2014/main" id="{E82920D2-5A5F-4546-9BBE-B53495522EF9}"/>
+                </a:ext>
+              </a:extLst>
+            </p:cNvPr>
+            <p:cNvSpPr/>
+            <p:nvPr/>
+          </p:nvSpPr>
+          <p:spPr>
+            <a:xfrm>
+              <a:off x="2916912" y="4524055"/>
+              <a:ext cx="1196683" cy="1002856"/>
+            </a:xfrm>
+            <a:prstGeom prst="roundRect">
+              <a:avLst/>
+            </a:prstGeom>
+          </p:spPr>
+          <p:style>
+            <a:lnRef idx="2">
+              <a:schemeClr val="accent3"/>
+            </a:lnRef>
+            <a:fillRef idx="1">
+              <a:schemeClr val="lt1"/>
+            </a:fillRef>
+            <a:effectRef idx="0">
+              <a:schemeClr val="accent3"/>
+            </a:effectRef>
+            <a:fontRef idx="minor">
+              <a:schemeClr val="dk1"/>
+            </a:fontRef>
+          </p:style>
+          <p:txBody>
+            <a:bodyPr rtlCol="0" anchor="ctr"/>
+            <a:lstStyle/>
+            <a:p>
+              <a:pPr algn="ctr"/>
+              <a:endParaRPr lang="en-US" altLang="ko-KR" sz="1050" dirty="0"/>
+            </a:p>
+            <a:p>
+              <a:pPr algn="ctr"/>
+              <a:endParaRPr lang="en-US" altLang="ko-KR" sz="1050" dirty="0"/>
+            </a:p>
+            <a:p>
+              <a:pPr algn="ctr"/>
+              <a:endParaRPr lang="en-US" altLang="ko-KR" sz="1050" dirty="0"/>
+            </a:p>
+            <a:p>
+              <a:pPr algn="ctr"/>
+              <a:r>
+                <a:rPr lang="en-US" altLang="ko-KR" sz="1050" dirty="0"/>
+                <a:t>Storage</a:t>
+              </a:r>
+              <a:r>
+                <a:rPr lang="ko-KR" altLang="en-US" sz="1050" dirty="0"/>
+                <a:t> </a:t>
+              </a:r>
+              <a:r>
+                <a:rPr lang="en-US" altLang="ko-KR" sz="1050" dirty="0"/>
+                <a:t>Image and</a:t>
+              </a:r>
+              <a:r>
+                <a:rPr lang="ko-KR" altLang="en-US" sz="1050" dirty="0"/>
+                <a:t> </a:t>
+              </a:r>
+              <a:r>
+                <a:rPr lang="en-US" altLang="ko-KR" sz="1050" dirty="0"/>
+                <a:t>RGB</a:t>
+              </a:r>
+            </a:p>
+          </p:txBody>
+        </p:sp>
+        <p:pic>
+          <p:nvPicPr>
+            <p:cNvPr id="7" name="Picture 2" descr="data iconì ëí ì´ë¯¸ì§ ê²ìê²°ê³¼">
+              <a:extLst>
+                <a:ext uri="{FF2B5EF4-FFF2-40B4-BE49-F238E27FC236}">
+                  <a16:creationId xmlns:a16="http://schemas.microsoft.com/office/drawing/2014/main" id="{E1142EAB-5078-44C6-A344-A7B8D1DBADE8}"/>
+                </a:ext>
+              </a:extLst>
+            </p:cNvPr>
+            <p:cNvPicPr>
+              <a:picLocks noChangeAspect="1" noChangeArrowheads="1"/>
+            </p:cNvPicPr>
+            <p:nvPr/>
+          </p:nvPicPr>
+          <p:blipFill>
+            <a:blip r:embed="rId9">
+              <a:extLst>
+                <a:ext uri="{28A0092B-C50C-407E-A947-70E740481C1C}">
+                  <a14:useLocalDpi xmlns:a14="http://schemas.microsoft.com/office/drawing/2010/main" val="0"/>
+                </a:ext>
+              </a:extLst>
+            </a:blip>
+            <a:srcRect/>
+            <a:stretch>
+              <a:fillRect/>
+            </a:stretch>
+          </p:blipFill>
+          <p:spPr bwMode="auto">
+            <a:xfrm>
+              <a:off x="3170021" y="4430225"/>
+              <a:ext cx="701813" cy="701813"/>
+            </a:xfrm>
+            <a:prstGeom prst="rect">
+              <a:avLst/>
+            </a:prstGeom>
+            <a:noFill/>
+            <a:extLst>
+              <a:ext uri="{909E8E84-426E-40DD-AFC4-6F175D3DCCD1}">
+                <a14:hiddenFill xmlns:a14="http://schemas.microsoft.com/office/drawing/2010/main">
+                  <a:solidFill>
+                    <a:srgbClr val="FFFFFF"/>
+                  </a:solidFill>
+                </a14:hiddenFill>
+              </a:ext>
+            </a:extLst>
+          </p:spPr>
+        </p:pic>
+      </p:grpSp>
       <p:cxnSp>
         <p:nvCxnSpPr>
-          <p:cNvPr id="49" name="직선 화살표 연결선 48">
-            <a:extLst>
-              <a:ext uri="{FF2B5EF4-FFF2-40B4-BE49-F238E27FC236}">
-                <a16:creationId xmlns:a16="http://schemas.microsoft.com/office/drawing/2014/main" id="{02B20E41-54FA-401E-AF04-DAEE2A8D4265}"/>
+          <p:cNvPr id="42" name="직선 화살표 연결선 41">
+            <a:extLst>
+              <a:ext uri="{FF2B5EF4-FFF2-40B4-BE49-F238E27FC236}">
+                <a16:creationId xmlns:a16="http://schemas.microsoft.com/office/drawing/2014/main" id="{AC4F1286-0B44-409D-B427-C2597C62772D}"/>
               </a:ext>
             </a:extLst>
           </p:cNvPr>
           <p:cNvCxnSpPr>
             <a:cxnSpLocks/>
+            <a:stCxn id="115" idx="2"/>
           </p:cNvCxnSpPr>
           <p:nvPr/>
         </p:nvCxnSpPr>
         <p:spPr>
-          <a:xfrm>
-            <a:off x="5622551" y="2664695"/>
-            <a:ext cx="729359" cy="0"/>
+          <a:xfrm flipH="1">
+            <a:off x="4647729" y="3918420"/>
+            <a:ext cx="1" cy="439944"/>
           </a:xfrm>
           <a:prstGeom prst="straightConnector1">
             <a:avLst/>
@@ -7438,6 +7090,460 @@
           </a:fontRef>
         </p:style>
       </p:cxnSp>
+      <p:cxnSp>
+        <p:nvCxnSpPr>
+          <p:cNvPr id="44" name="연결선: 꺾임 43">
+            <a:extLst>
+              <a:ext uri="{FF2B5EF4-FFF2-40B4-BE49-F238E27FC236}">
+                <a16:creationId xmlns:a16="http://schemas.microsoft.com/office/drawing/2014/main" id="{0CE11D81-01FF-4A17-8BAF-F30F9D0F2988}"/>
+              </a:ext>
+            </a:extLst>
+          </p:cNvPr>
+          <p:cNvCxnSpPr>
+            <a:cxnSpLocks/>
+            <a:stCxn id="17" idx="3"/>
+            <a:endCxn id="39" idx="1"/>
+          </p:cNvCxnSpPr>
+          <p:nvPr/>
+        </p:nvCxnSpPr>
+        <p:spPr>
+          <a:xfrm flipV="1">
+            <a:off x="5291541" y="3403740"/>
+            <a:ext cx="456448" cy="1522211"/>
+          </a:xfrm>
+          <a:prstGeom prst="bentConnector3">
+            <a:avLst>
+              <a:gd name="adj1" fmla="val 50000"/>
+            </a:avLst>
+          </a:prstGeom>
+          <a:ln>
+            <a:tailEnd type="triangle"/>
+          </a:ln>
+        </p:spPr>
+        <p:style>
+          <a:lnRef idx="1">
+            <a:schemeClr val="dk1"/>
+          </a:lnRef>
+          <a:fillRef idx="0">
+            <a:schemeClr val="dk1"/>
+          </a:fillRef>
+          <a:effectRef idx="0">
+            <a:schemeClr val="dk1"/>
+          </a:effectRef>
+          <a:fontRef idx="minor">
+            <a:schemeClr val="tx1"/>
+          </a:fontRef>
+        </p:style>
+      </p:cxnSp>
+      <p:grpSp>
+        <p:nvGrpSpPr>
+          <p:cNvPr id="32" name="그룹 31">
+            <a:extLst>
+              <a:ext uri="{FF2B5EF4-FFF2-40B4-BE49-F238E27FC236}">
+                <a16:creationId xmlns:a16="http://schemas.microsoft.com/office/drawing/2014/main" id="{CEAB2DA5-5E25-4D93-A010-110115B2DD98}"/>
+              </a:ext>
+            </a:extLst>
+          </p:cNvPr>
+          <p:cNvGrpSpPr/>
+          <p:nvPr/>
+        </p:nvGrpSpPr>
+        <p:grpSpPr>
+          <a:xfrm>
+            <a:off x="3997970" y="4472101"/>
+            <a:ext cx="1293571" cy="907699"/>
+            <a:chOff x="3875949" y="4350403"/>
+            <a:chExt cx="1293571" cy="907699"/>
+          </a:xfrm>
+        </p:grpSpPr>
+        <p:sp>
+          <p:nvSpPr>
+            <p:cNvPr id="17" name="사각형: 둥근 모서리 16">
+              <a:extLst>
+                <a:ext uri="{FF2B5EF4-FFF2-40B4-BE49-F238E27FC236}">
+                  <a16:creationId xmlns:a16="http://schemas.microsoft.com/office/drawing/2014/main" id="{48AF503B-92D8-4121-9CCC-C3AE7C27835B}"/>
+                </a:ext>
+              </a:extLst>
+            </p:cNvPr>
+            <p:cNvSpPr/>
+            <p:nvPr/>
+          </p:nvSpPr>
+          <p:spPr>
+            <a:xfrm>
+              <a:off x="3875949" y="4350403"/>
+              <a:ext cx="1293571" cy="907699"/>
+            </a:xfrm>
+            <a:prstGeom prst="roundRect">
+              <a:avLst/>
+            </a:prstGeom>
+          </p:spPr>
+          <p:style>
+            <a:lnRef idx="2">
+              <a:schemeClr val="accent3"/>
+            </a:lnRef>
+            <a:fillRef idx="1">
+              <a:schemeClr val="lt1"/>
+            </a:fillRef>
+            <a:effectRef idx="0">
+              <a:schemeClr val="accent3"/>
+            </a:effectRef>
+            <a:fontRef idx="minor">
+              <a:schemeClr val="dk1"/>
+            </a:fontRef>
+          </p:style>
+          <p:txBody>
+            <a:bodyPr rtlCol="0" anchor="ctr"/>
+            <a:lstStyle/>
+            <a:p>
+              <a:pPr algn="ctr"/>
+              <a:endParaRPr lang="en-US" altLang="ko-KR" sz="1000" dirty="0"/>
+            </a:p>
+            <a:p>
+              <a:pPr algn="ctr"/>
+              <a:endParaRPr lang="en-US" altLang="ko-KR" sz="1000" dirty="0"/>
+            </a:p>
+            <a:p>
+              <a:pPr algn="ctr"/>
+              <a:endParaRPr lang="en-US" altLang="ko-KR" sz="1000" dirty="0"/>
+            </a:p>
+            <a:p>
+              <a:pPr algn="ctr"/>
+              <a:endParaRPr lang="en-US" altLang="ko-KR" sz="1000" dirty="0"/>
+            </a:p>
+            <a:p>
+              <a:pPr algn="ctr"/>
+              <a:r>
+                <a:rPr lang="en-US" altLang="ko-KR" sz="1000" dirty="0" err="1"/>
+                <a:t>Color_connected</a:t>
+              </a:r>
+              <a:endParaRPr lang="en-US" altLang="ko-KR" sz="1000" dirty="0"/>
+            </a:p>
+            <a:p>
+              <a:pPr algn="ctr"/>
+              <a:r>
+                <a:rPr lang="en-US" altLang="ko-KR" sz="1000" dirty="0"/>
+                <a:t>[Pixy2</a:t>
+              </a:r>
+              <a:r>
+                <a:rPr lang="ko-KR" altLang="en-US" sz="1000" dirty="0"/>
+                <a:t> 라이브러리</a:t>
+              </a:r>
+              <a:r>
+                <a:rPr lang="en-US" altLang="ko-KR" sz="1000" dirty="0"/>
+                <a:t>]</a:t>
+              </a:r>
+            </a:p>
+            <a:p>
+              <a:pPr algn="ctr"/>
+              <a:endParaRPr lang="ko-KR" altLang="en-US" sz="1000" dirty="0"/>
+            </a:p>
+          </p:txBody>
+        </p:sp>
+        <p:pic>
+          <p:nvPicPr>
+            <p:cNvPr id="52" name="그림 51">
+              <a:extLst>
+                <a:ext uri="{FF2B5EF4-FFF2-40B4-BE49-F238E27FC236}">
+                  <a16:creationId xmlns:a16="http://schemas.microsoft.com/office/drawing/2014/main" id="{5180ACF2-6D46-4E64-A3DB-5BCC5FE00098}"/>
+                </a:ext>
+              </a:extLst>
+            </p:cNvPr>
+            <p:cNvPicPr>
+              <a:picLocks noChangeAspect="1"/>
+            </p:cNvPicPr>
+            <p:nvPr/>
+          </p:nvPicPr>
+          <p:blipFill>
+            <a:blip r:embed="rId2"/>
+            <a:stretch>
+              <a:fillRect/>
+            </a:stretch>
+          </p:blipFill>
+          <p:spPr>
+            <a:xfrm>
+              <a:off x="4279809" y="4444052"/>
+              <a:ext cx="468097" cy="348092"/>
+            </a:xfrm>
+            <a:prstGeom prst="rect">
+              <a:avLst/>
+            </a:prstGeom>
+          </p:spPr>
+        </p:pic>
+      </p:grpSp>
+      <p:cxnSp>
+        <p:nvCxnSpPr>
+          <p:cNvPr id="56" name="직선 화살표 연결선 55">
+            <a:extLst>
+              <a:ext uri="{FF2B5EF4-FFF2-40B4-BE49-F238E27FC236}">
+                <a16:creationId xmlns:a16="http://schemas.microsoft.com/office/drawing/2014/main" id="{924B7CC9-422D-4E05-82FC-CF12F7913FE7}"/>
+              </a:ext>
+            </a:extLst>
+          </p:cNvPr>
+          <p:cNvCxnSpPr>
+            <a:cxnSpLocks/>
+          </p:cNvCxnSpPr>
+          <p:nvPr/>
+        </p:nvCxnSpPr>
+        <p:spPr>
+          <a:xfrm flipV="1">
+            <a:off x="7083487" y="3361757"/>
+            <a:ext cx="531777" cy="13011"/>
+          </a:xfrm>
+          <a:prstGeom prst="straightConnector1">
+            <a:avLst/>
+          </a:prstGeom>
+          <a:ln>
+            <a:tailEnd type="triangle"/>
+          </a:ln>
+        </p:spPr>
+        <p:style>
+          <a:lnRef idx="1">
+            <a:schemeClr val="dk1"/>
+          </a:lnRef>
+          <a:fillRef idx="0">
+            <a:schemeClr val="dk1"/>
+          </a:fillRef>
+          <a:effectRef idx="0">
+            <a:schemeClr val="dk1"/>
+          </a:effectRef>
+          <a:fontRef idx="minor">
+            <a:schemeClr val="tx1"/>
+          </a:fontRef>
+        </p:style>
+      </p:cxnSp>
+      <p:cxnSp>
+        <p:nvCxnSpPr>
+          <p:cNvPr id="65" name="직선 화살표 연결선 64">
+            <a:extLst>
+              <a:ext uri="{FF2B5EF4-FFF2-40B4-BE49-F238E27FC236}">
+                <a16:creationId xmlns:a16="http://schemas.microsoft.com/office/drawing/2014/main" id="{679BC163-50CB-4FBC-B1CD-A095E4DD1C6B}"/>
+              </a:ext>
+            </a:extLst>
+          </p:cNvPr>
+          <p:cNvCxnSpPr>
+            <a:cxnSpLocks/>
+          </p:cNvCxnSpPr>
+          <p:nvPr/>
+        </p:nvCxnSpPr>
+        <p:spPr>
+          <a:xfrm>
+            <a:off x="8896638" y="1775776"/>
+            <a:ext cx="595638" cy="0"/>
+          </a:xfrm>
+          <a:prstGeom prst="straightConnector1">
+            <a:avLst/>
+          </a:prstGeom>
+          <a:ln>
+            <a:tailEnd type="triangle"/>
+          </a:ln>
+        </p:spPr>
+        <p:style>
+          <a:lnRef idx="1">
+            <a:schemeClr val="dk1"/>
+          </a:lnRef>
+          <a:fillRef idx="0">
+            <a:schemeClr val="dk1"/>
+          </a:fillRef>
+          <a:effectRef idx="0">
+            <a:schemeClr val="dk1"/>
+          </a:effectRef>
+          <a:fontRef idx="minor">
+            <a:schemeClr val="tx1"/>
+          </a:fontRef>
+        </p:style>
+      </p:cxnSp>
+      <p:cxnSp>
+        <p:nvCxnSpPr>
+          <p:cNvPr id="81" name="직선 화살표 연결선 80">
+            <a:extLst>
+              <a:ext uri="{FF2B5EF4-FFF2-40B4-BE49-F238E27FC236}">
+                <a16:creationId xmlns:a16="http://schemas.microsoft.com/office/drawing/2014/main" id="{74076B5D-6AC2-49F2-8FDA-71E73CD35DF5}"/>
+              </a:ext>
+            </a:extLst>
+          </p:cNvPr>
+          <p:cNvCxnSpPr>
+            <a:cxnSpLocks/>
+          </p:cNvCxnSpPr>
+          <p:nvPr/>
+        </p:nvCxnSpPr>
+        <p:spPr>
+          <a:xfrm flipH="1" flipV="1">
+            <a:off x="8311019" y="2354781"/>
+            <a:ext cx="1" cy="419622"/>
+          </a:xfrm>
+          <a:prstGeom prst="straightConnector1">
+            <a:avLst/>
+          </a:prstGeom>
+          <a:ln>
+            <a:tailEnd type="triangle"/>
+          </a:ln>
+        </p:spPr>
+        <p:style>
+          <a:lnRef idx="1">
+            <a:schemeClr val="dk1"/>
+          </a:lnRef>
+          <a:fillRef idx="0">
+            <a:schemeClr val="dk1"/>
+          </a:fillRef>
+          <a:effectRef idx="0">
+            <a:schemeClr val="dk1"/>
+          </a:effectRef>
+          <a:fontRef idx="minor">
+            <a:schemeClr val="tx1"/>
+          </a:fontRef>
+        </p:style>
+      </p:cxnSp>
+      <p:cxnSp>
+        <p:nvCxnSpPr>
+          <p:cNvPr id="104" name="직선 화살표 연결선 103">
+            <a:extLst>
+              <a:ext uri="{FF2B5EF4-FFF2-40B4-BE49-F238E27FC236}">
+                <a16:creationId xmlns:a16="http://schemas.microsoft.com/office/drawing/2014/main" id="{D6714E83-A26B-47B3-916E-8B605B43AFC6}"/>
+              </a:ext>
+            </a:extLst>
+          </p:cNvPr>
+          <p:cNvCxnSpPr>
+            <a:cxnSpLocks/>
+          </p:cNvCxnSpPr>
+          <p:nvPr/>
+        </p:nvCxnSpPr>
+        <p:spPr>
+          <a:xfrm>
+            <a:off x="8994451" y="3348505"/>
+            <a:ext cx="398619" cy="0"/>
+          </a:xfrm>
+          <a:prstGeom prst="straightConnector1">
+            <a:avLst/>
+          </a:prstGeom>
+          <a:ln>
+            <a:tailEnd type="triangle"/>
+          </a:ln>
+        </p:spPr>
+        <p:style>
+          <a:lnRef idx="1">
+            <a:schemeClr val="dk1"/>
+          </a:lnRef>
+          <a:fillRef idx="0">
+            <a:schemeClr val="dk1"/>
+          </a:fillRef>
+          <a:effectRef idx="0">
+            <a:schemeClr val="dk1"/>
+          </a:effectRef>
+          <a:fontRef idx="minor">
+            <a:schemeClr val="tx1"/>
+          </a:fontRef>
+        </p:style>
+      </p:cxnSp>
+      <p:cxnSp>
+        <p:nvCxnSpPr>
+          <p:cNvPr id="107" name="직선 화살표 연결선 106">
+            <a:extLst>
+              <a:ext uri="{FF2B5EF4-FFF2-40B4-BE49-F238E27FC236}">
+                <a16:creationId xmlns:a16="http://schemas.microsoft.com/office/drawing/2014/main" id="{BB397E61-7B6F-47AA-B2AF-58CC8915B41D}"/>
+              </a:ext>
+            </a:extLst>
+          </p:cNvPr>
+          <p:cNvCxnSpPr>
+            <a:cxnSpLocks/>
+          </p:cNvCxnSpPr>
+          <p:nvPr/>
+        </p:nvCxnSpPr>
+        <p:spPr>
+          <a:xfrm>
+            <a:off x="10827780" y="3355131"/>
+            <a:ext cx="482329" cy="0"/>
+          </a:xfrm>
+          <a:prstGeom prst="straightConnector1">
+            <a:avLst/>
+          </a:prstGeom>
+          <a:ln>
+            <a:tailEnd type="triangle"/>
+          </a:ln>
+        </p:spPr>
+        <p:style>
+          <a:lnRef idx="1">
+            <a:schemeClr val="dk1"/>
+          </a:lnRef>
+          <a:fillRef idx="0">
+            <a:schemeClr val="dk1"/>
+          </a:fillRef>
+          <a:effectRef idx="0">
+            <a:schemeClr val="dk1"/>
+          </a:effectRef>
+          <a:fontRef idx="minor">
+            <a:schemeClr val="tx1"/>
+          </a:fontRef>
+        </p:style>
+      </p:cxnSp>
+      <p:sp>
+        <p:nvSpPr>
+          <p:cNvPr id="110" name="직사각형 109">
+            <a:extLst>
+              <a:ext uri="{FF2B5EF4-FFF2-40B4-BE49-F238E27FC236}">
+                <a16:creationId xmlns:a16="http://schemas.microsoft.com/office/drawing/2014/main" id="{E28CAB6B-8100-4765-8227-B75A105545C3}"/>
+              </a:ext>
+            </a:extLst>
+          </p:cNvPr>
+          <p:cNvSpPr/>
+          <p:nvPr/>
+        </p:nvSpPr>
+        <p:spPr>
+          <a:xfrm>
+            <a:off x="6718557" y="3146072"/>
+            <a:ext cx="1355884" cy="246221"/>
+          </a:xfrm>
+          <a:prstGeom prst="rect">
+            <a:avLst/>
+          </a:prstGeom>
+        </p:spPr>
+        <p:txBody>
+          <a:bodyPr wrap="square">
+            <a:spAutoFit/>
+          </a:bodyPr>
+          <a:lstStyle/>
+          <a:p>
+            <a:pPr algn="ctr"/>
+            <a:r>
+              <a:rPr lang="en-US" altLang="ko-KR" sz="1000" dirty="0"/>
+              <a:t>Find Object</a:t>
+            </a:r>
+          </a:p>
+        </p:txBody>
+      </p:sp>
+      <p:sp>
+        <p:nvSpPr>
+          <p:cNvPr id="111" name="직사각형 110">
+            <a:extLst>
+              <a:ext uri="{FF2B5EF4-FFF2-40B4-BE49-F238E27FC236}">
+                <a16:creationId xmlns:a16="http://schemas.microsoft.com/office/drawing/2014/main" id="{FE2CED8C-EBF4-4E3E-9EB2-037601AC495F}"/>
+              </a:ext>
+            </a:extLst>
+          </p:cNvPr>
+          <p:cNvSpPr/>
+          <p:nvPr/>
+        </p:nvSpPr>
+        <p:spPr>
+          <a:xfrm>
+            <a:off x="2815156" y="2276757"/>
+            <a:ext cx="1731209" cy="261610"/>
+          </a:xfrm>
+          <a:prstGeom prst="rect">
+            <a:avLst/>
+          </a:prstGeom>
+        </p:spPr>
+        <p:txBody>
+          <a:bodyPr wrap="square">
+            <a:spAutoFit/>
+          </a:bodyPr>
+          <a:lstStyle/>
+          <a:p>
+            <a:pPr algn="ctr"/>
+            <a:r>
+              <a:rPr lang="en-US" altLang="ko-KR" sz="1100" dirty="0"/>
+              <a:t>Don't find object image</a:t>
+            </a:r>
+          </a:p>
+        </p:txBody>
+      </p:sp>
     </p:spTree>
     <p:extLst>
       <p:ext uri="{BB962C8B-B14F-4D97-AF65-F5344CB8AC3E}">
@@ -9702,6 +9808,2194 @@
     <p:extLst>
       <p:ext uri="{BB962C8B-B14F-4D97-AF65-F5344CB8AC3E}">
         <p14:creationId xmlns:p14="http://schemas.microsoft.com/office/powerpoint/2010/main" val="1328894346"/>
+      </p:ext>
+    </p:extLst>
+  </p:cSld>
+  <p:clrMapOvr>
+    <a:masterClrMapping/>
+  </p:clrMapOvr>
+</p:sld>
+</file>
+
+<file path=ppt/slides/slide4.xml><?xml version="1.0" encoding="utf-8"?>
+<p:sld xmlns:a="http://schemas.openxmlformats.org/drawingml/2006/main" xmlns:r="http://schemas.openxmlformats.org/officeDocument/2006/relationships" xmlns:p="http://schemas.openxmlformats.org/presentationml/2006/main">
+  <p:cSld>
+    <p:spTree>
+      <p:nvGrpSpPr>
+        <p:cNvPr id="1" name=""/>
+        <p:cNvGrpSpPr/>
+        <p:nvPr/>
+      </p:nvGrpSpPr>
+      <p:grpSpPr>
+        <a:xfrm>
+          <a:off x="0" y="0"/>
+          <a:ext cx="0" cy="0"/>
+          <a:chOff x="0" y="0"/>
+          <a:chExt cx="0" cy="0"/>
+        </a:xfrm>
+      </p:grpSpPr>
+      <p:sp>
+        <p:nvSpPr>
+          <p:cNvPr id="81" name="직사각형 80">
+            <a:extLst>
+              <a:ext uri="{FF2B5EF4-FFF2-40B4-BE49-F238E27FC236}">
+                <a16:creationId xmlns:a16="http://schemas.microsoft.com/office/drawing/2014/main" id="{A677AFF9-F2BC-45FF-810B-F8E4C34EA660}"/>
+              </a:ext>
+            </a:extLst>
+          </p:cNvPr>
+          <p:cNvSpPr/>
+          <p:nvPr/>
+        </p:nvSpPr>
+        <p:spPr>
+          <a:xfrm>
+            <a:off x="326445" y="716663"/>
+            <a:ext cx="11375695" cy="5398692"/>
+          </a:xfrm>
+          <a:prstGeom prst="rect">
+            <a:avLst/>
+          </a:prstGeom>
+        </p:spPr>
+        <p:style>
+          <a:lnRef idx="2">
+            <a:schemeClr val="accent3"/>
+          </a:lnRef>
+          <a:fillRef idx="1">
+            <a:schemeClr val="lt1"/>
+          </a:fillRef>
+          <a:effectRef idx="0">
+            <a:schemeClr val="accent3"/>
+          </a:effectRef>
+          <a:fontRef idx="minor">
+            <a:schemeClr val="dk1"/>
+          </a:fontRef>
+        </p:style>
+        <p:txBody>
+          <a:bodyPr rtlCol="0" anchor="ctr"/>
+          <a:lstStyle/>
+          <a:p>
+            <a:pPr algn="ctr"/>
+            <a:endParaRPr lang="ko-KR" altLang="en-US"/>
+          </a:p>
+        </p:txBody>
+      </p:sp>
+      <p:sp>
+        <p:nvSpPr>
+          <p:cNvPr id="117" name="사각형: 둥근 모서리 116">
+            <a:extLst>
+              <a:ext uri="{FF2B5EF4-FFF2-40B4-BE49-F238E27FC236}">
+                <a16:creationId xmlns:a16="http://schemas.microsoft.com/office/drawing/2014/main" id="{0AE4B806-8AE7-4CF1-8DDF-1B1992F1A3E4}"/>
+              </a:ext>
+            </a:extLst>
+          </p:cNvPr>
+          <p:cNvSpPr/>
+          <p:nvPr/>
+        </p:nvSpPr>
+        <p:spPr>
+          <a:xfrm>
+            <a:off x="7135040" y="4491430"/>
+            <a:ext cx="1129252" cy="975731"/>
+          </a:xfrm>
+          <a:prstGeom prst="roundRect">
+            <a:avLst/>
+          </a:prstGeom>
+        </p:spPr>
+        <p:style>
+          <a:lnRef idx="2">
+            <a:schemeClr val="accent3"/>
+          </a:lnRef>
+          <a:fillRef idx="1">
+            <a:schemeClr val="lt1"/>
+          </a:fillRef>
+          <a:effectRef idx="0">
+            <a:schemeClr val="accent3"/>
+          </a:effectRef>
+          <a:fontRef idx="minor">
+            <a:schemeClr val="dk1"/>
+          </a:fontRef>
+        </p:style>
+        <p:txBody>
+          <a:bodyPr rtlCol="0" anchor="ctr"/>
+          <a:lstStyle/>
+          <a:p>
+            <a:pPr algn="ctr"/>
+            <a:endParaRPr lang="en-US" altLang="ko-KR" sz="1100" dirty="0"/>
+          </a:p>
+          <a:p>
+            <a:pPr algn="ctr"/>
+            <a:endParaRPr lang="en-US" altLang="ko-KR" sz="1100" dirty="0"/>
+          </a:p>
+          <a:p>
+            <a:pPr algn="ctr"/>
+            <a:endParaRPr lang="en-US" altLang="ko-KR" sz="1100" dirty="0"/>
+          </a:p>
+          <a:p>
+            <a:pPr algn="ctr"/>
+            <a:endParaRPr lang="en-US" altLang="ko-KR" sz="1100" dirty="0"/>
+          </a:p>
+          <a:p>
+            <a:pPr algn="ctr"/>
+            <a:r>
+              <a:rPr lang="en-US" altLang="ko-KR" sz="1100" dirty="0"/>
+              <a:t>Examination overlap</a:t>
+            </a:r>
+          </a:p>
+        </p:txBody>
+      </p:sp>
+      <p:sp>
+        <p:nvSpPr>
+          <p:cNvPr id="56" name="직사각형 55">
+            <a:extLst>
+              <a:ext uri="{FF2B5EF4-FFF2-40B4-BE49-F238E27FC236}">
+                <a16:creationId xmlns:a16="http://schemas.microsoft.com/office/drawing/2014/main" id="{1EC028D1-284E-45C7-8427-12088F95462B}"/>
+              </a:ext>
+            </a:extLst>
+          </p:cNvPr>
+          <p:cNvSpPr/>
+          <p:nvPr/>
+        </p:nvSpPr>
+        <p:spPr>
+          <a:xfrm>
+            <a:off x="11150660" y="729392"/>
+            <a:ext cx="551701" cy="5372709"/>
+          </a:xfrm>
+          <a:prstGeom prst="rect">
+            <a:avLst/>
+          </a:prstGeom>
+        </p:spPr>
+        <p:style>
+          <a:lnRef idx="2">
+            <a:schemeClr val="accent3"/>
+          </a:lnRef>
+          <a:fillRef idx="1">
+            <a:schemeClr val="lt1"/>
+          </a:fillRef>
+          <a:effectRef idx="0">
+            <a:schemeClr val="accent3"/>
+          </a:effectRef>
+          <a:fontRef idx="minor">
+            <a:schemeClr val="dk1"/>
+          </a:fontRef>
+        </p:style>
+        <p:txBody>
+          <a:bodyPr rtlCol="0" anchor="ctr"/>
+          <a:lstStyle/>
+          <a:p>
+            <a:pPr algn="ctr"/>
+            <a:r>
+              <a:rPr lang="en-US" altLang="ko-KR" dirty="0"/>
+              <a:t>S</a:t>
+            </a:r>
+          </a:p>
+          <a:p>
+            <a:pPr algn="ctr"/>
+            <a:r>
+              <a:rPr lang="en-US" altLang="ko-KR" dirty="0"/>
+              <a:t>U</a:t>
+            </a:r>
+          </a:p>
+          <a:p>
+            <a:pPr algn="ctr"/>
+            <a:r>
+              <a:rPr lang="en-US" altLang="ko-KR" dirty="0"/>
+              <a:t>B</a:t>
+            </a:r>
+          </a:p>
+          <a:p>
+            <a:pPr algn="ctr"/>
+            <a:endParaRPr lang="en-US" altLang="ko-KR" dirty="0"/>
+          </a:p>
+          <a:p>
+            <a:pPr algn="ctr"/>
+            <a:r>
+              <a:rPr lang="en-US" altLang="ko-KR" dirty="0"/>
+              <a:t>D</a:t>
+            </a:r>
+          </a:p>
+          <a:p>
+            <a:pPr algn="ctr"/>
+            <a:r>
+              <a:rPr lang="en-US" altLang="ko-KR" dirty="0"/>
+              <a:t>E</a:t>
+            </a:r>
+          </a:p>
+          <a:p>
+            <a:pPr algn="ctr"/>
+            <a:r>
+              <a:rPr lang="en-US" altLang="ko-KR" dirty="0"/>
+              <a:t>V</a:t>
+            </a:r>
+          </a:p>
+          <a:p>
+            <a:pPr algn="ctr"/>
+            <a:r>
+              <a:rPr lang="en-US" altLang="ko-KR" dirty="0"/>
+              <a:t>I</a:t>
+            </a:r>
+          </a:p>
+          <a:p>
+            <a:pPr algn="ctr"/>
+            <a:r>
+              <a:rPr lang="en-US" altLang="ko-KR" dirty="0"/>
+              <a:t>C</a:t>
+            </a:r>
+          </a:p>
+          <a:p>
+            <a:pPr algn="ctr"/>
+            <a:r>
+              <a:rPr lang="en-US" altLang="ko-KR" dirty="0"/>
+              <a:t>E</a:t>
+            </a:r>
+            <a:endParaRPr lang="ko-KR" altLang="en-US" dirty="0"/>
+          </a:p>
+        </p:txBody>
+      </p:sp>
+      <p:sp>
+        <p:nvSpPr>
+          <p:cNvPr id="106" name="사각형: 둥근 모서리 105">
+            <a:extLst>
+              <a:ext uri="{FF2B5EF4-FFF2-40B4-BE49-F238E27FC236}">
+                <a16:creationId xmlns:a16="http://schemas.microsoft.com/office/drawing/2014/main" id="{F96187E9-FA07-4AB9-9344-7EFFEFA70C64}"/>
+              </a:ext>
+            </a:extLst>
+          </p:cNvPr>
+          <p:cNvSpPr/>
+          <p:nvPr/>
+        </p:nvSpPr>
+        <p:spPr>
+          <a:xfrm>
+            <a:off x="5010464" y="4531467"/>
+            <a:ext cx="1063808" cy="939468"/>
+          </a:xfrm>
+          <a:prstGeom prst="roundRect">
+            <a:avLst/>
+          </a:prstGeom>
+        </p:spPr>
+        <p:style>
+          <a:lnRef idx="2">
+            <a:schemeClr val="accent3"/>
+          </a:lnRef>
+          <a:fillRef idx="1">
+            <a:schemeClr val="lt1"/>
+          </a:fillRef>
+          <a:effectRef idx="0">
+            <a:schemeClr val="accent3"/>
+          </a:effectRef>
+          <a:fontRef idx="minor">
+            <a:schemeClr val="dk1"/>
+          </a:fontRef>
+        </p:style>
+        <p:txBody>
+          <a:bodyPr rtlCol="0" anchor="ctr"/>
+          <a:lstStyle/>
+          <a:p>
+            <a:pPr algn="ctr"/>
+            <a:endParaRPr lang="en-US" altLang="ko-KR" sz="1100" dirty="0"/>
+          </a:p>
+          <a:p>
+            <a:pPr algn="ctr"/>
+            <a:endParaRPr lang="en-US" altLang="ko-KR" sz="1100" dirty="0"/>
+          </a:p>
+          <a:p>
+            <a:pPr algn="ctr"/>
+            <a:endParaRPr lang="en-US" altLang="ko-KR" sz="1100" dirty="0"/>
+          </a:p>
+          <a:p>
+            <a:pPr algn="ctr"/>
+            <a:r>
+              <a:rPr lang="en-US" altLang="ko-KR" sz="1100" dirty="0"/>
+              <a:t>Color comparison matching</a:t>
+            </a:r>
+            <a:endParaRPr lang="ko-KR" altLang="en-US" sz="1100" dirty="0"/>
+          </a:p>
+        </p:txBody>
+      </p:sp>
+      <p:pic>
+        <p:nvPicPr>
+          <p:cNvPr id="2052" name="Picture 4" descr="color iconì ëí ì´ë¯¸ì§ ê²ìê²°ê³¼">
+            <a:extLst>
+              <a:ext uri="{FF2B5EF4-FFF2-40B4-BE49-F238E27FC236}">
+                <a16:creationId xmlns:a16="http://schemas.microsoft.com/office/drawing/2014/main" id="{C20287BE-91EE-40DA-B10B-5F5A5D0630EC}"/>
+              </a:ext>
+            </a:extLst>
+          </p:cNvPr>
+          <p:cNvPicPr>
+            <a:picLocks noChangeAspect="1" noChangeArrowheads="1"/>
+          </p:cNvPicPr>
+          <p:nvPr/>
+        </p:nvPicPr>
+        <p:blipFill>
+          <a:blip r:embed="rId2">
+            <a:extLst>
+              <a:ext uri="{28A0092B-C50C-407E-A947-70E740481C1C}">
+                <a14:useLocalDpi xmlns:a14="http://schemas.microsoft.com/office/drawing/2010/main" val="0"/>
+              </a:ext>
+            </a:extLst>
+          </a:blip>
+          <a:srcRect/>
+          <a:stretch>
+            <a:fillRect/>
+          </a:stretch>
+        </p:blipFill>
+        <p:spPr bwMode="auto">
+          <a:xfrm>
+            <a:off x="5300113" y="4548911"/>
+            <a:ext cx="546891" cy="442427"/>
+          </a:xfrm>
+          <a:prstGeom prst="rect">
+            <a:avLst/>
+          </a:prstGeom>
+          <a:noFill/>
+          <a:extLst>
+            <a:ext uri="{909E8E84-426E-40DD-AFC4-6F175D3DCCD1}">
+              <a14:hiddenFill xmlns:a14="http://schemas.microsoft.com/office/drawing/2010/main">
+                <a:solidFill>
+                  <a:srgbClr val="FFFFFF"/>
+                </a:solidFill>
+              </a14:hiddenFill>
+            </a:ext>
+          </a:extLst>
+        </p:spPr>
+      </p:pic>
+      <p:sp>
+        <p:nvSpPr>
+          <p:cNvPr id="108" name="사각형: 둥근 모서리 107">
+            <a:extLst>
+              <a:ext uri="{FF2B5EF4-FFF2-40B4-BE49-F238E27FC236}">
+                <a16:creationId xmlns:a16="http://schemas.microsoft.com/office/drawing/2014/main" id="{1A87CCAC-2326-4C2A-B5AE-B16437F2F7C5}"/>
+              </a:ext>
+            </a:extLst>
+          </p:cNvPr>
+          <p:cNvSpPr/>
+          <p:nvPr/>
+        </p:nvSpPr>
+        <p:spPr>
+          <a:xfrm>
+            <a:off x="9168585" y="4550397"/>
+            <a:ext cx="1578807" cy="967621"/>
+          </a:xfrm>
+          <a:prstGeom prst="roundRect">
+            <a:avLst/>
+          </a:prstGeom>
+        </p:spPr>
+        <p:style>
+          <a:lnRef idx="2">
+            <a:schemeClr val="accent3"/>
+          </a:lnRef>
+          <a:fillRef idx="1">
+            <a:schemeClr val="lt1"/>
+          </a:fillRef>
+          <a:effectRef idx="0">
+            <a:schemeClr val="accent3"/>
+          </a:effectRef>
+          <a:fontRef idx="minor">
+            <a:schemeClr val="dk1"/>
+          </a:fontRef>
+        </p:style>
+        <p:txBody>
+          <a:bodyPr rtlCol="0" anchor="ctr"/>
+          <a:lstStyle/>
+          <a:p>
+            <a:pPr algn="ctr"/>
+            <a:endParaRPr lang="en-US" altLang="ko-KR" sz="1050" dirty="0"/>
+          </a:p>
+          <a:p>
+            <a:pPr algn="ctr"/>
+            <a:endParaRPr lang="en-US" altLang="ko-KR" sz="1050" dirty="0"/>
+          </a:p>
+          <a:p>
+            <a:pPr algn="ctr"/>
+            <a:endParaRPr lang="en-US" altLang="ko-KR" sz="1050" dirty="0"/>
+          </a:p>
+          <a:p>
+            <a:pPr algn="ctr"/>
+            <a:endParaRPr lang="en-US" altLang="ko-KR" sz="1050" dirty="0"/>
+          </a:p>
+          <a:p>
+            <a:pPr algn="ctr"/>
+            <a:r>
+              <a:rPr lang="en-US" altLang="ko-KR" sz="1050" dirty="0"/>
+              <a:t>Decision Dog </a:t>
+            </a:r>
+          </a:p>
+          <a:p>
+            <a:pPr algn="ctr"/>
+            <a:r>
+              <a:rPr lang="en-US" altLang="ko-KR" sz="1050" dirty="0"/>
+              <a:t>Bowel Movement</a:t>
+            </a:r>
+            <a:endParaRPr lang="ko-KR" altLang="en-US" sz="1050" dirty="0"/>
+          </a:p>
+        </p:txBody>
+      </p:sp>
+      <p:pic>
+        <p:nvPicPr>
+          <p:cNvPr id="2058" name="Picture 10" descr="dog iconì ëí ì´ë¯¸ì§ ê²ìê²°ê³¼">
+            <a:extLst>
+              <a:ext uri="{FF2B5EF4-FFF2-40B4-BE49-F238E27FC236}">
+                <a16:creationId xmlns:a16="http://schemas.microsoft.com/office/drawing/2014/main" id="{B48F2116-4811-46DA-99FC-314E3DF922ED}"/>
+              </a:ext>
+            </a:extLst>
+          </p:cNvPr>
+          <p:cNvPicPr>
+            <a:picLocks noChangeAspect="1" noChangeArrowheads="1"/>
+          </p:cNvPicPr>
+          <p:nvPr/>
+        </p:nvPicPr>
+        <p:blipFill>
+          <a:blip r:embed="rId3">
+            <a:extLst>
+              <a:ext uri="{28A0092B-C50C-407E-A947-70E740481C1C}">
+                <a14:useLocalDpi xmlns:a14="http://schemas.microsoft.com/office/drawing/2010/main" val="0"/>
+              </a:ext>
+            </a:extLst>
+          </a:blip>
+          <a:srcRect/>
+          <a:stretch>
+            <a:fillRect/>
+          </a:stretch>
+        </p:blipFill>
+        <p:spPr bwMode="auto">
+          <a:xfrm>
+            <a:off x="9455275" y="4572882"/>
+            <a:ext cx="893344" cy="645791"/>
+          </a:xfrm>
+          <a:prstGeom prst="rect">
+            <a:avLst/>
+          </a:prstGeom>
+          <a:noFill/>
+          <a:extLst>
+            <a:ext uri="{909E8E84-426E-40DD-AFC4-6F175D3DCCD1}">
+              <a14:hiddenFill xmlns:a14="http://schemas.microsoft.com/office/drawing/2010/main">
+                <a:solidFill>
+                  <a:srgbClr val="FFFFFF"/>
+                </a:solidFill>
+              </a14:hiddenFill>
+            </a:ext>
+          </a:extLst>
+        </p:spPr>
+      </p:pic>
+      <p:sp>
+        <p:nvSpPr>
+          <p:cNvPr id="86" name="사각형: 둥근 모서리 85">
+            <a:extLst>
+              <a:ext uri="{FF2B5EF4-FFF2-40B4-BE49-F238E27FC236}">
+                <a16:creationId xmlns:a16="http://schemas.microsoft.com/office/drawing/2014/main" id="{FCA9F5F1-98A5-4A58-9A7E-D31E771C01E4}"/>
+              </a:ext>
+            </a:extLst>
+          </p:cNvPr>
+          <p:cNvSpPr/>
+          <p:nvPr/>
+        </p:nvSpPr>
+        <p:spPr>
+          <a:xfrm>
+            <a:off x="5640392" y="1556644"/>
+            <a:ext cx="1344864" cy="952175"/>
+          </a:xfrm>
+          <a:prstGeom prst="roundRect">
+            <a:avLst/>
+          </a:prstGeom>
+        </p:spPr>
+        <p:style>
+          <a:lnRef idx="2">
+            <a:schemeClr val="accent3"/>
+          </a:lnRef>
+          <a:fillRef idx="1">
+            <a:schemeClr val="lt1"/>
+          </a:fillRef>
+          <a:effectRef idx="0">
+            <a:schemeClr val="accent3"/>
+          </a:effectRef>
+          <a:fontRef idx="minor">
+            <a:schemeClr val="dk1"/>
+          </a:fontRef>
+        </p:style>
+        <p:txBody>
+          <a:bodyPr rtlCol="0" anchor="ctr"/>
+          <a:lstStyle/>
+          <a:p>
+            <a:pPr algn="ctr"/>
+            <a:endParaRPr lang="en-US" altLang="ko-KR" sz="1200" dirty="0"/>
+          </a:p>
+          <a:p>
+            <a:pPr algn="ctr"/>
+            <a:endParaRPr lang="en-US" altLang="ko-KR" sz="1200" dirty="0"/>
+          </a:p>
+          <a:p>
+            <a:pPr algn="ctr"/>
+            <a:br>
+              <a:rPr lang="en-US" altLang="ko-KR" sz="1200" dirty="0"/>
+            </a:br>
+            <a:r>
+              <a:rPr lang="en-US" altLang="ko-KR" sz="1200" dirty="0"/>
+              <a:t>Image</a:t>
+            </a:r>
+            <a:r>
+              <a:rPr lang="ko-KR" altLang="en-US" sz="1200" dirty="0"/>
+              <a:t> </a:t>
+            </a:r>
+            <a:r>
+              <a:rPr lang="en-US" altLang="ko-KR" sz="1200" dirty="0"/>
+              <a:t>Blurring</a:t>
+            </a:r>
+            <a:endParaRPr lang="en-US" altLang="ko-KR" sz="1100" dirty="0"/>
+          </a:p>
+          <a:p>
+            <a:pPr algn="ctr"/>
+            <a:r>
+              <a:rPr lang="en-US" altLang="ko-KR" sz="1000" dirty="0"/>
+              <a:t>[</a:t>
+            </a:r>
+            <a:r>
+              <a:rPr lang="ko-KR" altLang="en-US" sz="1000" dirty="0"/>
+              <a:t>잡음제거 단계</a:t>
+            </a:r>
+            <a:r>
+              <a:rPr lang="en-US" altLang="ko-KR" sz="1000" dirty="0"/>
+              <a:t>]</a:t>
+            </a:r>
+          </a:p>
+        </p:txBody>
+      </p:sp>
+      <p:sp>
+        <p:nvSpPr>
+          <p:cNvPr id="87" name="사각형: 둥근 모서리 86">
+            <a:extLst>
+              <a:ext uri="{FF2B5EF4-FFF2-40B4-BE49-F238E27FC236}">
+                <a16:creationId xmlns:a16="http://schemas.microsoft.com/office/drawing/2014/main" id="{0D81AF66-B629-4A02-90E2-529A7724D8B7}"/>
+              </a:ext>
+            </a:extLst>
+          </p:cNvPr>
+          <p:cNvSpPr/>
+          <p:nvPr/>
+        </p:nvSpPr>
+        <p:spPr>
+          <a:xfrm>
+            <a:off x="3682977" y="1639327"/>
+            <a:ext cx="1380705" cy="771247"/>
+          </a:xfrm>
+          <a:prstGeom prst="roundRect">
+            <a:avLst/>
+          </a:prstGeom>
+        </p:spPr>
+        <p:style>
+          <a:lnRef idx="2">
+            <a:schemeClr val="accent3"/>
+          </a:lnRef>
+          <a:fillRef idx="1">
+            <a:schemeClr val="lt1"/>
+          </a:fillRef>
+          <a:effectRef idx="0">
+            <a:schemeClr val="accent3"/>
+          </a:effectRef>
+          <a:fontRef idx="minor">
+            <a:schemeClr val="dk1"/>
+          </a:fontRef>
+        </p:style>
+        <p:txBody>
+          <a:bodyPr rtlCol="0" anchor="ctr"/>
+          <a:lstStyle/>
+          <a:p>
+            <a:pPr algn="ctr"/>
+            <a:endParaRPr lang="en-US" altLang="ko-KR" sz="1000" dirty="0"/>
+          </a:p>
+          <a:p>
+            <a:pPr algn="ctr"/>
+            <a:endParaRPr lang="en-US" altLang="ko-KR" sz="1000" dirty="0"/>
+          </a:p>
+          <a:p>
+            <a:pPr algn="ctr"/>
+            <a:endParaRPr lang="en-US" altLang="ko-KR" sz="1000" dirty="0"/>
+          </a:p>
+          <a:p>
+            <a:pPr algn="ctr"/>
+            <a:r>
+              <a:rPr lang="en-US" altLang="ko-KR" sz="1000" dirty="0"/>
+              <a:t>Color conversion</a:t>
+            </a:r>
+          </a:p>
+          <a:p>
+            <a:pPr algn="ctr"/>
+            <a:r>
+              <a:rPr lang="en-US" altLang="ko-KR" sz="900" dirty="0"/>
+              <a:t>[</a:t>
+            </a:r>
+            <a:r>
+              <a:rPr lang="ko-KR" altLang="en-US" sz="900" dirty="0"/>
+              <a:t>색깔 변환 단계 </a:t>
+            </a:r>
+            <a:r>
+              <a:rPr lang="en-US" altLang="ko-KR" sz="900" dirty="0"/>
+              <a:t>]</a:t>
+            </a:r>
+          </a:p>
+        </p:txBody>
+      </p:sp>
+      <p:sp>
+        <p:nvSpPr>
+          <p:cNvPr id="88" name="사각형: 둥근 모서리 87">
+            <a:extLst>
+              <a:ext uri="{FF2B5EF4-FFF2-40B4-BE49-F238E27FC236}">
+                <a16:creationId xmlns:a16="http://schemas.microsoft.com/office/drawing/2014/main" id="{68F5E23D-21AF-4383-AA29-0C481F284A44}"/>
+              </a:ext>
+            </a:extLst>
+          </p:cNvPr>
+          <p:cNvSpPr/>
+          <p:nvPr/>
+        </p:nvSpPr>
+        <p:spPr>
+          <a:xfrm>
+            <a:off x="839223" y="1695567"/>
+            <a:ext cx="941838" cy="674733"/>
+          </a:xfrm>
+          <a:prstGeom prst="roundRect">
+            <a:avLst/>
+          </a:prstGeom>
+        </p:spPr>
+        <p:style>
+          <a:lnRef idx="2">
+            <a:schemeClr val="accent3"/>
+          </a:lnRef>
+          <a:fillRef idx="1">
+            <a:schemeClr val="lt1"/>
+          </a:fillRef>
+          <a:effectRef idx="0">
+            <a:schemeClr val="accent3"/>
+          </a:effectRef>
+          <a:fontRef idx="minor">
+            <a:schemeClr val="dk1"/>
+          </a:fontRef>
+        </p:style>
+        <p:txBody>
+          <a:bodyPr rtlCol="0" anchor="ctr"/>
+          <a:lstStyle/>
+          <a:p>
+            <a:pPr algn="ctr"/>
+            <a:endParaRPr lang="en-US" altLang="ko-KR" sz="1100" dirty="0"/>
+          </a:p>
+          <a:p>
+            <a:pPr algn="ctr"/>
+            <a:endParaRPr lang="en-US" altLang="ko-KR" sz="1100" dirty="0"/>
+          </a:p>
+          <a:p>
+            <a:pPr algn="ctr"/>
+            <a:r>
+              <a:rPr lang="en-US" altLang="ko-KR" sz="1100" dirty="0"/>
+              <a:t>Get Image</a:t>
+            </a:r>
+            <a:endParaRPr lang="ko-KR" altLang="en-US" sz="1100" dirty="0"/>
+          </a:p>
+        </p:txBody>
+      </p:sp>
+      <p:pic>
+        <p:nvPicPr>
+          <p:cNvPr id="89" name="그림 88">
+            <a:extLst>
+              <a:ext uri="{FF2B5EF4-FFF2-40B4-BE49-F238E27FC236}">
+                <a16:creationId xmlns:a16="http://schemas.microsoft.com/office/drawing/2014/main" id="{E167EF53-7D7B-4987-974F-8DF017179571}"/>
+              </a:ext>
+            </a:extLst>
+          </p:cNvPr>
+          <p:cNvPicPr>
+            <a:picLocks noChangeAspect="1"/>
+          </p:cNvPicPr>
+          <p:nvPr/>
+        </p:nvPicPr>
+        <p:blipFill>
+          <a:blip r:embed="rId4"/>
+          <a:stretch>
+            <a:fillRect/>
+          </a:stretch>
+        </p:blipFill>
+        <p:spPr>
+          <a:xfrm>
+            <a:off x="5979233" y="1572526"/>
+            <a:ext cx="633726" cy="607324"/>
+          </a:xfrm>
+          <a:prstGeom prst="rect">
+            <a:avLst/>
+          </a:prstGeom>
+        </p:spPr>
+      </p:pic>
+      <p:pic>
+        <p:nvPicPr>
+          <p:cNvPr id="90" name="그림 89">
+            <a:extLst>
+              <a:ext uri="{FF2B5EF4-FFF2-40B4-BE49-F238E27FC236}">
+                <a16:creationId xmlns:a16="http://schemas.microsoft.com/office/drawing/2014/main" id="{15AA3720-DAF2-4A65-98DC-4ACF51F6DCBF}"/>
+              </a:ext>
+            </a:extLst>
+          </p:cNvPr>
+          <p:cNvPicPr>
+            <a:picLocks noChangeAspect="1"/>
+          </p:cNvPicPr>
+          <p:nvPr/>
+        </p:nvPicPr>
+        <p:blipFill>
+          <a:blip r:embed="rId5"/>
+          <a:stretch>
+            <a:fillRect/>
+          </a:stretch>
+        </p:blipFill>
+        <p:spPr>
+          <a:xfrm>
+            <a:off x="3932380" y="1683187"/>
+            <a:ext cx="781588" cy="397358"/>
+          </a:xfrm>
+          <a:prstGeom prst="rect">
+            <a:avLst/>
+          </a:prstGeom>
+        </p:spPr>
+      </p:pic>
+      <p:pic>
+        <p:nvPicPr>
+          <p:cNvPr id="91" name="그림 90">
+            <a:extLst>
+              <a:ext uri="{FF2B5EF4-FFF2-40B4-BE49-F238E27FC236}">
+                <a16:creationId xmlns:a16="http://schemas.microsoft.com/office/drawing/2014/main" id="{5D94E79D-F291-4A5F-A524-ECB57B590DA5}"/>
+              </a:ext>
+            </a:extLst>
+          </p:cNvPr>
+          <p:cNvPicPr>
+            <a:picLocks noChangeAspect="1"/>
+          </p:cNvPicPr>
+          <p:nvPr/>
+        </p:nvPicPr>
+        <p:blipFill>
+          <a:blip r:embed="rId6"/>
+          <a:stretch>
+            <a:fillRect/>
+          </a:stretch>
+        </p:blipFill>
+        <p:spPr>
+          <a:xfrm>
+            <a:off x="1084058" y="1744794"/>
+            <a:ext cx="418529" cy="326190"/>
+          </a:xfrm>
+          <a:prstGeom prst="rect">
+            <a:avLst/>
+          </a:prstGeom>
+        </p:spPr>
+      </p:pic>
+      <p:grpSp>
+        <p:nvGrpSpPr>
+          <p:cNvPr id="7" name="그룹 6">
+            <a:extLst>
+              <a:ext uri="{FF2B5EF4-FFF2-40B4-BE49-F238E27FC236}">
+                <a16:creationId xmlns:a16="http://schemas.microsoft.com/office/drawing/2014/main" id="{931A4337-4190-4191-BB66-0C3ADC41AA51}"/>
+              </a:ext>
+            </a:extLst>
+          </p:cNvPr>
+          <p:cNvGrpSpPr/>
+          <p:nvPr/>
+        </p:nvGrpSpPr>
+        <p:grpSpPr>
+          <a:xfrm>
+            <a:off x="2273248" y="1695567"/>
+            <a:ext cx="735545" cy="736595"/>
+            <a:chOff x="1687771" y="3070978"/>
+            <a:chExt cx="727611" cy="674733"/>
+          </a:xfrm>
+        </p:grpSpPr>
+        <p:sp>
+          <p:nvSpPr>
+            <p:cNvPr id="43" name="사각형: 둥근 모서리 42">
+              <a:extLst>
+                <a:ext uri="{FF2B5EF4-FFF2-40B4-BE49-F238E27FC236}">
+                  <a16:creationId xmlns:a16="http://schemas.microsoft.com/office/drawing/2014/main" id="{43FE776F-FCD9-4049-AD82-5F68F7579C24}"/>
+                </a:ext>
+              </a:extLst>
+            </p:cNvPr>
+            <p:cNvSpPr/>
+            <p:nvPr/>
+          </p:nvSpPr>
+          <p:spPr>
+            <a:xfrm>
+              <a:off x="1687771" y="3070978"/>
+              <a:ext cx="727611" cy="674733"/>
+            </a:xfrm>
+            <a:prstGeom prst="roundRect">
+              <a:avLst/>
+            </a:prstGeom>
+          </p:spPr>
+          <p:style>
+            <a:lnRef idx="2">
+              <a:schemeClr val="accent3"/>
+            </a:lnRef>
+            <a:fillRef idx="1">
+              <a:schemeClr val="lt1"/>
+            </a:fillRef>
+            <a:effectRef idx="0">
+              <a:schemeClr val="accent3"/>
+            </a:effectRef>
+            <a:fontRef idx="minor">
+              <a:schemeClr val="dk1"/>
+            </a:fontRef>
+          </p:style>
+          <p:txBody>
+            <a:bodyPr rtlCol="0" anchor="ctr"/>
+            <a:lstStyle/>
+            <a:p>
+              <a:pPr algn="ctr"/>
+              <a:endParaRPr lang="en-US" altLang="ko-KR" sz="1100" dirty="0"/>
+            </a:p>
+            <a:p>
+              <a:pPr algn="ctr"/>
+              <a:endParaRPr lang="en-US" altLang="ko-KR" sz="1100" dirty="0"/>
+            </a:p>
+            <a:p>
+              <a:pPr algn="ctr"/>
+              <a:r>
+                <a:rPr lang="en-US" altLang="ko-KR" sz="1100" dirty="0"/>
+                <a:t>Identify</a:t>
+              </a:r>
+            </a:p>
+            <a:p>
+              <a:pPr algn="ctr"/>
+              <a:r>
+                <a:rPr lang="en-US" altLang="ko-KR" sz="1100" dirty="0"/>
+                <a:t>Day</a:t>
+              </a:r>
+              <a:endParaRPr lang="ko-KR" altLang="en-US" sz="1100" dirty="0"/>
+            </a:p>
+          </p:txBody>
+        </p:sp>
+        <p:pic>
+          <p:nvPicPr>
+            <p:cNvPr id="6" name="Picture 2" descr="day iconì ëí ì´ë¯¸ì§ ê²ìê²°ê³¼">
+              <a:extLst>
+                <a:ext uri="{FF2B5EF4-FFF2-40B4-BE49-F238E27FC236}">
+                  <a16:creationId xmlns:a16="http://schemas.microsoft.com/office/drawing/2014/main" id="{15C09954-2577-41C9-BAE6-86FADF8252EA}"/>
+                </a:ext>
+              </a:extLst>
+            </p:cNvPr>
+            <p:cNvPicPr>
+              <a:picLocks noChangeAspect="1" noChangeArrowheads="1"/>
+            </p:cNvPicPr>
+            <p:nvPr/>
+          </p:nvPicPr>
+          <p:blipFill>
+            <a:blip r:embed="rId7">
+              <a:extLst>
+                <a:ext uri="{28A0092B-C50C-407E-A947-70E740481C1C}">
+                  <a14:useLocalDpi xmlns:a14="http://schemas.microsoft.com/office/drawing/2010/main" val="0"/>
+                </a:ext>
+              </a:extLst>
+            </a:blip>
+            <a:srcRect/>
+            <a:stretch>
+              <a:fillRect/>
+            </a:stretch>
+          </p:blipFill>
+          <p:spPr bwMode="auto">
+            <a:xfrm>
+              <a:off x="1912397" y="3083844"/>
+              <a:ext cx="307357" cy="307357"/>
+            </a:xfrm>
+            <a:prstGeom prst="rect">
+              <a:avLst/>
+            </a:prstGeom>
+            <a:noFill/>
+            <a:extLst>
+              <a:ext uri="{909E8E84-426E-40DD-AFC4-6F175D3DCCD1}">
+                <a14:hiddenFill xmlns:a14="http://schemas.microsoft.com/office/drawing/2010/main">
+                  <a:solidFill>
+                    <a:srgbClr val="FFFFFF"/>
+                  </a:solidFill>
+                </a14:hiddenFill>
+              </a:ext>
+            </a:extLst>
+          </p:spPr>
+        </p:pic>
+      </p:grpSp>
+      <p:cxnSp>
+        <p:nvCxnSpPr>
+          <p:cNvPr id="44" name="직선 화살표 연결선 43">
+            <a:extLst>
+              <a:ext uri="{FF2B5EF4-FFF2-40B4-BE49-F238E27FC236}">
+                <a16:creationId xmlns:a16="http://schemas.microsoft.com/office/drawing/2014/main" id="{1A433EE9-61DD-4CD2-9FAF-E65CA8B3E925}"/>
+              </a:ext>
+            </a:extLst>
+          </p:cNvPr>
+          <p:cNvCxnSpPr>
+            <a:cxnSpLocks/>
+          </p:cNvCxnSpPr>
+          <p:nvPr/>
+        </p:nvCxnSpPr>
+        <p:spPr>
+          <a:xfrm>
+            <a:off x="1844895" y="2015913"/>
+            <a:ext cx="390253" cy="0"/>
+          </a:xfrm>
+          <a:prstGeom prst="straightConnector1">
+            <a:avLst/>
+          </a:prstGeom>
+          <a:ln>
+            <a:tailEnd type="triangle"/>
+          </a:ln>
+        </p:spPr>
+        <p:style>
+          <a:lnRef idx="1">
+            <a:schemeClr val="dk1"/>
+          </a:lnRef>
+          <a:fillRef idx="0">
+            <a:schemeClr val="dk1"/>
+          </a:fillRef>
+          <a:effectRef idx="0">
+            <a:schemeClr val="dk1"/>
+          </a:effectRef>
+          <a:fontRef idx="minor">
+            <a:schemeClr val="tx1"/>
+          </a:fontRef>
+        </p:style>
+      </p:cxnSp>
+      <p:cxnSp>
+        <p:nvCxnSpPr>
+          <p:cNvPr id="46" name="연결선: 꺾임 45">
+            <a:extLst>
+              <a:ext uri="{FF2B5EF4-FFF2-40B4-BE49-F238E27FC236}">
+                <a16:creationId xmlns:a16="http://schemas.microsoft.com/office/drawing/2014/main" id="{56E048A8-B9A6-42EE-9807-BA65534534F3}"/>
+              </a:ext>
+            </a:extLst>
+          </p:cNvPr>
+          <p:cNvCxnSpPr>
+            <a:cxnSpLocks/>
+            <a:stCxn id="43" idx="2"/>
+            <a:endCxn id="88" idx="2"/>
+          </p:cNvCxnSpPr>
+          <p:nvPr/>
+        </p:nvCxnSpPr>
+        <p:spPr>
+          <a:xfrm rot="5400000" flipH="1">
+            <a:off x="1944651" y="1735792"/>
+            <a:ext cx="61862" cy="1330879"/>
+          </a:xfrm>
+          <a:prstGeom prst="bentConnector3">
+            <a:avLst>
+              <a:gd name="adj1" fmla="val -1067541"/>
+            </a:avLst>
+          </a:prstGeom>
+          <a:ln>
+            <a:tailEnd type="triangle"/>
+          </a:ln>
+        </p:spPr>
+        <p:style>
+          <a:lnRef idx="1">
+            <a:schemeClr val="dk1"/>
+          </a:lnRef>
+          <a:fillRef idx="0">
+            <a:schemeClr val="dk1"/>
+          </a:fillRef>
+          <a:effectRef idx="0">
+            <a:schemeClr val="dk1"/>
+          </a:effectRef>
+          <a:fontRef idx="minor">
+            <a:schemeClr val="tx1"/>
+          </a:fontRef>
+        </p:style>
+      </p:cxnSp>
+      <p:sp>
+        <p:nvSpPr>
+          <p:cNvPr id="14" name="직사각형 13">
+            <a:extLst>
+              <a:ext uri="{FF2B5EF4-FFF2-40B4-BE49-F238E27FC236}">
+                <a16:creationId xmlns:a16="http://schemas.microsoft.com/office/drawing/2014/main" id="{3BEBC8A2-82AB-4644-A2FC-A24FE7752228}"/>
+              </a:ext>
+            </a:extLst>
+          </p:cNvPr>
+          <p:cNvSpPr/>
+          <p:nvPr/>
+        </p:nvSpPr>
+        <p:spPr>
+          <a:xfrm>
+            <a:off x="1285136" y="2813348"/>
+            <a:ext cx="1355884" cy="276999"/>
+          </a:xfrm>
+          <a:prstGeom prst="rect">
+            <a:avLst/>
+          </a:prstGeom>
+        </p:spPr>
+        <p:txBody>
+          <a:bodyPr wrap="square">
+            <a:spAutoFit/>
+          </a:bodyPr>
+          <a:lstStyle/>
+          <a:p>
+            <a:pPr algn="ctr"/>
+            <a:r>
+              <a:rPr lang="en-US" altLang="ko-KR" sz="1200" dirty="0"/>
+              <a:t>Discordance Day</a:t>
+            </a:r>
+          </a:p>
+        </p:txBody>
+      </p:sp>
+      <p:sp>
+        <p:nvSpPr>
+          <p:cNvPr id="55" name="직사각형 54">
+            <a:extLst>
+              <a:ext uri="{FF2B5EF4-FFF2-40B4-BE49-F238E27FC236}">
+                <a16:creationId xmlns:a16="http://schemas.microsoft.com/office/drawing/2014/main" id="{FA95B97F-1A14-4053-86CC-313A47774A59}"/>
+              </a:ext>
+            </a:extLst>
+          </p:cNvPr>
+          <p:cNvSpPr/>
+          <p:nvPr/>
+        </p:nvSpPr>
+        <p:spPr>
+          <a:xfrm>
+            <a:off x="1481526" y="3053187"/>
+            <a:ext cx="936603" cy="276999"/>
+          </a:xfrm>
+          <a:prstGeom prst="rect">
+            <a:avLst/>
+          </a:prstGeom>
+        </p:spPr>
+        <p:txBody>
+          <a:bodyPr wrap="square">
+            <a:spAutoFit/>
+          </a:bodyPr>
+          <a:lstStyle/>
+          <a:p>
+            <a:pPr algn="ctr"/>
+            <a:r>
+              <a:rPr lang="en-US" altLang="ko-KR" sz="1200" dirty="0"/>
+              <a:t>Data Reset</a:t>
+            </a:r>
+          </a:p>
+        </p:txBody>
+      </p:sp>
+      <p:sp>
+        <p:nvSpPr>
+          <p:cNvPr id="85" name="사각형: 둥근 모서리 84">
+            <a:extLst>
+              <a:ext uri="{FF2B5EF4-FFF2-40B4-BE49-F238E27FC236}">
+                <a16:creationId xmlns:a16="http://schemas.microsoft.com/office/drawing/2014/main" id="{06068782-8801-43AF-95A5-718BF09A160A}"/>
+              </a:ext>
+            </a:extLst>
+          </p:cNvPr>
+          <p:cNvSpPr/>
+          <p:nvPr/>
+        </p:nvSpPr>
+        <p:spPr>
+          <a:xfrm>
+            <a:off x="9059255" y="1600806"/>
+            <a:ext cx="1344864" cy="779079"/>
+          </a:xfrm>
+          <a:prstGeom prst="roundRect">
+            <a:avLst/>
+          </a:prstGeom>
+        </p:spPr>
+        <p:style>
+          <a:lnRef idx="2">
+            <a:schemeClr val="accent3"/>
+          </a:lnRef>
+          <a:fillRef idx="1">
+            <a:schemeClr val="lt1"/>
+          </a:fillRef>
+          <a:effectRef idx="0">
+            <a:schemeClr val="accent3"/>
+          </a:effectRef>
+          <a:fontRef idx="minor">
+            <a:schemeClr val="dk1"/>
+          </a:fontRef>
+        </p:style>
+        <p:txBody>
+          <a:bodyPr rtlCol="0" anchor="ctr"/>
+          <a:lstStyle/>
+          <a:p>
+            <a:pPr algn="ctr"/>
+            <a:endParaRPr lang="en-US" altLang="ko-KR" sz="1100" dirty="0"/>
+          </a:p>
+          <a:p>
+            <a:pPr algn="ctr"/>
+            <a:endParaRPr lang="en-US" altLang="ko-KR" sz="1100" dirty="0"/>
+          </a:p>
+          <a:p>
+            <a:pPr algn="ctr"/>
+            <a:endParaRPr lang="en-US" altLang="ko-KR" sz="1100" dirty="0"/>
+          </a:p>
+          <a:p>
+            <a:pPr algn="ctr"/>
+            <a:r>
+              <a:rPr lang="en-US" altLang="ko-KR" sz="1100" dirty="0"/>
+              <a:t>Frame Division</a:t>
+            </a:r>
+          </a:p>
+          <a:p>
+            <a:pPr algn="ctr"/>
+            <a:r>
+              <a:rPr lang="en-US" altLang="ko-KR" sz="1100" dirty="0"/>
+              <a:t>[</a:t>
+            </a:r>
+            <a:r>
+              <a:rPr lang="ko-KR" altLang="en-US" sz="1100" dirty="0"/>
+              <a:t>감시 구역 설정</a:t>
+            </a:r>
+            <a:r>
+              <a:rPr lang="en-US" altLang="ko-KR" sz="1100" dirty="0"/>
+              <a:t>]</a:t>
+            </a:r>
+          </a:p>
+        </p:txBody>
+      </p:sp>
+      <p:pic>
+        <p:nvPicPr>
+          <p:cNvPr id="1028" name="Picture 4" descr="frame iconì ëí ì´ë¯¸ì§ ê²ìê²°ê³¼">
+            <a:extLst>
+              <a:ext uri="{FF2B5EF4-FFF2-40B4-BE49-F238E27FC236}">
+                <a16:creationId xmlns:a16="http://schemas.microsoft.com/office/drawing/2014/main" id="{230D55F5-1D5D-4BD9-B801-49D933BC2BBE}"/>
+              </a:ext>
+            </a:extLst>
+          </p:cNvPr>
+          <p:cNvPicPr>
+            <a:picLocks noChangeAspect="1" noChangeArrowheads="1"/>
+          </p:cNvPicPr>
+          <p:nvPr/>
+        </p:nvPicPr>
+        <p:blipFill>
+          <a:blip r:embed="rId8">
+            <a:extLst>
+              <a:ext uri="{28A0092B-C50C-407E-A947-70E740481C1C}">
+                <a14:useLocalDpi xmlns:a14="http://schemas.microsoft.com/office/drawing/2010/main" val="0"/>
+              </a:ext>
+            </a:extLst>
+          </a:blip>
+          <a:srcRect/>
+          <a:stretch>
+            <a:fillRect/>
+          </a:stretch>
+        </p:blipFill>
+        <p:spPr bwMode="auto">
+          <a:xfrm>
+            <a:off x="9476287" y="1615502"/>
+            <a:ext cx="489807" cy="441397"/>
+          </a:xfrm>
+          <a:prstGeom prst="rect">
+            <a:avLst/>
+          </a:prstGeom>
+          <a:noFill/>
+          <a:extLst>
+            <a:ext uri="{909E8E84-426E-40DD-AFC4-6F175D3DCCD1}">
+              <a14:hiddenFill xmlns:a14="http://schemas.microsoft.com/office/drawing/2010/main">
+                <a:solidFill>
+                  <a:srgbClr val="FFFFFF"/>
+                </a:solidFill>
+              </a14:hiddenFill>
+            </a:ext>
+          </a:extLst>
+        </p:spPr>
+      </p:pic>
+      <p:sp>
+        <p:nvSpPr>
+          <p:cNvPr id="94" name="사각형: 둥근 모서리 93">
+            <a:extLst>
+              <a:ext uri="{FF2B5EF4-FFF2-40B4-BE49-F238E27FC236}">
+                <a16:creationId xmlns:a16="http://schemas.microsoft.com/office/drawing/2014/main" id="{AE581DDE-D446-4276-BF3F-BE81168F527C}"/>
+              </a:ext>
+            </a:extLst>
+          </p:cNvPr>
+          <p:cNvSpPr/>
+          <p:nvPr/>
+        </p:nvSpPr>
+        <p:spPr>
+          <a:xfrm>
+            <a:off x="2973083" y="4626621"/>
+            <a:ext cx="1245078" cy="736594"/>
+          </a:xfrm>
+          <a:prstGeom prst="roundRect">
+            <a:avLst/>
+          </a:prstGeom>
+        </p:spPr>
+        <p:style>
+          <a:lnRef idx="2">
+            <a:schemeClr val="accent3"/>
+          </a:lnRef>
+          <a:fillRef idx="1">
+            <a:schemeClr val="lt1"/>
+          </a:fillRef>
+          <a:effectRef idx="0">
+            <a:schemeClr val="accent3"/>
+          </a:effectRef>
+          <a:fontRef idx="minor">
+            <a:schemeClr val="dk1"/>
+          </a:fontRef>
+        </p:style>
+        <p:txBody>
+          <a:bodyPr rtlCol="0" anchor="ctr"/>
+          <a:lstStyle/>
+          <a:p>
+            <a:pPr algn="ctr"/>
+            <a:endParaRPr lang="en-US" altLang="ko-KR" sz="1100" dirty="0"/>
+          </a:p>
+          <a:p>
+            <a:pPr algn="ctr"/>
+            <a:endParaRPr lang="en-US" altLang="ko-KR" sz="1100" dirty="0"/>
+          </a:p>
+          <a:p>
+            <a:pPr algn="ctr"/>
+            <a:r>
+              <a:rPr lang="en-US" altLang="ko-KR" sz="1100" dirty="0"/>
+              <a:t>Pixel Color</a:t>
+            </a:r>
+          </a:p>
+          <a:p>
+            <a:pPr algn="ctr"/>
+            <a:r>
+              <a:rPr lang="en-US" altLang="ko-KR" sz="1100" dirty="0"/>
+              <a:t>Comparison</a:t>
+            </a:r>
+          </a:p>
+        </p:txBody>
+      </p:sp>
+      <p:pic>
+        <p:nvPicPr>
+          <p:cNvPr id="1032" name="Picture 8" descr="pixel iconì ëí ì´ë¯¸ì§ ê²ìê²°ê³¼">
+            <a:extLst>
+              <a:ext uri="{FF2B5EF4-FFF2-40B4-BE49-F238E27FC236}">
+                <a16:creationId xmlns:a16="http://schemas.microsoft.com/office/drawing/2014/main" id="{9651753D-1E37-4B8C-9365-79F95FBFD8D5}"/>
+              </a:ext>
+            </a:extLst>
+          </p:cNvPr>
+          <p:cNvPicPr>
+            <a:picLocks noChangeAspect="1" noChangeArrowheads="1"/>
+          </p:cNvPicPr>
+          <p:nvPr/>
+        </p:nvPicPr>
+        <p:blipFill>
+          <a:blip r:embed="rId9">
+            <a:extLst>
+              <a:ext uri="{28A0092B-C50C-407E-A947-70E740481C1C}">
+                <a14:useLocalDpi xmlns:a14="http://schemas.microsoft.com/office/drawing/2010/main" val="0"/>
+              </a:ext>
+            </a:extLst>
+          </a:blip>
+          <a:srcRect/>
+          <a:stretch>
+            <a:fillRect/>
+          </a:stretch>
+        </p:blipFill>
+        <p:spPr bwMode="auto">
+          <a:xfrm>
+            <a:off x="3407093" y="4639907"/>
+            <a:ext cx="350931" cy="350931"/>
+          </a:xfrm>
+          <a:prstGeom prst="rect">
+            <a:avLst/>
+          </a:prstGeom>
+          <a:noFill/>
+          <a:extLst>
+            <a:ext uri="{909E8E84-426E-40DD-AFC4-6F175D3DCCD1}">
+              <a14:hiddenFill xmlns:a14="http://schemas.microsoft.com/office/drawing/2010/main">
+                <a:solidFill>
+                  <a:srgbClr val="FFFFFF"/>
+                </a:solidFill>
+              </a14:hiddenFill>
+            </a:ext>
+          </a:extLst>
+        </p:spPr>
+      </p:pic>
+      <p:cxnSp>
+        <p:nvCxnSpPr>
+          <p:cNvPr id="100" name="직선 화살표 연결선 99">
+            <a:extLst>
+              <a:ext uri="{FF2B5EF4-FFF2-40B4-BE49-F238E27FC236}">
+                <a16:creationId xmlns:a16="http://schemas.microsoft.com/office/drawing/2014/main" id="{3A53B83D-D38C-47A2-A6B7-32C178881074}"/>
+              </a:ext>
+            </a:extLst>
+          </p:cNvPr>
+          <p:cNvCxnSpPr>
+            <a:cxnSpLocks/>
+          </p:cNvCxnSpPr>
+          <p:nvPr/>
+        </p:nvCxnSpPr>
+        <p:spPr>
+          <a:xfrm>
+            <a:off x="4218161" y="4975802"/>
+            <a:ext cx="754203" cy="0"/>
+          </a:xfrm>
+          <a:prstGeom prst="straightConnector1">
+            <a:avLst/>
+          </a:prstGeom>
+          <a:ln>
+            <a:tailEnd type="triangle"/>
+          </a:ln>
+        </p:spPr>
+        <p:style>
+          <a:lnRef idx="1">
+            <a:schemeClr val="dk1"/>
+          </a:lnRef>
+          <a:fillRef idx="0">
+            <a:schemeClr val="dk1"/>
+          </a:fillRef>
+          <a:effectRef idx="0">
+            <a:schemeClr val="dk1"/>
+          </a:effectRef>
+          <a:fontRef idx="minor">
+            <a:schemeClr val="tx1"/>
+          </a:fontRef>
+        </p:style>
+      </p:cxnSp>
+      <p:cxnSp>
+        <p:nvCxnSpPr>
+          <p:cNvPr id="102" name="직선 화살표 연결선 101">
+            <a:extLst>
+              <a:ext uri="{FF2B5EF4-FFF2-40B4-BE49-F238E27FC236}">
+                <a16:creationId xmlns:a16="http://schemas.microsoft.com/office/drawing/2014/main" id="{85B8EDB5-2F64-41B0-A031-8C4F536A2EA2}"/>
+              </a:ext>
+            </a:extLst>
+          </p:cNvPr>
+          <p:cNvCxnSpPr>
+            <a:cxnSpLocks/>
+          </p:cNvCxnSpPr>
+          <p:nvPr/>
+        </p:nvCxnSpPr>
+        <p:spPr>
+          <a:xfrm flipV="1">
+            <a:off x="6192577" y="4974917"/>
+            <a:ext cx="800052" cy="885"/>
+          </a:xfrm>
+          <a:prstGeom prst="straightConnector1">
+            <a:avLst/>
+          </a:prstGeom>
+          <a:ln>
+            <a:tailEnd type="triangle"/>
+          </a:ln>
+        </p:spPr>
+        <p:style>
+          <a:lnRef idx="1">
+            <a:schemeClr val="dk1"/>
+          </a:lnRef>
+          <a:fillRef idx="0">
+            <a:schemeClr val="dk1"/>
+          </a:fillRef>
+          <a:effectRef idx="0">
+            <a:schemeClr val="dk1"/>
+          </a:effectRef>
+          <a:fontRef idx="minor">
+            <a:schemeClr val="tx1"/>
+          </a:fontRef>
+        </p:style>
+      </p:cxnSp>
+      <p:sp>
+        <p:nvSpPr>
+          <p:cNvPr id="114" name="사각형: 둥근 모서리 113">
+            <a:extLst>
+              <a:ext uri="{FF2B5EF4-FFF2-40B4-BE49-F238E27FC236}">
+                <a16:creationId xmlns:a16="http://schemas.microsoft.com/office/drawing/2014/main" id="{368A9E86-DA37-4423-8E53-6AF7CD27C1F5}"/>
+              </a:ext>
+            </a:extLst>
+          </p:cNvPr>
+          <p:cNvSpPr/>
+          <p:nvPr/>
+        </p:nvSpPr>
+        <p:spPr>
+          <a:xfrm>
+            <a:off x="7563224" y="1678433"/>
+            <a:ext cx="1007630" cy="620576"/>
+          </a:xfrm>
+          <a:prstGeom prst="roundRect">
+            <a:avLst/>
+          </a:prstGeom>
+        </p:spPr>
+        <p:style>
+          <a:lnRef idx="2">
+            <a:schemeClr val="accent3"/>
+          </a:lnRef>
+          <a:fillRef idx="1">
+            <a:schemeClr val="lt1"/>
+          </a:fillRef>
+          <a:effectRef idx="0">
+            <a:schemeClr val="accent3"/>
+          </a:effectRef>
+          <a:fontRef idx="minor">
+            <a:schemeClr val="dk1"/>
+          </a:fontRef>
+        </p:style>
+        <p:txBody>
+          <a:bodyPr rtlCol="0" anchor="ctr"/>
+          <a:lstStyle/>
+          <a:p>
+            <a:pPr algn="ctr"/>
+            <a:endParaRPr lang="en-US" altLang="ko-KR" sz="1100" dirty="0"/>
+          </a:p>
+          <a:p>
+            <a:pPr algn="ctr"/>
+            <a:endParaRPr lang="en-US" altLang="ko-KR" sz="1100" dirty="0"/>
+          </a:p>
+          <a:p>
+            <a:pPr algn="ctr"/>
+            <a:r>
+              <a:rPr lang="en-US" altLang="ko-KR" sz="1100" dirty="0"/>
+              <a:t>conversion Image</a:t>
+            </a:r>
+            <a:endParaRPr lang="ko-KR" altLang="en-US" sz="1100" dirty="0"/>
+          </a:p>
+        </p:txBody>
+      </p:sp>
+      <p:pic>
+        <p:nvPicPr>
+          <p:cNvPr id="115" name="그림 114">
+            <a:extLst>
+              <a:ext uri="{FF2B5EF4-FFF2-40B4-BE49-F238E27FC236}">
+                <a16:creationId xmlns:a16="http://schemas.microsoft.com/office/drawing/2014/main" id="{5FA67522-B1E3-43F2-BCAD-21B86798B31C}"/>
+              </a:ext>
+            </a:extLst>
+          </p:cNvPr>
+          <p:cNvPicPr>
+            <a:picLocks noChangeAspect="1"/>
+          </p:cNvPicPr>
+          <p:nvPr/>
+        </p:nvPicPr>
+        <p:blipFill>
+          <a:blip r:embed="rId6"/>
+          <a:stretch>
+            <a:fillRect/>
+          </a:stretch>
+        </p:blipFill>
+        <p:spPr>
+          <a:xfrm>
+            <a:off x="7847342" y="1692797"/>
+            <a:ext cx="447765" cy="300009"/>
+          </a:xfrm>
+          <a:prstGeom prst="rect">
+            <a:avLst/>
+          </a:prstGeom>
+        </p:spPr>
+      </p:pic>
+      <p:cxnSp>
+        <p:nvCxnSpPr>
+          <p:cNvPr id="116" name="직선 화살표 연결선 115">
+            <a:extLst>
+              <a:ext uri="{FF2B5EF4-FFF2-40B4-BE49-F238E27FC236}">
+                <a16:creationId xmlns:a16="http://schemas.microsoft.com/office/drawing/2014/main" id="{2457002F-18D2-4D0B-9E6D-3C45A26E03C4}"/>
+              </a:ext>
+            </a:extLst>
+          </p:cNvPr>
+          <p:cNvCxnSpPr>
+            <a:cxnSpLocks/>
+          </p:cNvCxnSpPr>
+          <p:nvPr/>
+        </p:nvCxnSpPr>
+        <p:spPr>
+          <a:xfrm>
+            <a:off x="7038797" y="1992737"/>
+            <a:ext cx="472206" cy="0"/>
+          </a:xfrm>
+          <a:prstGeom prst="straightConnector1">
+            <a:avLst/>
+          </a:prstGeom>
+          <a:ln>
+            <a:tailEnd type="triangle"/>
+          </a:ln>
+        </p:spPr>
+        <p:style>
+          <a:lnRef idx="1">
+            <a:schemeClr val="dk1"/>
+          </a:lnRef>
+          <a:fillRef idx="0">
+            <a:schemeClr val="dk1"/>
+          </a:fillRef>
+          <a:effectRef idx="0">
+            <a:schemeClr val="dk1"/>
+          </a:effectRef>
+          <a:fontRef idx="minor">
+            <a:schemeClr val="tx1"/>
+          </a:fontRef>
+        </p:style>
+      </p:cxnSp>
+      <p:pic>
+        <p:nvPicPr>
+          <p:cNvPr id="1034" name="Picture 10" descr="overlap iconì ëí ì´ë¯¸ì§ ê²ìê²°ê³¼">
+            <a:extLst>
+              <a:ext uri="{FF2B5EF4-FFF2-40B4-BE49-F238E27FC236}">
+                <a16:creationId xmlns:a16="http://schemas.microsoft.com/office/drawing/2014/main" id="{AA960F31-D02E-4B09-8E1A-A96553594769}"/>
+              </a:ext>
+            </a:extLst>
+          </p:cNvPr>
+          <p:cNvPicPr>
+            <a:picLocks noChangeAspect="1" noChangeArrowheads="1"/>
+          </p:cNvPicPr>
+          <p:nvPr/>
+        </p:nvPicPr>
+        <p:blipFill>
+          <a:blip r:embed="rId10">
+            <a:extLst>
+              <a:ext uri="{28A0092B-C50C-407E-A947-70E740481C1C}">
+                <a14:useLocalDpi xmlns:a14="http://schemas.microsoft.com/office/drawing/2010/main" val="0"/>
+              </a:ext>
+            </a:extLst>
+          </a:blip>
+          <a:srcRect/>
+          <a:stretch>
+            <a:fillRect/>
+          </a:stretch>
+        </p:blipFill>
+        <p:spPr bwMode="auto">
+          <a:xfrm>
+            <a:off x="7414855" y="4564751"/>
+            <a:ext cx="584910" cy="584910"/>
+          </a:xfrm>
+          <a:prstGeom prst="rect">
+            <a:avLst/>
+          </a:prstGeom>
+          <a:noFill/>
+          <a:extLst>
+            <a:ext uri="{909E8E84-426E-40DD-AFC4-6F175D3DCCD1}">
+              <a14:hiddenFill xmlns:a14="http://schemas.microsoft.com/office/drawing/2010/main">
+                <a:solidFill>
+                  <a:srgbClr val="FFFFFF"/>
+                </a:solidFill>
+              </a14:hiddenFill>
+            </a:ext>
+          </a:extLst>
+        </p:spPr>
+      </p:pic>
+      <p:cxnSp>
+        <p:nvCxnSpPr>
+          <p:cNvPr id="119" name="연결선: 꺾임 118">
+            <a:extLst>
+              <a:ext uri="{FF2B5EF4-FFF2-40B4-BE49-F238E27FC236}">
+                <a16:creationId xmlns:a16="http://schemas.microsoft.com/office/drawing/2014/main" id="{E16C82BC-9621-4039-9B7C-647ADD689E16}"/>
+              </a:ext>
+            </a:extLst>
+          </p:cNvPr>
+          <p:cNvCxnSpPr>
+            <a:cxnSpLocks/>
+            <a:stCxn id="117" idx="2"/>
+            <a:endCxn id="88" idx="1"/>
+          </p:cNvCxnSpPr>
+          <p:nvPr/>
+        </p:nvCxnSpPr>
+        <p:spPr>
+          <a:xfrm rot="5400000" flipH="1">
+            <a:off x="2552331" y="319827"/>
+            <a:ext cx="3434227" cy="6860443"/>
+          </a:xfrm>
+          <a:prstGeom prst="bentConnector4">
+            <a:avLst>
+              <a:gd name="adj1" fmla="val -6657"/>
+              <a:gd name="adj2" fmla="val 104877"/>
+            </a:avLst>
+          </a:prstGeom>
+          <a:ln>
+            <a:tailEnd type="triangle"/>
+          </a:ln>
+        </p:spPr>
+        <p:style>
+          <a:lnRef idx="1">
+            <a:schemeClr val="dk1"/>
+          </a:lnRef>
+          <a:fillRef idx="0">
+            <a:schemeClr val="dk1"/>
+          </a:fillRef>
+          <a:effectRef idx="0">
+            <a:schemeClr val="dk1"/>
+          </a:effectRef>
+          <a:fontRef idx="minor">
+            <a:schemeClr val="tx1"/>
+          </a:fontRef>
+        </p:style>
+      </p:cxnSp>
+      <p:cxnSp>
+        <p:nvCxnSpPr>
+          <p:cNvPr id="126" name="직선 화살표 연결선 125">
+            <a:extLst>
+              <a:ext uri="{FF2B5EF4-FFF2-40B4-BE49-F238E27FC236}">
+                <a16:creationId xmlns:a16="http://schemas.microsoft.com/office/drawing/2014/main" id="{0D2B1FB9-27BB-4A76-ADB3-BFE42539A399}"/>
+              </a:ext>
+            </a:extLst>
+          </p:cNvPr>
+          <p:cNvCxnSpPr>
+            <a:cxnSpLocks/>
+          </p:cNvCxnSpPr>
+          <p:nvPr/>
+        </p:nvCxnSpPr>
+        <p:spPr>
+          <a:xfrm flipV="1">
+            <a:off x="8279580" y="4950349"/>
+            <a:ext cx="800052" cy="885"/>
+          </a:xfrm>
+          <a:prstGeom prst="straightConnector1">
+            <a:avLst/>
+          </a:prstGeom>
+          <a:ln>
+            <a:tailEnd type="triangle"/>
+          </a:ln>
+        </p:spPr>
+        <p:style>
+          <a:lnRef idx="1">
+            <a:schemeClr val="dk1"/>
+          </a:lnRef>
+          <a:fillRef idx="0">
+            <a:schemeClr val="dk1"/>
+          </a:fillRef>
+          <a:effectRef idx="0">
+            <a:schemeClr val="dk1"/>
+          </a:effectRef>
+          <a:fontRef idx="minor">
+            <a:schemeClr val="tx1"/>
+          </a:fontRef>
+        </p:style>
+      </p:cxnSp>
+      <p:cxnSp>
+        <p:nvCxnSpPr>
+          <p:cNvPr id="127" name="직선 화살표 연결선 126">
+            <a:extLst>
+              <a:ext uri="{FF2B5EF4-FFF2-40B4-BE49-F238E27FC236}">
+                <a16:creationId xmlns:a16="http://schemas.microsoft.com/office/drawing/2014/main" id="{5B77FFC6-FB84-40A8-B4CD-68BD24176581}"/>
+              </a:ext>
+            </a:extLst>
+          </p:cNvPr>
+          <p:cNvCxnSpPr>
+            <a:cxnSpLocks/>
+          </p:cNvCxnSpPr>
+          <p:nvPr/>
+        </p:nvCxnSpPr>
+        <p:spPr>
+          <a:xfrm>
+            <a:off x="10759970" y="4945447"/>
+            <a:ext cx="343075" cy="0"/>
+          </a:xfrm>
+          <a:prstGeom prst="straightConnector1">
+            <a:avLst/>
+          </a:prstGeom>
+          <a:ln>
+            <a:tailEnd type="triangle"/>
+          </a:ln>
+        </p:spPr>
+        <p:style>
+          <a:lnRef idx="1">
+            <a:schemeClr val="dk1"/>
+          </a:lnRef>
+          <a:fillRef idx="0">
+            <a:schemeClr val="dk1"/>
+          </a:fillRef>
+          <a:effectRef idx="0">
+            <a:schemeClr val="dk1"/>
+          </a:effectRef>
+          <a:fontRef idx="minor">
+            <a:schemeClr val="tx1"/>
+          </a:fontRef>
+        </p:style>
+      </p:cxnSp>
+      <p:sp>
+        <p:nvSpPr>
+          <p:cNvPr id="131" name="직사각형 130">
+            <a:extLst>
+              <a:ext uri="{FF2B5EF4-FFF2-40B4-BE49-F238E27FC236}">
+                <a16:creationId xmlns:a16="http://schemas.microsoft.com/office/drawing/2014/main" id="{D34E8A72-FBD2-4515-A3C1-698C36DD16C2}"/>
+              </a:ext>
+            </a:extLst>
+          </p:cNvPr>
+          <p:cNvSpPr/>
+          <p:nvPr/>
+        </p:nvSpPr>
+        <p:spPr>
+          <a:xfrm>
+            <a:off x="8037743" y="4702272"/>
+            <a:ext cx="1355884" cy="261610"/>
+          </a:xfrm>
+          <a:prstGeom prst="rect">
+            <a:avLst/>
+          </a:prstGeom>
+        </p:spPr>
+        <p:txBody>
+          <a:bodyPr wrap="square">
+            <a:spAutoFit/>
+          </a:bodyPr>
+          <a:lstStyle/>
+          <a:p>
+            <a:pPr algn="ctr"/>
+            <a:r>
+              <a:rPr lang="en-US" altLang="ko-KR" sz="1050" dirty="0"/>
+              <a:t>None Overlap</a:t>
+            </a:r>
+          </a:p>
+        </p:txBody>
+      </p:sp>
+      <p:sp>
+        <p:nvSpPr>
+          <p:cNvPr id="132" name="직사각형 131">
+            <a:extLst>
+              <a:ext uri="{FF2B5EF4-FFF2-40B4-BE49-F238E27FC236}">
+                <a16:creationId xmlns:a16="http://schemas.microsoft.com/office/drawing/2014/main" id="{10E2D6C3-D70F-42D0-95B5-D9954258C9D5}"/>
+              </a:ext>
+            </a:extLst>
+          </p:cNvPr>
+          <p:cNvSpPr/>
+          <p:nvPr/>
+        </p:nvSpPr>
+        <p:spPr>
+          <a:xfrm>
+            <a:off x="3618214" y="5651009"/>
+            <a:ext cx="1355884" cy="307777"/>
+          </a:xfrm>
+          <a:prstGeom prst="rect">
+            <a:avLst/>
+          </a:prstGeom>
+        </p:spPr>
+        <p:txBody>
+          <a:bodyPr wrap="square">
+            <a:spAutoFit/>
+          </a:bodyPr>
+          <a:lstStyle/>
+          <a:p>
+            <a:pPr algn="ctr"/>
+            <a:r>
+              <a:rPr lang="en-US" altLang="ko-KR" sz="1400" dirty="0"/>
+              <a:t>Overlap Data</a:t>
+            </a:r>
+          </a:p>
+        </p:txBody>
+      </p:sp>
+      <p:cxnSp>
+        <p:nvCxnSpPr>
+          <p:cNvPr id="49" name="연결선: 꺾임 48">
+            <a:extLst>
+              <a:ext uri="{FF2B5EF4-FFF2-40B4-BE49-F238E27FC236}">
+                <a16:creationId xmlns:a16="http://schemas.microsoft.com/office/drawing/2014/main" id="{F9BB35FB-7BC2-4676-A007-85AB9360AB42}"/>
+              </a:ext>
+            </a:extLst>
+          </p:cNvPr>
+          <p:cNvCxnSpPr>
+            <a:cxnSpLocks/>
+            <a:stCxn id="85" idx="2"/>
+            <a:endCxn id="64" idx="0"/>
+          </p:cNvCxnSpPr>
+          <p:nvPr/>
+        </p:nvCxnSpPr>
+        <p:spPr>
+          <a:xfrm rot="5400000">
+            <a:off x="4626684" y="-610268"/>
+            <a:ext cx="2114851" cy="8095156"/>
+          </a:xfrm>
+          <a:prstGeom prst="bentConnector3">
+            <a:avLst>
+              <a:gd name="adj1" fmla="val 50000"/>
+            </a:avLst>
+          </a:prstGeom>
+          <a:ln>
+            <a:tailEnd type="triangle"/>
+          </a:ln>
+        </p:spPr>
+        <p:style>
+          <a:lnRef idx="1">
+            <a:schemeClr val="dk1"/>
+          </a:lnRef>
+          <a:fillRef idx="0">
+            <a:schemeClr val="dk1"/>
+          </a:fillRef>
+          <a:effectRef idx="0">
+            <a:schemeClr val="dk1"/>
+          </a:effectRef>
+          <a:fontRef idx="minor">
+            <a:schemeClr val="tx1"/>
+          </a:fontRef>
+        </p:style>
+      </p:cxnSp>
+      <p:cxnSp>
+        <p:nvCxnSpPr>
+          <p:cNvPr id="57" name="직선 화살표 연결선 56">
+            <a:extLst>
+              <a:ext uri="{FF2B5EF4-FFF2-40B4-BE49-F238E27FC236}">
+                <a16:creationId xmlns:a16="http://schemas.microsoft.com/office/drawing/2014/main" id="{833E12BD-3297-4518-947A-956542EAE252}"/>
+              </a:ext>
+            </a:extLst>
+          </p:cNvPr>
+          <p:cNvCxnSpPr>
+            <a:cxnSpLocks/>
+          </p:cNvCxnSpPr>
+          <p:nvPr/>
+        </p:nvCxnSpPr>
+        <p:spPr>
+          <a:xfrm>
+            <a:off x="3072917" y="2045150"/>
+            <a:ext cx="557052" cy="0"/>
+          </a:xfrm>
+          <a:prstGeom prst="straightConnector1">
+            <a:avLst/>
+          </a:prstGeom>
+          <a:ln>
+            <a:tailEnd type="triangle"/>
+          </a:ln>
+        </p:spPr>
+        <p:style>
+          <a:lnRef idx="1">
+            <a:schemeClr val="dk1"/>
+          </a:lnRef>
+          <a:fillRef idx="0">
+            <a:schemeClr val="dk1"/>
+          </a:fillRef>
+          <a:effectRef idx="0">
+            <a:schemeClr val="dk1"/>
+          </a:effectRef>
+          <a:fontRef idx="minor">
+            <a:schemeClr val="tx1"/>
+          </a:fontRef>
+        </p:style>
+      </p:cxnSp>
+      <p:cxnSp>
+        <p:nvCxnSpPr>
+          <p:cNvPr id="59" name="직선 화살표 연결선 58">
+            <a:extLst>
+              <a:ext uri="{FF2B5EF4-FFF2-40B4-BE49-F238E27FC236}">
+                <a16:creationId xmlns:a16="http://schemas.microsoft.com/office/drawing/2014/main" id="{897345D4-8DAE-4EAC-BE2F-00E0DB32AA4F}"/>
+              </a:ext>
+            </a:extLst>
+          </p:cNvPr>
+          <p:cNvCxnSpPr>
+            <a:cxnSpLocks/>
+          </p:cNvCxnSpPr>
+          <p:nvPr/>
+        </p:nvCxnSpPr>
+        <p:spPr>
+          <a:xfrm>
+            <a:off x="5025040" y="2012927"/>
+            <a:ext cx="557052" cy="0"/>
+          </a:xfrm>
+          <a:prstGeom prst="straightConnector1">
+            <a:avLst/>
+          </a:prstGeom>
+          <a:ln>
+            <a:tailEnd type="triangle"/>
+          </a:ln>
+        </p:spPr>
+        <p:style>
+          <a:lnRef idx="1">
+            <a:schemeClr val="dk1"/>
+          </a:lnRef>
+          <a:fillRef idx="0">
+            <a:schemeClr val="dk1"/>
+          </a:fillRef>
+          <a:effectRef idx="0">
+            <a:schemeClr val="dk1"/>
+          </a:effectRef>
+          <a:fontRef idx="minor">
+            <a:schemeClr val="tx1"/>
+          </a:fontRef>
+        </p:style>
+      </p:cxnSp>
+      <p:cxnSp>
+        <p:nvCxnSpPr>
+          <p:cNvPr id="62" name="직선 화살표 연결선 61">
+            <a:extLst>
+              <a:ext uri="{FF2B5EF4-FFF2-40B4-BE49-F238E27FC236}">
+                <a16:creationId xmlns:a16="http://schemas.microsoft.com/office/drawing/2014/main" id="{8743B8E1-07D3-415B-B952-6089E427D342}"/>
+              </a:ext>
+            </a:extLst>
+          </p:cNvPr>
+          <p:cNvCxnSpPr>
+            <a:cxnSpLocks/>
+          </p:cNvCxnSpPr>
+          <p:nvPr/>
+        </p:nvCxnSpPr>
+        <p:spPr>
+          <a:xfrm>
+            <a:off x="8570854" y="1990346"/>
+            <a:ext cx="472206" cy="0"/>
+          </a:xfrm>
+          <a:prstGeom prst="straightConnector1">
+            <a:avLst/>
+          </a:prstGeom>
+          <a:ln>
+            <a:tailEnd type="triangle"/>
+          </a:ln>
+        </p:spPr>
+        <p:style>
+          <a:lnRef idx="1">
+            <a:schemeClr val="dk1"/>
+          </a:lnRef>
+          <a:fillRef idx="0">
+            <a:schemeClr val="dk1"/>
+          </a:fillRef>
+          <a:effectRef idx="0">
+            <a:schemeClr val="dk1"/>
+          </a:effectRef>
+          <a:fontRef idx="minor">
+            <a:schemeClr val="tx1"/>
+          </a:fontRef>
+        </p:style>
+      </p:cxnSp>
+      <p:grpSp>
+        <p:nvGrpSpPr>
+          <p:cNvPr id="20" name="그룹 19">
+            <a:extLst>
+              <a:ext uri="{FF2B5EF4-FFF2-40B4-BE49-F238E27FC236}">
+                <a16:creationId xmlns:a16="http://schemas.microsoft.com/office/drawing/2014/main" id="{382893AA-8DD1-45E1-81BF-38CB97AA2DAD}"/>
+              </a:ext>
+            </a:extLst>
+          </p:cNvPr>
+          <p:cNvGrpSpPr/>
+          <p:nvPr/>
+        </p:nvGrpSpPr>
+        <p:grpSpPr>
+          <a:xfrm>
+            <a:off x="919154" y="4494736"/>
+            <a:ext cx="1434753" cy="992203"/>
+            <a:chOff x="559369" y="4249034"/>
+            <a:chExt cx="1434753" cy="992203"/>
+          </a:xfrm>
+        </p:grpSpPr>
+        <p:sp>
+          <p:nvSpPr>
+            <p:cNvPr id="64" name="사각형: 둥근 모서리 63">
+              <a:extLst>
+                <a:ext uri="{FF2B5EF4-FFF2-40B4-BE49-F238E27FC236}">
+                  <a16:creationId xmlns:a16="http://schemas.microsoft.com/office/drawing/2014/main" id="{BDAA7E99-0ACD-47AF-B0E8-C309EEB034E8}"/>
+                </a:ext>
+              </a:extLst>
+            </p:cNvPr>
+            <p:cNvSpPr/>
+            <p:nvPr/>
+          </p:nvSpPr>
+          <p:spPr>
+            <a:xfrm>
+              <a:off x="559369" y="4249034"/>
+              <a:ext cx="1434753" cy="992203"/>
+            </a:xfrm>
+            <a:prstGeom prst="roundRect">
+              <a:avLst/>
+            </a:prstGeom>
+          </p:spPr>
+          <p:style>
+            <a:lnRef idx="2">
+              <a:schemeClr val="accent3"/>
+            </a:lnRef>
+            <a:fillRef idx="1">
+              <a:schemeClr val="lt1"/>
+            </a:fillRef>
+            <a:effectRef idx="0">
+              <a:schemeClr val="accent3"/>
+            </a:effectRef>
+            <a:fontRef idx="minor">
+              <a:schemeClr val="dk1"/>
+            </a:fontRef>
+          </p:style>
+          <p:txBody>
+            <a:bodyPr rtlCol="0" anchor="ctr"/>
+            <a:lstStyle/>
+            <a:p>
+              <a:pPr algn="ctr"/>
+              <a:endParaRPr lang="en-US" altLang="ko-KR" sz="1000" dirty="0"/>
+            </a:p>
+            <a:p>
+              <a:pPr algn="ctr"/>
+              <a:endParaRPr lang="en-US" altLang="ko-KR" sz="1000" dirty="0"/>
+            </a:p>
+            <a:p>
+              <a:pPr algn="ctr"/>
+              <a:endParaRPr lang="en-US" altLang="ko-KR" sz="1000" dirty="0"/>
+            </a:p>
+            <a:p>
+              <a:pPr algn="ctr"/>
+              <a:r>
+                <a:rPr lang="en-US" altLang="ko-KR" sz="1000" dirty="0"/>
+                <a:t>Average Color decision Histogram</a:t>
+              </a:r>
+            </a:p>
+          </p:txBody>
+        </p:sp>
+        <p:pic>
+          <p:nvPicPr>
+            <p:cNvPr id="12" name="Picture 2" descr="histogram iconì ëí ì´ë¯¸ì§ ê²ìê²°ê³¼">
+              <a:extLst>
+                <a:ext uri="{FF2B5EF4-FFF2-40B4-BE49-F238E27FC236}">
+                  <a16:creationId xmlns:a16="http://schemas.microsoft.com/office/drawing/2014/main" id="{4CE56059-235D-45FF-ABA5-C549BB6D3D2E}"/>
+                </a:ext>
+              </a:extLst>
+            </p:cNvPr>
+            <p:cNvPicPr>
+              <a:picLocks noChangeAspect="1" noChangeArrowheads="1"/>
+            </p:cNvPicPr>
+            <p:nvPr/>
+          </p:nvPicPr>
+          <p:blipFill>
+            <a:blip r:embed="rId11">
+              <a:extLst>
+                <a:ext uri="{28A0092B-C50C-407E-A947-70E740481C1C}">
+                  <a14:useLocalDpi xmlns:a14="http://schemas.microsoft.com/office/drawing/2010/main" val="0"/>
+                </a:ext>
+              </a:extLst>
+            </a:blip>
+            <a:srcRect/>
+            <a:stretch>
+              <a:fillRect/>
+            </a:stretch>
+          </p:blipFill>
+          <p:spPr bwMode="auto">
+            <a:xfrm>
+              <a:off x="1035512" y="4288790"/>
+              <a:ext cx="499247" cy="499247"/>
+            </a:xfrm>
+            <a:prstGeom prst="rect">
+              <a:avLst/>
+            </a:prstGeom>
+            <a:noFill/>
+            <a:extLst>
+              <a:ext uri="{909E8E84-426E-40DD-AFC4-6F175D3DCCD1}">
+                <a14:hiddenFill xmlns:a14="http://schemas.microsoft.com/office/drawing/2010/main">
+                  <a:solidFill>
+                    <a:srgbClr val="FFFFFF"/>
+                  </a:solidFill>
+                </a14:hiddenFill>
+              </a:ext>
+            </a:extLst>
+          </p:spPr>
+        </p:pic>
+      </p:grpSp>
+      <p:cxnSp>
+        <p:nvCxnSpPr>
+          <p:cNvPr id="73" name="직선 화살표 연결선 72">
+            <a:extLst>
+              <a:ext uri="{FF2B5EF4-FFF2-40B4-BE49-F238E27FC236}">
+                <a16:creationId xmlns:a16="http://schemas.microsoft.com/office/drawing/2014/main" id="{C369168C-276F-484C-964C-94B178A3A771}"/>
+              </a:ext>
+            </a:extLst>
+          </p:cNvPr>
+          <p:cNvCxnSpPr>
+            <a:cxnSpLocks/>
+          </p:cNvCxnSpPr>
+          <p:nvPr/>
+        </p:nvCxnSpPr>
+        <p:spPr>
+          <a:xfrm>
+            <a:off x="2359485" y="4945447"/>
+            <a:ext cx="566644" cy="0"/>
+          </a:xfrm>
+          <a:prstGeom prst="straightConnector1">
+            <a:avLst/>
+          </a:prstGeom>
+          <a:ln>
+            <a:tailEnd type="triangle"/>
+          </a:ln>
+        </p:spPr>
+        <p:style>
+          <a:lnRef idx="1">
+            <a:schemeClr val="dk1"/>
+          </a:lnRef>
+          <a:fillRef idx="0">
+            <a:schemeClr val="dk1"/>
+          </a:fillRef>
+          <a:effectRef idx="0">
+            <a:schemeClr val="dk1"/>
+          </a:effectRef>
+          <a:fontRef idx="minor">
+            <a:schemeClr val="tx1"/>
+          </a:fontRef>
+        </p:style>
+      </p:cxnSp>
+      <p:sp>
+        <p:nvSpPr>
+          <p:cNvPr id="77" name="직사각형 76">
+            <a:extLst>
+              <a:ext uri="{FF2B5EF4-FFF2-40B4-BE49-F238E27FC236}">
+                <a16:creationId xmlns:a16="http://schemas.microsoft.com/office/drawing/2014/main" id="{ECC955F2-888D-4C0D-AD33-EEFC4B18F7F3}"/>
+              </a:ext>
+            </a:extLst>
+          </p:cNvPr>
+          <p:cNvSpPr/>
+          <p:nvPr/>
+        </p:nvSpPr>
+        <p:spPr>
+          <a:xfrm>
+            <a:off x="2176196" y="4673811"/>
+            <a:ext cx="936603" cy="276999"/>
+          </a:xfrm>
+          <a:prstGeom prst="rect">
+            <a:avLst/>
+          </a:prstGeom>
+        </p:spPr>
+        <p:txBody>
+          <a:bodyPr wrap="square">
+            <a:spAutoFit/>
+          </a:bodyPr>
+          <a:lstStyle/>
+          <a:p>
+            <a:pPr algn="ctr"/>
+            <a:r>
+              <a:rPr lang="en-US" altLang="ko-KR" sz="1200" dirty="0"/>
+              <a:t>White</a:t>
+            </a:r>
+          </a:p>
+        </p:txBody>
+      </p:sp>
+      <p:sp>
+        <p:nvSpPr>
+          <p:cNvPr id="79" name="직사각형 78">
+            <a:extLst>
+              <a:ext uri="{FF2B5EF4-FFF2-40B4-BE49-F238E27FC236}">
+                <a16:creationId xmlns:a16="http://schemas.microsoft.com/office/drawing/2014/main" id="{7F5A5D61-4015-4139-A82A-A0213CE11EE4}"/>
+              </a:ext>
+            </a:extLst>
+          </p:cNvPr>
+          <p:cNvSpPr/>
+          <p:nvPr/>
+        </p:nvSpPr>
+        <p:spPr>
+          <a:xfrm>
+            <a:off x="274597" y="4750686"/>
+            <a:ext cx="936603" cy="215444"/>
+          </a:xfrm>
+          <a:prstGeom prst="rect">
+            <a:avLst/>
+          </a:prstGeom>
+        </p:spPr>
+        <p:txBody>
+          <a:bodyPr wrap="square">
+            <a:spAutoFit/>
+          </a:bodyPr>
+          <a:lstStyle/>
+          <a:p>
+            <a:pPr algn="ctr"/>
+            <a:r>
+              <a:rPr lang="en-US" altLang="ko-KR" sz="800" dirty="0"/>
+              <a:t>Another</a:t>
+            </a:r>
+          </a:p>
+        </p:txBody>
+      </p:sp>
+      <p:cxnSp>
+        <p:nvCxnSpPr>
+          <p:cNvPr id="30" name="직선 연결선 29">
+            <a:extLst>
+              <a:ext uri="{FF2B5EF4-FFF2-40B4-BE49-F238E27FC236}">
+                <a16:creationId xmlns:a16="http://schemas.microsoft.com/office/drawing/2014/main" id="{21F63623-D510-4735-B6F5-7D799539B541}"/>
+              </a:ext>
+            </a:extLst>
+          </p:cNvPr>
+          <p:cNvCxnSpPr>
+            <a:cxnSpLocks/>
+            <a:endCxn id="64" idx="1"/>
+          </p:cNvCxnSpPr>
+          <p:nvPr/>
+        </p:nvCxnSpPr>
+        <p:spPr>
+          <a:xfrm>
+            <a:off x="490760" y="4987009"/>
+            <a:ext cx="387686" cy="3829"/>
+          </a:xfrm>
+          <a:prstGeom prst="line">
+            <a:avLst/>
+          </a:prstGeom>
+        </p:spPr>
+        <p:style>
+          <a:lnRef idx="1">
+            <a:schemeClr val="dk1"/>
+          </a:lnRef>
+          <a:fillRef idx="0">
+            <a:schemeClr val="dk1"/>
+          </a:fillRef>
+          <a:effectRef idx="0">
+            <a:schemeClr val="dk1"/>
+          </a:effectRef>
+          <a:fontRef idx="minor">
+            <a:schemeClr val="tx1"/>
+          </a:fontRef>
+        </p:style>
+      </p:cxnSp>
+    </p:spTree>
+    <p:extLst>
+      <p:ext uri="{BB962C8B-B14F-4D97-AF65-F5344CB8AC3E}">
+        <p14:creationId xmlns:p14="http://schemas.microsoft.com/office/powerpoint/2010/main" val="3638089433"/>
       </p:ext>
     </p:extLst>
   </p:cSld>
